--- a/help/data-sheets/assets/EnterpriseSupportDatasheet.pptx
+++ b/help/data-sheets/assets/EnterpriseSupportDatasheet.pptx
@@ -144,12 +144,7 @@
 <file path=ppt/revisionInfo.xml><?xml version="1.0" encoding="utf-8"?>
 <p1510:revInfo xmlns:a="http://schemas.openxmlformats.org/drawingml/2006/main" xmlns:r="http://schemas.openxmlformats.org/officeDocument/2006/relationships" xmlns:p1510="http://schemas.microsoft.com/office/powerpoint/2015/10/main">
   <p1510:revLst>
-    <p1510:client id="{0AB2EF93-BE08-D205-D43E-3B568BB37DAA}" v="26" dt="2021-09-22T23:01:49.517"/>
-    <p1510:client id="{0AC6A3A1-0788-C69A-5EFD-279F3FA2CF0F}" v="51" dt="2021-09-22T18:56:17.553"/>
-    <p1510:client id="{112231ED-4F38-A856-2EFF-9D0F88AC9BDF}" v="3" dt="2021-09-22T19:11:31.474"/>
-    <p1510:client id="{3CA2F123-FAC9-2CDD-7937-C83283BA7837}" v="1" dt="2021-09-16T20:58:19.458"/>
     <p1510:client id="{3F02B349-0406-AE51-D438-E7A0BE890230}" v="20" dt="2021-08-25T18:45:08.206"/>
-    <p1510:client id="{A40C3D7D-993B-38B2-2DDA-C562505A1054}" v="4" dt="2021-09-22T23:00:46.860"/>
     <p1510:client id="{BAC4F85F-6423-7248-85C4-44132DA97563}" v="77" dt="2021-08-07T08:51:03.454"/>
   </p1510:revLst>
 </p1510:revInfo>
@@ -157,94 +152,6 @@
 
 <file path=ppt/changesInfos/changesInfo1.xml><?xml version="1.0" encoding="utf-8"?>
 <pc:chgInfo xmlns:a="http://schemas.openxmlformats.org/drawingml/2006/main" xmlns:r="http://schemas.openxmlformats.org/officeDocument/2006/relationships" xmlns:ac="http://schemas.microsoft.com/office/drawing/2013/main/command" xmlns:pc="http://schemas.microsoft.com/office/powerpoint/2013/main/command">
-  <pc:docChgLst>
-    <pc:chgData name="Akilah Johnson" userId="S::akjohnso@adobe.com::2fa3aa60-0c9c-4d06-bae2-795983241227" providerId="AD" clId="Web-{0AB2EF93-BE08-D205-D43E-3B568BB37DAA}"/>
-    <pc:docChg chg="modSld">
-      <pc:chgData name="Akilah Johnson" userId="S::akjohnso@adobe.com::2fa3aa60-0c9c-4d06-bae2-795983241227" providerId="AD" clId="Web-{0AB2EF93-BE08-D205-D43E-3B568BB37DAA}" dt="2021-09-22T23:01:45.877" v="13"/>
-      <pc:docMkLst>
-        <pc:docMk/>
-      </pc:docMkLst>
-      <pc:sldChg chg="modSp">
-        <pc:chgData name="Akilah Johnson" userId="S::akjohnso@adobe.com::2fa3aa60-0c9c-4d06-bae2-795983241227" providerId="AD" clId="Web-{0AB2EF93-BE08-D205-D43E-3B568BB37DAA}" dt="2021-09-22T23:01:45.877" v="13"/>
-        <pc:sldMkLst>
-          <pc:docMk/>
-          <pc:sldMk cId="1050037809" sldId="261"/>
-        </pc:sldMkLst>
-        <pc:graphicFrameChg chg="mod modGraphic">
-          <ac:chgData name="Akilah Johnson" userId="S::akjohnso@adobe.com::2fa3aa60-0c9c-4d06-bae2-795983241227" providerId="AD" clId="Web-{0AB2EF93-BE08-D205-D43E-3B568BB37DAA}" dt="2021-09-22T23:01:45.877" v="13"/>
-          <ac:graphicFrameMkLst>
-            <pc:docMk/>
-            <pc:sldMk cId="1050037809" sldId="261"/>
-            <ac:graphicFrameMk id="25" creationId="{3A91F5B0-3974-A14D-A146-FB590F2AAD18}"/>
-          </ac:graphicFrameMkLst>
-        </pc:graphicFrameChg>
-      </pc:sldChg>
-    </pc:docChg>
-  </pc:docChgLst>
-  <pc:docChgLst>
-    <pc:chgData name="Akilah Johnson" userId="S::akjohnso@adobe.com::2fa3aa60-0c9c-4d06-bae2-795983241227" providerId="AD" clId="Web-{0AC6A3A1-0788-C69A-5EFD-279F3FA2CF0F}"/>
-    <pc:docChg chg="modSld">
-      <pc:chgData name="Akilah Johnson" userId="S::akjohnso@adobe.com::2fa3aa60-0c9c-4d06-bae2-795983241227" providerId="AD" clId="Web-{0AC6A3A1-0788-C69A-5EFD-279F3FA2CF0F}" dt="2021-09-22T18:56:17.553" v="29"/>
-      <pc:docMkLst>
-        <pc:docMk/>
-      </pc:docMkLst>
-      <pc:sldChg chg="modSp delCm">
-        <pc:chgData name="Akilah Johnson" userId="S::akjohnso@adobe.com::2fa3aa60-0c9c-4d06-bae2-795983241227" providerId="AD" clId="Web-{0AC6A3A1-0788-C69A-5EFD-279F3FA2CF0F}" dt="2021-09-22T18:56:17.553" v="29"/>
-        <pc:sldMkLst>
-          <pc:docMk/>
-          <pc:sldMk cId="1050037809" sldId="261"/>
-        </pc:sldMkLst>
-        <pc:spChg chg="mod">
-          <ac:chgData name="Akilah Johnson" userId="S::akjohnso@adobe.com::2fa3aa60-0c9c-4d06-bae2-795983241227" providerId="AD" clId="Web-{0AC6A3A1-0788-C69A-5EFD-279F3FA2CF0F}" dt="2021-09-22T18:55:46.585" v="16" actId="20577"/>
-          <ac:spMkLst>
-            <pc:docMk/>
-            <pc:sldMk cId="1050037809" sldId="261"/>
-            <ac:spMk id="64" creationId="{41467BDC-3D83-D844-B922-CD07E94E5AAB}"/>
-          </ac:spMkLst>
-        </pc:spChg>
-        <pc:graphicFrameChg chg="mod modGraphic">
-          <ac:chgData name="Akilah Johnson" userId="S::akjohnso@adobe.com::2fa3aa60-0c9c-4d06-bae2-795983241227" providerId="AD" clId="Web-{0AC6A3A1-0788-C69A-5EFD-279F3FA2CF0F}" dt="2021-09-22T18:55:59.928" v="28"/>
-          <ac:graphicFrameMkLst>
-            <pc:docMk/>
-            <pc:sldMk cId="1050037809" sldId="261"/>
-            <ac:graphicFrameMk id="25" creationId="{3A91F5B0-3974-A14D-A146-FB590F2AAD18}"/>
-          </ac:graphicFrameMkLst>
-        </pc:graphicFrameChg>
-      </pc:sldChg>
-    </pc:docChg>
-  </pc:docChgLst>
-  <pc:docChgLst>
-    <pc:chgData name="Akilah Johnson" userId="S::akjohnso@adobe.com::2fa3aa60-0c9c-4d06-bae2-795983241227" providerId="AD" clId="Web-{112231ED-4F38-A856-2EFF-9D0F88AC9BDF}"/>
-    <pc:docChg chg="modSld">
-      <pc:chgData name="Akilah Johnson" userId="S::akjohnso@adobe.com::2fa3aa60-0c9c-4d06-bae2-795983241227" providerId="AD" clId="Web-{112231ED-4F38-A856-2EFF-9D0F88AC9BDF}" dt="2021-09-22T19:11:31.474" v="2" actId="1076"/>
-      <pc:docMkLst>
-        <pc:docMk/>
-      </pc:docMkLst>
-      <pc:sldChg chg="modSp">
-        <pc:chgData name="Akilah Johnson" userId="S::akjohnso@adobe.com::2fa3aa60-0c9c-4d06-bae2-795983241227" providerId="AD" clId="Web-{112231ED-4F38-A856-2EFF-9D0F88AC9BDF}" dt="2021-09-22T19:11:31.474" v="2" actId="1076"/>
-        <pc:sldMkLst>
-          <pc:docMk/>
-          <pc:sldMk cId="1050037809" sldId="261"/>
-        </pc:sldMkLst>
-        <pc:spChg chg="mod">
-          <ac:chgData name="Akilah Johnson" userId="S::akjohnso@adobe.com::2fa3aa60-0c9c-4d06-bae2-795983241227" providerId="AD" clId="Web-{112231ED-4F38-A856-2EFF-9D0F88AC9BDF}" dt="2021-09-22T19:11:31.474" v="2" actId="1076"/>
-          <ac:spMkLst>
-            <pc:docMk/>
-            <pc:sldMk cId="1050037809" sldId="261"/>
-            <ac:spMk id="23" creationId="{00000000-0000-0000-0000-000000000000}"/>
-          </ac:spMkLst>
-        </pc:spChg>
-        <pc:spChg chg="mod">
-          <ac:chgData name="Akilah Johnson" userId="S::akjohnso@adobe.com::2fa3aa60-0c9c-4d06-bae2-795983241227" providerId="AD" clId="Web-{112231ED-4F38-A856-2EFF-9D0F88AC9BDF}" dt="2021-09-22T19:08:28.879" v="0" actId="1076"/>
-          <ac:spMkLst>
-            <pc:docMk/>
-            <pc:sldMk cId="1050037809" sldId="261"/>
-            <ac:spMk id="64" creationId="{41467BDC-3D83-D844-B922-CD07E94E5AAB}"/>
-          </ac:spMkLst>
-        </pc:spChg>
-      </pc:sldChg>
-    </pc:docChg>
-  </pc:docChgLst>
   <pc:docChgLst>
     <pc:chgData name="Andy Witt" userId="S::awitt@adobe.com::e9157bdf-53b2-40e4-9459-936793d75696" providerId="AD" clId="Web-{3F02B349-0406-AE51-D438-E7A0BE890230}"/>
     <pc:docChg chg="modSld">
@@ -269,103 +176,7 @@
       </pc:sldChg>
     </pc:docChg>
   </pc:docChgLst>
-  <pc:docChgLst>
-    <pc:chgData name="Akilah Johnson" userId="S::akjohnso@adobe.com::2fa3aa60-0c9c-4d06-bae2-795983241227" providerId="AD" clId="Web-{3CA2F123-FAC9-2CDD-7937-C83283BA7837}"/>
-    <pc:docChg chg="modSld">
-      <pc:chgData name="Akilah Johnson" userId="S::akjohnso@adobe.com::2fa3aa60-0c9c-4d06-bae2-795983241227" providerId="AD" clId="Web-{3CA2F123-FAC9-2CDD-7937-C83283BA7837}" dt="2021-09-16T20:58:19.458" v="0" actId="1076"/>
-      <pc:docMkLst>
-        <pc:docMk/>
-      </pc:docMkLst>
-      <pc:sldChg chg="modSp">
-        <pc:chgData name="Akilah Johnson" userId="S::akjohnso@adobe.com::2fa3aa60-0c9c-4d06-bae2-795983241227" providerId="AD" clId="Web-{3CA2F123-FAC9-2CDD-7937-C83283BA7837}" dt="2021-09-16T20:58:19.458" v="0" actId="1076"/>
-        <pc:sldMkLst>
-          <pc:docMk/>
-          <pc:sldMk cId="717026355" sldId="266"/>
-        </pc:sldMkLst>
-        <pc:spChg chg="mod">
-          <ac:chgData name="Akilah Johnson" userId="S::akjohnso@adobe.com::2fa3aa60-0c9c-4d06-bae2-795983241227" providerId="AD" clId="Web-{3CA2F123-FAC9-2CDD-7937-C83283BA7837}" dt="2021-09-16T20:58:19.458" v="0" actId="1076"/>
-          <ac:spMkLst>
-            <pc:docMk/>
-            <pc:sldMk cId="717026355" sldId="266"/>
-            <ac:spMk id="83" creationId="{BB34E685-A734-974B-A33A-BE51D1A8BC0D}"/>
-          </ac:spMkLst>
-        </pc:spChg>
-      </pc:sldChg>
-    </pc:docChg>
-  </pc:docChgLst>
-  <pc:docChgLst>
-    <pc:chgData name="Akilah Johnson" userId="S::akjohnso@adobe.com::2fa3aa60-0c9c-4d06-bae2-795983241227" providerId="AD" clId="Web-{A40C3D7D-993B-38B2-2DDA-C562505A1054}"/>
-    <pc:docChg chg="modSld">
-      <pc:chgData name="Akilah Johnson" userId="S::akjohnso@adobe.com::2fa3aa60-0c9c-4d06-bae2-795983241227" providerId="AD" clId="Web-{A40C3D7D-993B-38B2-2DDA-C562505A1054}" dt="2021-09-22T23:00:46.860" v="3"/>
-      <pc:docMkLst>
-        <pc:docMk/>
-      </pc:docMkLst>
-      <pc:sldChg chg="modSp">
-        <pc:chgData name="Akilah Johnson" userId="S::akjohnso@adobe.com::2fa3aa60-0c9c-4d06-bae2-795983241227" providerId="AD" clId="Web-{A40C3D7D-993B-38B2-2DDA-C562505A1054}" dt="2021-09-22T23:00:46.860" v="3"/>
-        <pc:sldMkLst>
-          <pc:docMk/>
-          <pc:sldMk cId="1050037809" sldId="261"/>
-        </pc:sldMkLst>
-        <pc:graphicFrameChg chg="mod modGraphic">
-          <ac:chgData name="Akilah Johnson" userId="S::akjohnso@adobe.com::2fa3aa60-0c9c-4d06-bae2-795983241227" providerId="AD" clId="Web-{A40C3D7D-993B-38B2-2DDA-C562505A1054}" dt="2021-09-22T23:00:46.860" v="3"/>
-          <ac:graphicFrameMkLst>
-            <pc:docMk/>
-            <pc:sldMk cId="1050037809" sldId="261"/>
-            <ac:graphicFrameMk id="25" creationId="{3A91F5B0-3974-A14D-A146-FB590F2AAD18}"/>
-          </ac:graphicFrameMkLst>
-        </pc:graphicFrameChg>
-      </pc:sldChg>
-    </pc:docChg>
-  </pc:docChgLst>
 </pc:chgInfo>
-</file>
-
-<file path=ppt/comments/comment1.xml><?xml version="1.0" encoding="utf-8"?>
-<p:cmLst xmlns:a="http://schemas.openxmlformats.org/drawingml/2006/main" xmlns:r="http://schemas.openxmlformats.org/officeDocument/2006/relationships" xmlns:p="http://schemas.openxmlformats.org/presentationml/2006/main">
-  <p:cm authorId="1" dt="2021-08-04T14:42:10.630" idx="4">
-    <p:pos x="-3291" y="2170"/>
-    <p:text/>
-    <p:extLst>
-      <p:ext uri="{C676402C-5697-4E1C-873F-D02D1690AC5C}">
-        <p15:threadingInfo xmlns:p15="http://schemas.microsoft.com/office/powerpoint/2012/main" timeZoneBias="420"/>
-      </p:ext>
-    </p:extLst>
-  </p:cm>
-  <p:cm authorId="1" dt="2021-08-04T14:42:19.668" idx="5">
-    <p:pos x="4567" y="1502"/>
-    <p:text>Can we add a darker blue line under 'Enterprise Support?'</p:text>
-    <p:extLst>
-      <p:ext uri="{C676402C-5697-4E1C-873F-D02D1690AC5C}">
-        <p15:threadingInfo xmlns:p15="http://schemas.microsoft.com/office/powerpoint/2012/main" timeZoneBias="420"/>
-      </p:ext>
-    </p:extLst>
-  </p:cm>
-  <p:cm authorId="1" dt="2021-08-04T15:01:35.985" idx="8">
-    <p:pos x="4567" y="1598"/>
-    <p:text>Hi Ankita, I did my best to keep the formatting you already worked so hard on. I added a few comments on things I'll need your help with . Thank again so much!</p:text>
-    <p:extLst>
-      <p:ext uri="{C676402C-5697-4E1C-873F-D02D1690AC5C}">
-        <p15:threadingInfo xmlns:p15="http://schemas.microsoft.com/office/powerpoint/2012/main" timeZoneBias="420">
-          <p15:parentCm authorId="1" idx="5"/>
-        </p15:threadingInfo>
-      </p:ext>
-    </p:extLst>
-  </p:cm>
-</p:cmLst>
-</file>
-
-<file path=ppt/comments/comment2.xml><?xml version="1.0" encoding="utf-8"?>
-<p:cmLst xmlns:a="http://schemas.openxmlformats.org/drawingml/2006/main" xmlns:r="http://schemas.openxmlformats.org/officeDocument/2006/relationships" xmlns:p="http://schemas.openxmlformats.org/presentationml/2006/main">
-  <p:cm authorId="1" dt="2021-08-04T14:53:07.049" idx="6">
-    <p:pos x="10" y="10"/>
-    <p:text>Please remove black, red, blue circles</p:text>
-    <p:extLst>
-      <p:ext uri="{C676402C-5697-4E1C-873F-D02D1690AC5C}">
-        <p15:threadingInfo xmlns:p15="http://schemas.microsoft.com/office/powerpoint/2012/main" timeZoneBias="420"/>
-      </p:ext>
-    </p:extLst>
-  </p:cm>
-</p:cmLst>
 </file>
 
 <file path=ppt/notesMasters/notesMaster1.xml><?xml version="1.0" encoding="utf-8"?>
@@ -450,7 +261,7 @@
           <a:p>
             <a:fld id="{CCB2A597-803A-C244-97E2-A01066125D19}" type="datetimeFigureOut">
               <a:rPr lang="en-US" smtClean="0"/>
-              <a:t>9/22/2021</a:t>
+              <a:t>10/11/21</a:t>
             </a:fld>
             <a:endParaRPr lang="en-US"/>
           </a:p>
@@ -1231,7 +1042,7 @@
           <a:p>
             <a:fld id="{1D8BD707-D9CF-40AE-B4C6-C98DA3205C09}" type="datetimeFigureOut">
               <a:rPr lang="en-US"/>
-              <a:t>9/22/2021</a:t>
+              <a:t>10/11/21</a:t>
             </a:fld>
             <a:endParaRPr lang="en-US"/>
           </a:p>
@@ -1471,7 +1282,7 @@
           <a:p>
             <a:fld id="{1D8BD707-D9CF-40AE-B4C6-C98DA3205C09}" type="datetimeFigureOut">
               <a:rPr lang="en-US"/>
-              <a:t>9/22/2021</a:t>
+              <a:t>10/11/21</a:t>
             </a:fld>
             <a:endParaRPr lang="en-US"/>
           </a:p>
@@ -1724,7 +1535,7 @@
           <a:p>
             <a:fld id="{1D8BD707-D9CF-40AE-B4C6-C98DA3205C09}" type="datetimeFigureOut">
               <a:rPr lang="en-US"/>
-              <a:t>9/22/2021</a:t>
+              <a:t>10/11/21</a:t>
             </a:fld>
             <a:endParaRPr lang="en-US"/>
           </a:p>
@@ -1911,7 +1722,7 @@
           <a:p>
             <a:fld id="{1D8BD707-D9CF-40AE-B4C6-C98DA3205C09}" type="datetimeFigureOut">
               <a:rPr lang="en-US"/>
-              <a:t>9/22/2021</a:t>
+              <a:t>10/11/21</a:t>
             </a:fld>
             <a:endParaRPr lang="en-US"/>
           </a:p>
@@ -2069,7 +1880,7 @@
           <a:p>
             <a:fld id="{1D8BD707-D9CF-40AE-B4C6-C98DA3205C09}" type="datetimeFigureOut">
               <a:rPr lang="en-US"/>
-              <a:t>9/22/2021</a:t>
+              <a:t>10/11/21</a:t>
             </a:fld>
             <a:endParaRPr lang="en-US"/>
           </a:p>
@@ -2327,7 +2138,7 @@
           <a:p>
             <a:fld id="{1D8BD707-D9CF-40AE-B4C6-C98DA3205C09}" type="datetimeFigureOut">
               <a:rPr lang="en-US"/>
-              <a:t>9/22/2021</a:t>
+              <a:t>10/11/21</a:t>
             </a:fld>
             <a:endParaRPr lang="en-US"/>
           </a:p>
@@ -2580,28 +2391,10 @@
               </a:spcBef>
             </a:pPr>
             <a:r>
-              <a:rPr sz="2300" spc="-229">
+              <a:rPr lang="de-de" sz="2300" spc="-229">
                 <a:latin typeface="Adobe Clean" panose="020B0503020404020204" pitchFamily="34" charset="0"/>
               </a:rPr>
-              <a:t>ADOBE</a:t>
-            </a:r>
-            <a:r>
-              <a:rPr lang="en-US" sz="2300" spc="-229">
-                <a:latin typeface="Adobe Clean" panose="020B0503020404020204" pitchFamily="34" charset="0"/>
-              </a:rPr>
-              <a:t>   </a:t>
-            </a:r>
-            <a:r>
-              <a:rPr sz="2300" spc="-229">
-                <a:latin typeface="Adobe Clean" panose="020B0503020404020204" pitchFamily="34" charset="0"/>
-              </a:rPr>
-              <a:t>SUPPORT</a:t>
-            </a:r>
-            <a:r>
-              <a:rPr lang="en-US" sz="2300" spc="-229">
-                <a:latin typeface="Adobe Clean" panose="020B0503020404020204" pitchFamily="34" charset="0"/>
-              </a:rPr>
-              <a:t>  OFFERINGS</a:t>
+              <a:t>Adobe   지원 서비스 제공 사항</a:t>
             </a:r>
             <a:endParaRPr sz="2300" spc="-229">
               <a:latin typeface="Adobe Clean" panose="020B0503020404020204" pitchFamily="34" charset="0"/>
@@ -2618,7 +2411,7 @@
         <p:spPr>
           <a:xfrm>
             <a:off x="125148" y="7013546"/>
-            <a:ext cx="2785110" cy="228268"/>
+            <a:ext cx="5246952" cy="228268"/>
           </a:xfrm>
           <a:prstGeom prst="rect">
             <a:avLst/>
@@ -2639,7 +2432,7 @@
               </a:spcBef>
             </a:pPr>
             <a:r>
-              <a:rPr sz="1400" b="1" u="sng" spc="15">
+              <a:rPr lang="de-de" sz="1400" b="1" u="sng" spc="15" dirty="0">
                 <a:solidFill>
                   <a:srgbClr val="020302"/>
                 </a:solidFill>
@@ -2651,10 +2444,10 @@
                 <a:latin typeface="Adobe Clean"/>
                 <a:cs typeface="Adobe Clean"/>
               </a:rPr>
-              <a:t>S</a:t>
-            </a:r>
-            <a:r>
-              <a:rPr sz="1400" b="1" u="sng" spc="5">
+              <a:t>서비스</a:t>
+            </a:r>
+            <a:r>
+              <a:rPr lang="de-de" sz="1400" b="1" u="sng" spc="20" dirty="0">
                 <a:solidFill>
                   <a:srgbClr val="020302"/>
                 </a:solidFill>
@@ -2666,10 +2459,10 @@
                 <a:latin typeface="Adobe Clean"/>
                 <a:cs typeface="Adobe Clean"/>
               </a:rPr>
-              <a:t>er</a:t>
-            </a:r>
-            <a:r>
-              <a:rPr sz="1400" b="1" u="sng" spc="10">
+              <a:t> </a:t>
+            </a:r>
+            <a:r>
+              <a:rPr lang="de-de" sz="1400" b="1" u="sng" spc="-15" dirty="0">
                 <a:solidFill>
                   <a:srgbClr val="020302"/>
                 </a:solidFill>
@@ -2681,10 +2474,10 @@
                 <a:latin typeface="Adobe Clean"/>
                 <a:cs typeface="Adobe Clean"/>
               </a:rPr>
-              <a:t>vi</a:t>
-            </a:r>
-            <a:r>
-              <a:rPr sz="1400" b="1" u="sng" spc="5">
+              <a:t>수준 </a:t>
+            </a:r>
+            <a:r>
+              <a:rPr lang="de-de" sz="1400" b="1" u="sng" spc="-55" dirty="0">
                 <a:solidFill>
                   <a:srgbClr val="020302"/>
                 </a:solidFill>
@@ -2696,10 +2489,10 @@
                 <a:latin typeface="Adobe Clean"/>
                 <a:cs typeface="Adobe Clean"/>
               </a:rPr>
-              <a:t>c</a:t>
-            </a:r>
-            <a:r>
-              <a:rPr sz="1400" b="1" u="sng">
+              <a:t>목표</a:t>
+            </a:r>
+            <a:r>
+              <a:rPr lang="de-de" sz="1400" b="1" u="sng" dirty="0">
                 <a:solidFill>
                   <a:srgbClr val="020302"/>
                 </a:solidFill>
@@ -2711,10 +2504,10 @@
                 <a:latin typeface="Adobe Clean"/>
                 <a:cs typeface="Adobe Clean"/>
               </a:rPr>
-              <a:t>e</a:t>
-            </a:r>
-            <a:r>
-              <a:rPr sz="1400" b="1" u="sng" spc="20">
+              <a:t>:</a:t>
+            </a:r>
+            <a:r>
+              <a:rPr lang="de-de" sz="1400" b="1" u="sng" spc="-85" dirty="0">
                 <a:solidFill>
                   <a:srgbClr val="020302"/>
                 </a:solidFill>
@@ -2729,7 +2522,7 @@
               <a:t> </a:t>
             </a:r>
             <a:r>
-              <a:rPr sz="1400" b="1" u="sng" spc="-15">
+              <a:rPr lang="de-de" sz="1400" b="1" u="sng" spc="-15" dirty="0">
                 <a:solidFill>
                   <a:srgbClr val="020302"/>
                 </a:solidFill>
@@ -2741,10 +2534,10 @@
                 <a:latin typeface="Adobe Clean"/>
                 <a:cs typeface="Adobe Clean"/>
               </a:rPr>
-              <a:t>Le</a:t>
-            </a:r>
-            <a:r>
-              <a:rPr sz="1400" b="1" u="sng" spc="-10">
+              <a:t>초기</a:t>
+            </a:r>
+            <a:r>
+              <a:rPr lang="de-de" sz="1400" b="1" u="sng" spc="-145" dirty="0">
                 <a:solidFill>
                   <a:srgbClr val="020302"/>
                 </a:solidFill>
@@ -2756,10 +2549,10 @@
                 <a:latin typeface="Adobe Clean"/>
                 <a:cs typeface="Adobe Clean"/>
               </a:rPr>
-              <a:t>v</a:t>
-            </a:r>
-            <a:r>
-              <a:rPr sz="1400" b="1" u="sng" spc="-15">
+              <a:t> </a:t>
+            </a:r>
+            <a:r>
+              <a:rPr lang="de-de" sz="1400" b="1" u="sng" spc="-15" dirty="0">
                 <a:solidFill>
                   <a:srgbClr val="020302"/>
                 </a:solidFill>
@@ -2771,354 +2564,9 @@
                 <a:latin typeface="Adobe Clean"/>
                 <a:cs typeface="Adobe Clean"/>
               </a:rPr>
-              <a:t>e</a:t>
-            </a:r>
-            <a:r>
-              <a:rPr sz="1400" b="1" u="sng">
-                <a:solidFill>
-                  <a:srgbClr val="020302"/>
-                </a:solidFill>
-                <a:uFill>
-                  <a:solidFill>
-                    <a:srgbClr val="020302"/>
-                  </a:solidFill>
-                </a:uFill>
-                <a:latin typeface="Adobe Clean"/>
-                <a:cs typeface="Adobe Clean"/>
-              </a:rPr>
-              <a:t>l</a:t>
-            </a:r>
-            <a:r>
-              <a:rPr sz="1400" b="1" u="sng" spc="-15">
-                <a:solidFill>
-                  <a:srgbClr val="020302"/>
-                </a:solidFill>
-                <a:uFill>
-                  <a:solidFill>
-                    <a:srgbClr val="020302"/>
-                  </a:solidFill>
-                </a:uFill>
-                <a:latin typeface="Adobe Clean"/>
-                <a:cs typeface="Adobe Clean"/>
-              </a:rPr>
-              <a:t> </a:t>
-            </a:r>
-            <a:r>
-              <a:rPr sz="1400" b="1" u="sng" spc="-55">
-                <a:solidFill>
-                  <a:srgbClr val="020302"/>
-                </a:solidFill>
-                <a:uFill>
-                  <a:solidFill>
-                    <a:srgbClr val="020302"/>
-                  </a:solidFill>
-                </a:uFill>
-                <a:latin typeface="Adobe Clean"/>
-                <a:cs typeface="Adobe Clean"/>
-              </a:rPr>
-              <a:t>T</a:t>
-            </a:r>
-            <a:r>
-              <a:rPr sz="1400" b="1" u="sng" spc="-40">
-                <a:solidFill>
-                  <a:srgbClr val="020302"/>
-                </a:solidFill>
-                <a:uFill>
-                  <a:solidFill>
-                    <a:srgbClr val="020302"/>
-                  </a:solidFill>
-                </a:uFill>
-                <a:latin typeface="Adobe Clean"/>
-                <a:cs typeface="Adobe Clean"/>
-              </a:rPr>
-              <a:t>a</a:t>
-            </a:r>
-            <a:r>
-              <a:rPr sz="1400" b="1" u="sng" spc="-45">
-                <a:solidFill>
-                  <a:srgbClr val="020302"/>
-                </a:solidFill>
-                <a:uFill>
-                  <a:solidFill>
-                    <a:srgbClr val="020302"/>
-                  </a:solidFill>
-                </a:uFill>
-                <a:latin typeface="Adobe Clean"/>
-                <a:cs typeface="Adobe Clean"/>
-              </a:rPr>
-              <a:t>r</a:t>
-            </a:r>
-            <a:r>
-              <a:rPr sz="1400" b="1" u="sng" spc="-40">
-                <a:solidFill>
-                  <a:srgbClr val="020302"/>
-                </a:solidFill>
-                <a:uFill>
-                  <a:solidFill>
-                    <a:srgbClr val="020302"/>
-                  </a:solidFill>
-                </a:uFill>
-                <a:latin typeface="Adobe Clean"/>
-                <a:cs typeface="Adobe Clean"/>
-              </a:rPr>
-              <a:t>g</a:t>
-            </a:r>
-            <a:r>
-              <a:rPr sz="1400" b="1" u="sng" spc="-50">
-                <a:solidFill>
-                  <a:srgbClr val="020302"/>
-                </a:solidFill>
-                <a:uFill>
-                  <a:solidFill>
-                    <a:srgbClr val="020302"/>
-                  </a:solidFill>
-                </a:uFill>
-                <a:latin typeface="Adobe Clean"/>
-                <a:cs typeface="Adobe Clean"/>
-              </a:rPr>
-              <a:t>et</a:t>
-            </a:r>
-            <a:r>
-              <a:rPr sz="1400" b="1" u="sng" spc="-45">
-                <a:solidFill>
-                  <a:srgbClr val="020302"/>
-                </a:solidFill>
-                <a:uFill>
-                  <a:solidFill>
-                    <a:srgbClr val="020302"/>
-                  </a:solidFill>
-                </a:uFill>
-                <a:latin typeface="Adobe Clean"/>
-                <a:cs typeface="Adobe Clean"/>
-              </a:rPr>
-              <a:t>s</a:t>
-            </a:r>
-            <a:r>
-              <a:rPr sz="1400" b="1" u="sng">
-                <a:solidFill>
-                  <a:srgbClr val="020302"/>
-                </a:solidFill>
-                <a:uFill>
-                  <a:solidFill>
-                    <a:srgbClr val="020302"/>
-                  </a:solidFill>
-                </a:uFill>
-                <a:latin typeface="Adobe Clean"/>
-                <a:cs typeface="Adobe Clean"/>
-              </a:rPr>
-              <a:t>:</a:t>
-            </a:r>
-            <a:r>
-              <a:rPr sz="1400" b="1" u="sng" spc="-85">
-                <a:solidFill>
-                  <a:srgbClr val="020302"/>
-                </a:solidFill>
-                <a:uFill>
-                  <a:solidFill>
-                    <a:srgbClr val="020302"/>
-                  </a:solidFill>
-                </a:uFill>
-                <a:latin typeface="Adobe Clean"/>
-                <a:cs typeface="Adobe Clean"/>
-              </a:rPr>
-              <a:t> </a:t>
-            </a:r>
-            <a:r>
-              <a:rPr sz="1400" b="1" u="sng" spc="-15">
-                <a:solidFill>
-                  <a:srgbClr val="020302"/>
-                </a:solidFill>
-                <a:uFill>
-                  <a:solidFill>
-                    <a:srgbClr val="020302"/>
-                  </a:solidFill>
-                </a:uFill>
-                <a:latin typeface="Adobe Clean"/>
-                <a:cs typeface="Adobe Clean"/>
-              </a:rPr>
-              <a:t>I</a:t>
-            </a:r>
-            <a:r>
-              <a:rPr sz="1400" b="1" u="sng" spc="-10">
-                <a:solidFill>
-                  <a:srgbClr val="020302"/>
-                </a:solidFill>
-                <a:uFill>
-                  <a:solidFill>
-                    <a:srgbClr val="020302"/>
-                  </a:solidFill>
-                </a:uFill>
-                <a:latin typeface="Adobe Clean"/>
-                <a:cs typeface="Adobe Clean"/>
-              </a:rPr>
-              <a:t>ni</a:t>
-            </a:r>
-            <a:r>
-              <a:rPr sz="1400" b="1" u="sng" spc="-15">
-                <a:solidFill>
-                  <a:srgbClr val="020302"/>
-                </a:solidFill>
-                <a:uFill>
-                  <a:solidFill>
-                    <a:srgbClr val="020302"/>
-                  </a:solidFill>
-                </a:uFill>
-                <a:latin typeface="Adobe Clean"/>
-                <a:cs typeface="Adobe Clean"/>
-              </a:rPr>
-              <a:t>t</a:t>
-            </a:r>
-            <a:r>
-              <a:rPr sz="1400" b="1" u="sng" spc="-10">
-                <a:solidFill>
-                  <a:srgbClr val="020302"/>
-                </a:solidFill>
-                <a:uFill>
-                  <a:solidFill>
-                    <a:srgbClr val="020302"/>
-                  </a:solidFill>
-                </a:uFill>
-                <a:latin typeface="Adobe Clean"/>
-                <a:cs typeface="Adobe Clean"/>
-              </a:rPr>
-              <a:t>i</a:t>
-            </a:r>
-            <a:r>
-              <a:rPr sz="1400" b="1" u="sng" spc="-5">
-                <a:solidFill>
-                  <a:srgbClr val="020302"/>
-                </a:solidFill>
-                <a:uFill>
-                  <a:solidFill>
-                    <a:srgbClr val="020302"/>
-                  </a:solidFill>
-                </a:uFill>
-                <a:latin typeface="Adobe Clean"/>
-                <a:cs typeface="Adobe Clean"/>
-              </a:rPr>
-              <a:t>a</a:t>
-            </a:r>
-            <a:r>
-              <a:rPr sz="1400" b="1" u="sng">
-                <a:solidFill>
-                  <a:srgbClr val="020302"/>
-                </a:solidFill>
-                <a:uFill>
-                  <a:solidFill>
-                    <a:srgbClr val="020302"/>
-                  </a:solidFill>
-                </a:uFill>
-                <a:latin typeface="Adobe Clean"/>
-                <a:cs typeface="Adobe Clean"/>
-              </a:rPr>
-              <a:t>l</a:t>
-            </a:r>
-            <a:r>
-              <a:rPr sz="1400" b="1" u="sng" spc="-145">
-                <a:solidFill>
-                  <a:srgbClr val="020302"/>
-                </a:solidFill>
-                <a:uFill>
-                  <a:solidFill>
-                    <a:srgbClr val="020302"/>
-                  </a:solidFill>
-                </a:uFill>
-                <a:latin typeface="Adobe Clean"/>
-                <a:cs typeface="Adobe Clean"/>
-              </a:rPr>
-              <a:t> </a:t>
-            </a:r>
-            <a:r>
-              <a:rPr sz="1400" b="1" u="sng" spc="-15">
-                <a:solidFill>
-                  <a:srgbClr val="020302"/>
-                </a:solidFill>
-                <a:uFill>
-                  <a:solidFill>
-                    <a:srgbClr val="020302"/>
-                  </a:solidFill>
-                </a:uFill>
-                <a:latin typeface="Adobe Clean"/>
-                <a:cs typeface="Adobe Clean"/>
-              </a:rPr>
-              <a:t>R</a:t>
-            </a:r>
-            <a:r>
-              <a:rPr sz="1400" b="1" u="sng" spc="-20">
-                <a:solidFill>
-                  <a:srgbClr val="020302"/>
-                </a:solidFill>
-                <a:uFill>
-                  <a:solidFill>
-                    <a:srgbClr val="020302"/>
-                  </a:solidFill>
-                </a:uFill>
-                <a:latin typeface="Adobe Clean"/>
-                <a:cs typeface="Adobe Clean"/>
-              </a:rPr>
-              <a:t>e</a:t>
-            </a:r>
-            <a:r>
-              <a:rPr sz="1400" b="1" u="sng" spc="-15">
-                <a:solidFill>
-                  <a:srgbClr val="020302"/>
-                </a:solidFill>
-                <a:uFill>
-                  <a:solidFill>
-                    <a:srgbClr val="020302"/>
-                  </a:solidFill>
-                </a:uFill>
-                <a:latin typeface="Adobe Clean"/>
-                <a:cs typeface="Adobe Clean"/>
-              </a:rPr>
-              <a:t>s</a:t>
-            </a:r>
-            <a:r>
-              <a:rPr sz="1400" b="1" u="sng" spc="-20">
-                <a:solidFill>
-                  <a:srgbClr val="020302"/>
-                </a:solidFill>
-                <a:uFill>
-                  <a:solidFill>
-                    <a:srgbClr val="020302"/>
-                  </a:solidFill>
-                </a:uFill>
-                <a:latin typeface="Adobe Clean"/>
-                <a:cs typeface="Adobe Clean"/>
-              </a:rPr>
-              <a:t>p</a:t>
-            </a:r>
-            <a:r>
-              <a:rPr sz="1400" b="1" u="sng" spc="-15">
-                <a:solidFill>
-                  <a:srgbClr val="020302"/>
-                </a:solidFill>
-                <a:uFill>
-                  <a:solidFill>
-                    <a:srgbClr val="020302"/>
-                  </a:solidFill>
-                </a:uFill>
-                <a:latin typeface="Adobe Clean"/>
-                <a:cs typeface="Adobe Clean"/>
-              </a:rPr>
-              <a:t>ons</a:t>
-            </a:r>
-            <a:r>
-              <a:rPr sz="1400" b="1" u="sng">
-                <a:solidFill>
-                  <a:srgbClr val="020302"/>
-                </a:solidFill>
-                <a:uFill>
-                  <a:solidFill>
-                    <a:srgbClr val="020302"/>
-                  </a:solidFill>
-                </a:uFill>
-                <a:latin typeface="Adobe Clean"/>
-                <a:cs typeface="Adobe Clean"/>
-              </a:rPr>
-              <a:t>e</a:t>
-            </a:r>
-            <a:endParaRPr sz="1400" u="sng">
+              <a:t>대응</a:t>
+            </a:r>
+            <a:endParaRPr sz="1400" u="sng" dirty="0">
               <a:latin typeface="Adobe Clean"/>
               <a:cs typeface="Adobe Clean"/>
             </a:endParaRPr>
@@ -3134,14 +2582,14 @@
           <p:nvPr>
             <p:extLst>
               <p:ext uri="{D42A27DB-BD31-4B8C-83A1-F6EECF244321}">
-                <p14:modId xmlns:p14="http://schemas.microsoft.com/office/powerpoint/2010/main" val="1841332714"/>
+                <p14:modId xmlns:p14="http://schemas.microsoft.com/office/powerpoint/2010/main" val="1281418265"/>
               </p:ext>
             </p:extLst>
           </p:nvPr>
         </p:nvGraphicFramePr>
         <p:xfrm>
           <a:off x="146919" y="7473158"/>
-          <a:ext cx="7477080" cy="2387453"/>
+          <a:ext cx="7477080" cy="2308011"/>
         </p:xfrm>
         <a:graphic>
           <a:graphicData uri="http://schemas.openxmlformats.org/drawingml/2006/table">
@@ -3187,14 +2635,14 @@
                         </a:spcBef>
                       </a:pPr>
                       <a:r>
-                        <a:rPr sz="900" spc="-20">
+                        <a:rPr lang="de-de" sz="900" spc="-20">
                           <a:solidFill>
                             <a:srgbClr val="020302"/>
                           </a:solidFill>
                           <a:latin typeface="Adobe Clean"/>
                           <a:cs typeface="Adobe Clean"/>
                         </a:rPr>
-                        <a:t>Priority</a:t>
+                        <a:t>우선 순위</a:t>
                       </a:r>
                       <a:endParaRPr sz="900">
                         <a:latin typeface="Adobe Clean"/>
@@ -3246,14 +2694,14 @@
                         </a:spcBef>
                       </a:pPr>
                       <a:r>
-                        <a:rPr sz="900" spc="0">
+                        <a:rPr lang="de-de" sz="900" spc="0">
                           <a:solidFill>
                             <a:srgbClr val="020302"/>
                           </a:solidFill>
                           <a:latin typeface="Adobe Clean"/>
                           <a:cs typeface="Adobe Clean"/>
                         </a:rPr>
-                        <a:t>Online Support</a:t>
+                        <a:t>온라인 지원</a:t>
                       </a:r>
                       <a:endParaRPr sz="900" spc="0">
                         <a:latin typeface="Adobe Clean"/>
@@ -3305,14 +2753,14 @@
                         </a:spcBef>
                       </a:pPr>
                       <a:r>
-                        <a:rPr sz="900" spc="0">
+                        <a:rPr lang="de-de" sz="900" spc="0">
                           <a:solidFill>
                             <a:srgbClr val="FFFFFF"/>
                           </a:solidFill>
                           <a:latin typeface="Adobe Clean"/>
                           <a:cs typeface="Adobe Clean"/>
                         </a:rPr>
-                        <a:t>Enterprise Support</a:t>
+                        <a:t>엔터프라이즈 지원</a:t>
                       </a:r>
                       <a:endParaRPr sz="900" spc="0">
                         <a:latin typeface="Adobe Clean"/>
@@ -3377,87 +2825,27 @@
                         </a:spcBef>
                       </a:pPr>
                       <a:r>
-                        <a:rPr sz="900" b="1" spc="-15">
+                        <a:rPr lang="de-de" sz="900" b="1" spc="-15">
                           <a:solidFill>
                             <a:srgbClr val="020302"/>
                           </a:solidFill>
                           <a:latin typeface="Adobe Clean"/>
                           <a:cs typeface="Adobe Clean"/>
                         </a:rPr>
-                        <a:t>P</a:t>
+                        <a:t>우</a:t>
                       </a:r>
                       <a:r>
-                        <a:rPr sz="900" b="1" spc="-20">
+                        <a:rPr lang="de-de" sz="900" b="1" spc="-20">
                           <a:solidFill>
                             <a:srgbClr val="020302"/>
                           </a:solidFill>
                           <a:latin typeface="Adobe Clean"/>
                           <a:cs typeface="Adobe Clean"/>
                         </a:rPr>
-                        <a:t>R</a:t>
+                        <a:t>선</a:t>
                       </a:r>
                       <a:r>
-                        <a:rPr sz="900" b="1" spc="-25">
-                          <a:solidFill>
-                            <a:srgbClr val="020302"/>
-                          </a:solidFill>
-                          <a:latin typeface="Adobe Clean"/>
-                          <a:cs typeface="Adobe Clean"/>
-                        </a:rPr>
-                        <a:t>I</a:t>
-                      </a:r>
-                      <a:r>
-                        <a:rPr sz="900" b="1" spc="-15">
-                          <a:solidFill>
-                            <a:srgbClr val="020302"/>
-                          </a:solidFill>
-                          <a:latin typeface="Adobe Clean"/>
-                          <a:cs typeface="Adobe Clean"/>
-                        </a:rPr>
-                        <a:t>O</a:t>
-                      </a:r>
-                      <a:r>
-                        <a:rPr sz="900" b="1" spc="-20">
-                          <a:solidFill>
-                            <a:srgbClr val="020302"/>
-                          </a:solidFill>
-                          <a:latin typeface="Adobe Clean"/>
-                          <a:cs typeface="Adobe Clean"/>
-                        </a:rPr>
-                        <a:t>R</a:t>
-                      </a:r>
-                      <a:r>
-                        <a:rPr sz="900" b="1" spc="-25">
-                          <a:solidFill>
-                            <a:srgbClr val="020302"/>
-                          </a:solidFill>
-                          <a:latin typeface="Adobe Clean"/>
-                          <a:cs typeface="Adobe Clean"/>
-                        </a:rPr>
-                        <a:t>I</a:t>
-                      </a:r>
-                      <a:r>
-                        <a:rPr sz="900" b="1" spc="-15">
-                          <a:solidFill>
-                            <a:srgbClr val="020302"/>
-                          </a:solidFill>
-                          <a:latin typeface="Adobe Clean"/>
-                          <a:cs typeface="Adobe Clean"/>
-                        </a:rPr>
-                        <a:t>T</a:t>
-                      </a:r>
-                      <a:r>
-                        <a:rPr sz="900" b="1">
-                          <a:solidFill>
-                            <a:srgbClr val="020302"/>
-                          </a:solidFill>
-                          <a:latin typeface="Adobe Clean"/>
-                          <a:cs typeface="Adobe Clean"/>
-                        </a:rPr>
-                        <a:t>Y</a:t>
-                      </a:r>
-                      <a:r>
-                        <a:rPr sz="900" b="1" spc="-40">
+                        <a:rPr lang="de-de" sz="900" b="1" spc="-25">
                           <a:solidFill>
                             <a:srgbClr val="020302"/>
                           </a:solidFill>
@@ -3467,7 +2855,37 @@
                         <a:t> </a:t>
                       </a:r>
                       <a:r>
-                        <a:rPr sz="900" b="1">
+                        <a:rPr lang="de-de" sz="900" b="1" spc="-15">
+                          <a:solidFill>
+                            <a:srgbClr val="020302"/>
+                          </a:solidFill>
+                          <a:latin typeface="Adobe Clean"/>
+                          <a:cs typeface="Adobe Clean"/>
+                        </a:rPr>
+                        <a:t>순</a:t>
+                      </a:r>
+                      <a:r>
+                        <a:rPr lang="de-de" sz="900" b="1" spc="-20">
+                          <a:solidFill>
+                            <a:srgbClr val="020302"/>
+                          </a:solidFill>
+                          <a:latin typeface="Adobe Clean"/>
+                          <a:cs typeface="Adobe Clean"/>
+                        </a:rPr>
+                        <a:t>위</a:t>
+                      </a:r>
+                      <a:r>
+                        <a:rPr lang="de-de" sz="900" b="1" spc="-40">
+                          <a:solidFill>
+                            <a:srgbClr val="020302"/>
+                          </a:solidFill>
+                          <a:latin typeface="Adobe Clean"/>
+                          <a:cs typeface="Adobe Clean"/>
+                        </a:rPr>
+                        <a:t> </a:t>
+                      </a:r>
+                      <a:r>
+                        <a:rPr lang="de-de" sz="900" b="1">
                           <a:solidFill>
                             <a:srgbClr val="020302"/>
                           </a:solidFill>
@@ -3500,7 +2918,7 @@
                         <a:defRPr/>
                       </a:pPr>
                       <a:r>
-                        <a:rPr lang="en-US" sz="900" b="0" i="0" spc="-130">
+                        <a:rPr lang="de-de" sz="900" b="0" i="0" spc="-130">
                           <a:solidFill>
                             <a:srgbClr val="020302"/>
                           </a:solidFill>
@@ -3510,7 +2928,7 @@
                         <a:t> </a:t>
                       </a:r>
                       <a:r>
-                        <a:rPr lang="en-US" sz="900" b="0" i="0" u="none" strike="noStrike">
+                        <a:rPr lang="de-de" sz="900" b="0" i="0" u="none" strike="noStrike">
                           <a:solidFill>
                             <a:schemeClr val="tx1"/>
                           </a:solidFill>
@@ -3519,7 +2937,7 @@
                           <a:ea typeface="+mn-ea"/>
                           <a:cs typeface="+mn-cs"/>
                         </a:rPr>
-                        <a:t>Customer's production business functions are down or has significant data loss or degradation of services and immediate attention is required to restore functionality and usability</a:t>
+                        <a:t>고객의 생산 비즈니스 기능이 다운되었거나 심각한 데이터 손실 또는 서비스 저하가 발생했으며 기능 및 사용성을 복원하기 위해 즉각적인 주의가 필요합니다.</a:t>
                       </a:r>
                       <a:endParaRPr lang="en-US" sz="900" b="0" i="0">
                         <a:latin typeface="Adobe Clean Light" panose="020B0303020404020204" pitchFamily="34" charset="0"/>
@@ -3559,23 +2977,23 @@
                     <a:bodyPr/>
                     <a:lstStyle/>
                     <a:p>
-                      <a:pPr marL="542925" marR="492125" algn="l">
+                      <a:pPr marL="542925" marR="492125" algn="ctr">
                         <a:lnSpc>
                           <a:spcPct val="102200"/>
                         </a:lnSpc>
                       </a:pPr>
                       <a:r>
-                        <a:rPr sz="900" spc="-15">
+                        <a:rPr lang="de-de" sz="900" spc="-15" dirty="0">
                           <a:solidFill>
                             <a:srgbClr val="020302"/>
                           </a:solidFill>
                           <a:latin typeface="AdobeClean-Light"/>
                           <a:cs typeface="AdobeClean-Light"/>
                         </a:rPr>
-                        <a:t>24x7</a:t>
+                        <a:t>24x7 /          </a:t>
                       </a:r>
                       <a:r>
-                        <a:rPr lang="en-US" sz="900" spc="-15">
+                        <a:rPr lang="de-de" sz="900" spc="-200" dirty="0">
                           <a:solidFill>
                             <a:srgbClr val="020302"/>
                           </a:solidFill>
@@ -3585,27 +3003,103 @@
                         <a:t> </a:t>
                       </a:r>
                       <a:r>
-                        <a:rPr sz="900" spc="-15">
+                        <a:rPr lang="de-de" sz="900" dirty="0">
                           <a:solidFill>
                             <a:srgbClr val="020302"/>
                           </a:solidFill>
                           <a:latin typeface="AdobeClean-Light"/>
                           <a:cs typeface="AdobeClean-Light"/>
                         </a:rPr>
-                        <a:t>/</a:t>
+                        <a:t>1</a:t>
                       </a:r>
                       <a:r>
-                        <a:rPr lang="en-US" sz="900" spc="-15">
+                        <a:rPr lang="de-de" sz="900" spc="-15" dirty="0">
                           <a:solidFill>
                             <a:srgbClr val="020302"/>
                           </a:solidFill>
                           <a:latin typeface="AdobeClean-Light"/>
                           <a:cs typeface="AdobeClean-Light"/>
                         </a:rPr>
-                        <a:t>         </a:t>
+                        <a:t>시간</a:t>
+                      </a:r>
+                      <a:endParaRPr sz="900" dirty="0">
+                        <a:latin typeface="AdobeClean-Light"/>
+                        <a:cs typeface="AdobeClean-Light"/>
+                      </a:endParaRPr>
+                    </a:p>
+                  </a:txBody>
+                  <a:tcPr marL="0" marR="0" marT="0" marB="0" anchor="ctr">
+                    <a:lnL w="6350">
+                      <a:solidFill>
+                        <a:srgbClr val="B7B8B8"/>
+                      </a:solidFill>
+                      <a:prstDash val="solid"/>
+                    </a:lnL>
+                    <a:lnR w="6350">
+                      <a:solidFill>
+                        <a:srgbClr val="B7B8B8"/>
+                      </a:solidFill>
+                      <a:prstDash val="solid"/>
+                    </a:lnR>
+                    <a:lnT w="76200">
+                      <a:solidFill>
+                        <a:srgbClr val="B3B3B3"/>
+                      </a:solidFill>
+                      <a:prstDash val="solid"/>
+                    </a:lnT>
+                    <a:lnB w="6350">
+                      <a:solidFill>
+                        <a:srgbClr val="B7B8B8"/>
+                      </a:solidFill>
+                      <a:prstDash val="solid"/>
+                    </a:lnB>
+                  </a:tcPr>
+                </a:tc>
+                <a:tc>
+                  <a:txBody>
+                    <a:bodyPr/>
+                    <a:lstStyle/>
+                    <a:p>
+                      <a:pPr marL="352425" marR="476250" indent="111125" algn="ctr">
+                        <a:lnSpc>
+                          <a:spcPct val="100000"/>
+                        </a:lnSpc>
+                        <a:spcBef>
+                          <a:spcPts val="700"/>
+                        </a:spcBef>
+                      </a:pPr>
+                      <a:r>
+                        <a:rPr lang="de-de" sz="900" spc="-25">
+                          <a:solidFill>
+                            <a:srgbClr val="020302"/>
+                          </a:solidFill>
+                          <a:latin typeface="AdobeClean-Light"/>
+                          <a:cs typeface="AdobeClean-Light"/>
+                        </a:rPr>
+                        <a:t>24</a:t>
                       </a:r>
                       <a:r>
-                        <a:rPr sz="900" spc="-15">
+                        <a:rPr lang="de-de" sz="900" spc="-20">
+                          <a:solidFill>
+                            <a:srgbClr val="020302"/>
+                          </a:solidFill>
+                          <a:latin typeface="AdobeClean-Light"/>
+                          <a:cs typeface="AdobeClean-Light"/>
+                        </a:rPr>
+                        <a:t>x</a:t>
+                      </a:r>
+                      <a:r>
+                        <a:rPr lang="de-de" sz="900">
+                          <a:solidFill>
+                            <a:srgbClr val="020302"/>
+                          </a:solidFill>
+                          <a:latin typeface="AdobeClean-Light"/>
+                          <a:cs typeface="AdobeClean-Light"/>
+                        </a:rPr>
+                        <a:t>7</a:t>
+                      </a:r>
+                      <a:r>
+                        <a:rPr lang="de-de" sz="900" spc="-35">
                           <a:solidFill>
                             <a:srgbClr val="020302"/>
                           </a:solidFill>
@@ -3615,153 +3109,7 @@
                         <a:t> </a:t>
                       </a:r>
                       <a:r>
-                        <a:rPr sz="900" spc="-200">
-                          <a:solidFill>
-                            <a:srgbClr val="020302"/>
-                          </a:solidFill>
-                          <a:latin typeface="AdobeClean-Light"/>
-                          <a:cs typeface="AdobeClean-Light"/>
-                        </a:rPr>
-                        <a:t> </a:t>
-                      </a:r>
-                      <a:r>
-                        <a:rPr sz="900">
-                          <a:solidFill>
-                            <a:srgbClr val="020302"/>
-                          </a:solidFill>
-                          <a:latin typeface="AdobeClean-Light"/>
-                          <a:cs typeface="AdobeClean-Light"/>
-                        </a:rPr>
-                        <a:t>1</a:t>
-                      </a:r>
-                      <a:r>
-                        <a:rPr sz="900" spc="-90">
-                          <a:solidFill>
-                            <a:srgbClr val="020302"/>
-                          </a:solidFill>
-                          <a:latin typeface="AdobeClean-Light"/>
-                          <a:cs typeface="AdobeClean-Light"/>
-                        </a:rPr>
-                        <a:t> </a:t>
-                      </a:r>
-                      <a:r>
-                        <a:rPr sz="900" spc="-15">
-                          <a:solidFill>
-                            <a:srgbClr val="020302"/>
-                          </a:solidFill>
-                          <a:latin typeface="AdobeClean-Light"/>
-                          <a:cs typeface="AdobeClean-Light"/>
-                        </a:rPr>
-                        <a:t>h</a:t>
-                      </a:r>
-                      <a:r>
-                        <a:rPr sz="900" spc="-20">
-                          <a:solidFill>
-                            <a:srgbClr val="020302"/>
-                          </a:solidFill>
-                          <a:latin typeface="AdobeClean-Light"/>
-                          <a:cs typeface="AdobeClean-Light"/>
-                        </a:rPr>
-                        <a:t>ou</a:t>
-                      </a:r>
-                      <a:r>
-                        <a:rPr sz="900">
-                          <a:solidFill>
-                            <a:srgbClr val="020302"/>
-                          </a:solidFill>
-                          <a:latin typeface="AdobeClean-Light"/>
-                          <a:cs typeface="AdobeClean-Light"/>
-                        </a:rPr>
-                        <a:t>r</a:t>
-                      </a:r>
-                      <a:endParaRPr sz="900">
-                        <a:latin typeface="AdobeClean-Light"/>
-                        <a:cs typeface="AdobeClean-Light"/>
-                      </a:endParaRPr>
-                    </a:p>
-                  </a:txBody>
-                  <a:tcPr marL="0" marR="0" marT="0" marB="0" anchor="ctr">
-                    <a:lnL w="6350">
-                      <a:solidFill>
-                        <a:srgbClr val="B7B8B8"/>
-                      </a:solidFill>
-                      <a:prstDash val="solid"/>
-                    </a:lnL>
-                    <a:lnR w="6350">
-                      <a:solidFill>
-                        <a:srgbClr val="B7B8B8"/>
-                      </a:solidFill>
-                      <a:prstDash val="solid"/>
-                    </a:lnR>
-                    <a:lnT w="76200">
-                      <a:solidFill>
-                        <a:srgbClr val="B3B3B3"/>
-                      </a:solidFill>
-                      <a:prstDash val="solid"/>
-                    </a:lnT>
-                    <a:lnB w="6350">
-                      <a:solidFill>
-                        <a:srgbClr val="B7B8B8"/>
-                      </a:solidFill>
-                      <a:prstDash val="solid"/>
-                    </a:lnB>
-                  </a:tcPr>
-                </a:tc>
-                <a:tc>
-                  <a:txBody>
-                    <a:bodyPr/>
-                    <a:lstStyle/>
-                    <a:p>
-                      <a:pPr marL="352425" marR="476250" indent="111125">
-                        <a:lnSpc>
-                          <a:spcPct val="100000"/>
-                        </a:lnSpc>
-                        <a:spcBef>
-                          <a:spcPts val="700"/>
-                        </a:spcBef>
-                      </a:pPr>
-                      <a:r>
-                        <a:rPr sz="900" spc="-25">
-                          <a:solidFill>
-                            <a:srgbClr val="020302"/>
-                          </a:solidFill>
-                          <a:latin typeface="AdobeClean-Light"/>
-                          <a:cs typeface="AdobeClean-Light"/>
-                        </a:rPr>
-                        <a:t>24</a:t>
-                      </a:r>
-                      <a:r>
-                        <a:rPr sz="900" spc="-20">
-                          <a:solidFill>
-                            <a:srgbClr val="020302"/>
-                          </a:solidFill>
-                          <a:latin typeface="AdobeClean-Light"/>
-                          <a:cs typeface="AdobeClean-Light"/>
-                        </a:rPr>
-                        <a:t>x</a:t>
-                      </a:r>
-                      <a:r>
-                        <a:rPr sz="900">
-                          <a:solidFill>
-                            <a:srgbClr val="020302"/>
-                          </a:solidFill>
-                          <a:latin typeface="AdobeClean-Light"/>
-                          <a:cs typeface="AdobeClean-Light"/>
-                        </a:rPr>
-                        <a:t>7</a:t>
-                      </a:r>
-                      <a:r>
-                        <a:rPr sz="900" spc="-35">
-                          <a:solidFill>
-                            <a:srgbClr val="020302"/>
-                          </a:solidFill>
-                          <a:latin typeface="AdobeClean-Light"/>
-                          <a:cs typeface="AdobeClean-Light"/>
-                        </a:rPr>
-                        <a:t> </a:t>
-                      </a:r>
-                      <a:r>
-                        <a:rPr sz="900">
+                        <a:rPr lang="de-de" sz="900">
                           <a:solidFill>
                             <a:srgbClr val="020302"/>
                           </a:solidFill>
@@ -3771,7 +3119,7 @@
                         <a:t>/  </a:t>
                       </a:r>
                       <a:r>
-                        <a:rPr sz="900" spc="-20">
+                        <a:rPr lang="de-de" sz="900" spc="-20">
                           <a:solidFill>
                             <a:srgbClr val="020302"/>
                           </a:solidFill>
@@ -3781,7 +3129,7 @@
                         <a:t>3</a:t>
                       </a:r>
                       <a:r>
-                        <a:rPr sz="900" spc="50">
+                        <a:rPr lang="de-de" sz="900" spc="50">
                           <a:solidFill>
                             <a:srgbClr val="020302"/>
                           </a:solidFill>
@@ -3791,74 +3139,14 @@
                         <a:t>0</a:t>
                       </a:r>
                       <a:r>
-                        <a:rPr sz="900" spc="-20">
+                        <a:rPr lang="de-de" sz="900" spc="-20">
                           <a:solidFill>
                             <a:srgbClr val="020302"/>
                           </a:solidFill>
                           <a:latin typeface="AdobeClean-Light"/>
                           <a:cs typeface="AdobeClean-Light"/>
                         </a:rPr>
-                        <a:t>m</a:t>
-                      </a:r>
-                      <a:r>
-                        <a:rPr sz="900" spc="-35">
-                          <a:solidFill>
-                            <a:srgbClr val="020302"/>
-                          </a:solidFill>
-                          <a:latin typeface="AdobeClean-Light"/>
-                          <a:cs typeface="AdobeClean-Light"/>
-                        </a:rPr>
-                        <a:t>i</a:t>
-                      </a:r>
-                      <a:r>
-                        <a:rPr sz="900" spc="-30">
-                          <a:solidFill>
-                            <a:srgbClr val="020302"/>
-                          </a:solidFill>
-                          <a:latin typeface="AdobeClean-Light"/>
-                          <a:cs typeface="AdobeClean-Light"/>
-                        </a:rPr>
-                        <a:t>n</a:t>
-                      </a:r>
-                      <a:r>
-                        <a:rPr sz="900" spc="-20">
-                          <a:solidFill>
-                            <a:srgbClr val="020302"/>
-                          </a:solidFill>
-                          <a:latin typeface="AdobeClean-Light"/>
-                          <a:cs typeface="AdobeClean-Light"/>
-                        </a:rPr>
-                        <a:t>u</a:t>
-                      </a:r>
-                      <a:r>
-                        <a:rPr sz="900" spc="-15">
-                          <a:solidFill>
-                            <a:srgbClr val="020302"/>
-                          </a:solidFill>
-                          <a:latin typeface="AdobeClean-Light"/>
-                          <a:cs typeface="AdobeClean-Light"/>
-                        </a:rPr>
-                        <a:t>t</a:t>
-                      </a:r>
-                      <a:r>
-                        <a:rPr sz="900" spc="-25">
-                          <a:solidFill>
-                            <a:srgbClr val="020302"/>
-                          </a:solidFill>
-                          <a:latin typeface="AdobeClean-Light"/>
-                          <a:cs typeface="AdobeClean-Light"/>
-                        </a:rPr>
-                        <a:t>e</a:t>
-                      </a:r>
-                      <a:r>
-                        <a:rPr sz="900">
-                          <a:solidFill>
-                            <a:srgbClr val="020302"/>
-                          </a:solidFill>
-                          <a:latin typeface="AdobeClean-Light"/>
-                          <a:cs typeface="AdobeClean-Light"/>
-                        </a:rPr>
-                        <a:t>s</a:t>
+                        <a:t>분</a:t>
                       </a:r>
                       <a:endParaRPr sz="900">
                         <a:latin typeface="AdobeClean-Light"/>
@@ -3925,87 +3213,27 @@
                         </a:spcBef>
                       </a:pPr>
                       <a:r>
-                        <a:rPr sz="900" b="1" spc="-15">
+                        <a:rPr lang="de-de" sz="900" b="1" spc="-15">
                           <a:solidFill>
                             <a:srgbClr val="020302"/>
                           </a:solidFill>
                           <a:latin typeface="Adobe Clean"/>
                           <a:cs typeface="Adobe Clean"/>
                         </a:rPr>
-                        <a:t>P</a:t>
+                        <a:t>우</a:t>
                       </a:r>
                       <a:r>
-                        <a:rPr sz="900" b="1" spc="-20">
+                        <a:rPr lang="de-de" sz="900" b="1" spc="-20">
                           <a:solidFill>
                             <a:srgbClr val="020302"/>
                           </a:solidFill>
                           <a:latin typeface="Adobe Clean"/>
                           <a:cs typeface="Adobe Clean"/>
                         </a:rPr>
-                        <a:t>R</a:t>
+                        <a:t>선</a:t>
                       </a:r>
                       <a:r>
-                        <a:rPr sz="900" b="1" spc="-25">
-                          <a:solidFill>
-                            <a:srgbClr val="020302"/>
-                          </a:solidFill>
-                          <a:latin typeface="Adobe Clean"/>
-                          <a:cs typeface="Adobe Clean"/>
-                        </a:rPr>
-                        <a:t>I</a:t>
-                      </a:r>
-                      <a:r>
-                        <a:rPr sz="900" b="1" spc="-15">
-                          <a:solidFill>
-                            <a:srgbClr val="020302"/>
-                          </a:solidFill>
-                          <a:latin typeface="Adobe Clean"/>
-                          <a:cs typeface="Adobe Clean"/>
-                        </a:rPr>
-                        <a:t>O</a:t>
-                      </a:r>
-                      <a:r>
-                        <a:rPr sz="900" b="1" spc="-20">
-                          <a:solidFill>
-                            <a:srgbClr val="020302"/>
-                          </a:solidFill>
-                          <a:latin typeface="Adobe Clean"/>
-                          <a:cs typeface="Adobe Clean"/>
-                        </a:rPr>
-                        <a:t>R</a:t>
-                      </a:r>
-                      <a:r>
-                        <a:rPr sz="900" b="1" spc="-25">
-                          <a:solidFill>
-                            <a:srgbClr val="020302"/>
-                          </a:solidFill>
-                          <a:latin typeface="Adobe Clean"/>
-                          <a:cs typeface="Adobe Clean"/>
-                        </a:rPr>
-                        <a:t>I</a:t>
-                      </a:r>
-                      <a:r>
-                        <a:rPr sz="900" b="1" spc="-15">
-                          <a:solidFill>
-                            <a:srgbClr val="020302"/>
-                          </a:solidFill>
-                          <a:latin typeface="Adobe Clean"/>
-                          <a:cs typeface="Adobe Clean"/>
-                        </a:rPr>
-                        <a:t>T</a:t>
-                      </a:r>
-                      <a:r>
-                        <a:rPr sz="900" b="1">
-                          <a:solidFill>
-                            <a:srgbClr val="020302"/>
-                          </a:solidFill>
-                          <a:latin typeface="Adobe Clean"/>
-                          <a:cs typeface="Adobe Clean"/>
-                        </a:rPr>
-                        <a:t>Y</a:t>
-                      </a:r>
-                      <a:r>
-                        <a:rPr sz="900" b="1" spc="-40">
+                        <a:rPr lang="de-de" sz="900" b="1" spc="-25">
                           <a:solidFill>
                             <a:srgbClr val="020302"/>
                           </a:solidFill>
@@ -4015,7 +3243,37 @@
                         <a:t> </a:t>
                       </a:r>
                       <a:r>
-                        <a:rPr sz="900" b="1">
+                        <a:rPr lang="de-de" sz="900" b="1" spc="-15">
+                          <a:solidFill>
+                            <a:srgbClr val="020302"/>
+                          </a:solidFill>
+                          <a:latin typeface="Adobe Clean"/>
+                          <a:cs typeface="Adobe Clean"/>
+                        </a:rPr>
+                        <a:t>순</a:t>
+                      </a:r>
+                      <a:r>
+                        <a:rPr lang="de-de" sz="900" b="1" spc="-20">
+                          <a:solidFill>
+                            <a:srgbClr val="020302"/>
+                          </a:solidFill>
+                          <a:latin typeface="Adobe Clean"/>
+                          <a:cs typeface="Adobe Clean"/>
+                        </a:rPr>
+                        <a:t>위</a:t>
+                      </a:r>
+                      <a:r>
+                        <a:rPr lang="de-de" sz="900" b="1" spc="-40">
+                          <a:solidFill>
+                            <a:srgbClr val="020302"/>
+                          </a:solidFill>
+                          <a:latin typeface="Adobe Clean"/>
+                          <a:cs typeface="Adobe Clean"/>
+                        </a:rPr>
+                        <a:t> </a:t>
+                      </a:r>
+                      <a:r>
+                        <a:rPr lang="de-de" sz="900" b="1">
                           <a:solidFill>
                             <a:srgbClr val="020302"/>
                           </a:solidFill>
@@ -4039,7 +3297,7 @@
                         </a:spcBef>
                       </a:pPr>
                       <a:r>
-                        <a:rPr lang="en-US" sz="900" b="0" i="0" u="none" strike="noStrike">
+                        <a:rPr lang="de-de" sz="900" b="0" i="0" u="none" strike="noStrike">
                           <a:solidFill>
                             <a:schemeClr val="tx1"/>
                           </a:solidFill>
@@ -4048,7 +3306,7 @@
                           <a:ea typeface="+mn-ea"/>
                           <a:cs typeface="+mn-cs"/>
                         </a:rPr>
-                        <a:t>Customer's business functions has major degradation of services, or potential of data loss or unavailability of services, or a major feature is impacted</a:t>
+                        <a:t>고객의 비즈니스 기능에 심각한 서비스 저하가 있거나 데이터 손실 가능성이 있거나 서비스를 사용할 수 없거나 주요 기능이 영향을 받습니다.</a:t>
                       </a:r>
                       <a:endParaRPr lang="en-US" sz="900" b="0" i="0">
                         <a:latin typeface="Adobe Clean Light" panose="020B0303020404020204" pitchFamily="34" charset="0"/>
@@ -4088,100 +3346,40 @@
                     <a:bodyPr/>
                     <a:lstStyle/>
                     <a:p>
-                      <a:pPr marL="473709" marR="343535" indent="-175895">
+                      <a:pPr marL="473709" marR="343535" indent="-175895" algn="ctr">
                         <a:lnSpc>
                           <a:spcPct val="102200"/>
                         </a:lnSpc>
                       </a:pPr>
                       <a:r>
-                        <a:rPr sz="900" spc="-30">
+                        <a:rPr lang="de-de" sz="900" spc="-30">
                           <a:solidFill>
                             <a:srgbClr val="020302"/>
                           </a:solidFill>
                           <a:latin typeface="AdobeClean-Light"/>
                           <a:cs typeface="AdobeClean-Light"/>
                         </a:rPr>
-                        <a:t>Business hours</a:t>
+                        <a:t>업무 시간 </a:t>
                       </a:r>
                       <a:r>
-                        <a:rPr lang="en-US" sz="900" spc="-30">
+                        <a:rPr lang="de-de" sz="900">
                           <a:solidFill>
                             <a:srgbClr val="020302"/>
                           </a:solidFill>
                           <a:latin typeface="AdobeClean-Light"/>
                           <a:cs typeface="AdobeClean-Light"/>
                         </a:rPr>
-                        <a:t> </a:t>
+                        <a:t>/       4</a:t>
                       </a:r>
                       <a:r>
-                        <a:rPr sz="900">
+                        <a:rPr lang="de-de" sz="900" spc="-15">
                           <a:solidFill>
                             <a:srgbClr val="020302"/>
                           </a:solidFill>
                           <a:latin typeface="AdobeClean-Light"/>
                           <a:cs typeface="AdobeClean-Light"/>
                         </a:rPr>
-                        <a:t>/  </a:t>
-                      </a:r>
-                      <a:r>
-                        <a:rPr lang="en-US" sz="900">
-                          <a:solidFill>
-                            <a:srgbClr val="020302"/>
-                          </a:solidFill>
-                          <a:latin typeface="AdobeClean-Light"/>
-                          <a:cs typeface="AdobeClean-Light"/>
-                        </a:rPr>
-                        <a:t>     </a:t>
-                      </a:r>
-                      <a:r>
-                        <a:rPr sz="900">
-                          <a:solidFill>
-                            <a:srgbClr val="020302"/>
-                          </a:solidFill>
-                          <a:latin typeface="AdobeClean-Light"/>
-                          <a:cs typeface="AdobeClean-Light"/>
-                        </a:rPr>
-                        <a:t>4</a:t>
-                      </a:r>
-                      <a:r>
-                        <a:rPr sz="900" spc="-100">
-                          <a:solidFill>
-                            <a:srgbClr val="020302"/>
-                          </a:solidFill>
-                          <a:latin typeface="AdobeClean-Light"/>
-                          <a:cs typeface="AdobeClean-Light"/>
-                        </a:rPr>
-                        <a:t> </a:t>
-                      </a:r>
-                      <a:r>
-                        <a:rPr sz="900" spc="-15">
-                          <a:solidFill>
-                            <a:srgbClr val="020302"/>
-                          </a:solidFill>
-                          <a:latin typeface="AdobeClean-Light"/>
-                          <a:cs typeface="AdobeClean-Light"/>
-                        </a:rPr>
-                        <a:t>h</a:t>
-                      </a:r>
-                      <a:r>
-                        <a:rPr sz="900" spc="-20">
-                          <a:solidFill>
-                            <a:srgbClr val="020302"/>
-                          </a:solidFill>
-                          <a:latin typeface="AdobeClean-Light"/>
-                          <a:cs typeface="AdobeClean-Light"/>
-                        </a:rPr>
-                        <a:t>our</a:t>
-                      </a:r>
-                      <a:r>
-                        <a:rPr sz="900">
-                          <a:solidFill>
-                            <a:srgbClr val="020302"/>
-                          </a:solidFill>
-                          <a:latin typeface="AdobeClean-Light"/>
-                          <a:cs typeface="AdobeClean-Light"/>
-                        </a:rPr>
-                        <a:t>s</a:t>
+                        <a:t>시간</a:t>
                       </a:r>
                       <a:endParaRPr sz="900">
                         <a:latin typeface="AdobeClean-Light"/>
@@ -4221,13 +3419,13 @@
                     <a:bodyPr/>
                     <a:lstStyle/>
                     <a:p>
-                      <a:pPr marL="542925" marR="492125" algn="l">
+                      <a:pPr marL="542925" marR="492125" algn="ctr">
                         <a:lnSpc>
                           <a:spcPct val="102200"/>
                         </a:lnSpc>
                       </a:pPr>
                       <a:r>
-                        <a:rPr lang="en-US" sz="900" spc="-15">
+                        <a:rPr lang="de-de" sz="900" spc="-15" dirty="0">
                           <a:solidFill>
                             <a:srgbClr val="020302"/>
                           </a:solidFill>
@@ -4235,7 +3433,7 @@
                           <a:ea typeface="+mn-ea"/>
                           <a:cs typeface="AdobeClean-Light"/>
                         </a:rPr>
-                        <a:t>24x5 /           1 hour</a:t>
+                        <a:t>24x5 /           1시간</a:t>
                       </a:r>
                     </a:p>
                   </a:txBody>
@@ -4295,87 +3493,27 @@
                         </a:spcBef>
                       </a:pPr>
                       <a:r>
-                        <a:rPr sz="900" b="1" spc="-15">
+                        <a:rPr lang="de-de" sz="900" b="1" spc="-15">
                           <a:solidFill>
                             <a:srgbClr val="020302"/>
                           </a:solidFill>
                           <a:latin typeface="Adobe Clean"/>
                           <a:cs typeface="Adobe Clean"/>
                         </a:rPr>
-                        <a:t>P</a:t>
+                        <a:t>우</a:t>
                       </a:r>
                       <a:r>
-                        <a:rPr sz="900" b="1" spc="-20">
+                        <a:rPr lang="de-de" sz="900" b="1" spc="-20">
                           <a:solidFill>
                             <a:srgbClr val="020302"/>
                           </a:solidFill>
                           <a:latin typeface="Adobe Clean"/>
                           <a:cs typeface="Adobe Clean"/>
                         </a:rPr>
-                        <a:t>R</a:t>
+                        <a:t>선</a:t>
                       </a:r>
                       <a:r>
-                        <a:rPr sz="900" b="1" spc="-25">
-                          <a:solidFill>
-                            <a:srgbClr val="020302"/>
-                          </a:solidFill>
-                          <a:latin typeface="Adobe Clean"/>
-                          <a:cs typeface="Adobe Clean"/>
-                        </a:rPr>
-                        <a:t>I</a:t>
-                      </a:r>
-                      <a:r>
-                        <a:rPr sz="900" b="1" spc="-15">
-                          <a:solidFill>
-                            <a:srgbClr val="020302"/>
-                          </a:solidFill>
-                          <a:latin typeface="Adobe Clean"/>
-                          <a:cs typeface="Adobe Clean"/>
-                        </a:rPr>
-                        <a:t>O</a:t>
-                      </a:r>
-                      <a:r>
-                        <a:rPr sz="900" b="1" spc="-20">
-                          <a:solidFill>
-                            <a:srgbClr val="020302"/>
-                          </a:solidFill>
-                          <a:latin typeface="Adobe Clean"/>
-                          <a:cs typeface="Adobe Clean"/>
-                        </a:rPr>
-                        <a:t>R</a:t>
-                      </a:r>
-                      <a:r>
-                        <a:rPr sz="900" b="1" spc="-25">
-                          <a:solidFill>
-                            <a:srgbClr val="020302"/>
-                          </a:solidFill>
-                          <a:latin typeface="Adobe Clean"/>
-                          <a:cs typeface="Adobe Clean"/>
-                        </a:rPr>
-                        <a:t>I</a:t>
-                      </a:r>
-                      <a:r>
-                        <a:rPr sz="900" b="1" spc="-15">
-                          <a:solidFill>
-                            <a:srgbClr val="020302"/>
-                          </a:solidFill>
-                          <a:latin typeface="Adobe Clean"/>
-                          <a:cs typeface="Adobe Clean"/>
-                        </a:rPr>
-                        <a:t>T</a:t>
-                      </a:r>
-                      <a:r>
-                        <a:rPr sz="900" b="1">
-                          <a:solidFill>
-                            <a:srgbClr val="020302"/>
-                          </a:solidFill>
-                          <a:latin typeface="Adobe Clean"/>
-                          <a:cs typeface="Adobe Clean"/>
-                        </a:rPr>
-                        <a:t>Y</a:t>
-                      </a:r>
-                      <a:r>
-                        <a:rPr sz="900" b="1" spc="-40">
+                        <a:rPr lang="de-de" sz="900" b="1" spc="-25">
                           <a:solidFill>
                             <a:srgbClr val="020302"/>
                           </a:solidFill>
@@ -4385,7 +3523,37 @@
                         <a:t> </a:t>
                       </a:r>
                       <a:r>
-                        <a:rPr sz="900" b="1">
+                        <a:rPr lang="de-de" sz="900" b="1" spc="-15">
+                          <a:solidFill>
+                            <a:srgbClr val="020302"/>
+                          </a:solidFill>
+                          <a:latin typeface="Adobe Clean"/>
+                          <a:cs typeface="Adobe Clean"/>
+                        </a:rPr>
+                        <a:t>순</a:t>
+                      </a:r>
+                      <a:r>
+                        <a:rPr lang="de-de" sz="900" b="1" spc="-20">
+                          <a:solidFill>
+                            <a:srgbClr val="020302"/>
+                          </a:solidFill>
+                          <a:latin typeface="Adobe Clean"/>
+                          <a:cs typeface="Adobe Clean"/>
+                        </a:rPr>
+                        <a:t>위</a:t>
+                      </a:r>
+                      <a:r>
+                        <a:rPr lang="de-de" sz="900" b="1" spc="-40">
+                          <a:solidFill>
+                            <a:srgbClr val="020302"/>
+                          </a:solidFill>
+                          <a:latin typeface="Adobe Clean"/>
+                          <a:cs typeface="Adobe Clean"/>
+                        </a:rPr>
+                        <a:t> </a:t>
+                      </a:r>
+                      <a:r>
+                        <a:rPr lang="de-de" sz="900" b="1">
                           <a:solidFill>
                             <a:srgbClr val="020302"/>
                           </a:solidFill>
@@ -4409,7 +3577,7 @@
                         </a:spcBef>
                       </a:pPr>
                       <a:r>
-                        <a:rPr lang="en-US" sz="900" b="0" i="0" u="none" strike="noStrike">
+                        <a:rPr lang="de-de" sz="900" b="0" i="0" u="none" strike="noStrike">
                           <a:solidFill>
                             <a:schemeClr val="tx1"/>
                           </a:solidFill>
@@ -4418,7 +3586,7 @@
                           <a:ea typeface="+mn-ea"/>
                           <a:cs typeface="+mn-cs"/>
                         </a:rPr>
-                        <a:t>Customer's business functions has minor to no degradation of services with a solution/workaround allowing business functions to continue.  </a:t>
+                        <a:t>고객의 비즈니스 기능에 서비스 저하가 경미하거나 전혀 없고 비즈니스 기능을 계속할 수 있게 하는 솔루션/해결 방법이 있습니다.  </a:t>
                       </a:r>
                       <a:endParaRPr lang="en-US" sz="900" b="0" i="0">
                         <a:latin typeface="Adobe Clean Light" panose="020B0303020404020204" pitchFamily="34" charset="0"/>
@@ -4458,23 +3626,23 @@
                     <a:bodyPr/>
                     <a:lstStyle/>
                     <a:p>
-                      <a:pPr marL="473709" marR="343535" indent="-175895">
+                      <a:pPr marL="473709" marR="343535" indent="-175895" algn="ctr">
                         <a:lnSpc>
                           <a:spcPct val="102200"/>
                         </a:lnSpc>
                       </a:pPr>
                       <a:r>
-                        <a:rPr lang="en-US" sz="900" spc="-30">
+                        <a:rPr lang="de-de" sz="900" spc="-30">
                           <a:solidFill>
                             <a:srgbClr val="020302"/>
                           </a:solidFill>
                           <a:latin typeface="AdobeClean-Light"/>
                           <a:cs typeface="AdobeClean-Light"/>
                         </a:rPr>
-                        <a:t>Business hours </a:t>
+                        <a:t>업무 시간 </a:t>
                       </a:r>
                       <a:r>
-                        <a:rPr lang="en-US" sz="900">
+                        <a:rPr lang="de-de" sz="900">
                           <a:solidFill>
                             <a:srgbClr val="020302"/>
                           </a:solidFill>
@@ -4484,7 +3652,73 @@
                         <a:t>/       6</a:t>
                       </a:r>
                       <a:r>
-                        <a:rPr lang="en-US" sz="900" spc="-100">
+                        <a:rPr lang="de-de" sz="900" spc="-15">
+                          <a:solidFill>
+                            <a:srgbClr val="020302"/>
+                          </a:solidFill>
+                          <a:latin typeface="AdobeClean-Light"/>
+                          <a:cs typeface="AdobeClean-Light"/>
+                        </a:rPr>
+                        <a:t>시간</a:t>
+                      </a:r>
+                      <a:endParaRPr lang="en-US" sz="900">
+                        <a:latin typeface="AdobeClean-Light"/>
+                        <a:cs typeface="AdobeClean-Light"/>
+                      </a:endParaRPr>
+                    </a:p>
+                  </a:txBody>
+                  <a:tcPr marL="0" marR="0" marT="0" marB="0" anchor="ctr">
+                    <a:lnL w="6350">
+                      <a:solidFill>
+                        <a:srgbClr val="B7B8B8"/>
+                      </a:solidFill>
+                      <a:prstDash val="solid"/>
+                    </a:lnL>
+                    <a:lnR w="6350">
+                      <a:solidFill>
+                        <a:srgbClr val="B7B8B8"/>
+                      </a:solidFill>
+                      <a:prstDash val="solid"/>
+                    </a:lnR>
+                    <a:lnT w="6350">
+                      <a:solidFill>
+                        <a:srgbClr val="B7B8B8"/>
+                      </a:solidFill>
+                      <a:prstDash val="solid"/>
+                    </a:lnT>
+                    <a:lnB w="6350">
+                      <a:solidFill>
+                        <a:srgbClr val="B7B8B8"/>
+                      </a:solidFill>
+                      <a:prstDash val="solid"/>
+                    </a:lnB>
+                  </a:tcPr>
+                </a:tc>
+                <a:tc>
+                  <a:txBody>
+                    <a:bodyPr/>
+                    <a:lstStyle/>
+                    <a:p>
+                      <a:pPr marL="428625" marR="398780" indent="-198120" algn="ctr">
+                        <a:lnSpc>
+                          <a:spcPct val="102200"/>
+                        </a:lnSpc>
+                        <a:spcBef>
+                          <a:spcPts val="675"/>
+                        </a:spcBef>
+                      </a:pPr>
+                      <a:r>
+                        <a:rPr lang="de-de" sz="900" spc="-30">
+                          <a:solidFill>
+                            <a:srgbClr val="020302"/>
+                          </a:solidFill>
+                          <a:latin typeface="AdobeClean-Light"/>
+                          <a:cs typeface="AdobeClean-Light"/>
+                        </a:rPr>
+                        <a:t>업무</a:t>
+                      </a:r>
+                      <a:r>
+                        <a:rPr lang="de-de" sz="900" spc="-120">
                           <a:solidFill>
                             <a:srgbClr val="020302"/>
                           </a:solidFill>
@@ -4494,153 +3728,17 @@
                         <a:t> </a:t>
                       </a:r>
                       <a:r>
-                        <a:rPr lang="en-US" sz="900" spc="-15">
+                        <a:rPr lang="de-de" sz="900">
                           <a:solidFill>
                             <a:srgbClr val="020302"/>
                           </a:solidFill>
                           <a:latin typeface="AdobeClean-Light"/>
                           <a:cs typeface="AdobeClean-Light"/>
                         </a:rPr>
-                        <a:t>h</a:t>
+                        <a:t>시간</a:t>
                       </a:r>
                       <a:r>
-                        <a:rPr lang="en-US" sz="900" spc="-20">
-                          <a:solidFill>
-                            <a:srgbClr val="020302"/>
-                          </a:solidFill>
-                          <a:latin typeface="AdobeClean-Light"/>
-                          <a:cs typeface="AdobeClean-Light"/>
-                        </a:rPr>
-                        <a:t>our</a:t>
-                      </a:r>
-                      <a:r>
-                        <a:rPr lang="en-US" sz="900">
-                          <a:solidFill>
-                            <a:srgbClr val="020302"/>
-                          </a:solidFill>
-                          <a:latin typeface="AdobeClean-Light"/>
-                          <a:cs typeface="AdobeClean-Light"/>
-                        </a:rPr>
-                        <a:t>s</a:t>
-                      </a:r>
-                      <a:endParaRPr lang="en-US" sz="900">
-                        <a:latin typeface="AdobeClean-Light"/>
-                        <a:cs typeface="AdobeClean-Light"/>
-                      </a:endParaRPr>
-                    </a:p>
-                  </a:txBody>
-                  <a:tcPr marL="0" marR="0" marT="0" marB="0" anchor="ctr">
-                    <a:lnL w="6350">
-                      <a:solidFill>
-                        <a:srgbClr val="B7B8B8"/>
-                      </a:solidFill>
-                      <a:prstDash val="solid"/>
-                    </a:lnL>
-                    <a:lnR w="6350">
-                      <a:solidFill>
-                        <a:srgbClr val="B7B8B8"/>
-                      </a:solidFill>
-                      <a:prstDash val="solid"/>
-                    </a:lnR>
-                    <a:lnT w="6350">
-                      <a:solidFill>
-                        <a:srgbClr val="B7B8B8"/>
-                      </a:solidFill>
-                      <a:prstDash val="solid"/>
-                    </a:lnT>
-                    <a:lnB w="6350">
-                      <a:solidFill>
-                        <a:srgbClr val="B7B8B8"/>
-                      </a:solidFill>
-                      <a:prstDash val="solid"/>
-                    </a:lnB>
-                  </a:tcPr>
-                </a:tc>
-                <a:tc>
-                  <a:txBody>
-                    <a:bodyPr/>
-                    <a:lstStyle/>
-                    <a:p>
-                      <a:pPr marL="428625" marR="398780" indent="-198120">
-                        <a:lnSpc>
-                          <a:spcPct val="102200"/>
-                        </a:lnSpc>
-                        <a:spcBef>
-                          <a:spcPts val="675"/>
-                        </a:spcBef>
-                      </a:pPr>
-                      <a:r>
-                        <a:rPr sz="900" spc="-30">
-                          <a:solidFill>
-                            <a:srgbClr val="020302"/>
-                          </a:solidFill>
-                          <a:latin typeface="AdobeClean-Light"/>
-                          <a:cs typeface="AdobeClean-Light"/>
-                        </a:rPr>
-                        <a:t>B</a:t>
-                      </a:r>
-                      <a:r>
-                        <a:rPr sz="900" spc="-20">
-                          <a:solidFill>
-                            <a:srgbClr val="020302"/>
-                          </a:solidFill>
-                          <a:latin typeface="AdobeClean-Light"/>
-                          <a:cs typeface="AdobeClean-Light"/>
-                        </a:rPr>
-                        <a:t>us</a:t>
-                      </a:r>
-                      <a:r>
-                        <a:rPr sz="900" spc="-15">
-                          <a:solidFill>
-                            <a:srgbClr val="020302"/>
-                          </a:solidFill>
-                          <a:latin typeface="AdobeClean-Light"/>
-                          <a:cs typeface="AdobeClean-Light"/>
-                        </a:rPr>
-                        <a:t>i</a:t>
-                      </a:r>
-                      <a:r>
-                        <a:rPr sz="900" spc="-30">
-                          <a:solidFill>
-                            <a:srgbClr val="020302"/>
-                          </a:solidFill>
-                          <a:latin typeface="AdobeClean-Light"/>
-                          <a:cs typeface="AdobeClean-Light"/>
-                        </a:rPr>
-                        <a:t>n</a:t>
-                      </a:r>
-                      <a:r>
-                        <a:rPr sz="900" spc="-25">
-                          <a:solidFill>
-                            <a:srgbClr val="020302"/>
-                          </a:solidFill>
-                          <a:latin typeface="AdobeClean-Light"/>
-                          <a:cs typeface="AdobeClean-Light"/>
-                        </a:rPr>
-                        <a:t>e</a:t>
-                      </a:r>
-                      <a:r>
-                        <a:rPr sz="900" spc="-20">
-                          <a:solidFill>
-                            <a:srgbClr val="020302"/>
-                          </a:solidFill>
-                          <a:latin typeface="AdobeClean-Light"/>
-                          <a:cs typeface="AdobeClean-Light"/>
-                        </a:rPr>
-                        <a:t>s</a:t>
-                      </a:r>
-                      <a:r>
-                        <a:rPr sz="900">
-                          <a:solidFill>
-                            <a:srgbClr val="020302"/>
-                          </a:solidFill>
-                          <a:latin typeface="AdobeClean-Light"/>
-                          <a:cs typeface="AdobeClean-Light"/>
-                        </a:rPr>
-                        <a:t>s</a:t>
-                      </a:r>
-                      <a:r>
-                        <a:rPr lang="en-US" sz="900" spc="-120">
+                        <a:rPr lang="de-de" sz="900" spc="-5">
                           <a:solidFill>
                             <a:srgbClr val="020302"/>
                           </a:solidFill>
@@ -4650,37 +3748,7 @@
                         <a:t> </a:t>
                       </a:r>
                       <a:r>
-                        <a:rPr sz="900">
-                          <a:solidFill>
-                            <a:srgbClr val="020302"/>
-                          </a:solidFill>
-                          <a:latin typeface="AdobeClean-Light"/>
-                          <a:cs typeface="AdobeClean-Light"/>
-                        </a:rPr>
-                        <a:t>h</a:t>
-                      </a:r>
-                      <a:r>
-                        <a:rPr sz="900" spc="-5">
-                          <a:solidFill>
-                            <a:srgbClr val="020302"/>
-                          </a:solidFill>
-                          <a:latin typeface="AdobeClean-Light"/>
-                          <a:cs typeface="AdobeClean-Light"/>
-                        </a:rPr>
-                        <a:t>ours</a:t>
-                      </a:r>
-                      <a:r>
-                        <a:rPr lang="en-US" sz="900" spc="-5">
-                          <a:solidFill>
-                            <a:srgbClr val="020302"/>
-                          </a:solidFill>
-                          <a:latin typeface="AdobeClean-Light"/>
-                          <a:cs typeface="AdobeClean-Light"/>
-                        </a:rPr>
-                        <a:t> </a:t>
-                      </a:r>
-                      <a:r>
-                        <a:rPr sz="900">
+                        <a:rPr lang="de-de" sz="900">
                           <a:solidFill>
                             <a:srgbClr val="020302"/>
                           </a:solidFill>
@@ -4690,44 +3758,14 @@
                         <a:t>/  2</a:t>
                       </a:r>
                       <a:r>
-                        <a:rPr sz="900" spc="-100">
+                        <a:rPr lang="de-de" sz="900" spc="-15">
                           <a:solidFill>
                             <a:srgbClr val="020302"/>
                           </a:solidFill>
                           <a:latin typeface="AdobeClean-Light"/>
                           <a:cs typeface="AdobeClean-Light"/>
                         </a:rPr>
-                        <a:t> </a:t>
-                      </a:r>
-                      <a:r>
-                        <a:rPr sz="900" spc="-15">
-                          <a:solidFill>
-                            <a:srgbClr val="020302"/>
-                          </a:solidFill>
-                          <a:latin typeface="AdobeClean-Light"/>
-                          <a:cs typeface="AdobeClean-Light"/>
-                        </a:rPr>
-                        <a:t>h</a:t>
-                      </a:r>
-                      <a:r>
-                        <a:rPr sz="900" spc="-20">
-                          <a:solidFill>
-                            <a:srgbClr val="020302"/>
-                          </a:solidFill>
-                          <a:latin typeface="AdobeClean-Light"/>
-                          <a:cs typeface="AdobeClean-Light"/>
-                        </a:rPr>
-                        <a:t>our</a:t>
-                      </a:r>
-                      <a:r>
-                        <a:rPr sz="900">
-                          <a:solidFill>
-                            <a:srgbClr val="020302"/>
-                          </a:solidFill>
-                          <a:latin typeface="AdobeClean-Light"/>
-                          <a:cs typeface="AdobeClean-Light"/>
-                        </a:rPr>
-                        <a:t>s</a:t>
+                        <a:t>시간</a:t>
                       </a:r>
                       <a:endParaRPr sz="900">
                         <a:latin typeface="AdobeClean-Light"/>
@@ -4791,87 +3829,27 @@
                         </a:spcBef>
                       </a:pPr>
                       <a:r>
-                        <a:rPr sz="900" b="1" spc="-15">
+                        <a:rPr lang="de-de" sz="900" b="1" spc="-15">
                           <a:solidFill>
                             <a:srgbClr val="020302"/>
                           </a:solidFill>
                           <a:latin typeface="Adobe Clean"/>
                           <a:cs typeface="Adobe Clean"/>
                         </a:rPr>
-                        <a:t>P</a:t>
+                        <a:t>우</a:t>
                       </a:r>
                       <a:r>
-                        <a:rPr sz="900" b="1" spc="-20">
+                        <a:rPr lang="de-de" sz="900" b="1" spc="-20">
                           <a:solidFill>
                             <a:srgbClr val="020302"/>
                           </a:solidFill>
                           <a:latin typeface="Adobe Clean"/>
                           <a:cs typeface="Adobe Clean"/>
                         </a:rPr>
-                        <a:t>R</a:t>
+                        <a:t>선</a:t>
                       </a:r>
                       <a:r>
-                        <a:rPr sz="900" b="1" spc="-25">
-                          <a:solidFill>
-                            <a:srgbClr val="020302"/>
-                          </a:solidFill>
-                          <a:latin typeface="Adobe Clean"/>
-                          <a:cs typeface="Adobe Clean"/>
-                        </a:rPr>
-                        <a:t>I</a:t>
-                      </a:r>
-                      <a:r>
-                        <a:rPr sz="900" b="1" spc="-15">
-                          <a:solidFill>
-                            <a:srgbClr val="020302"/>
-                          </a:solidFill>
-                          <a:latin typeface="Adobe Clean"/>
-                          <a:cs typeface="Adobe Clean"/>
-                        </a:rPr>
-                        <a:t>O</a:t>
-                      </a:r>
-                      <a:r>
-                        <a:rPr sz="900" b="1" spc="-20">
-                          <a:solidFill>
-                            <a:srgbClr val="020302"/>
-                          </a:solidFill>
-                          <a:latin typeface="Adobe Clean"/>
-                          <a:cs typeface="Adobe Clean"/>
-                        </a:rPr>
-                        <a:t>R</a:t>
-                      </a:r>
-                      <a:r>
-                        <a:rPr sz="900" b="1" spc="-25">
-                          <a:solidFill>
-                            <a:srgbClr val="020302"/>
-                          </a:solidFill>
-                          <a:latin typeface="Adobe Clean"/>
-                          <a:cs typeface="Adobe Clean"/>
-                        </a:rPr>
-                        <a:t>I</a:t>
-                      </a:r>
-                      <a:r>
-                        <a:rPr sz="900" b="1" spc="-15">
-                          <a:solidFill>
-                            <a:srgbClr val="020302"/>
-                          </a:solidFill>
-                          <a:latin typeface="Adobe Clean"/>
-                          <a:cs typeface="Adobe Clean"/>
-                        </a:rPr>
-                        <a:t>T</a:t>
-                      </a:r>
-                      <a:r>
-                        <a:rPr sz="900" b="1">
-                          <a:solidFill>
-                            <a:srgbClr val="020302"/>
-                          </a:solidFill>
-                          <a:latin typeface="Adobe Clean"/>
-                          <a:cs typeface="Adobe Clean"/>
-                        </a:rPr>
-                        <a:t>Y</a:t>
-                      </a:r>
-                      <a:r>
-                        <a:rPr sz="900" b="1" spc="-40">
+                        <a:rPr lang="de-de" sz="900" b="1" spc="-25">
                           <a:solidFill>
                             <a:srgbClr val="020302"/>
                           </a:solidFill>
@@ -4881,7 +3859,37 @@
                         <a:t> </a:t>
                       </a:r>
                       <a:r>
-                        <a:rPr sz="900" b="1">
+                        <a:rPr lang="de-de" sz="900" b="1" spc="-15">
+                          <a:solidFill>
+                            <a:srgbClr val="020302"/>
+                          </a:solidFill>
+                          <a:latin typeface="Adobe Clean"/>
+                          <a:cs typeface="Adobe Clean"/>
+                        </a:rPr>
+                        <a:t>순</a:t>
+                      </a:r>
+                      <a:r>
+                        <a:rPr lang="de-de" sz="900" b="1" spc="-20">
+                          <a:solidFill>
+                            <a:srgbClr val="020302"/>
+                          </a:solidFill>
+                          <a:latin typeface="Adobe Clean"/>
+                          <a:cs typeface="Adobe Clean"/>
+                        </a:rPr>
+                        <a:t>위</a:t>
+                      </a:r>
+                      <a:r>
+                        <a:rPr lang="de-de" sz="900" b="1" spc="-40">
+                          <a:solidFill>
+                            <a:srgbClr val="020302"/>
+                          </a:solidFill>
+                          <a:latin typeface="Adobe Clean"/>
+                          <a:cs typeface="Adobe Clean"/>
+                        </a:rPr>
+                        <a:t> </a:t>
+                      </a:r>
+                      <a:r>
+                        <a:rPr lang="de-de" sz="900" b="1">
                           <a:solidFill>
                             <a:srgbClr val="020302"/>
                           </a:solidFill>
@@ -4905,7 +3913,7 @@
                         </a:spcBef>
                       </a:pPr>
                       <a:r>
-                        <a:rPr lang="en-US" sz="900" b="1" spc="-90">
+                        <a:rPr lang="de-de" sz="900" b="1" spc="-90">
                           <a:solidFill>
                             <a:srgbClr val="020302"/>
                           </a:solidFill>
@@ -4915,7 +3923,7 @@
                         <a:t> </a:t>
                       </a:r>
                       <a:r>
-                        <a:rPr lang="en-US" sz="900" b="0" i="0" u="none" strike="noStrike">
+                        <a:rPr lang="de-de" sz="900" b="0" i="0" u="none" strike="noStrike">
                           <a:solidFill>
                             <a:schemeClr val="tx1"/>
                           </a:solidFill>
@@ -4924,7 +3932,7 @@
                           <a:ea typeface="+mn-ea"/>
                           <a:cs typeface="+mn-cs"/>
                         </a:rPr>
-                        <a:t>General question regarding current product functionality or an enhancement request</a:t>
+                        <a:t>현재 제품 기능에 관한 일반적인 질문 또는 개선 요청입니다.</a:t>
                       </a:r>
                       <a:endParaRPr lang="en-US" sz="900" b="0" i="0">
                         <a:latin typeface="Adobe Clean Light" panose="020B0303020404020204" pitchFamily="34" charset="0"/>
@@ -4964,23 +3972,23 @@
                     <a:bodyPr/>
                     <a:lstStyle/>
                     <a:p>
-                      <a:pPr marL="473709" marR="343535" indent="-175895">
+                      <a:pPr marL="473709" marR="343535" indent="-175895" algn="ctr">
                         <a:lnSpc>
                           <a:spcPct val="102200"/>
                         </a:lnSpc>
                       </a:pPr>
                       <a:r>
-                        <a:rPr lang="en-US" sz="900" spc="-30">
+                        <a:rPr lang="de-de" sz="900" spc="-30">
                           <a:solidFill>
                             <a:srgbClr val="020302"/>
                           </a:solidFill>
                           <a:latin typeface="AdobeClean-Light"/>
                           <a:cs typeface="AdobeClean-Light"/>
                         </a:rPr>
-                        <a:t>Business days </a:t>
+                        <a:t>업무일 </a:t>
                       </a:r>
                       <a:r>
-                        <a:rPr lang="en-US" sz="900">
+                        <a:rPr lang="de-de" sz="900">
                           <a:solidFill>
                             <a:srgbClr val="020302"/>
                           </a:solidFill>
@@ -4990,7 +3998,70 @@
                         <a:t>/        3</a:t>
                       </a:r>
                       <a:r>
-                        <a:rPr lang="en-US" sz="900" spc="-100">
+                        <a:rPr lang="de-de" sz="900" spc="-15">
+                          <a:solidFill>
+                            <a:srgbClr val="020302"/>
+                          </a:solidFill>
+                          <a:latin typeface="AdobeClean-Light"/>
+                          <a:cs typeface="AdobeClean-Light"/>
+                        </a:rPr>
+                        <a:t>일</a:t>
+                      </a:r>
+                      <a:endParaRPr lang="en-US" sz="900">
+                        <a:latin typeface="AdobeClean-Light"/>
+                        <a:cs typeface="AdobeClean-Light"/>
+                      </a:endParaRPr>
+                    </a:p>
+                  </a:txBody>
+                  <a:tcPr marL="0" marR="0" marT="0" marB="0" anchor="ctr">
+                    <a:lnL w="6350">
+                      <a:solidFill>
+                        <a:srgbClr val="B7B8B8"/>
+                      </a:solidFill>
+                      <a:prstDash val="solid"/>
+                    </a:lnL>
+                    <a:lnR w="6350">
+                      <a:solidFill>
+                        <a:srgbClr val="B7B8B8"/>
+                      </a:solidFill>
+                      <a:prstDash val="solid"/>
+                    </a:lnR>
+                    <a:lnT w="6350">
+                      <a:solidFill>
+                        <a:srgbClr val="B7B8B8"/>
+                      </a:solidFill>
+                      <a:prstDash val="solid"/>
+                    </a:lnT>
+                    <a:lnB w="6350">
+                      <a:solidFill>
+                        <a:srgbClr val="B7B8B8"/>
+                      </a:solidFill>
+                      <a:prstDash val="solid"/>
+                    </a:lnB>
+                  </a:tcPr>
+                </a:tc>
+                <a:tc>
+                  <a:txBody>
+                    <a:bodyPr/>
+                    <a:lstStyle/>
+                    <a:p>
+                      <a:pPr marL="473709" marR="343535" indent="-175895" algn="ctr">
+                        <a:lnSpc>
+                          <a:spcPct val="102200"/>
+                        </a:lnSpc>
+                      </a:pPr>
+                      <a:r>
+                        <a:rPr lang="de-de" sz="900" spc="-30" dirty="0" err="1">
+                          <a:solidFill>
+                            <a:srgbClr val="020302"/>
+                          </a:solidFill>
+                          <a:latin typeface="AdobeClean-Light"/>
+                          <a:cs typeface="AdobeClean-Light"/>
+                        </a:rPr>
+                        <a:t>업무일</a:t>
+                      </a:r>
+                      <a:r>
+                        <a:rPr lang="de-de" sz="900" spc="-30" dirty="0">
                           <a:solidFill>
                             <a:srgbClr val="020302"/>
                           </a:solidFill>
@@ -5000,80 +4071,7 @@
                         <a:t> </a:t>
                       </a:r>
                       <a:r>
-                        <a:rPr lang="en-US" sz="900" spc="-15">
-                          <a:solidFill>
-                            <a:srgbClr val="020302"/>
-                          </a:solidFill>
-                          <a:latin typeface="AdobeClean-Light"/>
-                          <a:cs typeface="AdobeClean-Light"/>
-                        </a:rPr>
-                        <a:t>day</a:t>
-                      </a:r>
-                      <a:r>
-                        <a:rPr lang="en-US" sz="900">
-                          <a:solidFill>
-                            <a:srgbClr val="020302"/>
-                          </a:solidFill>
-                          <a:latin typeface="AdobeClean-Light"/>
-                          <a:cs typeface="AdobeClean-Light"/>
-                        </a:rPr>
-                        <a:t>s</a:t>
-                      </a:r>
-                      <a:endParaRPr lang="en-US" sz="900">
-                        <a:latin typeface="AdobeClean-Light"/>
-                        <a:cs typeface="AdobeClean-Light"/>
-                      </a:endParaRPr>
-                    </a:p>
-                  </a:txBody>
-                  <a:tcPr marL="0" marR="0" marT="0" marB="0" anchor="ctr">
-                    <a:lnL w="6350">
-                      <a:solidFill>
-                        <a:srgbClr val="B7B8B8"/>
-                      </a:solidFill>
-                      <a:prstDash val="solid"/>
-                    </a:lnL>
-                    <a:lnR w="6350">
-                      <a:solidFill>
-                        <a:srgbClr val="B7B8B8"/>
-                      </a:solidFill>
-                      <a:prstDash val="solid"/>
-                    </a:lnR>
-                    <a:lnT w="6350">
-                      <a:solidFill>
-                        <a:srgbClr val="B7B8B8"/>
-                      </a:solidFill>
-                      <a:prstDash val="solid"/>
-                    </a:lnT>
-                    <a:lnB w="6350">
-                      <a:solidFill>
-                        <a:srgbClr val="B7B8B8"/>
-                      </a:solidFill>
-                      <a:prstDash val="solid"/>
-                    </a:lnB>
-                  </a:tcPr>
-                </a:tc>
-                <a:tc>
-                  <a:txBody>
-                    <a:bodyPr/>
-                    <a:lstStyle/>
-                    <a:p>
-                      <a:pPr marL="473709" marR="343535" indent="-175895">
-                        <a:lnSpc>
-                          <a:spcPct val="102200"/>
-                        </a:lnSpc>
-                      </a:pPr>
-                      <a:r>
-                        <a:rPr lang="en-US" sz="900" spc="-30">
-                          <a:solidFill>
-                            <a:srgbClr val="020302"/>
-                          </a:solidFill>
-                          <a:latin typeface="AdobeClean-Light"/>
-                          <a:cs typeface="AdobeClean-Light"/>
-                        </a:rPr>
-                        <a:t>Business days </a:t>
-                      </a:r>
-                      <a:r>
-                        <a:rPr lang="en-US" sz="900">
+                        <a:rPr lang="de-de" sz="900" dirty="0">
                           <a:solidFill>
                             <a:srgbClr val="020302"/>
                           </a:solidFill>
@@ -5083,26 +4081,16 @@
                         <a:t>/       1</a:t>
                       </a:r>
                       <a:r>
-                        <a:rPr lang="en-US" sz="900" spc="-100">
+                        <a:rPr lang="de-de" sz="900" spc="-15" dirty="0">
                           <a:solidFill>
                             <a:srgbClr val="020302"/>
                           </a:solidFill>
                           <a:latin typeface="AdobeClean-Light"/>
                           <a:cs typeface="AdobeClean-Light"/>
                         </a:rPr>
-                        <a:t> </a:t>
+                        <a:t>일</a:t>
                       </a:r>
-                      <a:r>
-                        <a:rPr lang="en-US" sz="900" spc="-15">
-                          <a:solidFill>
-                            <a:srgbClr val="020302"/>
-                          </a:solidFill>
-                          <a:latin typeface="AdobeClean-Light"/>
-                          <a:cs typeface="AdobeClean-Light"/>
-                        </a:rPr>
-                        <a:t>day</a:t>
-                      </a:r>
-                      <a:endParaRPr lang="en-US" sz="900">
+                      <a:endParaRPr lang="en-US" sz="900" dirty="0">
                         <a:latin typeface="AdobeClean-Light"/>
                         <a:cs typeface="AdobeClean-Light"/>
                       </a:endParaRPr>
@@ -5188,7 +4176,7 @@
         <p:spPr>
           <a:xfrm>
             <a:off x="97788" y="9888626"/>
-            <a:ext cx="2245360" cy="133370"/>
+            <a:ext cx="5437598" cy="133370"/>
           </a:xfrm>
           <a:prstGeom prst="rect">
             <a:avLst/>
@@ -5209,40 +4197,36 @@
               </a:spcBef>
             </a:pPr>
             <a:r>
-              <a:rPr spc="-10"/>
-              <a:t>©202</a:t>
-            </a:r>
-            <a:r>
-              <a:rPr lang="en-US" spc="-10"/>
-              <a:t>1</a:t>
-            </a:r>
-            <a:r>
-              <a:rPr spc="-5"/>
+              <a:rPr lang="de-de" spc="-10" dirty="0"/>
+              <a:t>©2021</a:t>
+            </a:r>
+            <a:r>
+              <a:rPr lang="de-de" spc="-5" dirty="0"/>
               <a:t> Adobe. All</a:t>
             </a:r>
             <a:r>
-              <a:rPr spc="-10"/>
+              <a:rPr lang="de-de" spc="-10" dirty="0"/>
               <a:t> Rights</a:t>
             </a:r>
             <a:r>
-              <a:rPr spc="-5"/>
+              <a:rPr lang="de-de" spc="-5" dirty="0"/>
               <a:t> </a:t>
             </a:r>
             <a:r>
-              <a:rPr spc="-10"/>
+              <a:rPr lang="de-de" spc="-10" dirty="0"/>
               <a:t>Reserved.</a:t>
             </a:r>
             <a:r>
-              <a:rPr spc="-5"/>
+              <a:rPr lang="de-de" spc="-5" dirty="0"/>
               <a:t> Adobe</a:t>
             </a:r>
             <a:r>
-              <a:rPr spc="60"/>
+              <a:rPr lang="de-de" spc="60" dirty="0"/>
               <a:t> </a:t>
             </a:r>
             <a:r>
-              <a:rPr spc="-10"/>
-              <a:t>Confidential.</a:t>
+              <a:rPr lang="de-de" spc="-10" dirty="0"/>
+              <a:t>기밀.</a:t>
             </a:r>
           </a:p>
         </p:txBody>
@@ -5276,7 +4260,7 @@
           <a:lstStyle/>
           <a:p>
             <a:r>
-              <a:rPr lang="en-US" sz="700" i="1">
+              <a:rPr lang="de-de" sz="700" i="1">
                 <a:solidFill>
                   <a:schemeClr val="bg1"/>
                 </a:solidFill>
@@ -5322,16 +4306,16 @@
               </a:spcBef>
             </a:pPr>
             <a:r>
-              <a:rPr lang="en-US" sz="1200">
+              <a:rPr lang="de-de" sz="1200">
                 <a:solidFill>
                   <a:schemeClr val="bg1"/>
                 </a:solidFill>
                 <a:latin typeface="Adobe Clean Light" panose="020B0303020404020204" pitchFamily="34" charset="0"/>
               </a:rPr>
-              <a:t>Online | Business |</a:t>
-            </a:r>
-            <a:r>
-              <a:rPr lang="en-US" sz="1200" b="1">
+              <a:t>온라인 | 비즈니스 |</a:t>
+            </a:r>
+            <a:r>
+              <a:rPr lang="de-de" sz="1200" b="1">
                 <a:solidFill>
                   <a:schemeClr val="bg1"/>
                 </a:solidFill>
@@ -5340,15 +4324,15 @@
               <a:t> </a:t>
             </a:r>
             <a:r>
-              <a:rPr lang="en-US" sz="1200" b="1">
+              <a:rPr lang="de-de" sz="1200" b="1">
                 <a:solidFill>
                   <a:schemeClr val="bg1"/>
                 </a:solidFill>
               </a:rPr>
-              <a:t>Enterprise</a:t>
-            </a:r>
-            <a:r>
-              <a:rPr lang="en-US" sz="1200" b="1">
+              <a:t>엔터프라이즈</a:t>
+            </a:r>
+            <a:r>
+              <a:rPr lang="de-de" sz="1200" b="1">
                 <a:solidFill>
                   <a:schemeClr val="bg1"/>
                 </a:solidFill>
@@ -5357,30 +4341,23 @@
               <a:t> </a:t>
             </a:r>
             <a:r>
-              <a:rPr lang="en-US" sz="1200">
+              <a:rPr lang="de-de" sz="1200">
                 <a:solidFill>
                   <a:schemeClr val="bg1"/>
                 </a:solidFill>
                 <a:latin typeface="Adobe Clean Light" panose="020B0303020404020204" pitchFamily="34" charset="0"/>
               </a:rPr>
-              <a:t>| Elite</a:t>
-            </a:r>
-            <a:br>
-              <a:rPr lang="en-US" sz="900">
+              <a:t>| 엘리트</a:t>
+            </a:r>
+            <a:br/>
+            <a:r>
+              <a:rPr lang="de-de" sz="900">
                 <a:solidFill>
                   <a:schemeClr val="bg1"/>
                 </a:solidFill>
-                <a:latin typeface="Adobe Clean Light" panose="020B0303020404020204" pitchFamily="34" charset="0"/>
-              </a:rPr>
-            </a:br>
-            <a:r>
-              <a:rPr lang="en-US" sz="900">
-                <a:solidFill>
-                  <a:schemeClr val="bg1"/>
-                </a:solidFill>
                 <a:latin typeface="Adobe Clean SemiLight" panose="020B0403020404020204" pitchFamily="34" charset="0"/>
               </a:rPr>
-              <a:t>ENTERPRISE support includes access to personalized learning paths and monitored community forums via the Adobe Experience League. You can also take advantage of our detailed and in-depth technical product documentation and current release notes. ENTERPRISE customers will also be provided with a Named Support Engineer who acts as your designated technical contact in the Adobe Support Team. With deep experience in your designated Experience Cloud solution, your support team will work in partnership with you and your technical teams to ensure timely resolution of all support requests. Your support team can also help coordinate and arrange delivery of the additional ENTERPRISE benefits ensuring minimal disruption to your business at the most critical time. </a:t>
+              <a:t>엔터프라이즈 지원에는 Adobe Experience League를 통한 개인 맞춤형 학습 경로 및 모니터링되는 커뮤니티 포럼 액세스가 포함됩니다. 또한 상세한 심층적 기술 제품 설명서 및 최신 릴리스 정보를 활용할 수도 있습니다. 엔터프라이즈 고객에게는 Adobe 지원 팀에서 지정 기술 담당자 역할을 하는 지정 지원 엔지니어도 제공됩니다. 지정된 Experience Cloud 솔루션에 대한 풍부한 경험을 바탕으로, 지원 팀은 모든 지원 요청을 적시에 해결할 수 있도록 귀사 및 기술팀과 협력할 것입니다. 또한 지원 팀은 추가 엔터프라이즈 혜택 제공을 조정하고 준비하여 가장 중요한 시기에 비즈니스 중단을 최소화하는 데 도움을 줄 수 있습니다. </a:t>
             </a:r>
             <a:endParaRPr lang="en-US" sz="900">
               <a:solidFill>
@@ -5458,7 +4435,7 @@
                     <a:bodyPr/>
                     <a:lstStyle/>
                     <a:p>
-                      <a:endParaRPr lang="en-US"/>
+                      <a:endParaRPr lang="en-US" dirty="0"/>
                     </a:p>
                   </a:txBody>
                   <a:tcPr/>
@@ -5496,14 +4473,14 @@
                         <a:defRPr/>
                       </a:pPr>
                       <a:r>
-                        <a:rPr lang="en-US" sz="900" spc="0">
+                        <a:rPr lang="de-de" sz="900" spc="0">
                           <a:solidFill>
                             <a:srgbClr val="404040"/>
                           </a:solidFill>
                           <a:latin typeface="Adobe Clean"/>
                           <a:cs typeface="Adobe Clean"/>
                         </a:rPr>
-                        <a:t>Online  Support</a:t>
+                        <a:t>온라인 지원</a:t>
                       </a:r>
                       <a:endParaRPr lang="en-US" sz="900" spc="0">
                         <a:latin typeface="Adobe Clean"/>
@@ -5549,24 +4526,14 @@
                         </a:spcBef>
                       </a:pPr>
                       <a:r>
-                        <a:rPr lang="en-US" sz="900" spc="0">
+                        <a:rPr lang="de-de" sz="900" spc="0">
                           <a:solidFill>
                             <a:srgbClr val="FFFFFF"/>
                           </a:solidFill>
                           <a:latin typeface="Adobe Clean"/>
                           <a:cs typeface="Adobe Clean"/>
                         </a:rPr>
-                        <a:t>Enterprise </a:t>
-                      </a:r>
-                      <a:r>
-                        <a:rPr sz="900" spc="0">
-                          <a:solidFill>
-                            <a:srgbClr val="FFFFFF"/>
-                          </a:solidFill>
-                          <a:latin typeface="Adobe Clean"/>
-                          <a:cs typeface="Adobe Clean"/>
-                        </a:rPr>
-                        <a:t>Support</a:t>
+                        <a:t>엔터프라이즈 지원</a:t>
                       </a:r>
                       <a:endParaRPr sz="900" spc="0">
                         <a:latin typeface="Adobe Clean"/>
@@ -5656,7 +4623,7 @@
                         <a:tabLst/>
                         <a:defRPr/>
                       </a:pPr>
-                      <a:endParaRPr lang="en-US" sz="800" i="1">
+                      <a:endParaRPr lang="en-US" sz="800" i="1" dirty="0">
                         <a:solidFill>
                           <a:sysClr val="windowText" lastClr="000000"/>
                         </a:solidFill>
@@ -5720,13 +4687,13 @@
                         <a:defRPr/>
                       </a:pPr>
                       <a:r>
-                        <a:rPr lang="en-US" sz="800" i="1">
+                        <a:rPr lang="de-de" sz="800" i="1">
                           <a:solidFill>
                             <a:schemeClr val="bg1"/>
                           </a:solidFill>
                           <a:latin typeface="Adobe Clean Light" panose="020B0303020404020204" pitchFamily="34" charset="0"/>
                         </a:rPr>
-                        <a:t>Paid Support ($)</a:t>
+                        <a:t>유료 지원($)</a:t>
                       </a:r>
                     </a:p>
                   </a:txBody>
@@ -5790,14 +4757,14 @@
                         </a:spcBef>
                       </a:pPr>
                       <a:r>
-                        <a:rPr lang="en-US" sz="1000" b="1" i="0" spc="0">
+                        <a:rPr lang="de-de" sz="1000" b="1" i="0" spc="0">
                           <a:solidFill>
                             <a:schemeClr val="bg1"/>
                           </a:solidFill>
                           <a:latin typeface="Adobe Clean" panose="020B0503020404020204" pitchFamily="34" charset="0"/>
                           <a:cs typeface="AdobeClean-Light"/>
                         </a:rPr>
-                        <a:t>Assigned Experts</a:t>
+                        <a:t>할당된 전문가</a:t>
                       </a:r>
                       <a:endParaRPr sz="1000" b="1" i="0" spc="0">
                         <a:solidFill>
@@ -5852,14 +4819,14 @@
                         </a:spcBef>
                       </a:pPr>
                       <a:r>
-                        <a:rPr sz="900" spc="0">
+                        <a:rPr lang="de-de" sz="900" spc="0">
                           <a:solidFill>
                             <a:srgbClr val="020302"/>
                           </a:solidFill>
                           <a:latin typeface="AdobeClean-Light"/>
                           <a:cs typeface="AdobeClean-Light"/>
                         </a:rPr>
-                        <a:t>Account Support Lead</a:t>
+                        <a:t>계정 지원 리드</a:t>
                       </a:r>
                       <a:endParaRPr sz="900" spc="0">
                         <a:latin typeface="AdobeClean-Light"/>
@@ -6029,14 +4996,14 @@
                         </a:spcBef>
                       </a:pPr>
                       <a:r>
-                        <a:rPr sz="900" spc="0">
+                        <a:rPr lang="de-de" sz="900" spc="0">
                           <a:solidFill>
                             <a:srgbClr val="020302"/>
                           </a:solidFill>
                           <a:latin typeface="AdobeClean-Light"/>
                           <a:cs typeface="AdobeClean-Light"/>
                         </a:rPr>
-                        <a:t>Named Support Engineer</a:t>
+                        <a:t>지정 지원 엔지니어</a:t>
                       </a:r>
                       <a:endParaRPr sz="900" spc="0">
                         <a:latin typeface="AdobeClean-Light"/>
@@ -6111,7 +5078,7 @@
                         <a:defRPr/>
                       </a:pPr>
                       <a:r>
-                        <a:rPr lang="en-US" sz="900">
+                        <a:rPr lang="de-de" sz="900">
                           <a:solidFill>
                             <a:srgbClr val="020302"/>
                           </a:solidFill>
@@ -6204,14 +5171,14 @@
                         </a:spcBef>
                       </a:pPr>
                       <a:r>
-                        <a:rPr sz="900" spc="0">
+                        <a:rPr lang="de-de" sz="900" spc="0">
                           <a:solidFill>
                             <a:srgbClr val="020302"/>
                           </a:solidFill>
                           <a:latin typeface="AdobeClean-Light"/>
                           <a:cs typeface="AdobeClean-Light"/>
                         </a:rPr>
-                        <a:t>Technical Account Manager</a:t>
+                        <a:t>기술 계정 관리자</a:t>
                       </a:r>
                       <a:endParaRPr sz="900" spc="0">
                         <a:latin typeface="AdobeClean-Light"/>
@@ -6334,16 +5301,16 @@
                         </a:spcBef>
                       </a:pPr>
                       <a:r>
-                        <a:rPr lang="en-US" sz="1000" b="1" i="0" spc="0">
+                        <a:rPr lang="de-de" sz="1000" b="1" i="0" spc="0" dirty="0">
                           <a:solidFill>
                             <a:schemeClr val="bg1"/>
                           </a:solidFill>
                           <a:latin typeface="Adobe Clean" panose="020B0503020404020204" pitchFamily="34" charset="0"/>
                           <a:cs typeface="AdobeClean-Light"/>
                         </a:rPr>
-                        <a:t>Support Services</a:t>
+                        <a:t>지원 서비스</a:t>
                       </a:r>
-                      <a:endParaRPr sz="1000" b="1" i="0" spc="0">
+                      <a:endParaRPr sz="1000" b="1" i="0" spc="0" dirty="0">
                         <a:solidFill>
                           <a:schemeClr val="bg1"/>
                         </a:solidFill>
@@ -6405,24 +5372,14 @@
                         </a:spcBef>
                       </a:pPr>
                       <a:r>
-                        <a:rPr lang="en-US" sz="900" spc="0">
+                        <a:rPr lang="de-de" sz="900" spc="0">
                           <a:solidFill>
                             <a:srgbClr val="020302"/>
                           </a:solidFill>
                           <a:latin typeface="AdobeClean-Light"/>
                           <a:cs typeface="AdobeClean-Light"/>
                         </a:rPr>
-                        <a:t>Online</a:t>
-                      </a:r>
-                      <a:r>
-                        <a:rPr sz="900" spc="0">
-                          <a:solidFill>
-                            <a:srgbClr val="020302"/>
-                          </a:solidFill>
-                          <a:latin typeface="AdobeClean-Light"/>
-                          <a:cs typeface="AdobeClean-Light"/>
-                        </a:rPr>
-                        <a:t> Support</a:t>
+                        <a:t>온라인 지원</a:t>
                       </a:r>
                       <a:endParaRPr sz="900" spc="0">
                         <a:latin typeface="AdobeClean-Light"/>
@@ -6465,17 +5422,17 @@
                         </a:spcBef>
                       </a:pPr>
                       <a:r>
-                        <a:rPr sz="900" spc="-25">
+                        <a:rPr lang="de-de" sz="900" spc="-25">
                           <a:solidFill>
                             <a:srgbClr val="020302"/>
                           </a:solidFill>
                           <a:latin typeface="AdobeClean-Light"/>
                           <a:cs typeface="AdobeClean-Light"/>
                         </a:rPr>
-                        <a:t>Business</a:t>
+                        <a:t>업무</a:t>
                       </a:r>
                       <a:r>
-                        <a:rPr sz="900" spc="-15">
+                        <a:rPr lang="de-de" sz="900" spc="-15">
                           <a:solidFill>
                             <a:srgbClr val="020302"/>
                           </a:solidFill>
@@ -6485,14 +5442,14 @@
                         <a:t> </a:t>
                       </a:r>
                       <a:r>
-                        <a:rPr sz="900" spc="-30">
+                        <a:rPr lang="de-de" sz="900" spc="-30">
                           <a:solidFill>
                             <a:srgbClr val="020302"/>
                           </a:solidFill>
                           <a:latin typeface="AdobeClean-Light"/>
                           <a:cs typeface="AdobeClean-Light"/>
                         </a:rPr>
-                        <a:t>hours</a:t>
+                        <a:t>시간</a:t>
                       </a:r>
                       <a:endParaRPr sz="900">
                         <a:latin typeface="AdobeClean-Light"/>
@@ -6536,7 +5493,7 @@
                         </a:spcBef>
                       </a:pPr>
                       <a:r>
-                        <a:rPr lang="en-US" sz="900" spc="-25">
+                        <a:rPr lang="de-de" sz="900" spc="-25">
                           <a:solidFill>
                             <a:srgbClr val="020302"/>
                           </a:solidFill>
@@ -6631,34 +5588,14 @@
                         </a:spcBef>
                       </a:pPr>
                       <a:r>
-                        <a:rPr sz="900" spc="0">
+                        <a:rPr lang="de-de" sz="900" spc="0">
                           <a:solidFill>
                             <a:srgbClr val="020302"/>
                           </a:solidFill>
                           <a:latin typeface="AdobeClean-Light"/>
                           <a:cs typeface="AdobeClean-Light"/>
                         </a:rPr>
-                        <a:t>24x7</a:t>
-                      </a:r>
-                      <a:r>
-                        <a:rPr lang="en-US" sz="900" spc="0">
-                          <a:solidFill>
-                            <a:srgbClr val="020302"/>
-                          </a:solidFill>
-                          <a:latin typeface="AdobeClean-Light"/>
-                          <a:cs typeface="AdobeClean-Light"/>
-                        </a:rPr>
-                        <a:t>x365</a:t>
-                      </a:r>
-                      <a:r>
-                        <a:rPr sz="900" spc="0">
-                          <a:solidFill>
-                            <a:srgbClr val="020302"/>
-                          </a:solidFill>
-                          <a:latin typeface="AdobeClean-Light"/>
-                          <a:cs typeface="AdobeClean-Light"/>
-                        </a:rPr>
-                        <a:t> P1 Issue Support</a:t>
+                        <a:t>24x7x365 P1 문제 지원</a:t>
                       </a:r>
                       <a:endParaRPr sz="900" spc="0">
                         <a:latin typeface="AdobeClean-Light"/>
@@ -6695,7 +5632,7 @@
                         </a:spcBef>
                       </a:pPr>
                       <a:r>
-                        <a:rPr sz="900">
+                        <a:rPr lang="de-de" sz="900">
                           <a:solidFill>
                             <a:srgbClr val="020302"/>
                           </a:solidFill>
@@ -6737,7 +5674,7 @@
                         </a:spcBef>
                       </a:pPr>
                       <a:r>
-                        <a:rPr sz="900">
+                        <a:rPr lang="de-de" sz="900">
                           <a:solidFill>
                             <a:srgbClr val="020302"/>
                           </a:solidFill>
@@ -6830,14 +5767,14 @@
                         </a:spcBef>
                       </a:pPr>
                       <a:r>
-                        <a:rPr lang="en-US" sz="900" spc="0">
+                        <a:rPr lang="de-de" sz="900" spc="0">
                           <a:solidFill>
                             <a:srgbClr val="020302"/>
                           </a:solidFill>
                           <a:latin typeface="AdobeClean-Light"/>
                           <a:cs typeface="AdobeClean-Light"/>
                         </a:rPr>
-                        <a:t>Named Support Contacts (per product)</a:t>
+                        <a:t>지정된 지원 담당자(제품당)</a:t>
                       </a:r>
                       <a:endParaRPr sz="900" spc="0">
                         <a:latin typeface="AdobeClean-Light"/>
@@ -6880,7 +5817,7 @@
                         </a:spcBef>
                       </a:pPr>
                       <a:r>
-                        <a:rPr sz="900">
+                        <a:rPr lang="de-de" sz="900">
                           <a:solidFill>
                             <a:srgbClr val="020302"/>
                           </a:solidFill>
@@ -6922,7 +5859,7 @@
                         </a:spcBef>
                       </a:pPr>
                       <a:r>
-                        <a:rPr lang="en-US" sz="900">
+                        <a:rPr lang="de-de" sz="900">
                           <a:solidFill>
                             <a:srgbClr val="020302"/>
                           </a:solidFill>
@@ -7006,14 +5943,14 @@
                         </a:spcBef>
                       </a:pPr>
                       <a:r>
-                        <a:rPr lang="en-US" sz="900" spc="0">
+                        <a:rPr lang="de-de" sz="900" spc="0">
                           <a:solidFill>
                             <a:srgbClr val="020302"/>
                           </a:solidFill>
                           <a:latin typeface="AdobeClean-Light"/>
                           <a:cs typeface="AdobeClean-Light"/>
                         </a:rPr>
-                        <a:t>Live Telephone Support</a:t>
+                        <a:t>실시간 전화 지원</a:t>
                       </a:r>
                       <a:endParaRPr sz="900" spc="0">
                         <a:latin typeface="AdobeClean-Light"/>
@@ -7082,7 +6019,7 @@
                         </a:spcBef>
                       </a:pPr>
                       <a:r>
-                        <a:rPr sz="900">
+                        <a:rPr lang="de-de" sz="900">
                           <a:solidFill>
                             <a:srgbClr val="020302"/>
                           </a:solidFill>
@@ -7166,14 +6103,14 @@
                         </a:spcBef>
                       </a:pPr>
                       <a:r>
-                        <a:rPr sz="900" spc="0">
+                        <a:rPr lang="de-de" sz="900" spc="0">
                           <a:solidFill>
                             <a:srgbClr val="020302"/>
                           </a:solidFill>
                           <a:latin typeface="AdobeClean-Light"/>
                           <a:cs typeface="AdobeClean-Light"/>
                         </a:rPr>
-                        <a:t>Escalation Management</a:t>
+                        <a:t>에스컬레이션 관리</a:t>
                       </a:r>
                       <a:endParaRPr sz="900" spc="0">
                         <a:latin typeface="AdobeClean-Light"/>
@@ -7242,7 +6179,7 @@
                         </a:spcBef>
                       </a:pPr>
                       <a:r>
-                        <a:rPr sz="900">
+                        <a:rPr lang="de-de" sz="900">
                           <a:solidFill>
                             <a:srgbClr val="020302"/>
                           </a:solidFill>
@@ -7326,24 +6263,14 @@
                         </a:spcBef>
                       </a:pPr>
                       <a:r>
-                        <a:rPr sz="900" spc="0">
+                        <a:rPr lang="de-de" sz="900" spc="0">
                           <a:solidFill>
                             <a:srgbClr val="020302"/>
                           </a:solidFill>
                           <a:latin typeface="AdobeClean-Light"/>
                           <a:cs typeface="AdobeClean-Light"/>
                         </a:rPr>
-                        <a:t>Service Reviews </a:t>
-                      </a:r>
-                      <a:r>
-                        <a:rPr lang="en-US" sz="900" spc="0">
-                          <a:solidFill>
-                            <a:srgbClr val="020302"/>
-                          </a:solidFill>
-                          <a:latin typeface="AdobeClean-Light"/>
-                          <a:cs typeface="AdobeClean-Light"/>
-                        </a:rPr>
-                        <a:t>per Year</a:t>
+                        <a:t>연간 서비스 리뷰</a:t>
                       </a:r>
                       <a:endParaRPr sz="900" spc="0">
                         <a:latin typeface="AdobeClean-Light"/>
@@ -7406,7 +6333,7 @@
                         </a:lnSpc>
                       </a:pPr>
                       <a:r>
-                        <a:rPr lang="en-US" sz="900">
+                        <a:rPr lang="de-de" sz="900">
                           <a:latin typeface="Times New Roman"/>
                           <a:cs typeface="Times New Roman"/>
                         </a:rPr>
@@ -7457,13 +6384,13 @@
                         </a:spcBef>
                       </a:pPr>
                       <a:r>
-                        <a:rPr lang="en-US" sz="900" spc="0">
+                        <a:rPr lang="de-de" sz="900" spc="0" dirty="0">
                           <a:latin typeface="AdobeClean-Light"/>
                           <a:cs typeface="AdobeClean-Light"/>
                         </a:rPr>
-                        <a:t>Expert Sessions per Year</a:t>
+                        <a:t>연간 전문가 세션</a:t>
                       </a:r>
-                      <a:endParaRPr sz="900" spc="0">
+                      <a:endParaRPr sz="900" spc="0" dirty="0">
                         <a:latin typeface="AdobeClean-Light"/>
                         <a:cs typeface="AdobeClean-Light"/>
                       </a:endParaRPr>
@@ -7530,7 +6457,7 @@
                         </a:lnSpc>
                       </a:pPr>
                       <a:r>
-                        <a:rPr lang="en-US" sz="900">
+                        <a:rPr lang="de-de" sz="900">
                           <a:latin typeface="Times New Roman"/>
                           <a:cs typeface="Times New Roman"/>
                         </a:rPr>
@@ -7581,13 +6508,13 @@
                         </a:spcBef>
                       </a:pPr>
                       <a:r>
-                        <a:rPr lang="en-US" sz="900" spc="0">
+                        <a:rPr lang="de-de" sz="900" spc="0" dirty="0">
                           <a:latin typeface="AdobeClean-Light"/>
                           <a:cs typeface="AdobeClean-Light"/>
                         </a:rPr>
-                        <a:t>Case Reviews</a:t>
+                        <a:t>사례 검토</a:t>
                       </a:r>
-                      <a:endParaRPr sz="900" spc="0">
+                      <a:endParaRPr sz="900" spc="0" dirty="0">
                         <a:latin typeface="AdobeClean-Light"/>
                         <a:cs typeface="AdobeClean-Light"/>
                       </a:endParaRPr>
@@ -7624,7 +6551,7 @@
                           <a:spcPct val="100000"/>
                         </a:lnSpc>
                       </a:pPr>
-                      <a:endParaRPr sz="900">
+                      <a:endParaRPr sz="900" dirty="0">
                         <a:latin typeface="Times New Roman"/>
                         <a:cs typeface="Times New Roman"/>
                       </a:endParaRPr>
@@ -7666,7 +6593,7 @@
                         <a:defRPr/>
                       </a:pPr>
                       <a:r>
-                        <a:rPr lang="en-US" sz="900">
+                        <a:rPr lang="de-de" sz="900" dirty="0">
                           <a:solidFill>
                             <a:srgbClr val="020302"/>
                           </a:solidFill>
@@ -7675,7 +6602,7 @@
                         </a:rPr>
                         <a:t></a:t>
                       </a:r>
-                      <a:endParaRPr lang="en-US" sz="900">
+                      <a:endParaRPr lang="en-US" sz="900" dirty="0">
                         <a:latin typeface="Wingdings"/>
                         <a:cs typeface="Wingdings"/>
                       </a:endParaRPr>
@@ -7759,24 +6686,14 @@
                         </a:spcBef>
                       </a:pPr>
                       <a:r>
-                        <a:rPr sz="900" spc="0">
+                        <a:rPr lang="de-de" sz="900" spc="0">
                           <a:solidFill>
                             <a:srgbClr val="020302"/>
                           </a:solidFill>
                           <a:latin typeface="AdobeClean-Light"/>
                           <a:cs typeface="AdobeClean-Light"/>
                         </a:rPr>
-                        <a:t>Event </a:t>
-                      </a:r>
-                      <a:r>
-                        <a:rPr lang="en-US" sz="900" spc="0">
-                          <a:solidFill>
-                            <a:srgbClr val="020302"/>
-                          </a:solidFill>
-                          <a:latin typeface="AdobeClean-Light"/>
-                          <a:cs typeface="AdobeClean-Light"/>
-                        </a:rPr>
-                        <a:t>Management</a:t>
+                        <a:t>이벤트 관리</a:t>
                       </a:r>
                       <a:endParaRPr sz="900" spc="0">
                         <a:latin typeface="AdobeClean-Light"/>
@@ -7919,34 +6836,14 @@
                         </a:spcBef>
                       </a:pPr>
                       <a:r>
-                        <a:rPr sz="900" spc="0">
+                        <a:rPr lang="de-de" sz="900" spc="0">
                           <a:solidFill>
                             <a:srgbClr val="020302"/>
                           </a:solidFill>
                           <a:latin typeface="AdobeClean-Light"/>
                           <a:cs typeface="AdobeClean-Light"/>
                         </a:rPr>
-                        <a:t>Environment</a:t>
-                      </a:r>
-                      <a:r>
-                        <a:rPr lang="en-US" sz="900" spc="0">
-                          <a:solidFill>
-                            <a:srgbClr val="020302"/>
-                          </a:solidFill>
-                          <a:latin typeface="AdobeClean-Light"/>
-                          <a:cs typeface="AdobeClean-Light"/>
-                        </a:rPr>
-                        <a:t> </a:t>
-                      </a:r>
-                      <a:r>
-                        <a:rPr sz="900" spc="0">
-                          <a:solidFill>
-                            <a:srgbClr val="020302"/>
-                          </a:solidFill>
-                          <a:latin typeface="AdobeClean-Light"/>
-                          <a:cs typeface="AdobeClean-Light"/>
-                        </a:rPr>
-                        <a:t>Review, Maintenance &amp; Monitoring</a:t>
+                        <a:t>환경 검토, 유지 관리 및 모니터링</a:t>
                       </a:r>
                       <a:endParaRPr sz="900" spc="0">
                         <a:latin typeface="AdobeClean-Light"/>
@@ -8083,14 +6980,14 @@
                         </a:spcBef>
                       </a:pPr>
                       <a:r>
-                        <a:rPr sz="900" spc="0">
+                        <a:rPr lang="de-de" sz="900" spc="0">
                           <a:solidFill>
                             <a:srgbClr val="020302"/>
                           </a:solidFill>
                           <a:latin typeface="AdobeClean-Light"/>
                           <a:cs typeface="AdobeClean-Light"/>
                         </a:rPr>
-                        <a:t>Release, Migration, Upgrade &amp; Product Roadmap Review</a:t>
+                        <a:t>릴리스, 마이그레이션, 업그레이드 및 제품 로드맵 검토</a:t>
                       </a:r>
                       <a:endParaRPr sz="900" spc="0">
                         <a:latin typeface="AdobeClean-Light"/>
@@ -8236,11 +7133,11 @@
                         </a:spcBef>
                       </a:pPr>
                       <a:r>
-                        <a:rPr sz="900" spc="0">
+                        <a:rPr lang="de-de" sz="900" spc="0">
                           <a:latin typeface="AdobeClean-Light"/>
                           <a:cs typeface="AdobeClean-Light"/>
                         </a:rPr>
-                        <a:t>Cloud Support Activities – Experience Manager as Cloud</a:t>
+                        <a:t>클라우드 지원 활동 – Experience Manager as Cloud</a:t>
                       </a:r>
                     </a:p>
                   </a:txBody>
@@ -8326,7 +7223,7 @@
                         <a:defRPr/>
                       </a:pPr>
                       <a:r>
-                        <a:rPr lang="en-US" sz="900">
+                        <a:rPr lang="de-de" sz="900" dirty="0">
                           <a:solidFill>
                             <a:srgbClr val="020302"/>
                           </a:solidFill>
@@ -8335,7 +7232,7 @@
                         </a:rPr>
                         <a:t></a:t>
                       </a:r>
-                      <a:endParaRPr lang="en-US" sz="900">
+                      <a:endParaRPr lang="en-US" sz="900" dirty="0">
                         <a:latin typeface="Wingdings"/>
                         <a:cs typeface="Wingdings"/>
                       </a:endParaRPr>
@@ -8358,7 +7255,7 @@
                         <a:tabLst/>
                         <a:defRPr/>
                       </a:pPr>
-                      <a:endParaRPr lang="en-US" sz="900">
+                      <a:endParaRPr lang="en-US" sz="900" dirty="0">
                         <a:latin typeface="Wingdings"/>
                         <a:cs typeface="Wingdings"/>
                       </a:endParaRPr>
@@ -8404,16 +7301,16 @@
                         </a:spcBef>
                       </a:pPr>
                       <a:r>
-                        <a:rPr lang="en-US" sz="1000" b="1" i="0" spc="0">
+                        <a:rPr lang="de-de" sz="1000" b="1" i="0" spc="0" dirty="0">
                           <a:solidFill>
                             <a:schemeClr val="bg1"/>
                           </a:solidFill>
                           <a:latin typeface="Adobe Clean" panose="020B0503020404020204" pitchFamily="34" charset="0"/>
                           <a:cs typeface="AdobeClean-Light"/>
                         </a:rPr>
-                        <a:t>Field Services</a:t>
+                        <a:t>현장 서비스</a:t>
                       </a:r>
-                      <a:endParaRPr sz="1000" b="1" i="0" spc="0">
+                      <a:endParaRPr sz="1000" b="1" i="0" spc="0" dirty="0">
                         <a:solidFill>
                           <a:schemeClr val="bg1"/>
                         </a:solidFill>
@@ -8472,14 +7369,14 @@
                         </a:spcBef>
                       </a:pPr>
                       <a:r>
-                        <a:rPr sz="900" spc="0">
+                        <a:rPr lang="de-de" sz="900" spc="0">
                           <a:solidFill>
                             <a:srgbClr val="020302"/>
                           </a:solidFill>
                           <a:latin typeface="AdobeClean-Light"/>
                           <a:cs typeface="AdobeClean-Light"/>
                         </a:rPr>
-                        <a:t>Launch Advisory Services – First Year of new solution</a:t>
+                        <a:t>출시 자문 서비스 – 새로운 솔루션의 첫 해</a:t>
                       </a:r>
                     </a:p>
                   </a:txBody>
@@ -8575,7 +7472,7 @@
                         <a:defRPr/>
                       </a:pPr>
                       <a:r>
-                        <a:rPr lang="en-US" sz="900">
+                        <a:rPr lang="de-de" sz="900">
                           <a:solidFill>
                             <a:srgbClr val="020302"/>
                           </a:solidFill>
@@ -8708,7 +7605,7 @@
                         <a:defRPr/>
                       </a:pPr>
                       <a:r>
-                        <a:rPr lang="en-US" sz="900">
+                        <a:rPr lang="de-de" sz="900">
                           <a:solidFill>
                             <a:srgbClr val="020302"/>
                           </a:solidFill>
@@ -8777,11 +7674,11 @@
                         <a:defRPr/>
                       </a:pPr>
                       <a:r>
-                        <a:rPr lang="en-US" sz="900" spc="0">
+                        <a:rPr lang="de-de" sz="900" spc="0" dirty="0">
                           <a:latin typeface="AdobeClean-Light"/>
                           <a:cs typeface="AdobeClean-Light"/>
                         </a:rPr>
-                        <a:t>Field Service Activities </a:t>
+                        <a:t>현장 서비스 활동 </a:t>
                       </a:r>
                     </a:p>
                   </a:txBody>
@@ -8915,8 +7812,8 @@
         </p:nvSpPr>
         <p:spPr>
           <a:xfrm>
-            <a:off x="2835999" y="9021041"/>
-            <a:ext cx="2194560" cy="487313"/>
+            <a:off x="2835998" y="8959049"/>
+            <a:ext cx="2324937" cy="641201"/>
           </a:xfrm>
           <a:prstGeom prst="rect">
             <a:avLst/>
@@ -8940,77 +7837,77 @@
               </a:tabLst>
             </a:pPr>
             <a:r>
-              <a:rPr sz="1000" spc="-20">
+              <a:rPr lang="de-de" sz="1000" spc="-20" dirty="0" err="1">
                 <a:solidFill>
                   <a:srgbClr val="020302"/>
                 </a:solidFill>
                 <a:latin typeface="AdobeClean-Light"/>
                 <a:cs typeface="AdobeClean-Light"/>
               </a:rPr>
-              <a:t>Start </a:t>
-            </a:r>
-            <a:r>
-              <a:rPr sz="1000">
+              <a:t>답변을</a:t>
+            </a:r>
+            <a:r>
+              <a:rPr lang="de-de" sz="1000" spc="-20" dirty="0">
                 <a:solidFill>
                   <a:srgbClr val="020302"/>
                 </a:solidFill>
                 <a:latin typeface="AdobeClean-Light"/>
                 <a:cs typeface="AdobeClean-Light"/>
               </a:rPr>
-              <a:t>a </a:t>
-            </a:r>
-            <a:r>
-              <a:rPr sz="1000" spc="-15">
+              <a:t> </a:t>
+            </a:r>
+            <a:r>
+              <a:rPr lang="de-de" sz="1000" dirty="0" err="1">
                 <a:solidFill>
                   <a:srgbClr val="020302"/>
                 </a:solidFill>
                 <a:latin typeface="AdobeClean-Light"/>
                 <a:cs typeface="AdobeClean-Light"/>
               </a:rPr>
-              <a:t>chat </a:t>
-            </a:r>
-            <a:r>
-              <a:rPr sz="1000" spc="-10">
+              <a:t>얻고</a:t>
+            </a:r>
+            <a:r>
+              <a:rPr lang="de-de" sz="1000" dirty="0">
                 <a:solidFill>
                   <a:srgbClr val="020302"/>
                 </a:solidFill>
                 <a:latin typeface="AdobeClean-Light"/>
                 <a:cs typeface="AdobeClean-Light"/>
               </a:rPr>
-              <a:t>session </a:t>
-            </a:r>
-            <a:r>
-              <a:rPr sz="1000" spc="-5">
+              <a:t> </a:t>
+            </a:r>
+            <a:r>
+              <a:rPr lang="de-de" sz="1000" spc="-15" dirty="0" err="1">
                 <a:solidFill>
                   <a:srgbClr val="020302"/>
                 </a:solidFill>
                 <a:latin typeface="AdobeClean-Light"/>
                 <a:cs typeface="AdobeClean-Light"/>
               </a:rPr>
-              <a:t>to </a:t>
-            </a:r>
-            <a:r>
-              <a:rPr sz="1000" spc="-10">
+              <a:t>사례</a:t>
+            </a:r>
+            <a:r>
+              <a:rPr lang="de-de" sz="1000" spc="-15" dirty="0">
                 <a:solidFill>
                   <a:srgbClr val="020302"/>
                 </a:solidFill>
                 <a:latin typeface="AdobeClean-Light"/>
                 <a:cs typeface="AdobeClean-Light"/>
               </a:rPr>
-              <a:t>get </a:t>
-            </a:r>
-            <a:r>
-              <a:rPr sz="1000" spc="-20">
+              <a:t> </a:t>
+            </a:r>
+            <a:r>
+              <a:rPr lang="de-de" sz="1000" spc="-10" dirty="0" err="1">
                 <a:solidFill>
                   <a:srgbClr val="020302"/>
                 </a:solidFill>
                 <a:latin typeface="AdobeClean-Light"/>
                 <a:cs typeface="AdobeClean-Light"/>
               </a:rPr>
-              <a:t>answers</a:t>
-            </a:r>
-            <a:r>
-              <a:rPr lang="en-US" sz="1000" spc="-45">
+              <a:t>제출</a:t>
+            </a:r>
+            <a:r>
+              <a:rPr lang="de-de" sz="1000" spc="-10" dirty="0">
                 <a:solidFill>
                   <a:srgbClr val="020302"/>
                 </a:solidFill>
@@ -9020,37 +7917,37 @@
               <a:t> </a:t>
             </a:r>
             <a:r>
-              <a:rPr lang="en-US" sz="1000">
+              <a:rPr lang="de-de" sz="1000" spc="-5" dirty="0" err="1">
                 <a:solidFill>
                   <a:srgbClr val="020302"/>
                 </a:solidFill>
                 <a:latin typeface="AdobeClean-Light"/>
                 <a:cs typeface="AdobeClean-Light"/>
               </a:rPr>
-              <a:t>&amp; </a:t>
-            </a:r>
-            <a:r>
-              <a:rPr sz="1000" spc="-15">
+              <a:t>관련</a:t>
+            </a:r>
+            <a:r>
+              <a:rPr lang="de-de" sz="1000" spc="-5" dirty="0">
                 <a:solidFill>
                   <a:srgbClr val="020302"/>
                 </a:solidFill>
                 <a:latin typeface="AdobeClean-Light"/>
                 <a:cs typeface="AdobeClean-Light"/>
               </a:rPr>
-              <a:t>help </a:t>
-            </a:r>
-            <a:r>
-              <a:rPr sz="1000" spc="-10">
+              <a:t> </a:t>
+            </a:r>
+            <a:r>
+              <a:rPr lang="de-de" sz="1000" spc="-10" dirty="0" err="1">
                 <a:solidFill>
                   <a:srgbClr val="020302"/>
                 </a:solidFill>
                 <a:latin typeface="AdobeClean-Light"/>
                 <a:cs typeface="AdobeClean-Light"/>
               </a:rPr>
-              <a:t>with</a:t>
-            </a:r>
-            <a:r>
-              <a:rPr sz="1000" spc="85">
+              <a:t>도움을</a:t>
+            </a:r>
+            <a:r>
+              <a:rPr lang="de-de" sz="1000" spc="-10" dirty="0">
                 <a:solidFill>
                   <a:srgbClr val="020302"/>
                 </a:solidFill>
@@ -9060,26 +7957,116 @@
               <a:t> </a:t>
             </a:r>
             <a:r>
-              <a:rPr sz="1000" spc="-10">
+              <a:rPr lang="de-de" sz="1000" spc="-20" dirty="0" err="1">
                 <a:solidFill>
                   <a:srgbClr val="020302"/>
                 </a:solidFill>
                 <a:latin typeface="AdobeClean-Light"/>
                 <a:cs typeface="AdobeClean-Light"/>
               </a:rPr>
-              <a:t>case </a:t>
-            </a:r>
-            <a:r>
-              <a:rPr sz="1000" spc="-20">
+              <a:t>받을</a:t>
+            </a:r>
+            <a:r>
+              <a:rPr lang="de-de" sz="1000" spc="-45" dirty="0">
                 <a:solidFill>
                   <a:srgbClr val="020302"/>
                 </a:solidFill>
                 <a:latin typeface="AdobeClean-Light"/>
                 <a:cs typeface="AdobeClean-Light"/>
               </a:rPr>
-              <a:t>submission</a:t>
-            </a:r>
-            <a:endParaRPr lang="en-US" sz="1000" spc="-20">
+              <a:t> </a:t>
+            </a:r>
+            <a:r>
+              <a:rPr lang="de-de" sz="1000" dirty="0" err="1">
+                <a:solidFill>
+                  <a:srgbClr val="020302"/>
+                </a:solidFill>
+                <a:latin typeface="AdobeClean-Light"/>
+                <a:cs typeface="AdobeClean-Light"/>
+              </a:rPr>
+              <a:t>수</a:t>
+            </a:r>
+            <a:r>
+              <a:rPr lang="de-de" sz="1000" dirty="0">
+                <a:solidFill>
+                  <a:srgbClr val="020302"/>
+                </a:solidFill>
+                <a:latin typeface="AdobeClean-Light"/>
+                <a:cs typeface="AdobeClean-Light"/>
+              </a:rPr>
+              <a:t> </a:t>
+            </a:r>
+            <a:r>
+              <a:rPr lang="de-de" sz="1000" spc="-15" dirty="0" err="1">
+                <a:solidFill>
+                  <a:srgbClr val="020302"/>
+                </a:solidFill>
+                <a:latin typeface="AdobeClean-Light"/>
+                <a:cs typeface="AdobeClean-Light"/>
+              </a:rPr>
+              <a:t>있는</a:t>
+            </a:r>
+            <a:r>
+              <a:rPr lang="de-de" sz="1000" spc="-15" dirty="0">
+                <a:solidFill>
+                  <a:srgbClr val="020302"/>
+                </a:solidFill>
+                <a:latin typeface="AdobeClean-Light"/>
+                <a:cs typeface="AdobeClean-Light"/>
+              </a:rPr>
+              <a:t> </a:t>
+            </a:r>
+            <a:r>
+              <a:rPr lang="de-de" sz="1000" spc="-10" dirty="0" err="1">
+                <a:solidFill>
+                  <a:srgbClr val="020302"/>
+                </a:solidFill>
+                <a:latin typeface="AdobeClean-Light"/>
+                <a:cs typeface="AdobeClean-Light"/>
+              </a:rPr>
+              <a:t>채팅</a:t>
+            </a:r>
+            <a:r>
+              <a:rPr lang="de-de" sz="1000" spc="85" dirty="0">
+                <a:solidFill>
+                  <a:srgbClr val="020302"/>
+                </a:solidFill>
+                <a:latin typeface="AdobeClean-Light"/>
+                <a:cs typeface="AdobeClean-Light"/>
+              </a:rPr>
+              <a:t> </a:t>
+            </a:r>
+            <a:r>
+              <a:rPr lang="de-de" sz="1000" spc="-10" dirty="0" err="1">
+                <a:solidFill>
+                  <a:srgbClr val="020302"/>
+                </a:solidFill>
+                <a:latin typeface="AdobeClean-Light"/>
+                <a:cs typeface="AdobeClean-Light"/>
+              </a:rPr>
+              <a:t>세션을</a:t>
+            </a:r>
+            <a:r>
+              <a:rPr lang="de-de" sz="1000" spc="-10" dirty="0">
+                <a:solidFill>
+                  <a:srgbClr val="020302"/>
+                </a:solidFill>
+                <a:latin typeface="AdobeClean-Light"/>
+                <a:cs typeface="AdobeClean-Light"/>
+              </a:rPr>
+              <a:t> </a:t>
+            </a:r>
+            <a:r>
+              <a:rPr lang="de-de" sz="1000" spc="-20" dirty="0" err="1">
+                <a:solidFill>
+                  <a:srgbClr val="020302"/>
+                </a:solidFill>
+                <a:latin typeface="AdobeClean-Light"/>
+                <a:cs typeface="AdobeClean-Light"/>
+              </a:rPr>
+              <a:t>시작합니다</a:t>
+            </a:r>
+            <a:endParaRPr lang="en-US" sz="1000" spc="-20" dirty="0">
               <a:solidFill>
                 <a:srgbClr val="020302"/>
               </a:solidFill>
@@ -9100,36 +8087,156 @@
               </a:tabLst>
             </a:pPr>
             <a:r>
-              <a:rPr sz="1000" i="1" spc="-10">
+              <a:rPr lang="de-de" sz="1000" i="1" spc="-10" dirty="0">
                 <a:solidFill>
                   <a:srgbClr val="7A7A7A"/>
                 </a:solidFill>
                 <a:latin typeface="AdobeClean-LightIt"/>
                 <a:cs typeface="AdobeClean-LightIt"/>
               </a:rPr>
-              <a:t>*Not all </a:t>
-            </a:r>
-            <a:r>
-              <a:rPr sz="1000" i="1" spc="-20">
+              <a:t>*</a:t>
+            </a:r>
+            <a:r>
+              <a:rPr lang="de-de" sz="1000" i="1" spc="-10" dirty="0" err="1">
                 <a:solidFill>
                   <a:srgbClr val="7A7A7A"/>
                 </a:solidFill>
                 <a:latin typeface="AdobeClean-LightIt"/>
                 <a:cs typeface="AdobeClean-LightIt"/>
               </a:rPr>
-              <a:t>products have live chat support</a:t>
-            </a:r>
-            <a:r>
-              <a:rPr sz="900" i="1" spc="-20">
+              <a:t>모든</a:t>
+            </a:r>
+            <a:r>
+              <a:rPr lang="de-de" sz="1000" i="1" spc="-10" dirty="0">
                 <a:solidFill>
                   <a:srgbClr val="7A7A7A"/>
                 </a:solidFill>
                 <a:latin typeface="AdobeClean-LightIt"/>
                 <a:cs typeface="AdobeClean-LightIt"/>
               </a:rPr>
+              <a:t> </a:t>
+            </a:r>
+            <a:r>
+              <a:rPr lang="de-de" sz="1000" i="1" spc="-20" dirty="0" err="1">
+                <a:solidFill>
+                  <a:srgbClr val="7A7A7A"/>
+                </a:solidFill>
+                <a:latin typeface="AdobeClean-LightIt"/>
+                <a:cs typeface="AdobeClean-LightIt"/>
+              </a:rPr>
+              <a:t>제품에</a:t>
+            </a:r>
+            <a:r>
+              <a:rPr lang="de-de" sz="1000" i="1" spc="-20" dirty="0">
+                <a:solidFill>
+                  <a:srgbClr val="7A7A7A"/>
+                </a:solidFill>
+                <a:latin typeface="AdobeClean-LightIt"/>
+                <a:cs typeface="AdobeClean-LightIt"/>
+              </a:rPr>
+              <a:t> </a:t>
+            </a:r>
+            <a:r>
+              <a:rPr lang="de-de" sz="1000" i="1" spc="-20" dirty="0" err="1">
+                <a:solidFill>
+                  <a:srgbClr val="7A7A7A"/>
+                </a:solidFill>
+                <a:latin typeface="AdobeClean-LightIt"/>
+                <a:cs typeface="AdobeClean-LightIt"/>
+              </a:rPr>
+              <a:t>라이브</a:t>
+            </a:r>
+            <a:r>
+              <a:rPr lang="de-de" sz="1000" i="1" spc="-20" dirty="0">
+                <a:solidFill>
+                  <a:srgbClr val="7A7A7A"/>
+                </a:solidFill>
+                <a:latin typeface="AdobeClean-LightIt"/>
+                <a:cs typeface="AdobeClean-LightIt"/>
+              </a:rPr>
+              <a:t> </a:t>
+            </a:r>
+            <a:r>
+              <a:rPr lang="de-de" sz="1000" i="1" spc="-20" dirty="0" err="1">
+                <a:solidFill>
+                  <a:srgbClr val="7A7A7A"/>
+                </a:solidFill>
+                <a:latin typeface="AdobeClean-LightIt"/>
+                <a:cs typeface="AdobeClean-LightIt"/>
+              </a:rPr>
+              <a:t>채팅이</a:t>
+            </a:r>
+            <a:r>
+              <a:rPr lang="de-de" sz="1000" i="1" spc="-20" dirty="0">
+                <a:solidFill>
+                  <a:srgbClr val="7A7A7A"/>
+                </a:solidFill>
+                <a:latin typeface="AdobeClean-LightIt"/>
+                <a:cs typeface="AdobeClean-LightIt"/>
+              </a:rPr>
+              <a:t> </a:t>
+            </a:r>
+            <a:r>
+              <a:rPr lang="de-de" sz="1000" i="1" spc="-20" dirty="0" err="1">
+                <a:solidFill>
+                  <a:srgbClr val="7A7A7A"/>
+                </a:solidFill>
+                <a:latin typeface="AdobeClean-LightIt"/>
+                <a:cs typeface="AdobeClean-LightIt"/>
+              </a:rPr>
+              <a:t>지원되는</a:t>
+            </a:r>
+            <a:r>
+              <a:rPr lang="de-de" sz="1000" i="1" spc="-20" dirty="0">
+                <a:solidFill>
+                  <a:srgbClr val="7A7A7A"/>
+                </a:solidFill>
+                <a:latin typeface="AdobeClean-LightIt"/>
+                <a:cs typeface="AdobeClean-LightIt"/>
+              </a:rPr>
+              <a:t> </a:t>
+            </a:r>
+            <a:r>
+              <a:rPr lang="de-de" sz="1000" i="1" spc="-20" dirty="0" err="1">
+                <a:solidFill>
+                  <a:srgbClr val="7A7A7A"/>
+                </a:solidFill>
+                <a:latin typeface="AdobeClean-LightIt"/>
+                <a:cs typeface="AdobeClean-LightIt"/>
+              </a:rPr>
+              <a:t>것은</a:t>
+            </a:r>
+            <a:r>
+              <a:rPr lang="de-de" sz="1000" i="1" spc="-20" dirty="0">
+                <a:solidFill>
+                  <a:srgbClr val="7A7A7A"/>
+                </a:solidFill>
+                <a:latin typeface="AdobeClean-LightIt"/>
+                <a:cs typeface="AdobeClean-LightIt"/>
+              </a:rPr>
+              <a:t> </a:t>
+            </a:r>
+            <a:r>
+              <a:rPr lang="de-de" sz="1000" i="1" spc="-20" dirty="0" err="1">
+                <a:solidFill>
+                  <a:srgbClr val="7A7A7A"/>
+                </a:solidFill>
+                <a:latin typeface="AdobeClean-LightIt"/>
+                <a:cs typeface="AdobeClean-LightIt"/>
+              </a:rPr>
+              <a:t>아닙니다</a:t>
+            </a:r>
+            <a:r>
+              <a:rPr lang="de-de" sz="900" i="1" spc="-20" dirty="0">
+                <a:solidFill>
+                  <a:srgbClr val="7A7A7A"/>
+                </a:solidFill>
+                <a:latin typeface="AdobeClean-LightIt"/>
+                <a:cs typeface="AdobeClean-LightIt"/>
+              </a:rPr>
               <a:t>.  </a:t>
             </a:r>
-            <a:endParaRPr sz="900">
+            <a:endParaRPr sz="900" dirty="0">
               <a:latin typeface="AdobeClean-Light"/>
               <a:cs typeface="AdobeClean-Light"/>
             </a:endParaRPr>
@@ -9179,12 +8286,12 @@
               <a:defRPr/>
             </a:pPr>
             <a:r>
-              <a:rPr lang="en-US" sz="1200">
+              <a:rPr lang="de-de" sz="1200">
                 <a:solidFill>
                   <a:srgbClr val="000000"/>
                 </a:solidFill>
               </a:rPr>
-              <a:t>Community Forums</a:t>
+              <a:t>커뮤니티 포럼</a:t>
             </a:r>
           </a:p>
         </p:txBody>
@@ -9227,12 +8334,12 @@
               </a:spcAft>
             </a:pPr>
             <a:r>
-              <a:rPr lang="en-US" sz="1200" b="1">
+              <a:rPr lang="de-de" sz="1200" b="1">
                 <a:latin typeface="+mj-lt"/>
                 <a:ea typeface="Open Sans" pitchFamily="34" charset="0"/>
                 <a:cs typeface="Open Sans" pitchFamily="34" charset="0"/>
               </a:rPr>
-              <a:t>Online Forums</a:t>
+              <a:t>온라인 포럼</a:t>
             </a:r>
           </a:p>
         </p:txBody>
@@ -9265,13 +8372,13 @@
           <a:lstStyle/>
           <a:p>
             <a:r>
-              <a:rPr lang="en-US" sz="1000">
+              <a:rPr lang="de-de" sz="1000">
                 <a:solidFill>
                   <a:srgbClr val="4B4B4B"/>
                 </a:solidFill>
                 <a:latin typeface="Adobe Clean Light" panose="020B0303020404020204" pitchFamily="34" charset="0"/>
               </a:rPr>
-              <a:t>Continuous online access to a growing database of technical solutions, product documentation, FAQs and more. Connect with practitioners and other customers on Adobe Community to share best practices and lessons learned</a:t>
+              <a:t>기술 솔루션, 제품 문서, FAQ 등 증가하는 데이터베이스에 대한 지속적인 온라인 액세스. Adobe 커뮤니티에서 실무자 및 다른 고객과 소통하여 모범 사례 및 진행 중 얻은 개선 사항을 공유합니다.</a:t>
             </a:r>
           </a:p>
         </p:txBody>
@@ -9319,7 +8426,7 @@
               <a:defRPr/>
             </a:pPr>
             <a:r>
-              <a:rPr lang="en-US" sz="1200">
+              <a:rPr lang="de-de" sz="1200">
                 <a:solidFill>
                   <a:srgbClr val="000000"/>
                 </a:solidFill>
@@ -9367,12 +8474,12 @@
               </a:spcAft>
             </a:pPr>
             <a:r>
-              <a:rPr lang="en-US" sz="1200" b="1">
+              <a:rPr lang="de-de" sz="1200" b="1">
                 <a:latin typeface="+mj-lt"/>
                 <a:ea typeface="Open Sans" pitchFamily="34" charset="0"/>
                 <a:cs typeface="Open Sans" pitchFamily="34" charset="0"/>
               </a:rPr>
-              <a:t>Self-guided Journeys</a:t>
+              <a:t>셀프 가이드 여정</a:t>
             </a:r>
           </a:p>
         </p:txBody>
@@ -9405,13 +8512,13 @@
           <a:lstStyle/>
           <a:p>
             <a:r>
-              <a:rPr lang="en-US" sz="1000">
+              <a:rPr lang="de-de" sz="1000">
                 <a:solidFill>
                   <a:srgbClr val="4B4B4B"/>
                 </a:solidFill>
                 <a:latin typeface="Adobe Clean Light" panose="020B0303020404020204" pitchFamily="34" charset="0"/>
               </a:rPr>
-              <a:t>Experience Makers are made with Experience League. Customers can kickstart their Customer Experience Management abilities with personalized learning to develop skills, engage with a global community of peers, and earn career advancing recognition</a:t>
+              <a:t>Experience 업체는 Experience League로 만들어집니다. 고객은 개인 맞춤형 학습을 통해 고객 경험 관리 능력에 시동을 걸어 기술을 개발하고 글로벌 동료 커뮤니티와 교류하며 경력 발전에 도움이 되는 인정을 얻을 수 있습니다.</a:t>
             </a:r>
           </a:p>
         </p:txBody>
@@ -9432,7 +8539,7 @@
         </p:nvSpPr>
         <p:spPr>
           <a:xfrm>
-            <a:off x="3201544" y="8520784"/>
+            <a:off x="3201544" y="8458792"/>
             <a:ext cx="1543003" cy="184666"/>
           </a:xfrm>
           <a:prstGeom prst="rect">
@@ -9459,12 +8566,12 @@
               <a:defRPr/>
             </a:pPr>
             <a:r>
-              <a:rPr lang="en-US" sz="1200">
+              <a:rPr lang="de-de" sz="1200">
                 <a:solidFill>
                   <a:srgbClr val="000000"/>
                 </a:solidFill>
               </a:rPr>
-              <a:t>Live Chat  Support*</a:t>
+              <a:t>라이브 채팅 지원*</a:t>
             </a:r>
           </a:p>
         </p:txBody>
@@ -9485,7 +8592,7 @@
         </p:nvSpPr>
         <p:spPr>
           <a:xfrm>
-            <a:off x="3201544" y="8702003"/>
+            <a:off x="3201544" y="8640011"/>
             <a:ext cx="840166" cy="184666"/>
           </a:xfrm>
           <a:prstGeom prst="rect">
@@ -9507,12 +8614,12 @@
               </a:spcAft>
             </a:pPr>
             <a:r>
-              <a:rPr lang="en-US" sz="1200" b="1">
+              <a:rPr lang="de-de" sz="1200" b="1">
                 <a:latin typeface="+mj-lt"/>
                 <a:ea typeface="Open Sans" pitchFamily="34" charset="0"/>
                 <a:cs typeface="Open Sans" pitchFamily="34" charset="0"/>
               </a:rPr>
-              <a:t>Chat Support</a:t>
+              <a:t>채팅 지원</a:t>
             </a:r>
           </a:p>
         </p:txBody>
@@ -9560,7 +8667,7 @@
               <a:defRPr/>
             </a:pPr>
             <a:r>
-              <a:rPr lang="en-US" sz="1200">
+              <a:rPr lang="de-de" sz="1200">
                 <a:solidFill>
                   <a:srgbClr val="000000"/>
                 </a:solidFill>
@@ -9608,12 +8715,12 @@
               </a:spcAft>
             </a:pPr>
             <a:r>
-              <a:rPr lang="en-US" sz="1200" b="1">
+              <a:rPr lang="de-de" sz="1200" b="1">
                 <a:latin typeface="+mj-lt"/>
                 <a:ea typeface="Open Sans" pitchFamily="34" charset="0"/>
                 <a:cs typeface="Open Sans" pitchFamily="34" charset="0"/>
               </a:rPr>
-              <a:t>Phone  Support</a:t>
+              <a:t>전화 지원</a:t>
             </a:r>
           </a:p>
         </p:txBody>
@@ -9646,28 +8753,28 @@
           <a:lstStyle/>
           <a:p>
             <a:r>
-              <a:rPr lang="en-US" sz="1000">
+              <a:rPr lang="de-de" sz="1000">
                 <a:solidFill>
                   <a:srgbClr val="020302"/>
                 </a:solidFill>
                 <a:latin typeface="AdobeClean-Light"/>
               </a:rPr>
-              <a:t>Authorized users or </a:t>
-            </a:r>
-            <a:r>
-              <a:rPr lang="en-US" sz="1000" b="1">
+              <a:t>승인된 사용자 또는 </a:t>
+            </a:r>
+            <a:r>
+              <a:rPr lang="de-de" sz="1000" b="1">
                 <a:solidFill>
                   <a:srgbClr val="020302"/>
                 </a:solidFill>
                 <a:latin typeface="AdobeClean-Light"/>
               </a:rPr>
-              <a:t>Named Support Contacts </a:t>
-            </a:r>
-            <a:r>
-              <a:rPr lang="en-US" sz="1000">
+              <a:t>지정 지원 담당자</a:t>
+            </a:r>
+            <a:r>
+              <a:rPr lang="de-de" sz="1000">
                 <a:latin typeface="Adobe Clean Light" panose="020B0303020404020204" pitchFamily="34" charset="0"/>
               </a:rPr>
-              <a:t>can submit issues through all available  channels (including phone for P1) and interact with our technical support team on behalf of your company. </a:t>
+              <a:t>는 사용 가능한 모든 채널(P1용 전화 포함)을 통해 문제를 제출하고 귀사를 대신하여 기술 지원 팀과 상호 작용할 수 있습니다. </a:t>
             </a:r>
             <a:endParaRPr lang="en-US" sz="1000">
               <a:solidFill>
@@ -9762,14 +8869,14 @@
               </a:spcBef>
             </a:pPr>
             <a:r>
-              <a:rPr lang="en-US" sz="1400" b="1" spc="-10">
+              <a:rPr lang="de-de" sz="1400" b="1" spc="-10">
                 <a:solidFill>
                   <a:srgbClr val="020302"/>
                 </a:solidFill>
                 <a:latin typeface="Adobe Clean"/>
                 <a:cs typeface="Adobe Clean"/>
               </a:rPr>
-              <a:t>Online Support Features</a:t>
+              <a:t>온라인 지원 기능</a:t>
             </a:r>
             <a:endParaRPr lang="en-US" sz="1400">
               <a:latin typeface="Adobe Clean"/>
@@ -9794,7 +8901,7 @@
         </p:nvSpPr>
         <p:spPr>
           <a:xfrm>
-            <a:off x="689237" y="8520784"/>
+            <a:off x="689237" y="8458792"/>
             <a:ext cx="991521" cy="184666"/>
           </a:xfrm>
           <a:prstGeom prst="rect">
@@ -9821,13 +8928,34 @@
               <a:defRPr/>
             </a:pPr>
             <a:r>
-              <a:rPr lang="en-US" sz="1200">
+              <a:rPr lang="de-de" sz="1200" dirty="0" err="1">
                 <a:solidFill>
                   <a:srgbClr val="000000"/>
                 </a:solidFill>
               </a:rPr>
-              <a:t>Office Hours</a:t>
-            </a:r>
+              <a:t>오피스</a:t>
+            </a:r>
+            <a:r>
+              <a:rPr lang="de-de" sz="1200" dirty="0">
+                <a:solidFill>
+                  <a:srgbClr val="000000"/>
+                </a:solidFill>
+              </a:rPr>
+              <a:t> </a:t>
+            </a:r>
+            <a:r>
+              <a:rPr lang="de-de" sz="1200" dirty="0" err="1">
+                <a:solidFill>
+                  <a:srgbClr val="000000"/>
+                </a:solidFill>
+              </a:rPr>
+              <a:t>아워</a:t>
+            </a:r>
+            <a:endParaRPr lang="de-de" sz="1200" dirty="0">
+              <a:solidFill>
+                <a:srgbClr val="000000"/>
+              </a:solidFill>
+            </a:endParaRPr>
           </a:p>
         </p:txBody>
       </p:sp>
@@ -9847,7 +8975,7 @@
         </p:nvSpPr>
         <p:spPr>
           <a:xfrm>
-            <a:off x="689237" y="8702003"/>
+            <a:off x="689237" y="8640011"/>
             <a:ext cx="604974" cy="184666"/>
           </a:xfrm>
           <a:prstGeom prst="rect">
@@ -9869,12 +8997,12 @@
               </a:spcAft>
             </a:pPr>
             <a:r>
-              <a:rPr lang="en-US" sz="1200" b="1">
+              <a:rPr lang="de-de" sz="1200" b="1">
                 <a:latin typeface="+mj-lt"/>
                 <a:ea typeface="Open Sans" pitchFamily="34" charset="0"/>
                 <a:cs typeface="Open Sans" pitchFamily="34" charset="0"/>
               </a:rPr>
-              <a:t>Webinars</a:t>
+              <a:t>웨비나</a:t>
             </a:r>
           </a:p>
         </p:txBody>
@@ -9893,7 +9021,7 @@
         </p:nvSpPr>
         <p:spPr>
           <a:xfrm>
-            <a:off x="355868" y="8986613"/>
+            <a:off x="355868" y="8924621"/>
             <a:ext cx="2194560" cy="805349"/>
           </a:xfrm>
           <a:prstGeom prst="rect">
@@ -9907,13 +9035,13 @@
           <a:lstStyle/>
           <a:p>
             <a:r>
-              <a:rPr lang="en-US" sz="1000">
+              <a:rPr lang="de-de" sz="1000">
                 <a:solidFill>
                   <a:srgbClr val="4B4B4B"/>
                 </a:solidFill>
                 <a:latin typeface="Adobe Clean Light" panose="020B0303020404020204" pitchFamily="34" charset="0"/>
               </a:rPr>
-              <a:t>Office Hours led by the Adobe Customer Support team includes sessions designed to inform as well as help participants troubleshoot problems and provide tips and tricks for success with Adobe solutions. </a:t>
+              <a:t>Adobe 고객 지원 팀에서 진행하는 오피스 아워(Office Hours)에는 참가자가 문제를 해결하도록 관련 정보를 제공하여 도움을 주고 Adobe 솔루션을 성공적으로 사용할 수 있는 팁과 요령을 제공하기 위해 설계된 세션들이 포함됩니다. </a:t>
             </a:r>
           </a:p>
         </p:txBody>
@@ -9934,7 +9062,7 @@
         </p:nvSpPr>
         <p:spPr>
           <a:xfrm>
-            <a:off x="5723508" y="8520784"/>
+            <a:off x="5723508" y="8458792"/>
             <a:ext cx="1303746" cy="184666"/>
           </a:xfrm>
           <a:prstGeom prst="rect">
@@ -9961,12 +9089,12 @@
               <a:defRPr/>
             </a:pPr>
             <a:r>
-              <a:rPr lang="en-US" sz="1200">
+              <a:rPr lang="de-de" sz="1200">
                 <a:solidFill>
                   <a:srgbClr val="000000"/>
                 </a:solidFill>
               </a:rPr>
-              <a:t>Self-help Portals</a:t>
+              <a:t>자가 진단 포털</a:t>
             </a:r>
           </a:p>
         </p:txBody>
@@ -9987,7 +9115,7 @@
         </p:nvSpPr>
         <p:spPr>
           <a:xfrm>
-            <a:off x="5723508" y="8702003"/>
+            <a:off x="5723508" y="8640011"/>
             <a:ext cx="1267206" cy="184666"/>
           </a:xfrm>
           <a:prstGeom prst="rect">
@@ -10009,12 +9137,12 @@
               </a:spcAft>
             </a:pPr>
             <a:r>
-              <a:rPr lang="en-US" sz="1200" b="1">
+              <a:rPr lang="de-de" sz="1200" b="1">
                 <a:latin typeface="+mj-lt"/>
                 <a:ea typeface="Open Sans" pitchFamily="34" charset="0"/>
                 <a:cs typeface="Open Sans" pitchFamily="34" charset="0"/>
               </a:rPr>
-              <a:t>24/7 Support Portal</a:t>
+              <a:t>24/7 지원 포털</a:t>
             </a:r>
           </a:p>
         </p:txBody>
@@ -10033,7 +9161,7 @@
         </p:nvSpPr>
         <p:spPr>
           <a:xfrm>
-            <a:off x="5265661" y="8947635"/>
+            <a:off x="5265661" y="8885643"/>
             <a:ext cx="2194560" cy="805349"/>
           </a:xfrm>
           <a:prstGeom prst="rect">
@@ -10047,30 +9175,23 @@
           <a:lstStyle/>
           <a:p>
             <a:r>
-              <a:rPr lang="en-US" sz="1000">
+              <a:rPr lang="de-de" sz="1000">
                 <a:solidFill>
                   <a:srgbClr val="4B4B4B"/>
                 </a:solidFill>
                 <a:latin typeface="Adobe Clean Light" panose="020B0303020404020204" pitchFamily="34" charset="0"/>
               </a:rPr>
-              <a:t>On-demand access to the online </a:t>
-            </a:r>
-            <a:br>
-              <a:rPr lang="en-US" sz="1000">
+              <a:t>지원 요청을 제출하고 사례 상태를 검토하고 기술 자료, 뉴스 및 알림, 추천 팁 등과 같은 기타 리소스를 검색할 수 있는 온라인 </a:t>
+            </a:r>
+            <a:br/>
+            <a:r>
+              <a:rPr lang="de-de" sz="1000">
                 <a:solidFill>
                   <a:srgbClr val="4B4B4B"/>
                 </a:solidFill>
                 <a:latin typeface="Adobe Clean Light" panose="020B0303020404020204" pitchFamily="34" charset="0"/>
               </a:rPr>
-            </a:br>
-            <a:r>
-              <a:rPr lang="en-US" sz="1000">
-                <a:solidFill>
-                  <a:srgbClr val="4B4B4B"/>
-                </a:solidFill>
-                <a:latin typeface="Adobe Clean Light" panose="020B0303020404020204" pitchFamily="34" charset="0"/>
-              </a:rPr>
-              <a:t>Self-help Support Portal to submit support requests, review case status, and browse other resources, like our knowledgebase, news and alerts, featured tips, and more.</a:t>
+              <a:t>자가 진단 지원 포털에 대한 온디맨드 액세스입니다.</a:t>
             </a:r>
           </a:p>
         </p:txBody>
@@ -10091,8 +9212,8 @@
         </p:nvSpPr>
         <p:spPr>
           <a:xfrm>
-            <a:off x="97788" y="9888626"/>
-            <a:ext cx="2245360" cy="133370"/>
+            <a:off x="97788" y="9888625"/>
+            <a:ext cx="6254026" cy="133370"/>
           </a:xfrm>
           <a:prstGeom prst="rect">
             <a:avLst/>
@@ -10204,36 +9325,36 @@
               </a:spcBef>
             </a:pPr>
             <a:r>
-              <a:rPr lang="en-US" spc="-10"/>
+              <a:rPr lang="de-de" spc="-10"/>
               <a:t>©2021</a:t>
             </a:r>
             <a:r>
-              <a:rPr lang="en-US" spc="-5"/>
+              <a:rPr lang="de-de" spc="-5"/>
               <a:t> Adobe. All</a:t>
             </a:r>
             <a:r>
-              <a:rPr lang="en-US" spc="-10"/>
+              <a:rPr lang="de-de" spc="-10"/>
               <a:t> Rights</a:t>
             </a:r>
             <a:r>
-              <a:rPr lang="en-US" spc="-5"/>
+              <a:rPr lang="de-de" spc="-5"/>
               <a:t> </a:t>
             </a:r>
             <a:r>
-              <a:rPr lang="en-US" spc="-10"/>
+              <a:rPr lang="de-de" spc="-10"/>
               <a:t>Reserved.</a:t>
             </a:r>
             <a:r>
-              <a:rPr lang="en-US" spc="-5"/>
+              <a:rPr lang="de-de" spc="-5"/>
               <a:t> Adobe</a:t>
             </a:r>
             <a:r>
-              <a:rPr lang="en-US" spc="60"/>
+              <a:rPr lang="de-de" spc="60"/>
               <a:t> </a:t>
             </a:r>
             <a:r>
-              <a:rPr lang="en-US" spc="-10"/>
-              <a:t>Confidential.</a:t>
+              <a:rPr lang="de-de" spc="-10"/>
+              <a:t>기밀.</a:t>
             </a:r>
           </a:p>
         </p:txBody>
@@ -10322,14 +9443,14 @@
               </a:spcBef>
             </a:pPr>
             <a:r>
-              <a:rPr lang="en-US" sz="1400" b="1" spc="-10">
+              <a:rPr lang="de-de" sz="1400" b="1" spc="-10">
                 <a:solidFill>
                   <a:srgbClr val="020302"/>
                 </a:solidFill>
                 <a:latin typeface="Adobe Clean"/>
                 <a:cs typeface="Adobe Clean"/>
               </a:rPr>
-              <a:t>Enterprise Support Features</a:t>
+              <a:t>엔터프라이즈 지원 기능</a:t>
             </a:r>
             <a:endParaRPr lang="en-US" sz="1400">
               <a:latin typeface="Adobe Clean"/>
@@ -10374,194 +9495,34 @@
               </a:spcBef>
             </a:pPr>
             <a:r>
-              <a:rPr sz="1200" b="1" spc="-25">
+              <a:rPr lang="de-de" sz="1200" b="1" spc="-25">
                 <a:solidFill>
                   <a:srgbClr val="020302"/>
                 </a:solidFill>
                 <a:latin typeface="Adobe Clean"/>
                 <a:cs typeface="Adobe Clean"/>
               </a:rPr>
-              <a:t>E</a:t>
-            </a:r>
-            <a:r>
-              <a:rPr sz="1200" b="1" spc="-20">
+              <a:t>에스컬레이션</a:t>
+            </a:r>
+            <a:r>
+              <a:rPr lang="de-de" sz="1200" b="1" spc="-55">
                 <a:solidFill>
                   <a:srgbClr val="020302"/>
                 </a:solidFill>
                 <a:latin typeface="Adobe Clean"/>
                 <a:cs typeface="Adobe Clean"/>
               </a:rPr>
-              <a:t>s</a:t>
-            </a:r>
-            <a:r>
-              <a:rPr sz="1200" b="1" spc="-30">
+              <a:t> </a:t>
+            </a:r>
+            <a:r>
+              <a:rPr lang="de-de" sz="1200" b="1" spc="-35">
                 <a:solidFill>
                   <a:srgbClr val="020302"/>
                 </a:solidFill>
                 <a:latin typeface="Adobe Clean"/>
                 <a:cs typeface="Adobe Clean"/>
               </a:rPr>
-              <a:t>c</a:t>
-            </a:r>
-            <a:r>
-              <a:rPr sz="1200" b="1" spc="-20">
-                <a:solidFill>
-                  <a:srgbClr val="020302"/>
-                </a:solidFill>
-                <a:latin typeface="Adobe Clean"/>
-                <a:cs typeface="Adobe Clean"/>
-              </a:rPr>
-              <a:t>a</a:t>
-            </a:r>
-            <a:r>
-              <a:rPr sz="1200" b="1" spc="-25">
-                <a:solidFill>
-                  <a:srgbClr val="020302"/>
-                </a:solidFill>
-                <a:latin typeface="Adobe Clean"/>
-                <a:cs typeface="Adobe Clean"/>
-              </a:rPr>
-              <a:t>l</a:t>
-            </a:r>
-            <a:r>
-              <a:rPr sz="1200" b="1" spc="-20">
-                <a:solidFill>
-                  <a:srgbClr val="020302"/>
-                </a:solidFill>
-                <a:latin typeface="Adobe Clean"/>
-                <a:cs typeface="Adobe Clean"/>
-              </a:rPr>
-              <a:t>a</a:t>
-            </a:r>
-            <a:r>
-              <a:rPr sz="1200" b="1" spc="-25">
-                <a:solidFill>
-                  <a:srgbClr val="020302"/>
-                </a:solidFill>
-                <a:latin typeface="Adobe Clean"/>
-                <a:cs typeface="Adobe Clean"/>
-              </a:rPr>
-              <a:t>t</a:t>
-            </a:r>
-            <a:r>
-              <a:rPr sz="1200" b="1" spc="-20">
-                <a:solidFill>
-                  <a:srgbClr val="020302"/>
-                </a:solidFill>
-                <a:latin typeface="Adobe Clean"/>
-                <a:cs typeface="Adobe Clean"/>
-              </a:rPr>
-              <a:t>i</a:t>
-            </a:r>
-            <a:r>
-              <a:rPr sz="1200" b="1" spc="-15">
-                <a:solidFill>
-                  <a:srgbClr val="020302"/>
-                </a:solidFill>
-                <a:latin typeface="Adobe Clean"/>
-                <a:cs typeface="Adobe Clean"/>
-              </a:rPr>
-              <a:t>o</a:t>
-            </a:r>
-            <a:r>
-              <a:rPr sz="1200" b="1">
-                <a:solidFill>
-                  <a:srgbClr val="020302"/>
-                </a:solidFill>
-                <a:latin typeface="Adobe Clean"/>
-                <a:cs typeface="Adobe Clean"/>
-              </a:rPr>
-              <a:t>n</a:t>
-            </a:r>
-            <a:r>
-              <a:rPr sz="1200" b="1" spc="-55">
-                <a:solidFill>
-                  <a:srgbClr val="020302"/>
-                </a:solidFill>
-                <a:latin typeface="Adobe Clean"/>
-                <a:cs typeface="Adobe Clean"/>
-              </a:rPr>
-              <a:t> </a:t>
-            </a:r>
-            <a:r>
-              <a:rPr sz="1200" b="1" spc="-35">
-                <a:solidFill>
-                  <a:srgbClr val="020302"/>
-                </a:solidFill>
-                <a:latin typeface="Adobe Clean"/>
-                <a:cs typeface="Adobe Clean"/>
-              </a:rPr>
-              <a:t>M</a:t>
-            </a:r>
-            <a:r>
-              <a:rPr sz="1200" b="1" spc="-25">
-                <a:solidFill>
-                  <a:srgbClr val="020302"/>
-                </a:solidFill>
-                <a:latin typeface="Adobe Clean"/>
-                <a:cs typeface="Adobe Clean"/>
-              </a:rPr>
-              <a:t>a</a:t>
-            </a:r>
-            <a:r>
-              <a:rPr sz="1200" b="1" spc="-30">
-                <a:solidFill>
-                  <a:srgbClr val="020302"/>
-                </a:solidFill>
-                <a:latin typeface="Adobe Clean"/>
-                <a:cs typeface="Adobe Clean"/>
-              </a:rPr>
-              <a:t>n</a:t>
-            </a:r>
-            <a:r>
-              <a:rPr sz="1200" b="1" spc="-25">
-                <a:solidFill>
-                  <a:srgbClr val="020302"/>
-                </a:solidFill>
-                <a:latin typeface="Adobe Clean"/>
-                <a:cs typeface="Adobe Clean"/>
-              </a:rPr>
-              <a:t>a</a:t>
-            </a:r>
-            <a:r>
-              <a:rPr sz="1200" b="1" spc="-30">
-                <a:solidFill>
-                  <a:srgbClr val="020302"/>
-                </a:solidFill>
-                <a:latin typeface="Adobe Clean"/>
-                <a:cs typeface="Adobe Clean"/>
-              </a:rPr>
-              <a:t>ge</a:t>
-            </a:r>
-            <a:r>
-              <a:rPr sz="1200" b="1" spc="-25">
-                <a:solidFill>
-                  <a:srgbClr val="020302"/>
-                </a:solidFill>
-                <a:latin typeface="Adobe Clean"/>
-                <a:cs typeface="Adobe Clean"/>
-              </a:rPr>
-              <a:t>m</a:t>
-            </a:r>
-            <a:r>
-              <a:rPr sz="1200" b="1" spc="-30">
-                <a:solidFill>
-                  <a:srgbClr val="020302"/>
-                </a:solidFill>
-                <a:latin typeface="Adobe Clean"/>
-                <a:cs typeface="Adobe Clean"/>
-              </a:rPr>
-              <a:t>en</a:t>
-            </a:r>
-            <a:r>
-              <a:rPr sz="1200" b="1">
-                <a:solidFill>
-                  <a:srgbClr val="020302"/>
-                </a:solidFill>
-                <a:latin typeface="Adobe Clean"/>
-                <a:cs typeface="Adobe Clean"/>
-              </a:rPr>
-              <a:t>t</a:t>
+              <a:t>관리</a:t>
             </a:r>
             <a:endParaRPr sz="1200">
               <a:latin typeface="Adobe Clean"/>
@@ -10606,13 +9567,13 @@
               </a:spcBef>
             </a:pPr>
             <a:r>
-              <a:rPr lang="en-US" sz="1000">
+              <a:rPr lang="de-de" sz="1000">
                 <a:solidFill>
                   <a:srgbClr val="4B4B4B"/>
                 </a:solidFill>
                 <a:latin typeface="Adobe Clean Light" panose="020B0303020404020204" pitchFamily="34" charset="0"/>
               </a:rPr>
-              <a:t>A designated point of contact within Adobe who can provide escalation assistance, regular updates and ensure priority is given to your most critical open support requests.</a:t>
+              <a:t>에스컬레이션 지원 및 정기 업데이트를 제공하고 진행 중인 지원 요청에서 가장 중요한 것에 우선 순위를 부여할 수 있는 Adobe 내의 지정된 담당자입니다.</a:t>
             </a:r>
             <a:endParaRPr sz="1000">
               <a:latin typeface="Adobe Clean Light" panose="020B0303020404020204" pitchFamily="34" charset="0"/>
@@ -10657,144 +9618,34 @@
               </a:spcBef>
             </a:pPr>
             <a:r>
-              <a:rPr sz="1200" b="1" spc="-20">
+              <a:rPr lang="de-de" sz="1200" b="1" spc="-20">
                 <a:solidFill>
                   <a:srgbClr val="020302"/>
                 </a:solidFill>
                 <a:latin typeface="Adobe Clean"/>
                 <a:cs typeface="Adobe Clean"/>
               </a:rPr>
-              <a:t>S</a:t>
-            </a:r>
-            <a:r>
-              <a:rPr sz="1200" b="1" spc="-25">
+              <a:t>서비스</a:t>
+            </a:r>
+            <a:r>
+              <a:rPr lang="de-de" sz="1200" b="1" spc="-80">
                 <a:solidFill>
                   <a:srgbClr val="020302"/>
                 </a:solidFill>
                 <a:latin typeface="Adobe Clean"/>
                 <a:cs typeface="Adobe Clean"/>
               </a:rPr>
-              <a:t>e</a:t>
-            </a:r>
-            <a:r>
-              <a:rPr sz="1200" b="1" spc="-20">
+              <a:t> </a:t>
+            </a:r>
+            <a:r>
+              <a:rPr lang="de-de" sz="1200" b="1" spc="-20">
                 <a:solidFill>
                   <a:srgbClr val="020302"/>
                 </a:solidFill>
                 <a:latin typeface="Adobe Clean"/>
                 <a:cs typeface="Adobe Clean"/>
               </a:rPr>
-              <a:t>r</a:t>
-            </a:r>
-            <a:r>
-              <a:rPr sz="1200" b="1" spc="-25">
-                <a:solidFill>
-                  <a:srgbClr val="020302"/>
-                </a:solidFill>
-                <a:latin typeface="Adobe Clean"/>
-                <a:cs typeface="Adobe Clean"/>
-              </a:rPr>
-              <a:t>v</a:t>
-            </a:r>
-            <a:r>
-              <a:rPr sz="1200" b="1" spc="-20">
-                <a:solidFill>
-                  <a:srgbClr val="020302"/>
-                </a:solidFill>
-                <a:latin typeface="Adobe Clean"/>
-                <a:cs typeface="Adobe Clean"/>
-              </a:rPr>
-              <a:t>i</a:t>
-            </a:r>
-            <a:r>
-              <a:rPr sz="1200" b="1" spc="-30">
-                <a:solidFill>
-                  <a:srgbClr val="020302"/>
-                </a:solidFill>
-                <a:latin typeface="Adobe Clean"/>
-                <a:cs typeface="Adobe Clean"/>
-              </a:rPr>
-              <a:t>c</a:t>
-            </a:r>
-            <a:r>
-              <a:rPr sz="1200" b="1">
-                <a:solidFill>
-                  <a:srgbClr val="020302"/>
-                </a:solidFill>
-                <a:latin typeface="Adobe Clean"/>
-                <a:cs typeface="Adobe Clean"/>
-              </a:rPr>
-              <a:t>e</a:t>
-            </a:r>
-            <a:r>
-              <a:rPr sz="1200" b="1" spc="-80">
-                <a:solidFill>
-                  <a:srgbClr val="020302"/>
-                </a:solidFill>
-                <a:latin typeface="Adobe Clean"/>
-                <a:cs typeface="Adobe Clean"/>
-              </a:rPr>
-              <a:t> </a:t>
-            </a:r>
-            <a:r>
-              <a:rPr sz="1200" b="1" spc="-20">
-                <a:solidFill>
-                  <a:srgbClr val="020302"/>
-                </a:solidFill>
-                <a:latin typeface="Adobe Clean"/>
-                <a:cs typeface="Adobe Clean"/>
-              </a:rPr>
-              <a:t>R</a:t>
-            </a:r>
-            <a:r>
-              <a:rPr sz="1200" b="1" spc="-25">
-                <a:solidFill>
-                  <a:srgbClr val="020302"/>
-                </a:solidFill>
-                <a:latin typeface="Adobe Clean"/>
-                <a:cs typeface="Adobe Clean"/>
-              </a:rPr>
-              <a:t>e</a:t>
-            </a:r>
-            <a:r>
-              <a:rPr sz="1200" b="1" spc="-30">
-                <a:solidFill>
-                  <a:srgbClr val="020302"/>
-                </a:solidFill>
-                <a:latin typeface="Adobe Clean"/>
-                <a:cs typeface="Adobe Clean"/>
-              </a:rPr>
-              <a:t>v</a:t>
-            </a:r>
-            <a:r>
-              <a:rPr sz="1200" b="1" spc="-20">
-                <a:solidFill>
-                  <a:srgbClr val="020302"/>
-                </a:solidFill>
-                <a:latin typeface="Adobe Clean"/>
-                <a:cs typeface="Adobe Clean"/>
-              </a:rPr>
-              <a:t>i</a:t>
-            </a:r>
-            <a:r>
-              <a:rPr sz="1200" b="1" spc="-25">
-                <a:solidFill>
-                  <a:srgbClr val="020302"/>
-                </a:solidFill>
-                <a:latin typeface="Adobe Clean"/>
-                <a:cs typeface="Adobe Clean"/>
-              </a:rPr>
-              <a:t>ew</a:t>
-            </a:r>
-            <a:r>
-              <a:rPr sz="1200" b="1">
-                <a:solidFill>
-                  <a:srgbClr val="020302"/>
-                </a:solidFill>
-                <a:latin typeface="Adobe Clean"/>
-                <a:cs typeface="Adobe Clean"/>
-              </a:rPr>
-              <a:t>s</a:t>
+              <a:t>리뷰</a:t>
             </a:r>
             <a:endParaRPr sz="1200">
               <a:latin typeface="Adobe Clean"/>
@@ -10839,13 +9690,13 @@
               </a:spcBef>
             </a:pPr>
             <a:r>
-              <a:rPr lang="en-US" sz="1000">
+              <a:rPr lang="de-de" sz="1000">
                 <a:solidFill>
                   <a:srgbClr val="4B4B4B"/>
                 </a:solidFill>
                 <a:latin typeface="Adobe Clean Light" panose="020B0303020404020204" pitchFamily="34" charset="0"/>
               </a:rPr>
-              <a:t>A bi-annual comprehensive review of  Enterprise program services, benefits and support metrics.</a:t>
+              <a:t>엔터프라이즈 프로그램 서비스, 혜택 및 지원 지표에 대한 연간 2회의 종합적인 리뷰입니다.</a:t>
             </a:r>
             <a:endParaRPr sz="1000">
               <a:latin typeface="Adobe Clean Light" panose="020B0303020404020204" pitchFamily="34" charset="0"/>
@@ -10890,13 +9741,13 @@
               </a:spcBef>
             </a:pPr>
             <a:r>
-              <a:rPr lang="en-US" sz="1000">
+              <a:rPr lang="de-de" sz="1000">
                 <a:solidFill>
                   <a:srgbClr val="4B4B4B"/>
                 </a:solidFill>
                 <a:latin typeface="Adobe Clean Light" panose="020B0303020404020204" pitchFamily="34" charset="0"/>
               </a:rPr>
-              <a:t>A 60-minute session focusing on a specific product feature and how it can be utilized to solve common business problems.</a:t>
+              <a:t>특정 제품 기능과 일반적인 비즈니스 문제를 해결하는 데 사용할 수 있는 방법에 중점을 둔 60분 세션입니다.</a:t>
             </a:r>
             <a:endParaRPr sz="1000">
               <a:latin typeface="Adobe Clean Light" panose="020B0303020404020204" pitchFamily="34" charset="0"/>
@@ -10941,13 +9792,13 @@
               </a:spcBef>
             </a:pPr>
             <a:r>
-              <a:rPr lang="en-US" sz="1000">
+              <a:rPr lang="de-de" sz="1000">
                 <a:solidFill>
                   <a:srgbClr val="4B4B4B"/>
                 </a:solidFill>
                 <a:latin typeface="Adobe Clean Light" panose="020B0303020404020204" pitchFamily="34" charset="0"/>
               </a:rPr>
-              <a:t>Drive adoption of customization best practices and core components in AEM as a Cloud Service</a:t>
+              <a:t>AEM as a Cloud Service의 사용자 지정 모범 사례 및 핵심 구성 요소의 채택을 촉진합니다.</a:t>
             </a:r>
             <a:endParaRPr sz="1000">
               <a:solidFill>
@@ -10994,13 +9845,13 @@
               </a:spcBef>
             </a:pPr>
             <a:r>
-              <a:rPr lang="en-US" sz="1000">
+              <a:rPr lang="de-de" sz="1000">
                 <a:solidFill>
                   <a:srgbClr val="4B4B4B"/>
                 </a:solidFill>
                 <a:latin typeface="Adobe Clean Light" panose="020B0303020404020204" pitchFamily="34" charset="0"/>
               </a:rPr>
-              <a:t>Identify, review and provide recommendations on customized solution adoption areas that have opportunities for optimization</a:t>
+              <a:t>최적화할 수 있는 기회가 있는 맞춤형 솔루션 채택 영역을 식별하고 검토하고 권장합니다.</a:t>
             </a:r>
             <a:endParaRPr sz="1000">
               <a:solidFill>
@@ -11047,13 +9898,13 @@
               </a:spcBef>
             </a:pPr>
             <a:r>
-              <a:rPr lang="en-US" sz="1000">
+              <a:rPr lang="de-de" sz="1000">
                 <a:solidFill>
                   <a:srgbClr val="4B4B4B"/>
                 </a:solidFill>
                 <a:latin typeface="Adobe Clean Light" panose="020B0303020404020204" pitchFamily="34" charset="0"/>
               </a:rPr>
-              <a:t>Technical &amp; operational governance to assist AEM as a Cloud Service Customers in adhering to industry standards and best practices for AEM as a Cloud Service</a:t>
+              <a:t>AEM as a Cloud Service 고객이 AEM as a Cloud Service에 대한 업계 표준 및 모범 사례를 준수하도록 지원하는 기술 및 운영 거버넌스입니다.</a:t>
             </a:r>
             <a:endParaRPr sz="1000">
               <a:solidFill>
@@ -11097,13 +9948,13 @@
               </a:spcBef>
             </a:pPr>
             <a:r>
-              <a:rPr lang="en-US" sz="1000">
+              <a:rPr lang="de-de" sz="1000">
                 <a:solidFill>
                   <a:srgbClr val="4B4B4B"/>
                 </a:solidFill>
                 <a:latin typeface="Adobe Clean Light" panose="020B0303020404020204" pitchFamily="34" charset="0"/>
               </a:rPr>
-              <a:t>A designated support engineer who becomes familiar with your solution environment and business goals. The NSE is an experienced support engineer that helps coordinate your Enterprise Support experience..</a:t>
+              <a:t>고객의 솔루션 환경과 비즈니스 목표에 정통하게 될 지정 지원 엔지니어입니다. 엔터프라이즈 지원 경험을 조정할 수 있게 숙련된 지원 엔지니어입니다.</a:t>
             </a:r>
             <a:endParaRPr lang="en-US" sz="1000">
               <a:solidFill>
@@ -11152,20 +10003,20 @@
               </a:spcAft>
             </a:pPr>
             <a:r>
-              <a:rPr lang="en-US" sz="1200" b="1" spc="-10">
+              <a:rPr lang="de-de" sz="1200" b="1" spc="-10">
                 <a:solidFill>
                   <a:srgbClr val="020302"/>
                 </a:solidFill>
                 <a:latin typeface="+mj-lt"/>
               </a:rPr>
-              <a:t>Named Support Engineer</a:t>
+              <a:t>지정 지원 엔지니어</a:t>
             </a:r>
           </a:p>
         </p:txBody>
       </p:sp>
       <p:pic>
         <p:nvPicPr>
-          <p:cNvPr id="142" name="Graphic 141" descr="User outline">
+          <p:cNvPr id="142" name="Graphic 141" descr="사용자 개요">
             <a:extLst>
               <a:ext uri="{FF2B5EF4-FFF2-40B4-BE49-F238E27FC236}">
                 <a16:creationId xmlns:a16="http://schemas.microsoft.com/office/drawing/2014/main" id="{D810B7C8-EC8A-8D4D-9EEC-977E8C8AB016}"/>
@@ -11238,14 +10089,14 @@
               </a:spcBef>
             </a:pPr>
             <a:r>
-              <a:rPr lang="en-US" sz="1200" b="1" spc="-20">
+              <a:rPr lang="de-de" sz="1200" b="1" spc="-20">
                 <a:solidFill>
                   <a:srgbClr val="020302"/>
                 </a:solidFill>
                 <a:latin typeface="Adobe Clean"/>
                 <a:cs typeface="Adobe Clean"/>
               </a:rPr>
-              <a:t>Expert Sessions</a:t>
+              <a:t>전문가 세션</a:t>
             </a:r>
             <a:endParaRPr sz="1200">
               <a:latin typeface="Adobe Clean"/>
@@ -11290,484 +10141,114 @@
               </a:spcBef>
             </a:pPr>
             <a:r>
-              <a:rPr lang="en-US" sz="1200" b="1" spc="-15">
+              <a:rPr lang="de-de" sz="1200" b="1" spc="-15">
                 <a:solidFill>
                   <a:srgbClr val="020302"/>
                 </a:solidFill>
                 <a:latin typeface="Adobe Clean"/>
                 <a:cs typeface="Adobe Clean"/>
               </a:rPr>
-              <a:t>C</a:t>
-            </a:r>
-            <a:r>
-              <a:rPr lang="en-US" sz="1200" b="1" spc="-20">
+              <a:t>AEM</a:t>
+            </a:r>
+            <a:r>
+              <a:rPr lang="de-de" sz="1200" b="1" spc="-50">
                 <a:solidFill>
                   <a:srgbClr val="020302"/>
                 </a:solidFill>
                 <a:latin typeface="Adobe Clean"/>
                 <a:cs typeface="Adobe Clean"/>
               </a:rPr>
-              <a:t>u</a:t>
-            </a:r>
-            <a:r>
-              <a:rPr lang="en-US" sz="1200" b="1" spc="-25">
+              <a:t> </a:t>
+            </a:r>
+            <a:r>
+              <a:rPr lang="de-de" sz="1200" b="1" spc="-20">
                 <a:solidFill>
                   <a:srgbClr val="020302"/>
                 </a:solidFill>
                 <a:latin typeface="Adobe Clean"/>
                 <a:cs typeface="Adobe Clean"/>
               </a:rPr>
-              <a:t>st</a:t>
-            </a:r>
-            <a:r>
-              <a:rPr lang="en-US" sz="1200" b="1" spc="-15">
+              <a:t>as a Cloud Service를 위한</a:t>
+            </a:r>
+            <a:r>
+              <a:rPr lang="de-de" sz="1200" b="1" spc="-50">
                 <a:solidFill>
                   <a:srgbClr val="020302"/>
                 </a:solidFill>
                 <a:latin typeface="Adobe Clean"/>
                 <a:cs typeface="Adobe Clean"/>
               </a:rPr>
-              <a:t>o</a:t>
-            </a:r>
-            <a:r>
-              <a:rPr lang="en-US" sz="1200" b="1" spc="-20">
+              <a:t> </a:t>
+            </a:r>
+            <a:r>
+              <a:rPr lang="de-de" sz="1200" b="1" spc="-45">
                 <a:solidFill>
                   <a:srgbClr val="020302"/>
                 </a:solidFill>
                 <a:latin typeface="Adobe Clean"/>
                 <a:cs typeface="Adobe Clean"/>
               </a:rPr>
-              <a:t>miza</a:t>
-            </a:r>
-            <a:r>
-              <a:rPr lang="en-US" sz="1200" b="1" spc="-25">
+              <a:t> </a:t>
+            </a:r>
+            <a:r>
+              <a:rPr lang="de-de" sz="1200" b="1" spc="-25">
                 <a:solidFill>
                   <a:srgbClr val="020302"/>
                 </a:solidFill>
                 <a:latin typeface="Adobe Clean"/>
                 <a:cs typeface="Adobe Clean"/>
               </a:rPr>
-              <a:t>t</a:t>
-            </a:r>
-            <a:r>
-              <a:rPr lang="en-US" sz="1200" b="1" spc="-20">
+              <a:t>사용자 지정</a:t>
+            </a:r>
+            <a:r>
+              <a:rPr lang="de-de" sz="1200" b="1" spc="-45">
                 <a:solidFill>
                   <a:srgbClr val="020302"/>
                 </a:solidFill>
                 <a:latin typeface="Adobe Clean"/>
                 <a:cs typeface="Adobe Clean"/>
               </a:rPr>
-              <a:t>i</a:t>
-            </a:r>
-            <a:r>
-              <a:rPr lang="en-US" sz="1200" b="1" spc="-15">
+              <a:t> </a:t>
+            </a:r>
+            <a:r>
+              <a:rPr lang="de-de" sz="1200" b="1" spc="-55">
                 <a:solidFill>
                   <a:srgbClr val="020302"/>
                 </a:solidFill>
                 <a:latin typeface="Adobe Clean"/>
                 <a:cs typeface="Adobe Clean"/>
               </a:rPr>
-              <a:t>o</a:t>
-            </a:r>
-            <a:r>
-              <a:rPr lang="en-US" sz="1200" b="1">
+              <a:t> </a:t>
+            </a:r>
+            <a:r>
+              <a:rPr lang="de-de" sz="1200" b="1" spc="-20">
                 <a:solidFill>
                   <a:srgbClr val="020302"/>
                 </a:solidFill>
                 <a:latin typeface="Adobe Clean"/>
                 <a:cs typeface="Adobe Clean"/>
               </a:rPr>
-              <a:t>n</a:t>
-            </a:r>
-            <a:r>
-              <a:rPr lang="en-US" sz="1200" b="1" spc="-50">
+              <a:t>모범 사례</a:t>
+            </a:r>
+            <a:r>
+              <a:rPr lang="de-de" sz="1200" b="1" spc="-45">
                 <a:solidFill>
                   <a:srgbClr val="020302"/>
                 </a:solidFill>
                 <a:latin typeface="Adobe Clean"/>
                 <a:cs typeface="Adobe Clean"/>
               </a:rPr>
-              <a:t> </a:t>
-            </a:r>
-            <a:r>
-              <a:rPr lang="en-US" sz="1200" b="1" spc="-20">
+              <a:t>  </a:t>
+            </a:r>
+            <a:r>
+              <a:rPr lang="de-de" sz="1200" b="1" spc="-50">
                 <a:solidFill>
                   <a:srgbClr val="020302"/>
                 </a:solidFill>
                 <a:latin typeface="Adobe Clean"/>
                 <a:cs typeface="Adobe Clean"/>
               </a:rPr>
-              <a:t>B</a:t>
-            </a:r>
-            <a:r>
-              <a:rPr lang="en-US" sz="1200" b="1" spc="-25">
-                <a:solidFill>
-                  <a:srgbClr val="020302"/>
-                </a:solidFill>
-                <a:latin typeface="Adobe Clean"/>
-                <a:cs typeface="Adobe Clean"/>
-              </a:rPr>
-              <a:t>es</a:t>
-            </a:r>
-            <a:r>
-              <a:rPr lang="en-US" sz="1200" b="1">
-                <a:solidFill>
-                  <a:srgbClr val="020302"/>
-                </a:solidFill>
-                <a:latin typeface="Adobe Clean"/>
-                <a:cs typeface="Adobe Clean"/>
-              </a:rPr>
-              <a:t>t</a:t>
-            </a:r>
-            <a:r>
-              <a:rPr lang="en-US" sz="1200" b="1" spc="-50">
-                <a:solidFill>
-                  <a:srgbClr val="020302"/>
-                </a:solidFill>
-                <a:latin typeface="Adobe Clean"/>
-                <a:cs typeface="Adobe Clean"/>
-              </a:rPr>
               <a:t> </a:t>
-            </a:r>
-            <a:r>
-              <a:rPr lang="en-US" sz="1200" b="1" spc="-25">
-                <a:solidFill>
-                  <a:srgbClr val="020302"/>
-                </a:solidFill>
-                <a:latin typeface="Adobe Clean"/>
-                <a:cs typeface="Adobe Clean"/>
-              </a:rPr>
-              <a:t>P</a:t>
-            </a:r>
-            <a:r>
-              <a:rPr lang="en-US" sz="1200" b="1" spc="-20">
-                <a:solidFill>
-                  <a:srgbClr val="020302"/>
-                </a:solidFill>
-                <a:latin typeface="Adobe Clean"/>
-                <a:cs typeface="Adobe Clean"/>
-              </a:rPr>
-              <a:t>ra</a:t>
-            </a:r>
-            <a:r>
-              <a:rPr lang="en-US" sz="1200" b="1" spc="-30">
-                <a:solidFill>
-                  <a:srgbClr val="020302"/>
-                </a:solidFill>
-                <a:latin typeface="Adobe Clean"/>
-                <a:cs typeface="Adobe Clean"/>
-              </a:rPr>
-              <a:t>c</a:t>
-            </a:r>
-            <a:r>
-              <a:rPr lang="en-US" sz="1200" b="1" spc="-25">
-                <a:solidFill>
-                  <a:srgbClr val="020302"/>
-                </a:solidFill>
-                <a:latin typeface="Adobe Clean"/>
-                <a:cs typeface="Adobe Clean"/>
-              </a:rPr>
-              <a:t>t</a:t>
-            </a:r>
-            <a:r>
-              <a:rPr lang="en-US" sz="1200" b="1" spc="-20">
-                <a:solidFill>
-                  <a:srgbClr val="020302"/>
-                </a:solidFill>
-                <a:latin typeface="Adobe Clean"/>
-                <a:cs typeface="Adobe Clean"/>
-              </a:rPr>
-              <a:t>i</a:t>
-            </a:r>
-            <a:r>
-              <a:rPr lang="en-US" sz="1200" b="1" spc="-30">
-                <a:solidFill>
-                  <a:srgbClr val="020302"/>
-                </a:solidFill>
-                <a:latin typeface="Adobe Clean"/>
-                <a:cs typeface="Adobe Clean"/>
-              </a:rPr>
-              <a:t>c</a:t>
-            </a:r>
-            <a:r>
-              <a:rPr lang="en-US" sz="1200" b="1" spc="-25">
-                <a:solidFill>
-                  <a:srgbClr val="020302"/>
-                </a:solidFill>
-                <a:latin typeface="Adobe Clean"/>
-                <a:cs typeface="Adobe Clean"/>
-              </a:rPr>
-              <a:t>e</a:t>
-            </a:r>
-            <a:r>
-              <a:rPr lang="en-US" sz="1200" b="1">
-                <a:solidFill>
-                  <a:srgbClr val="020302"/>
-                </a:solidFill>
-                <a:latin typeface="Adobe Clean"/>
-                <a:cs typeface="Adobe Clean"/>
-              </a:rPr>
-              <a:t>s</a:t>
-            </a:r>
-            <a:r>
-              <a:rPr lang="en-US" sz="1200" b="1" spc="-45">
-                <a:solidFill>
-                  <a:srgbClr val="020302"/>
-                </a:solidFill>
-                <a:latin typeface="Adobe Clean"/>
-                <a:cs typeface="Adobe Clean"/>
-              </a:rPr>
-              <a:t> </a:t>
-            </a:r>
-            <a:r>
-              <a:rPr lang="en-US" sz="1200" b="1" spc="-25">
-                <a:solidFill>
-                  <a:srgbClr val="020302"/>
-                </a:solidFill>
-                <a:latin typeface="Adobe Clean"/>
-                <a:cs typeface="Adobe Clean"/>
-              </a:rPr>
-              <a:t>f</a:t>
-            </a:r>
-            <a:r>
-              <a:rPr lang="en-US" sz="1200" b="1" spc="-15">
-                <a:solidFill>
-                  <a:srgbClr val="020302"/>
-                </a:solidFill>
-                <a:latin typeface="Adobe Clean"/>
-                <a:cs typeface="Adobe Clean"/>
-              </a:rPr>
-              <a:t>o</a:t>
-            </a:r>
-            <a:r>
-              <a:rPr lang="en-US" sz="1200" b="1">
-                <a:solidFill>
-                  <a:srgbClr val="020302"/>
-                </a:solidFill>
-                <a:latin typeface="Adobe Clean"/>
-                <a:cs typeface="Adobe Clean"/>
-              </a:rPr>
-              <a:t>r</a:t>
-            </a:r>
-            <a:r>
-              <a:rPr lang="en-US" sz="1200" b="1" spc="-45">
-                <a:solidFill>
-                  <a:srgbClr val="020302"/>
-                </a:solidFill>
-                <a:latin typeface="Adobe Clean"/>
-                <a:cs typeface="Adobe Clean"/>
-              </a:rPr>
-              <a:t> </a:t>
-            </a:r>
-            <a:r>
-              <a:rPr lang="en-US" sz="1200" b="1" spc="-30">
-                <a:solidFill>
-                  <a:srgbClr val="020302"/>
-                </a:solidFill>
-                <a:latin typeface="Adobe Clean"/>
-                <a:cs typeface="Adobe Clean"/>
-              </a:rPr>
-              <a:t>AE</a:t>
-            </a:r>
-            <a:r>
-              <a:rPr lang="en-US" sz="1200" b="1">
-                <a:solidFill>
-                  <a:srgbClr val="020302"/>
-                </a:solidFill>
-                <a:latin typeface="Adobe Clean"/>
-                <a:cs typeface="Adobe Clean"/>
-              </a:rPr>
-              <a:t>M</a:t>
-            </a:r>
-            <a:r>
-              <a:rPr lang="en-US" sz="1200" b="1" spc="-55">
-                <a:solidFill>
-                  <a:srgbClr val="020302"/>
-                </a:solidFill>
-                <a:latin typeface="Adobe Clean"/>
-                <a:cs typeface="Adobe Clean"/>
-              </a:rPr>
-              <a:t> </a:t>
-            </a:r>
-            <a:r>
-              <a:rPr lang="en-US" sz="1200" b="1" spc="-20">
-                <a:solidFill>
-                  <a:srgbClr val="020302"/>
-                </a:solidFill>
-                <a:latin typeface="Adobe Clean"/>
-                <a:cs typeface="Adobe Clean"/>
-              </a:rPr>
-              <a:t>a</a:t>
-            </a:r>
-            <a:r>
-              <a:rPr lang="en-US" sz="1200" b="1">
-                <a:solidFill>
-                  <a:srgbClr val="020302"/>
-                </a:solidFill>
-                <a:latin typeface="Adobe Clean"/>
-                <a:cs typeface="Adobe Clean"/>
-              </a:rPr>
-              <a:t>s</a:t>
-            </a:r>
-            <a:r>
-              <a:rPr lang="en-US" sz="1200" b="1" spc="-45">
-                <a:solidFill>
-                  <a:srgbClr val="020302"/>
-                </a:solidFill>
-                <a:latin typeface="Adobe Clean"/>
-                <a:cs typeface="Adobe Clean"/>
-              </a:rPr>
-              <a:t> </a:t>
-            </a:r>
-            <a:r>
-              <a:rPr lang="en-US" sz="1200" b="1">
-                <a:solidFill>
-                  <a:srgbClr val="020302"/>
-                </a:solidFill>
-                <a:latin typeface="Adobe Clean"/>
-                <a:cs typeface="Adobe Clean"/>
-              </a:rPr>
-              <a:t>a</a:t>
-            </a:r>
-            <a:r>
-              <a:rPr lang="en-US" sz="1200" b="1" spc="-45">
-                <a:solidFill>
-                  <a:srgbClr val="020302"/>
-                </a:solidFill>
-                <a:latin typeface="Adobe Clean"/>
-                <a:cs typeface="Adobe Clean"/>
-              </a:rPr>
-              <a:t> </a:t>
-            </a:r>
-            <a:r>
-              <a:rPr lang="en-US" sz="1200" b="1" spc="-15">
-                <a:solidFill>
-                  <a:srgbClr val="020302"/>
-                </a:solidFill>
-                <a:latin typeface="Adobe Clean"/>
-                <a:cs typeface="Adobe Clean"/>
-              </a:rPr>
-              <a:t>C</a:t>
-            </a:r>
-            <a:r>
-              <a:rPr lang="en-US" sz="1200" b="1" spc="-25">
-                <a:solidFill>
-                  <a:srgbClr val="020302"/>
-                </a:solidFill>
-                <a:latin typeface="Adobe Clean"/>
-                <a:cs typeface="Adobe Clean"/>
-              </a:rPr>
-              <a:t>l</a:t>
-            </a:r>
-            <a:r>
-              <a:rPr lang="en-US" sz="1200" b="1" spc="-15">
-                <a:solidFill>
-                  <a:srgbClr val="020302"/>
-                </a:solidFill>
-                <a:latin typeface="Adobe Clean"/>
-                <a:cs typeface="Adobe Clean"/>
-              </a:rPr>
-              <a:t>o</a:t>
-            </a:r>
-            <a:r>
-              <a:rPr lang="en-US" sz="1200" b="1" spc="-20">
-                <a:solidFill>
-                  <a:srgbClr val="020302"/>
-                </a:solidFill>
-                <a:latin typeface="Adobe Clean"/>
-                <a:cs typeface="Adobe Clean"/>
-              </a:rPr>
-              <a:t>u</a:t>
-            </a:r>
-            <a:r>
-              <a:rPr lang="en-US" sz="1200" b="1">
-                <a:solidFill>
-                  <a:srgbClr val="020302"/>
-                </a:solidFill>
-                <a:latin typeface="Adobe Clean"/>
-                <a:cs typeface="Adobe Clean"/>
-              </a:rPr>
-              <a:t>d</a:t>
-            </a:r>
-            <a:r>
-              <a:rPr lang="en-US" sz="1200" b="1" spc="-50">
-                <a:solidFill>
-                  <a:srgbClr val="020302"/>
-                </a:solidFill>
-                <a:latin typeface="Adobe Clean"/>
-                <a:cs typeface="Adobe Clean"/>
-              </a:rPr>
-              <a:t> </a:t>
-            </a:r>
-            <a:r>
-              <a:rPr lang="en-US" sz="1200" b="1" spc="-20">
-                <a:solidFill>
-                  <a:srgbClr val="020302"/>
-                </a:solidFill>
-                <a:latin typeface="Adobe Clean"/>
-                <a:cs typeface="Adobe Clean"/>
-              </a:rPr>
-              <a:t>S</a:t>
-            </a:r>
-            <a:r>
-              <a:rPr lang="en-US" sz="1200" b="1" spc="-25">
-                <a:solidFill>
-                  <a:srgbClr val="020302"/>
-                </a:solidFill>
-                <a:latin typeface="Adobe Clean"/>
-                <a:cs typeface="Adobe Clean"/>
-              </a:rPr>
-              <a:t>e</a:t>
-            </a:r>
-            <a:r>
-              <a:rPr lang="en-US" sz="1200" b="1" spc="-20">
-                <a:solidFill>
-                  <a:srgbClr val="020302"/>
-                </a:solidFill>
-                <a:latin typeface="Adobe Clean"/>
-                <a:cs typeface="Adobe Clean"/>
-              </a:rPr>
-              <a:t>r</a:t>
-            </a:r>
-            <a:r>
-              <a:rPr lang="en-US" sz="1200" b="1" spc="-30">
-                <a:solidFill>
-                  <a:srgbClr val="020302"/>
-                </a:solidFill>
-                <a:latin typeface="Adobe Clean"/>
-                <a:cs typeface="Adobe Clean"/>
-              </a:rPr>
-              <a:t>v</a:t>
-            </a:r>
-            <a:r>
-              <a:rPr lang="en-US" sz="1200" b="1" spc="-20">
-                <a:solidFill>
-                  <a:srgbClr val="020302"/>
-                </a:solidFill>
-                <a:latin typeface="Adobe Clean"/>
-                <a:cs typeface="Adobe Clean"/>
-              </a:rPr>
-              <a:t>i</a:t>
-            </a:r>
-            <a:r>
-              <a:rPr lang="en-US" sz="1200" b="1" spc="-30">
-                <a:solidFill>
-                  <a:srgbClr val="020302"/>
-                </a:solidFill>
-                <a:latin typeface="Adobe Clean"/>
-                <a:cs typeface="Adobe Clean"/>
-              </a:rPr>
-              <a:t>c</a:t>
-            </a:r>
-            <a:r>
-              <a:rPr lang="en-US" sz="1200" b="1">
-                <a:solidFill>
-                  <a:srgbClr val="020302"/>
-                </a:solidFill>
-                <a:latin typeface="Adobe Clean"/>
-                <a:cs typeface="Adobe Clean"/>
-              </a:rPr>
-              <a:t>e</a:t>
             </a:r>
             <a:endParaRPr lang="en-US" sz="1200">
               <a:latin typeface="Adobe Clean"/>
@@ -11812,14 +10293,14 @@
               </a:spcBef>
             </a:pPr>
             <a:r>
-              <a:rPr lang="en-US" sz="1200" b="1" spc="-25">
+              <a:rPr lang="de-de" sz="1200" b="1" spc="-25">
                 <a:solidFill>
                   <a:srgbClr val="020302"/>
                 </a:solidFill>
                 <a:latin typeface="Adobe Clean"/>
                 <a:cs typeface="Adobe Clean"/>
               </a:rPr>
-              <a:t>Value-added Services for AEM as a Cloud Service</a:t>
+              <a:t>AEM as a Cloud Service를 위한 부가 가치 서비스</a:t>
             </a:r>
             <a:endParaRPr lang="en-US" sz="1200">
               <a:latin typeface="Adobe Clean"/>
@@ -11864,354 +10345,64 @@
               </a:spcBef>
             </a:pPr>
             <a:r>
-              <a:rPr lang="en-US" sz="1200" b="1" spc="-20">
+              <a:rPr lang="de-de" sz="1200" b="1" spc="-20">
                 <a:solidFill>
                   <a:srgbClr val="020302"/>
                 </a:solidFill>
                 <a:latin typeface="Adobe Clean"/>
                 <a:cs typeface="Adobe Clean"/>
               </a:rPr>
-              <a:t>G</a:t>
-            </a:r>
-            <a:r>
-              <a:rPr lang="en-US" sz="1200" b="1" spc="-15">
+              <a:t>AEM</a:t>
+            </a:r>
+            <a:r>
+              <a:rPr lang="de-de" sz="1200" b="1" spc="-50">
                 <a:solidFill>
                   <a:srgbClr val="020302"/>
                 </a:solidFill>
                 <a:latin typeface="Adobe Clean"/>
                 <a:cs typeface="Adobe Clean"/>
               </a:rPr>
-              <a:t>o</a:t>
-            </a:r>
-            <a:r>
-              <a:rPr lang="en-US" sz="1200" b="1" spc="-25">
+              <a:t>  </a:t>
+            </a:r>
+            <a:r>
+              <a:rPr lang="de-de" sz="1200" b="1" spc="-20">
                 <a:solidFill>
                   <a:srgbClr val="020302"/>
                 </a:solidFill>
                 <a:latin typeface="Adobe Clean"/>
                 <a:cs typeface="Adobe Clean"/>
               </a:rPr>
-              <a:t>ve</a:t>
-            </a:r>
-            <a:r>
-              <a:rPr lang="en-US" sz="1200" b="1" spc="-20">
+              <a:t>as a Cloud Service를 위한</a:t>
+            </a:r>
+            <a:r>
+              <a:rPr lang="de-de" sz="1200" b="1" spc="-45">
                 <a:solidFill>
                   <a:srgbClr val="020302"/>
                 </a:solidFill>
                 <a:latin typeface="Adobe Clean"/>
                 <a:cs typeface="Adobe Clean"/>
               </a:rPr>
-              <a:t>r</a:t>
-            </a:r>
-            <a:r>
-              <a:rPr lang="en-US" sz="1200" b="1" spc="-25">
+              <a:t> </a:t>
+            </a:r>
+            <a:r>
+              <a:rPr lang="de-de" sz="1200" b="1" spc="-15">
                 <a:solidFill>
                   <a:srgbClr val="020302"/>
                 </a:solidFill>
                 <a:latin typeface="Adobe Clean"/>
                 <a:cs typeface="Adobe Clean"/>
               </a:rPr>
-              <a:t>n</a:t>
-            </a:r>
-            <a:r>
-              <a:rPr lang="en-US" sz="1200" b="1" spc="-20">
+              <a:t>거버넌스</a:t>
+            </a:r>
+            <a:r>
+              <a:rPr lang="de-de" sz="1200" b="1" spc="-50">
                 <a:solidFill>
                   <a:srgbClr val="020302"/>
                 </a:solidFill>
                 <a:latin typeface="Adobe Clean"/>
                 <a:cs typeface="Adobe Clean"/>
               </a:rPr>
-              <a:t>a</a:t>
-            </a:r>
-            <a:r>
-              <a:rPr lang="en-US" sz="1200" b="1" spc="-25">
-                <a:solidFill>
-                  <a:srgbClr val="020302"/>
-                </a:solidFill>
-                <a:latin typeface="Adobe Clean"/>
-                <a:cs typeface="Adobe Clean"/>
-              </a:rPr>
-              <a:t>n</a:t>
-            </a:r>
-            <a:r>
-              <a:rPr lang="en-US" sz="1200" b="1" spc="-30">
-                <a:solidFill>
-                  <a:srgbClr val="020302"/>
-                </a:solidFill>
-                <a:latin typeface="Adobe Clean"/>
-                <a:cs typeface="Adobe Clean"/>
-              </a:rPr>
-              <a:t>c</a:t>
-            </a:r>
-            <a:r>
-              <a:rPr lang="en-US" sz="1200" b="1">
-                <a:solidFill>
-                  <a:srgbClr val="020302"/>
-                </a:solidFill>
-                <a:latin typeface="Adobe Clean"/>
-                <a:cs typeface="Adobe Clean"/>
-              </a:rPr>
-              <a:t>e</a:t>
-            </a:r>
-            <a:r>
-              <a:rPr lang="en-US" sz="1200" b="1" spc="-50">
-                <a:solidFill>
-                  <a:srgbClr val="020302"/>
-                </a:solidFill>
-                <a:latin typeface="Adobe Clean"/>
-                <a:cs typeface="Adobe Clean"/>
-              </a:rPr>
               <a:t> </a:t>
-            </a:r>
-            <a:r>
-              <a:rPr lang="en-US" sz="1200" b="1" spc="-25">
-                <a:solidFill>
-                  <a:srgbClr val="020302"/>
-                </a:solidFill>
-                <a:latin typeface="Adobe Clean"/>
-                <a:cs typeface="Adobe Clean"/>
-              </a:rPr>
-              <a:t>f</a:t>
-            </a:r>
-            <a:r>
-              <a:rPr lang="en-US" sz="1200" b="1" spc="-15">
-                <a:solidFill>
-                  <a:srgbClr val="020302"/>
-                </a:solidFill>
-                <a:latin typeface="Adobe Clean"/>
-                <a:cs typeface="Adobe Clean"/>
-              </a:rPr>
-              <a:t>o</a:t>
-            </a:r>
-            <a:r>
-              <a:rPr lang="en-US" sz="1200" b="1">
-                <a:solidFill>
-                  <a:srgbClr val="020302"/>
-                </a:solidFill>
-                <a:latin typeface="Adobe Clean"/>
-                <a:cs typeface="Adobe Clean"/>
-              </a:rPr>
-              <a:t>r</a:t>
-            </a:r>
-            <a:r>
-              <a:rPr lang="en-US" sz="1200" b="1" spc="-45">
-                <a:solidFill>
-                  <a:srgbClr val="020302"/>
-                </a:solidFill>
-                <a:latin typeface="Adobe Clean"/>
-                <a:cs typeface="Adobe Clean"/>
-              </a:rPr>
-              <a:t> </a:t>
-            </a:r>
-            <a:r>
-              <a:rPr lang="en-US" sz="1200" b="1" spc="-30">
-                <a:solidFill>
-                  <a:srgbClr val="020302"/>
-                </a:solidFill>
-                <a:latin typeface="Adobe Clean"/>
-                <a:cs typeface="Adobe Clean"/>
-              </a:rPr>
-              <a:t>A</a:t>
-            </a:r>
-            <a:r>
-              <a:rPr lang="en-US" sz="1200" b="1" spc="-25">
-                <a:solidFill>
-                  <a:srgbClr val="020302"/>
-                </a:solidFill>
-                <a:latin typeface="Adobe Clean"/>
-                <a:cs typeface="Adobe Clean"/>
-              </a:rPr>
-              <a:t>E</a:t>
-            </a:r>
-            <a:r>
-              <a:rPr lang="en-US" sz="1200" b="1">
-                <a:solidFill>
-                  <a:srgbClr val="020302"/>
-                </a:solidFill>
-                <a:latin typeface="Adobe Clean"/>
-                <a:cs typeface="Adobe Clean"/>
-              </a:rPr>
-              <a:t>M</a:t>
-            </a:r>
-            <a:r>
-              <a:rPr lang="en-US" sz="1200" b="1" spc="-50">
-                <a:solidFill>
-                  <a:srgbClr val="020302"/>
-                </a:solidFill>
-                <a:latin typeface="Adobe Clean"/>
-                <a:cs typeface="Adobe Clean"/>
-              </a:rPr>
-              <a:t> </a:t>
-            </a:r>
-            <a:r>
-              <a:rPr lang="en-US" sz="1200" b="1" spc="-20">
-                <a:solidFill>
-                  <a:srgbClr val="020302"/>
-                </a:solidFill>
-                <a:latin typeface="Adobe Clean"/>
-                <a:cs typeface="Adobe Clean"/>
-              </a:rPr>
-              <a:t>a</a:t>
-            </a:r>
-            <a:r>
-              <a:rPr lang="en-US" sz="1200" b="1">
-                <a:solidFill>
-                  <a:srgbClr val="020302"/>
-                </a:solidFill>
-                <a:latin typeface="Adobe Clean"/>
-                <a:cs typeface="Adobe Clean"/>
-              </a:rPr>
-              <a:t>s</a:t>
-            </a:r>
-            <a:r>
-              <a:rPr lang="en-US" sz="1200" b="1" spc="-45">
-                <a:solidFill>
-                  <a:srgbClr val="020302"/>
-                </a:solidFill>
-                <a:latin typeface="Adobe Clean"/>
-                <a:cs typeface="Adobe Clean"/>
-              </a:rPr>
-              <a:t> </a:t>
-            </a:r>
-            <a:r>
-              <a:rPr lang="en-US" sz="1200" b="1">
-                <a:solidFill>
-                  <a:srgbClr val="020302"/>
-                </a:solidFill>
-                <a:latin typeface="Adobe Clean"/>
-                <a:cs typeface="Adobe Clean"/>
-              </a:rPr>
-              <a:t>a</a:t>
-            </a:r>
-            <a:r>
-              <a:rPr lang="en-US" sz="1200" b="1" spc="-40">
-                <a:solidFill>
-                  <a:srgbClr val="020302"/>
-                </a:solidFill>
-                <a:latin typeface="Adobe Clean"/>
-                <a:cs typeface="Adobe Clean"/>
-              </a:rPr>
-              <a:t> </a:t>
-            </a:r>
-            <a:r>
-              <a:rPr lang="en-US" sz="1200" b="1" spc="-15">
-                <a:solidFill>
-                  <a:srgbClr val="020302"/>
-                </a:solidFill>
-                <a:latin typeface="Adobe Clean"/>
-                <a:cs typeface="Adobe Clean"/>
-              </a:rPr>
-              <a:t>C</a:t>
-            </a:r>
-            <a:r>
-              <a:rPr lang="en-US" sz="1200" b="1" spc="-25">
-                <a:solidFill>
-                  <a:srgbClr val="020302"/>
-                </a:solidFill>
-                <a:latin typeface="Adobe Clean"/>
-                <a:cs typeface="Adobe Clean"/>
-              </a:rPr>
-              <a:t>l</a:t>
-            </a:r>
-            <a:r>
-              <a:rPr lang="en-US" sz="1200" b="1" spc="-15">
-                <a:solidFill>
-                  <a:srgbClr val="020302"/>
-                </a:solidFill>
-                <a:latin typeface="Adobe Clean"/>
-                <a:cs typeface="Adobe Clean"/>
-              </a:rPr>
-              <a:t>ou</a:t>
-            </a:r>
-            <a:r>
-              <a:rPr lang="en-US" sz="1200" b="1">
-                <a:solidFill>
-                  <a:srgbClr val="020302"/>
-                </a:solidFill>
-                <a:latin typeface="Adobe Clean"/>
-                <a:cs typeface="Adobe Clean"/>
-              </a:rPr>
-              <a:t>d</a:t>
-            </a:r>
-            <a:r>
-              <a:rPr lang="en-US" sz="1200" b="1" spc="-50">
-                <a:solidFill>
-                  <a:srgbClr val="020302"/>
-                </a:solidFill>
-                <a:latin typeface="Adobe Clean"/>
-                <a:cs typeface="Adobe Clean"/>
-              </a:rPr>
-              <a:t> </a:t>
-            </a:r>
-            <a:r>
-              <a:rPr lang="en-US" sz="1200" b="1" spc="-20">
-                <a:solidFill>
-                  <a:srgbClr val="020302"/>
-                </a:solidFill>
-                <a:latin typeface="Adobe Clean"/>
-                <a:cs typeface="Adobe Clean"/>
-              </a:rPr>
-              <a:t>S</a:t>
-            </a:r>
-            <a:r>
-              <a:rPr lang="en-US" sz="1200" b="1" spc="-25">
-                <a:solidFill>
-                  <a:srgbClr val="020302"/>
-                </a:solidFill>
-                <a:latin typeface="Adobe Clean"/>
-                <a:cs typeface="Adobe Clean"/>
-              </a:rPr>
-              <a:t>e</a:t>
-            </a:r>
-            <a:r>
-              <a:rPr lang="en-US" sz="1200" b="1" spc="-20">
-                <a:solidFill>
-                  <a:srgbClr val="020302"/>
-                </a:solidFill>
-                <a:latin typeface="Adobe Clean"/>
-                <a:cs typeface="Adobe Clean"/>
-              </a:rPr>
-              <a:t>r</a:t>
-            </a:r>
-            <a:r>
-              <a:rPr lang="en-US" sz="1200" b="1" spc="-25">
-                <a:solidFill>
-                  <a:srgbClr val="020302"/>
-                </a:solidFill>
-                <a:latin typeface="Adobe Clean"/>
-                <a:cs typeface="Adobe Clean"/>
-              </a:rPr>
-              <a:t>v</a:t>
-            </a:r>
-            <a:r>
-              <a:rPr lang="en-US" sz="1200" b="1" spc="-20">
-                <a:solidFill>
-                  <a:srgbClr val="020302"/>
-                </a:solidFill>
-                <a:latin typeface="Adobe Clean"/>
-                <a:cs typeface="Adobe Clean"/>
-              </a:rPr>
-              <a:t>i</a:t>
-            </a:r>
-            <a:r>
-              <a:rPr lang="en-US" sz="1200" b="1" spc="-30">
-                <a:solidFill>
-                  <a:srgbClr val="020302"/>
-                </a:solidFill>
-                <a:latin typeface="Adobe Clean"/>
-                <a:cs typeface="Adobe Clean"/>
-              </a:rPr>
-              <a:t>c</a:t>
-            </a:r>
-            <a:r>
-              <a:rPr lang="en-US" sz="1200" b="1">
-                <a:solidFill>
-                  <a:srgbClr val="020302"/>
-                </a:solidFill>
-                <a:latin typeface="Adobe Clean"/>
-                <a:cs typeface="Adobe Clean"/>
-              </a:rPr>
-              <a:t>e</a:t>
             </a:r>
             <a:endParaRPr lang="en-US" sz="1200">
               <a:latin typeface="Adobe Clean"/>
@@ -12222,7 +10413,7 @@
       </p:sp>
       <p:pic>
         <p:nvPicPr>
-          <p:cNvPr id="151" name="Graphic 150" descr="Director's Chair outline">
+          <p:cNvPr id="151" name="Graphic 150" descr="감독 의자 개요">
             <a:extLst>
               <a:ext uri="{FF2B5EF4-FFF2-40B4-BE49-F238E27FC236}">
                 <a16:creationId xmlns:a16="http://schemas.microsoft.com/office/drawing/2014/main" id="{921858E2-75CF-3B40-8734-4CE41782FC9B}"/>
@@ -12261,7 +10452,7 @@
       </p:pic>
       <p:pic>
         <p:nvPicPr>
-          <p:cNvPr id="153" name="Graphic 152" descr="Rating 3 Star with solid fill">
+          <p:cNvPr id="153" name="Graphic 152" descr="꽉 채워진 별점 3점">
             <a:extLst>
               <a:ext uri="{FF2B5EF4-FFF2-40B4-BE49-F238E27FC236}">
                 <a16:creationId xmlns:a16="http://schemas.microsoft.com/office/drawing/2014/main" id="{D5B000DA-4203-6A40-88BA-0E899DF2822C}"/>
@@ -12334,94 +10525,34 @@
               </a:spcBef>
             </a:pPr>
             <a:r>
-              <a:rPr lang="en-US" sz="1200" b="1" spc="-20">
+              <a:rPr lang="de-de" sz="1200" b="1" spc="-20">
                 <a:solidFill>
                   <a:srgbClr val="020302"/>
                 </a:solidFill>
                 <a:latin typeface="Adobe Clean"/>
                 <a:cs typeface="Adobe Clean"/>
               </a:rPr>
-              <a:t>Cas</a:t>
-            </a:r>
-            <a:r>
-              <a:rPr sz="1200" b="1">
+              <a:t>사례</a:t>
+            </a:r>
+            <a:r>
+              <a:rPr lang="de-de" sz="1200" b="1" spc="-80">
                 <a:solidFill>
                   <a:srgbClr val="020302"/>
                 </a:solidFill>
                 <a:latin typeface="Adobe Clean"/>
                 <a:cs typeface="Adobe Clean"/>
               </a:rPr>
-              <a:t>e</a:t>
-            </a:r>
-            <a:r>
-              <a:rPr sz="1200" b="1" spc="-80">
+              <a:t> </a:t>
+            </a:r>
+            <a:r>
+              <a:rPr lang="de-de" sz="1200" b="1" spc="-20">
                 <a:solidFill>
                   <a:srgbClr val="020302"/>
                 </a:solidFill>
                 <a:latin typeface="Adobe Clean"/>
                 <a:cs typeface="Adobe Clean"/>
               </a:rPr>
-              <a:t> </a:t>
-            </a:r>
-            <a:r>
-              <a:rPr sz="1200" b="1" spc="-20">
-                <a:solidFill>
-                  <a:srgbClr val="020302"/>
-                </a:solidFill>
-                <a:latin typeface="Adobe Clean"/>
-                <a:cs typeface="Adobe Clean"/>
-              </a:rPr>
-              <a:t>R</a:t>
-            </a:r>
-            <a:r>
-              <a:rPr sz="1200" b="1" spc="-25">
-                <a:solidFill>
-                  <a:srgbClr val="020302"/>
-                </a:solidFill>
-                <a:latin typeface="Adobe Clean"/>
-                <a:cs typeface="Adobe Clean"/>
-              </a:rPr>
-              <a:t>e</a:t>
-            </a:r>
-            <a:r>
-              <a:rPr sz="1200" b="1" spc="-30">
-                <a:solidFill>
-                  <a:srgbClr val="020302"/>
-                </a:solidFill>
-                <a:latin typeface="Adobe Clean"/>
-                <a:cs typeface="Adobe Clean"/>
-              </a:rPr>
-              <a:t>v</a:t>
-            </a:r>
-            <a:r>
-              <a:rPr sz="1200" b="1" spc="-20">
-                <a:solidFill>
-                  <a:srgbClr val="020302"/>
-                </a:solidFill>
-                <a:latin typeface="Adobe Clean"/>
-                <a:cs typeface="Adobe Clean"/>
-              </a:rPr>
-              <a:t>i</a:t>
-            </a:r>
-            <a:r>
-              <a:rPr sz="1200" b="1" spc="-25">
-                <a:solidFill>
-                  <a:srgbClr val="020302"/>
-                </a:solidFill>
-                <a:latin typeface="Adobe Clean"/>
-                <a:cs typeface="Adobe Clean"/>
-              </a:rPr>
-              <a:t>ew</a:t>
-            </a:r>
-            <a:r>
-              <a:rPr sz="1200" b="1">
-                <a:solidFill>
-                  <a:srgbClr val="020302"/>
-                </a:solidFill>
-                <a:latin typeface="Adobe Clean"/>
-                <a:cs typeface="Adobe Clean"/>
-              </a:rPr>
-              <a:t>s</a:t>
+              <a:t>검토</a:t>
             </a:r>
             <a:endParaRPr sz="1200">
               <a:latin typeface="Adobe Clean"/>
@@ -12432,7 +10563,7 @@
       </p:sp>
       <p:pic>
         <p:nvPicPr>
-          <p:cNvPr id="5" name="Graphic 4" descr="Customer review outline">
+          <p:cNvPr id="5" name="Graphic 4" descr="고객 리뷰 개요">
             <a:extLst>
               <a:ext uri="{FF2B5EF4-FFF2-40B4-BE49-F238E27FC236}">
                 <a16:creationId xmlns:a16="http://schemas.microsoft.com/office/drawing/2014/main" id="{8CCEB8E9-4EDC-FD45-900B-6151B8F604B7}"/>
@@ -12505,13 +10636,13 @@
               </a:spcBef>
             </a:pPr>
             <a:r>
-              <a:rPr lang="en-US" sz="1000">
+              <a:rPr lang="de-de" sz="1000">
                 <a:solidFill>
                   <a:srgbClr val="4B4B4B"/>
                 </a:solidFill>
                 <a:latin typeface="Adobe Clean Light" panose="020B0303020404020204" pitchFamily="34" charset="0"/>
               </a:rPr>
-              <a:t>Regular scheduled review of open support requests, ensuring customer alignment on case description, business impact, status, priority and agreement on next steps required to ensure an expedient resolution.</a:t>
+              <a:t>진행 중인 지원 요청을 정기적으로 검토하여 사례 설명, 비즈니스 영향, 상태, 우선 순위, 필요한 다음 단계에 대한 고객의 동의에 맞춰 조정함으로써 신속한 해결을 보장합니다.</a:t>
             </a:r>
             <a:endParaRPr sz="1000">
               <a:latin typeface="Adobe Clean Light" panose="020B0303020404020204" pitchFamily="34" charset="0"/>
@@ -12556,14 +10687,14 @@
               </a:spcBef>
             </a:pPr>
             <a:r>
-              <a:rPr lang="en-US" sz="1400" b="1" spc="-10">
+              <a:rPr lang="de-de" sz="1400" b="1" spc="-10">
                 <a:solidFill>
                   <a:srgbClr val="020302"/>
                 </a:solidFill>
                 <a:latin typeface="Adobe Clean"/>
                 <a:cs typeface="Adobe Clean"/>
               </a:rPr>
-              <a:t>Cloud Support Activities - AEM</a:t>
+              <a:t>클라우드 지원 활동 - AEM</a:t>
             </a:r>
             <a:endParaRPr lang="en-US" sz="1400">
               <a:latin typeface="Adobe Clean"/>
@@ -12622,7 +10753,7 @@
       </p:sp>
       <p:pic>
         <p:nvPicPr>
-          <p:cNvPr id="9" name="Graphic 8" descr="Syncing cloud outline">
+          <p:cNvPr id="9" name="Graphic 8" descr="클라우드 동기화">
             <a:extLst>
               <a:ext uri="{FF2B5EF4-FFF2-40B4-BE49-F238E27FC236}">
                 <a16:creationId xmlns:a16="http://schemas.microsoft.com/office/drawing/2014/main" id="{ABD4F6D3-5974-B843-8E65-3F7D52C02A1E}"/>
@@ -12661,7 +10792,7 @@
       </p:pic>
       <p:pic>
         <p:nvPicPr>
-          <p:cNvPr id="67" name="Graphic 66" descr="Speaker phone outline">
+          <p:cNvPr id="67" name="Graphic 66" descr="스피커폰 개요">
             <a:extLst>
               <a:ext uri="{FF2B5EF4-FFF2-40B4-BE49-F238E27FC236}">
                 <a16:creationId xmlns:a16="http://schemas.microsoft.com/office/drawing/2014/main" id="{9CF25698-88B0-EB4D-88EB-74AEDE37DB92}"/>
@@ -12700,7 +10831,7 @@
       </p:pic>
       <p:pic>
         <p:nvPicPr>
-          <p:cNvPr id="70" name="Graphic 69" descr="Remote learning language outline">
+          <p:cNvPr id="70" name="Graphic 69" descr="원격 학습 언어 개요">
             <a:extLst>
               <a:ext uri="{FF2B5EF4-FFF2-40B4-BE49-F238E27FC236}">
                 <a16:creationId xmlns:a16="http://schemas.microsoft.com/office/drawing/2014/main" id="{AAC2DE22-688A-D04D-BBF0-41B971602471}"/>
@@ -12729,7 +10860,7 @@
         </p:blipFill>
         <p:spPr>
           <a:xfrm>
-            <a:off x="228600" y="8520784"/>
+            <a:off x="228600" y="8458792"/>
             <a:ext cx="411480" cy="411480"/>
           </a:xfrm>
           <a:prstGeom prst="rect">
@@ -12739,7 +10870,7 @@
       </p:pic>
       <p:pic>
         <p:nvPicPr>
-          <p:cNvPr id="72" name="Graphic 71" descr="Customer review outline">
+          <p:cNvPr id="72" name="Graphic 71" descr="고객 리뷰 개요">
             <a:extLst>
               <a:ext uri="{FF2B5EF4-FFF2-40B4-BE49-F238E27FC236}">
                 <a16:creationId xmlns:a16="http://schemas.microsoft.com/office/drawing/2014/main" id="{21B3E732-0813-BE43-B793-4BD9034C6B18}"/>
@@ -12778,7 +10909,7 @@
       </p:pic>
       <p:pic>
         <p:nvPicPr>
-          <p:cNvPr id="73" name="Graphic 72" descr="Signpost outline">
+          <p:cNvPr id="73" name="Graphic 72" descr="길잡이 개요">
             <a:extLst>
               <a:ext uri="{FF2B5EF4-FFF2-40B4-BE49-F238E27FC236}">
                 <a16:creationId xmlns:a16="http://schemas.microsoft.com/office/drawing/2014/main" id="{1F982738-B503-9740-BDCB-05ED93867DE3}"/>
@@ -12817,7 +10948,7 @@
       </p:pic>
       <p:pic>
         <p:nvPicPr>
-          <p:cNvPr id="76" name="Graphic 75" descr="Internet outline">
+          <p:cNvPr id="76" name="Graphic 75" descr="인터넷 개요">
             <a:extLst>
               <a:ext uri="{FF2B5EF4-FFF2-40B4-BE49-F238E27FC236}">
                 <a16:creationId xmlns:a16="http://schemas.microsoft.com/office/drawing/2014/main" id="{F6C8836B-077B-BC4F-9C12-02BE56023684}"/>
@@ -12846,7 +10977,7 @@
         </p:blipFill>
         <p:spPr>
           <a:xfrm>
-            <a:off x="5257800" y="8520784"/>
+            <a:off x="5257800" y="8458792"/>
             <a:ext cx="411480" cy="411480"/>
           </a:xfrm>
           <a:prstGeom prst="rect">
@@ -12856,7 +10987,7 @@
       </p:pic>
       <p:pic>
         <p:nvPicPr>
-          <p:cNvPr id="77" name="Graphic 76" descr="Chat bubble outline">
+          <p:cNvPr id="77" name="Graphic 76" descr="말풍선 개요">
             <a:extLst>
               <a:ext uri="{FF2B5EF4-FFF2-40B4-BE49-F238E27FC236}">
                 <a16:creationId xmlns:a16="http://schemas.microsoft.com/office/drawing/2014/main" id="{B6F9981D-CBCE-514B-8F7F-0F0CAFEDBE44}"/>
@@ -12885,7 +11016,7 @@
         </p:blipFill>
         <p:spPr>
           <a:xfrm>
-            <a:off x="2776853" y="8520784"/>
+            <a:off x="2776853" y="8458792"/>
             <a:ext cx="411480" cy="411480"/>
           </a:xfrm>
           <a:prstGeom prst="rect">
@@ -12895,7 +11026,7 @@
       </p:pic>
       <p:pic>
         <p:nvPicPr>
-          <p:cNvPr id="78" name="Graphic 77" descr="Playbook outline">
+          <p:cNvPr id="78" name="Graphic 77" descr="플레이북 개요">
             <a:extLst>
               <a:ext uri="{FF2B5EF4-FFF2-40B4-BE49-F238E27FC236}">
                 <a16:creationId xmlns:a16="http://schemas.microsoft.com/office/drawing/2014/main" id="{C027C0A6-1CBA-8A4F-819C-F6A9FD0038FD}"/>
@@ -13001,7 +11132,7 @@
         </p:nvSpPr>
         <p:spPr>
           <a:xfrm rot="5400000" flipH="1">
-            <a:off x="3863341" y="5514588"/>
+            <a:off x="3863341" y="5483592"/>
             <a:ext cx="45719" cy="5577840"/>
           </a:xfrm>
           <a:custGeom>
@@ -13447,104 +11578,94 @@
               </a:lnSpc>
             </a:pPr>
             <a:r>
-              <a:rPr sz="800" spc="-10">
+              <a:rPr lang="de-de" sz="800" spc="-10">
                 <a:solidFill>
                   <a:srgbClr val="6D6D6D"/>
                 </a:solidFill>
                 <a:latin typeface="Adobe Clean"/>
                 <a:cs typeface="Adobe Clean"/>
               </a:rPr>
-              <a:t>©202</a:t>
-            </a:r>
-            <a:r>
-              <a:rPr lang="en-US" sz="800" spc="-10">
+              <a:t>©2021</a:t>
+            </a:r>
+            <a:r>
+              <a:rPr lang="de-de" sz="800" spc="-5">
                 <a:solidFill>
                   <a:srgbClr val="6D6D6D"/>
                 </a:solidFill>
                 <a:latin typeface="Adobe Clean"/>
                 <a:cs typeface="Adobe Clean"/>
               </a:rPr>
-              <a:t>1</a:t>
-            </a:r>
-            <a:r>
-              <a:rPr sz="800" spc="-5">
+              <a:t> Adobe. All</a:t>
+            </a:r>
+            <a:r>
+              <a:rPr lang="de-de" sz="800" spc="-15">
                 <a:solidFill>
                   <a:srgbClr val="6D6D6D"/>
                 </a:solidFill>
                 <a:latin typeface="Adobe Clean"/>
                 <a:cs typeface="Adobe Clean"/>
               </a:rPr>
-              <a:t> Adobe. All</a:t>
-            </a:r>
-            <a:r>
-              <a:rPr sz="800" spc="-15">
+              <a:t> </a:t>
+            </a:r>
+            <a:r>
+              <a:rPr lang="de-de" sz="800" spc="-10">
                 <a:solidFill>
                   <a:srgbClr val="6D6D6D"/>
                 </a:solidFill>
                 <a:latin typeface="Adobe Clean"/>
                 <a:cs typeface="Adobe Clean"/>
               </a:rPr>
-              <a:t> </a:t>
-            </a:r>
-            <a:r>
-              <a:rPr sz="800" spc="-10">
+              <a:t>Rights</a:t>
+            </a:r>
+            <a:r>
+              <a:rPr lang="de-de" sz="800" spc="-5">
                 <a:solidFill>
                   <a:srgbClr val="6D6D6D"/>
                 </a:solidFill>
                 <a:latin typeface="Adobe Clean"/>
                 <a:cs typeface="Adobe Clean"/>
               </a:rPr>
-              <a:t>Rights</a:t>
-            </a:r>
-            <a:r>
-              <a:rPr sz="800" spc="-5">
+              <a:t> </a:t>
+            </a:r>
+            <a:r>
+              <a:rPr lang="de-de" sz="800" spc="-10">
                 <a:solidFill>
                   <a:srgbClr val="6D6D6D"/>
                 </a:solidFill>
                 <a:latin typeface="Adobe Clean"/>
                 <a:cs typeface="Adobe Clean"/>
               </a:rPr>
-              <a:t> </a:t>
-            </a:r>
-            <a:r>
-              <a:rPr sz="800" spc="-10">
+              <a:t>Reserved.</a:t>
+            </a:r>
+            <a:r>
+              <a:rPr lang="de-de" sz="800" spc="-5">
                 <a:solidFill>
                   <a:srgbClr val="6D6D6D"/>
                 </a:solidFill>
                 <a:latin typeface="Adobe Clean"/>
                 <a:cs typeface="Adobe Clean"/>
               </a:rPr>
-              <a:t>Reserved.</a:t>
-            </a:r>
-            <a:r>
-              <a:rPr sz="800" spc="-5">
+              <a:t> Adobe</a:t>
+            </a:r>
+            <a:r>
+              <a:rPr lang="de-de" sz="800" spc="75">
                 <a:solidFill>
                   <a:srgbClr val="6D6D6D"/>
                 </a:solidFill>
                 <a:latin typeface="Adobe Clean"/>
                 <a:cs typeface="Adobe Clean"/>
               </a:rPr>
-              <a:t> Adobe</a:t>
-            </a:r>
-            <a:r>
-              <a:rPr sz="800" spc="75">
+              <a:t> </a:t>
+            </a:r>
+            <a:r>
+              <a:rPr lang="de-de" sz="800" spc="-10">
                 <a:solidFill>
                   <a:srgbClr val="6D6D6D"/>
                 </a:solidFill>
                 <a:latin typeface="Adobe Clean"/>
                 <a:cs typeface="Adobe Clean"/>
               </a:rPr>
-              <a:t> </a:t>
-            </a:r>
-            <a:r>
-              <a:rPr sz="800" spc="-10">
-                <a:solidFill>
-                  <a:srgbClr val="6D6D6D"/>
-                </a:solidFill>
-                <a:latin typeface="Adobe Clean"/>
-                <a:cs typeface="Adobe Clean"/>
-              </a:rPr>
-              <a:t>Confidential.</a:t>
+              <a:t>기밀.</a:t>
             </a:r>
             <a:endParaRPr sz="800">
               <a:latin typeface="Adobe Clean"/>
@@ -13604,7 +11725,7 @@
         <p:spPr>
           <a:xfrm>
             <a:off x="4843270" y="589788"/>
-            <a:ext cx="2588260" cy="228268"/>
+            <a:ext cx="1821001" cy="231622"/>
           </a:xfrm>
           <a:prstGeom prst="rect">
             <a:avLst/>
@@ -13616,7 +11737,7 @@
           </a:bodyPr>
           <a:lstStyle/>
           <a:p>
-            <a:pPr marL="12700">
+            <a:pPr marL="12700" algn="ctr">
               <a:lnSpc>
                 <a:spcPct val="100000"/>
               </a:lnSpc>
@@ -13625,174 +11746,54 @@
               </a:spcBef>
             </a:pPr>
             <a:r>
-              <a:rPr sz="1400" b="1" spc="-25">
+              <a:rPr lang="de-de" sz="1400" b="1" spc="-25">
                 <a:solidFill>
                   <a:srgbClr val="020302"/>
                 </a:solidFill>
                 <a:latin typeface="Adobe Clean"/>
                 <a:cs typeface="Adobe Clean"/>
               </a:rPr>
-              <a:t>Fi</a:t>
-            </a:r>
-            <a:r>
-              <a:rPr sz="1400" b="1" spc="-30">
+              <a:t>현장</a:t>
+            </a:r>
+            <a:r>
+              <a:rPr lang="de-de" sz="1400" b="1" spc="-45">
                 <a:solidFill>
                   <a:srgbClr val="020302"/>
                 </a:solidFill>
                 <a:latin typeface="Adobe Clean"/>
                 <a:cs typeface="Adobe Clean"/>
               </a:rPr>
-              <a:t>e</a:t>
-            </a:r>
-            <a:r>
-              <a:rPr sz="1400" b="1" spc="-25">
+              <a:t> </a:t>
+            </a:r>
+            <a:r>
+              <a:rPr lang="de-de" sz="1400" b="1" spc="20">
                 <a:solidFill>
                   <a:srgbClr val="020302"/>
                 </a:solidFill>
                 <a:latin typeface="Adobe Clean"/>
                 <a:cs typeface="Adobe Clean"/>
               </a:rPr>
-              <a:t>l</a:t>
-            </a:r>
-            <a:r>
-              <a:rPr sz="1400" b="1">
+              <a:t>서비스</a:t>
+            </a:r>
+            <a:r>
+              <a:rPr lang="de-de" sz="1400" b="1" spc="-190">
                 <a:solidFill>
                   <a:srgbClr val="020302"/>
                 </a:solidFill>
                 <a:latin typeface="Adobe Clean"/>
                 <a:cs typeface="Adobe Clean"/>
               </a:rPr>
-              <a:t>d</a:t>
-            </a:r>
-            <a:r>
-              <a:rPr sz="1400" b="1" spc="-45">
+              <a:t> </a:t>
+            </a:r>
+            <a:r>
+              <a:rPr lang="de-de" sz="1400" b="1" spc="5">
                 <a:solidFill>
                   <a:srgbClr val="020302"/>
                 </a:solidFill>
                 <a:latin typeface="Adobe Clean"/>
                 <a:cs typeface="Adobe Clean"/>
               </a:rPr>
-              <a:t> </a:t>
-            </a:r>
-            <a:r>
-              <a:rPr sz="1400" b="1" spc="20">
-                <a:solidFill>
-                  <a:srgbClr val="020302"/>
-                </a:solidFill>
-                <a:latin typeface="Adobe Clean"/>
-                <a:cs typeface="Adobe Clean"/>
-              </a:rPr>
-              <a:t>S</a:t>
-            </a:r>
-            <a:r>
-              <a:rPr sz="1400" b="1" spc="10">
-                <a:solidFill>
-                  <a:srgbClr val="020302"/>
-                </a:solidFill>
-                <a:latin typeface="Adobe Clean"/>
-                <a:cs typeface="Adobe Clean"/>
-              </a:rPr>
-              <a:t>e</a:t>
-            </a:r>
-            <a:r>
-              <a:rPr sz="1400" b="1" spc="15">
-                <a:solidFill>
-                  <a:srgbClr val="020302"/>
-                </a:solidFill>
-                <a:latin typeface="Adobe Clean"/>
-                <a:cs typeface="Adobe Clean"/>
-              </a:rPr>
-              <a:t>rvi</a:t>
-            </a:r>
-            <a:r>
-              <a:rPr sz="1400" b="1" spc="10">
-                <a:solidFill>
-                  <a:srgbClr val="020302"/>
-                </a:solidFill>
-                <a:latin typeface="Adobe Clean"/>
-                <a:cs typeface="Adobe Clean"/>
-              </a:rPr>
-              <a:t>c</a:t>
-            </a:r>
-            <a:r>
-              <a:rPr sz="1400" b="1">
-                <a:solidFill>
-                  <a:srgbClr val="020302"/>
-                </a:solidFill>
-                <a:latin typeface="Adobe Clean"/>
-                <a:cs typeface="Adobe Clean"/>
-              </a:rPr>
-              <a:t>e</a:t>
-            </a:r>
-            <a:r>
-              <a:rPr sz="1400" b="1" spc="-190">
-                <a:solidFill>
-                  <a:srgbClr val="020302"/>
-                </a:solidFill>
-                <a:latin typeface="Adobe Clean"/>
-                <a:cs typeface="Adobe Clean"/>
-              </a:rPr>
-              <a:t> </a:t>
-            </a:r>
-            <a:r>
-              <a:rPr sz="1400" b="1" spc="5">
-                <a:solidFill>
-                  <a:srgbClr val="020302"/>
-                </a:solidFill>
-                <a:latin typeface="Adobe Clean"/>
-                <a:cs typeface="Adobe Clean"/>
-              </a:rPr>
-              <a:t>A</a:t>
-            </a:r>
-            <a:r>
-              <a:rPr sz="1400" b="1">
-                <a:solidFill>
-                  <a:srgbClr val="020302"/>
-                </a:solidFill>
-                <a:latin typeface="Adobe Clean"/>
-                <a:cs typeface="Adobe Clean"/>
-              </a:rPr>
-              <a:t>ct</a:t>
-            </a:r>
-            <a:r>
-              <a:rPr sz="1400" b="1" spc="5">
-                <a:solidFill>
-                  <a:srgbClr val="020302"/>
-                </a:solidFill>
-                <a:latin typeface="Adobe Clean"/>
-                <a:cs typeface="Adobe Clean"/>
-              </a:rPr>
-              <a:t>ivi</a:t>
-            </a:r>
-            <a:r>
-              <a:rPr sz="1400" b="1">
-                <a:solidFill>
-                  <a:srgbClr val="020302"/>
-                </a:solidFill>
-                <a:latin typeface="Adobe Clean"/>
-                <a:cs typeface="Adobe Clean"/>
-              </a:rPr>
-              <a:t>t</a:t>
-            </a:r>
-            <a:r>
-              <a:rPr sz="1400" b="1" spc="5">
-                <a:solidFill>
-                  <a:srgbClr val="020302"/>
-                </a:solidFill>
-                <a:latin typeface="Adobe Clean"/>
-                <a:cs typeface="Adobe Clean"/>
-              </a:rPr>
-              <a:t>i</a:t>
-            </a:r>
-            <a:r>
-              <a:rPr sz="1400" b="1">
-                <a:solidFill>
-                  <a:srgbClr val="020302"/>
-                </a:solidFill>
-                <a:latin typeface="Adobe Clean"/>
-                <a:cs typeface="Adobe Clean"/>
-              </a:rPr>
-              <a:t>es</a:t>
+              <a:t>활동</a:t>
             </a:r>
             <a:endParaRPr sz="1400">
               <a:latin typeface="Adobe Clean"/>
@@ -13809,7 +11810,7 @@
         </p:nvSpPr>
         <p:spPr>
           <a:xfrm>
-            <a:off x="914399" y="589788"/>
+            <a:off x="595422" y="589788"/>
             <a:ext cx="1937004" cy="228268"/>
           </a:xfrm>
           <a:prstGeom prst="rect">
@@ -13822,7 +11823,7 @@
           </a:bodyPr>
           <a:lstStyle/>
           <a:p>
-            <a:pPr marL="12700">
+            <a:pPr marL="12700" algn="ctr">
               <a:lnSpc>
                 <a:spcPct val="100000"/>
               </a:lnSpc>
@@ -13831,96 +11832,36 @@
               </a:spcBef>
             </a:pPr>
             <a:r>
-              <a:rPr sz="1400" b="1" spc="-20">
+              <a:rPr lang="de-de" sz="1400" b="1" spc="-20" dirty="0" err="1">
                 <a:solidFill>
                   <a:srgbClr val="020302"/>
                 </a:solidFill>
                 <a:latin typeface="Adobe Clean"/>
                 <a:cs typeface="Adobe Clean"/>
               </a:rPr>
-              <a:t>L</a:t>
-            </a:r>
-            <a:r>
-              <a:rPr sz="1400" b="1" spc="-10">
+              <a:t>출시</a:t>
+            </a:r>
+            <a:r>
+              <a:rPr lang="de-de" sz="1400" b="1" spc="-10" dirty="0">
                 <a:solidFill>
                   <a:srgbClr val="020302"/>
                 </a:solidFill>
                 <a:latin typeface="Adobe Clean"/>
                 <a:cs typeface="Adobe Clean"/>
               </a:rPr>
-              <a:t>a</a:t>
-            </a:r>
-            <a:r>
-              <a:rPr sz="1400" b="1" spc="-15">
+              <a:t> </a:t>
+            </a:r>
+            <a:r>
+              <a:rPr lang="de-de" sz="1400" b="1" dirty="0" err="1">
                 <a:solidFill>
                   <a:srgbClr val="020302"/>
                 </a:solidFill>
                 <a:latin typeface="Adobe Clean"/>
                 <a:cs typeface="Adobe Clean"/>
               </a:rPr>
-              <a:t>un</a:t>
-            </a:r>
-            <a:r>
-              <a:rPr sz="1400" b="1" spc="-20">
-                <a:solidFill>
-                  <a:srgbClr val="020302"/>
-                </a:solidFill>
-                <a:latin typeface="Adobe Clean"/>
-                <a:cs typeface="Adobe Clean"/>
-              </a:rPr>
-              <a:t>c</a:t>
-            </a:r>
-            <a:r>
-              <a:rPr sz="1400" b="1">
-                <a:solidFill>
-                  <a:srgbClr val="020302"/>
-                </a:solidFill>
-                <a:latin typeface="Adobe Clean"/>
-                <a:cs typeface="Adobe Clean"/>
-              </a:rPr>
-              <a:t>h</a:t>
-            </a:r>
-            <a:r>
-              <a:rPr sz="1400" b="1" spc="-30">
-                <a:solidFill>
-                  <a:srgbClr val="020302"/>
-                </a:solidFill>
-                <a:latin typeface="Adobe Clean"/>
-                <a:cs typeface="Adobe Clean"/>
-              </a:rPr>
-              <a:t> </a:t>
-            </a:r>
-            <a:r>
-              <a:rPr sz="1400" b="1" spc="-10">
-                <a:solidFill>
-                  <a:srgbClr val="020302"/>
-                </a:solidFill>
-                <a:latin typeface="Adobe Clean"/>
-                <a:cs typeface="Adobe Clean"/>
-              </a:rPr>
-              <a:t>Advisor</a:t>
-            </a:r>
-            <a:r>
-              <a:rPr sz="1400" b="1">
-                <a:solidFill>
-                  <a:srgbClr val="020302"/>
-                </a:solidFill>
-                <a:latin typeface="Adobe Clean"/>
-                <a:cs typeface="Adobe Clean"/>
-              </a:rPr>
-              <a:t>y</a:t>
-            </a:r>
-            <a:r>
-              <a:rPr sz="1400" b="1" spc="-60">
-                <a:solidFill>
-                  <a:srgbClr val="020302"/>
-                </a:solidFill>
-                <a:latin typeface="Adobe Clean"/>
-                <a:cs typeface="Adobe Clean"/>
-              </a:rPr>
-              <a:t> </a:t>
-            </a:r>
-            <a:endParaRPr sz="1400">
+              <a:t>자문</a:t>
+            </a:r>
+            <a:endParaRPr sz="1400" dirty="0">
               <a:latin typeface="Adobe Clean"/>
               <a:cs typeface="Adobe Clean"/>
             </a:endParaRPr>
@@ -13954,108 +11895,52 @@
               </a:spcBef>
             </a:pPr>
             <a:r>
-              <a:rPr lang="en-US" sz="1000">
-                <a:solidFill>
-                  <a:srgbClr val="1F1F1F"/>
-                </a:solidFill>
-                <a:latin typeface="AdobeClean-Light"/>
-                <a:cs typeface="AdobeClean-Light"/>
-              </a:rPr>
-              <a:t>For customers </a:t>
-            </a:r>
-            <a:r>
-              <a:rPr sz="1000">
-                <a:solidFill>
-                  <a:srgbClr val="1F1F1F"/>
-                </a:solidFill>
-                <a:latin typeface="AdobeClean-Light"/>
-                <a:cs typeface="AdobeClean-Light"/>
-              </a:rPr>
-              <a:t>implementing a </a:t>
-            </a:r>
-            <a:r>
-              <a:rPr sz="1000" b="1">
+              <a:rPr lang="de-de" sz="1000" b="1">
                 <a:solidFill>
                   <a:srgbClr val="1F1F1F"/>
                 </a:solidFill>
                 <a:latin typeface="Adobe Clean"/>
                 <a:cs typeface="Adobe Clean"/>
               </a:rPr>
-              <a:t>new Adobe Experience Cloud solution</a:t>
-            </a:r>
-            <a:r>
-              <a:rPr lang="en-US" sz="1000" b="1">
-                <a:solidFill>
-                  <a:srgbClr val="1F1F1F"/>
-                </a:solidFill>
-                <a:latin typeface="Adobe Clean"/>
-                <a:cs typeface="Adobe Clean"/>
-              </a:rPr>
-              <a:t>, </a:t>
-            </a:r>
-            <a:r>
-              <a:rPr lang="en-US" sz="1000">
+              <a:t>새로운 Adobe Experience Cloud 솔루션을 구현하는 고객을 위한 </a:t>
+            </a:r>
+            <a:r>
+              <a:rPr lang="de-de" sz="1000">
+                <a:solidFill>
+                  <a:srgbClr val="000000"/>
+                </a:solidFill>
+                <a:latin typeface="Adobe Clean SemiLight" panose="020B0403020404020204" pitchFamily="34" charset="0"/>
+              </a:rPr>
+              <a:t>is a </a:t>
+            </a:r>
+            <a:r>
+              <a:rPr lang="de-de" sz="1000" b="1">
+                <a:solidFill>
+                  <a:srgbClr val="000000"/>
+                </a:solidFill>
+                <a:latin typeface="Adobe Clean SemiLight" panose="020B0403020404020204" pitchFamily="34" charset="0"/>
+              </a:rPr>
+              <a:t>핵심 자문 서비스이자 </a:t>
+            </a:r>
+            <a:r>
+              <a:rPr lang="de-de" sz="1000">
                 <a:latin typeface="Adobe Clean Light" charset="0"/>
                 <a:ea typeface="Adobe Clean Light" charset="0"/>
                 <a:cs typeface="Adobe Clean Light" charset="0"/>
               </a:rPr>
-              <a:t>Launch Advisory </a:t>
-            </a:r>
-            <a:r>
-              <a:rPr lang="en-US" sz="1000">
-                <a:solidFill>
-                  <a:srgbClr val="000000"/>
-                </a:solidFill>
-                <a:latin typeface="Adobe Clean SemiLight" panose="020B0403020404020204" pitchFamily="34" charset="0"/>
-              </a:rPr>
-              <a:t>is a </a:t>
-            </a:r>
-            <a:r>
-              <a:rPr lang="en-US" sz="1000" b="1">
-                <a:solidFill>
-                  <a:srgbClr val="000000"/>
-                </a:solidFill>
-                <a:latin typeface="Adobe Clean SemiLight" panose="020B0403020404020204" pitchFamily="34" charset="0"/>
-              </a:rPr>
-              <a:t>core set of advisory services </a:t>
-            </a:r>
-            <a:r>
-              <a:rPr lang="en-US" sz="1000">
+              <a:t>권장 사항인 출시 자문은 </a:t>
+            </a:r>
+            <a:r>
+              <a:rPr lang="de-de" sz="1000" b="1">
                 <a:latin typeface="Adobe Clean Light" charset="0"/>
-                <a:ea typeface="Adobe Clean Light" charset="0"/>
-                <a:cs typeface="Adobe Clean Light" charset="0"/>
-              </a:rPr>
-              <a:t>and recommendations that </a:t>
-            </a:r>
-            <a:r>
-              <a:rPr lang="en-US" sz="1000">
+              </a:rPr>
+              <a:t>공적인 배포를 지원하고 가치 실현 시간을 단축하는 것으로</a:t>
+            </a:r>
+            <a:r>
+              <a:rPr lang="de-de" sz="1000">
                 <a:latin typeface="Adobe Clean Light" charset="0"/>
               </a:rPr>
-              <a:t>are proven to </a:t>
-            </a:r>
-            <a:r>
-              <a:rPr lang="en-US" sz="1000" b="1">
-                <a:latin typeface="Adobe Clean Light" charset="0"/>
-              </a:rPr>
-              <a:t>support successful deployments </a:t>
-            </a:r>
-            <a:r>
-              <a:rPr lang="en-US" sz="1000">
-                <a:latin typeface="Adobe Clean Light" charset="0"/>
-              </a:rPr>
-              <a:t>and </a:t>
-            </a:r>
-            <a:r>
-              <a:rPr lang="en-US" sz="1000" b="1">
-                <a:latin typeface="Adobe Clean Light" charset="0"/>
-              </a:rPr>
-              <a:t>accelerate time-to-value</a:t>
-            </a:r>
-            <a:r>
-              <a:rPr lang="en-US" sz="1000">
-                <a:latin typeface="Adobe Clean Light" charset="0"/>
-              </a:rPr>
-              <a:t>.</a:t>
+              <a:t> 입증되었습니다.</a:t>
             </a:r>
           </a:p>
         </p:txBody>
@@ -14114,67 +11999,67 @@
               </a:spcBef>
             </a:pPr>
             <a:r>
-              <a:rPr lang="en-US" sz="1000">
+              <a:rPr lang="de-de" sz="1000">
                 <a:solidFill>
                   <a:srgbClr val="4B4B4B"/>
                 </a:solidFill>
                 <a:latin typeface="Adobe Clean Light" panose="020B0303020404020204" pitchFamily="34" charset="0"/>
               </a:rPr>
-              <a:t>Field Services are used for </a:t>
-            </a:r>
-            <a:r>
-              <a:rPr lang="en-US" sz="1000" b="1">
+              <a:t>현장 서비스는 </a:t>
+            </a:r>
+            <a:r>
+              <a:rPr lang="de-de" sz="1000" b="1">
                 <a:solidFill>
                   <a:srgbClr val="4B4B4B"/>
                 </a:solidFill>
                 <a:latin typeface="Adobe Clean" panose="020B0503020404020204" pitchFamily="34" charset="0"/>
               </a:rPr>
-              <a:t>quick resolution</a:t>
-            </a:r>
-            <a:r>
-              <a:rPr lang="en-US" sz="1000">
+              <a:t>신속한 해결</a:t>
+            </a:r>
+            <a:r>
+              <a:rPr lang="de-de" sz="1000">
                 <a:solidFill>
                   <a:srgbClr val="4B4B4B"/>
                 </a:solidFill>
                 <a:latin typeface="Adobe Clean Light" panose="020B0303020404020204" pitchFamily="34" charset="0"/>
               </a:rPr>
-              <a:t>, focused customer success and accelerated</a:t>
-            </a:r>
-            <a:r>
-              <a:rPr lang="en-US" sz="1000" b="1">
+              <a:t>, 집중적인 고객 성공, </a:t>
+            </a:r>
+            <a:r>
+              <a:rPr lang="de-de" sz="1000" b="1">
                 <a:solidFill>
                   <a:srgbClr val="4B4B4B"/>
                 </a:solidFill>
                 <a:latin typeface="Adobe Clean" panose="020B0503020404020204" pitchFamily="34" charset="0"/>
               </a:rPr>
-              <a:t> time-to-value</a:t>
-            </a:r>
-            <a:r>
-              <a:rPr lang="en-US" sz="1000">
+              <a:t>가치 실현 시간</a:t>
+            </a:r>
+            <a:r>
+              <a:rPr lang="de-de" sz="1000">
                 <a:solidFill>
                   <a:srgbClr val="4B4B4B"/>
                 </a:solidFill>
                 <a:latin typeface="Adobe Clean Light" panose="020B0303020404020204" pitchFamily="34" charset="0"/>
               </a:rPr>
-              <a:t>. If Launch advisory is active there will be </a:t>
-            </a:r>
-            <a:r>
-              <a:rPr lang="en-US" sz="1000" b="1">
+              <a:t> 단축을 위해 사용됩니다. 출시 자문이 활성화된 경우 Adobe 지원 계약이 적용되는 솔루션 제품에 대해 </a:t>
+            </a:r>
+            <a:r>
+              <a:rPr lang="de-de" sz="1000" b="1">
                 <a:solidFill>
                   <a:srgbClr val="4B4B4B"/>
                 </a:solidFill>
                 <a:latin typeface="Adobe Clean" panose="020B0503020404020204" pitchFamily="34" charset="0"/>
               </a:rPr>
-              <a:t>no Field Services in year 1 </a:t>
-            </a:r>
-            <a:r>
-              <a:rPr lang="en-US" sz="1000">
+              <a:t>1년차에는 현장 서비스가 제공되지 않습니다</a:t>
+            </a:r>
+            <a:r>
+              <a:rPr lang="de-de" sz="1000">
                 <a:solidFill>
                   <a:srgbClr val="4B4B4B"/>
                 </a:solidFill>
                 <a:latin typeface="Adobe Clean Light" panose="020B0303020404020204" pitchFamily="34" charset="0"/>
               </a:rPr>
-              <a:t>for any solution product covered by an Adobe Support contract. </a:t>
+              <a:t>. </a:t>
             </a:r>
             <a:endParaRPr lang="en-US" sz="1000">
               <a:solidFill>
@@ -14377,37 +12262,28 @@
               </a:spcBef>
             </a:pPr>
             <a:r>
-              <a:rPr lang="en-US" sz="1000">
+              <a:rPr lang="de-de" sz="1000">
                 <a:latin typeface="Adobe Clean Light" charset="0"/>
               </a:rPr>
-              <a:t>Adobe solution experts help validate requirements, architecture, development process, and launch readiness reviews </a:t>
-            </a:r>
-            <a:r>
-              <a:rPr lang="en-US" sz="1000">
+              <a:t>Adobe 솔루션 전문가는 고객과 구현 파트너에 대한 </a:t>
+            </a:r>
+            <a:r>
+              <a:rPr lang="de-de" sz="1000" b="1">
                 <a:solidFill>
                   <a:srgbClr val="000000"/>
                 </a:solidFill>
                 <a:latin typeface="Adobe Clean SemiLight" panose="020B0403020404020204" pitchFamily="34" charset="0"/>
               </a:rPr>
-              <a:t>with </a:t>
-            </a:r>
-            <a:r>
-              <a:rPr lang="en-US" sz="1000" b="1">
+              <a:t>모범 사례 기반 지침을 통해 </a:t>
+            </a:r>
+            <a:r>
+              <a:rPr lang="de-de" sz="1000">
                 <a:solidFill>
                   <a:srgbClr val="000000"/>
                 </a:solidFill>
                 <a:latin typeface="Adobe Clean SemiLight" panose="020B0403020404020204" pitchFamily="34" charset="0"/>
               </a:rPr>
-              <a:t>best practice-based guidance </a:t>
-            </a:r>
-            <a:r>
-              <a:rPr lang="en-US" sz="1000">
-                <a:solidFill>
-                  <a:srgbClr val="000000"/>
-                </a:solidFill>
-                <a:latin typeface="Adobe Clean SemiLight" panose="020B0403020404020204" pitchFamily="34" charset="0"/>
-              </a:rPr>
-              <a:t>to customers and implementation partners.</a:t>
+              <a:t>요구 사항, 아키텍처, 개발 프로세스 및 출시 준비 상태 검토를 검증하는 데 도움을 줍니다.</a:t>
             </a:r>
           </a:p>
           <a:p>
@@ -14431,22 +12307,22 @@
               </a:spcBef>
             </a:pPr>
             <a:r>
-              <a:rPr lang="en-US" sz="1000">
+              <a:rPr lang="de-de" sz="1000">
                 <a:latin typeface="Adobe Clean Light" charset="0"/>
               </a:rPr>
-              <a:t>Launch Advisory will align with your project schedule through common milestones (</a:t>
-            </a:r>
-            <a:r>
-              <a:rPr lang="en-US" sz="1000" b="1">
+              <a:t>출시 자문은 일반적인 중요 시점(</a:t>
+            </a:r>
+            <a:r>
+              <a:rPr lang="de-de" sz="1000" b="1">
                 <a:latin typeface="Adobe Clean Light" charset="0"/>
               </a:rPr>
-              <a:t>Kickoff, Define, Design, Go-live and Post Launch</a:t>
-            </a:r>
-            <a:r>
-              <a:rPr lang="en-US" sz="1000">
+              <a:t>개시, 정의, 설계, 실행 및 출시 후</a:t>
+            </a:r>
+            <a:r>
+              <a:rPr lang="de-de" sz="1000">
                 <a:latin typeface="Adobe Clean Light" charset="0"/>
               </a:rPr>
-              <a:t>) to guide, validate, assess and make recommendations.</a:t>
+              <a:t>) 전반에서 프로젝트 일정에 맞춰 안내하고 검증하고 평가하며 권장 사항을 제시합니다.</a:t>
             </a:r>
           </a:p>
           <a:p>
@@ -14466,10 +12342,10 @@
               </a:spcBef>
             </a:pPr>
             <a:r>
-              <a:rPr lang="en-US" sz="1000">
+              <a:rPr lang="de-de" sz="1000">
                 <a:latin typeface="Adobe Clean Light" charset="0"/>
               </a:rPr>
-              <a:t>Key Deliverables include:</a:t>
+              <a:t>주요 결과물에는 다음이 포함됩니다.</a:t>
             </a:r>
           </a:p>
           <a:p>
@@ -14481,8 +12357,8 @@
               <a:buChar char="•"/>
             </a:pPr>
             <a:r>
-              <a:rPr lang="en-US" sz="1000"/>
-              <a:t>Kickoff (including project collaboration plan) deck</a:t>
+              <a:rPr lang="de-de" sz="1000"/>
+              <a:t>개시(프로젝트 공동 작업 계획 포함) 데크</a:t>
             </a:r>
           </a:p>
           <a:p>
@@ -14494,8 +12370,8 @@
               <a:buChar char="•"/>
             </a:pPr>
             <a:r>
-              <a:rPr lang="en-US" sz="1000"/>
-              <a:t>Assessment &amp; recommendations document(s)</a:t>
+              <a:rPr lang="de-de" sz="1000"/>
+              <a:t>평가 및 권장 사항 문서</a:t>
             </a:r>
           </a:p>
           <a:p>
@@ -14507,8 +12383,8 @@
               <a:buChar char="•"/>
             </a:pPr>
             <a:r>
-              <a:rPr lang="en-US" sz="1000"/>
-              <a:t>Engagement summary</a:t>
+              <a:rPr lang="de-de" sz="1000"/>
+              <a:t>참여 요약</a:t>
             </a:r>
           </a:p>
         </p:txBody>
@@ -14612,8 +12488,8 @@
           <a:p>
             <a:pPr algn="ctr"/>
             <a:r>
-              <a:rPr lang="en-US" sz="1600"/>
-              <a:t>Run &amp; Operate</a:t>
+              <a:rPr lang="de-de" sz="1600"/>
+              <a:t>실행 및 운영</a:t>
             </a:r>
           </a:p>
         </p:txBody>
@@ -14718,8 +12594,8 @@
           <a:p>
             <a:pPr algn="ctr"/>
             <a:r>
-              <a:rPr lang="en-US" sz="1600"/>
-              <a:t>Implementation</a:t>
+              <a:rPr lang="de-de" sz="1600"/>
+              <a:t>구현</a:t>
             </a:r>
           </a:p>
         </p:txBody>
@@ -14754,8 +12630,8 @@
           <a:p>
             <a:pPr algn="ctr"/>
             <a:r>
-              <a:rPr lang="en-US" sz="1100"/>
-              <a:t>Post Launch</a:t>
+              <a:rPr lang="de-de" sz="1100"/>
+              <a:t>출시 후</a:t>
             </a:r>
           </a:p>
         </p:txBody>
@@ -14877,22 +12753,22 @@
               </a:spcBef>
             </a:pPr>
             <a:r>
-              <a:rPr lang="en-US" sz="1000" b="1">
+              <a:rPr lang="de-de" sz="1000" b="1">
                 <a:solidFill>
                   <a:srgbClr val="000000"/>
                 </a:solidFill>
                 <a:latin typeface="+mj-lt"/>
               </a:rPr>
-              <a:t>Technical Track Activities </a:t>
-            </a:r>
-            <a:r>
-              <a:rPr lang="en-US" sz="1000">
+              <a:t>기술 트랙 활동</a:t>
+            </a:r>
+            <a:r>
+              <a:rPr lang="de-de" sz="1000">
                 <a:solidFill>
                   <a:srgbClr val="000000"/>
                 </a:solidFill>
                 <a:latin typeface="Adobe Clean Light" panose="020B0303020404020204" pitchFamily="34" charset="0"/>
               </a:rPr>
-              <a:t>ensure customers are technically sound and maximizing their tool adoption. Specifically, these types of activities include support and recommendations related to platform configurations, integrations and troubleshooting</a:t>
+              <a:t>은 고객이 기술적으로 건전하도록 보장하고 도구 채택을 극대화할 수 있도록 합니다. 특히 이러한 유형의 활동에는 플랫폼 구성, 통합 및 문제 해결과 관련된 지원 및 권장 사항이 포함됩니다.</a:t>
             </a:r>
           </a:p>
           <a:p>
@@ -14912,10 +12788,10 @@
               </a:spcBef>
             </a:pPr>
             <a:r>
-              <a:rPr lang="en-US" sz="1000">
+              <a:rPr lang="de-de" sz="1000">
                 <a:latin typeface="Adobe Clean Light" charset="0"/>
               </a:rPr>
-              <a:t>Types of technical activities available::</a:t>
+              <a:t>사용 가능한 기술 활동 유형:</a:t>
             </a:r>
           </a:p>
           <a:p>
@@ -14930,8 +12806,8 @@
               <a:buChar char="ü"/>
             </a:pPr>
             <a:r>
-              <a:rPr lang="en-US" sz="1000"/>
-              <a:t>Health audit</a:t>
+              <a:rPr lang="de-de" sz="1000"/>
+              <a:t>상태 감사</a:t>
             </a:r>
           </a:p>
           <a:p>
@@ -14946,8 +12822,8 @@
               <a:buChar char="ü"/>
             </a:pPr>
             <a:r>
-              <a:rPr lang="en-US" sz="1000"/>
-              <a:t>Platform audit</a:t>
+              <a:rPr lang="de-de" sz="1000"/>
+              <a:t>플랫폼 감사</a:t>
             </a:r>
           </a:p>
           <a:p>
@@ -14962,8 +12838,8 @@
               <a:buChar char="ü"/>
             </a:pPr>
             <a:r>
-              <a:rPr lang="en-US" sz="1000"/>
-              <a:t>Feature set enablement</a:t>
+              <a:rPr lang="de-de" sz="1000"/>
+              <a:t>기능 세트 활성화</a:t>
             </a:r>
           </a:p>
           <a:p>
@@ -14978,8 +12854,8 @@
               <a:buChar char="ü"/>
             </a:pPr>
             <a:r>
-              <a:rPr lang="en-US" sz="1000"/>
-              <a:t>Basic integrations and configurations</a:t>
+              <a:rPr lang="de-de" sz="1000"/>
+              <a:t>기본적 통합 및 구성</a:t>
             </a:r>
           </a:p>
           <a:p>
@@ -14994,8 +12870,8 @@
               <a:buChar char="ü"/>
             </a:pPr>
             <a:r>
-              <a:rPr lang="en-US" sz="1000"/>
-              <a:t>Customer solution troubleshooting</a:t>
+              <a:rPr lang="de-de" sz="1000"/>
+              <a:t>고객 솔루션 문제 해결</a:t>
             </a:r>
           </a:p>
           <a:p>
@@ -15010,8 +12886,8 @@
               <a:buChar char="ü"/>
             </a:pPr>
             <a:r>
-              <a:rPr lang="en-US" sz="1000"/>
-              <a:t>Cloud service support</a:t>
+              <a:rPr lang="de-de" sz="1000"/>
+              <a:t>클라우드 서비스 지원</a:t>
             </a:r>
           </a:p>
         </p:txBody>
@@ -15030,7 +12906,7 @@
         </p:nvSpPr>
         <p:spPr>
           <a:xfrm>
-            <a:off x="3851397" y="7249456"/>
+            <a:off x="3851397" y="7048896"/>
             <a:ext cx="3525469" cy="2054409"/>
           </a:xfrm>
           <a:prstGeom prst="rect">
@@ -15049,22 +12925,22 @@
               </a:spcBef>
             </a:pPr>
             <a:r>
-              <a:rPr lang="en-US" sz="1000" b="1">
+              <a:rPr lang="de-de" sz="1000" b="1">
                 <a:solidFill>
                   <a:srgbClr val="000000"/>
                 </a:solidFill>
                 <a:latin typeface="+mj-lt"/>
               </a:rPr>
-              <a:t>Strategic Track Activities </a:t>
-            </a:r>
-            <a:r>
-              <a:rPr lang="en-US" sz="1000">
+              <a:t>전략 트랙 활동</a:t>
+            </a:r>
+            <a:r>
+              <a:rPr lang="de-de" sz="1000">
                 <a:solidFill>
                   <a:srgbClr val="000000"/>
                 </a:solidFill>
                 <a:latin typeface="Adobe Clean Light" panose="020B0303020404020204" pitchFamily="34" charset="0"/>
               </a:rPr>
-              <a:t>locate opportunities to ensure value is being realized from a customer’s Adobe solutions. They include support recommendations related to strategy, measurement and maturity to drive value realization across one or more Adobe solutions.</a:t>
+              <a:t>은 고객의 Adobe 솔루션에서 가치를 실현할 수 있는 기회를 찾습니다. 여기에는 하나 이상의 Adobe 솔루션에서 가치 실현을 위한 전략, 측정 및 완성도와 관련된 지원 권장 사항이 포함됩니다.</a:t>
             </a:r>
           </a:p>
           <a:p>
@@ -15084,10 +12960,10 @@
               </a:spcBef>
             </a:pPr>
             <a:r>
-              <a:rPr lang="en-US" sz="1000">
+              <a:rPr lang="de-de" sz="1000">
                 <a:latin typeface="Adobe Clean Light" charset="0"/>
               </a:rPr>
-              <a:t>Types of strategic activities available::</a:t>
+              <a:t>사용 가능한 전략 활동 유형:</a:t>
             </a:r>
           </a:p>
           <a:p>
@@ -15102,8 +12978,8 @@
               <a:buChar char="ü"/>
             </a:pPr>
             <a:r>
-              <a:rPr lang="en-US" sz="1000"/>
-              <a:t>Maturity Roadmap</a:t>
+              <a:rPr lang="de-de" sz="1000"/>
+              <a:t>완성 로드맵</a:t>
             </a:r>
           </a:p>
           <a:p>
@@ -15118,8 +12994,8 @@
               <a:buChar char="ü"/>
             </a:pPr>
             <a:r>
-              <a:rPr lang="en-US" sz="1000"/>
-              <a:t>Use case development/measurement</a:t>
+              <a:rPr lang="de-de" sz="1000"/>
+              <a:t>사용 사례 개발/측정</a:t>
             </a:r>
           </a:p>
           <a:p>
@@ -15134,8 +13010,8 @@
               <a:buChar char="ü"/>
             </a:pPr>
             <a:r>
-              <a:rPr lang="en-US" sz="1000"/>
-              <a:t>Reporting &amp; analysis</a:t>
+              <a:rPr lang="de-de" sz="1000"/>
+              <a:t>보고 및 분석</a:t>
             </a:r>
           </a:p>
           <a:p>
@@ -15150,8 +13026,8 @@
               <a:buChar char="ü"/>
             </a:pPr>
             <a:r>
-              <a:rPr lang="en-US" sz="1000"/>
-              <a:t>Best practices enablement</a:t>
+              <a:rPr lang="de-de" sz="1000"/>
+              <a:t>모범 사례 지원</a:t>
             </a:r>
           </a:p>
         </p:txBody>
@@ -15190,82 +13066,288 @@
               </a:spcBef>
             </a:pPr>
             <a:r>
-              <a:rPr lang="en-US" sz="1000">
+              <a:rPr lang="de-de" sz="1000" dirty="0" err="1">
                 <a:solidFill>
                   <a:srgbClr val="1F1F1F"/>
                 </a:solidFill>
                 <a:latin typeface="Adobe Clean" panose="020B0503020404020204" pitchFamily="34" charset="0"/>
                 <a:cs typeface="AdobeClean-Light"/>
               </a:rPr>
-              <a:t>As an Enterprise customer, you are eligible for</a:t>
-            </a:r>
-            <a:r>
-              <a:rPr lang="en-US" sz="1200" b="1" u="sng">
-                <a:solidFill>
-                  <a:srgbClr val="1F1F1F"/>
-                </a:solidFill>
-                <a:cs typeface="AdobeClean-Light"/>
-              </a:rPr>
-              <a:t> 2 </a:t>
-            </a:r>
-            <a:r>
-              <a:rPr lang="en-US" sz="1000" b="1" u="sng">
-                <a:solidFill>
-                  <a:srgbClr val="1F1F1F"/>
-                </a:solidFill>
-                <a:cs typeface="AdobeClean-Light"/>
-              </a:rPr>
-              <a:t>activities per year </a:t>
-            </a:r>
-            <a:r>
-              <a:rPr lang="en-US" sz="1000">
+              <a:t>엔터프라이즈</a:t>
+            </a:r>
+            <a:r>
+              <a:rPr lang="de-de" sz="1000" dirty="0">
                 <a:solidFill>
                   <a:srgbClr val="1F1F1F"/>
                 </a:solidFill>
                 <a:latin typeface="Adobe Clean" panose="020B0503020404020204" pitchFamily="34" charset="0"/>
                 <a:cs typeface="AdobeClean-Light"/>
               </a:rPr>
-              <a:t>from the following two tracks:</a:t>
-            </a:r>
-            <a:r>
-              <a:rPr lang="en-US" sz="1000" b="1">
-                <a:solidFill>
-                  <a:srgbClr val="1F1F1F"/>
-                </a:solidFill>
-                <a:cs typeface="AdobeClean-Light"/>
-              </a:rPr>
-              <a:t> Technical </a:t>
-            </a:r>
-            <a:r>
-              <a:rPr lang="en-US" sz="1000">
+              <a:t> </a:t>
+            </a:r>
+            <a:r>
+              <a:rPr lang="de-de" sz="1000" dirty="0" err="1">
                 <a:solidFill>
                   <a:srgbClr val="1F1F1F"/>
                 </a:solidFill>
                 <a:latin typeface="Adobe Clean" panose="020B0503020404020204" pitchFamily="34" charset="0"/>
                 <a:cs typeface="AdobeClean-Light"/>
               </a:rPr>
-              <a:t>and/or </a:t>
-            </a:r>
-            <a:r>
-              <a:rPr lang="en-US" sz="1000" b="1">
+              <a:t>고객은</a:t>
+            </a:r>
+            <a:r>
+              <a:rPr lang="de-de" sz="1200" b="1" u="sng" dirty="0">
                 <a:solidFill>
                   <a:srgbClr val="1F1F1F"/>
                 </a:solidFill>
                 <a:cs typeface="AdobeClean-Light"/>
               </a:rPr>
-              <a:t>Strategic</a:t>
-            </a:r>
-            <a:r>
-              <a:rPr lang="en-US" sz="1000">
+              <a:t> </a:t>
+            </a:r>
+            <a:r>
+              <a:rPr lang="de-de" sz="1200" b="1" u="sng" dirty="0" err="1">
+                <a:solidFill>
+                  <a:srgbClr val="1F1F1F"/>
+                </a:solidFill>
+                <a:cs typeface="AdobeClean-Light"/>
+              </a:rPr>
+              <a:t>연간</a:t>
+            </a:r>
+            <a:r>
+              <a:rPr lang="de-de" sz="1200" b="1" u="sng" dirty="0">
+                <a:solidFill>
+                  <a:srgbClr val="1F1F1F"/>
+                </a:solidFill>
+                <a:cs typeface="AdobeClean-Light"/>
+              </a:rPr>
+              <a:t> </a:t>
+            </a:r>
+            <a:r>
+              <a:rPr lang="de-de" sz="1000" b="1" u="sng" dirty="0">
+                <a:solidFill>
+                  <a:srgbClr val="1F1F1F"/>
+                </a:solidFill>
+                <a:cs typeface="AdobeClean-Light"/>
+              </a:rPr>
+              <a:t>2회 </a:t>
+            </a:r>
+            <a:r>
+              <a:rPr lang="de-de" sz="1000" b="1" dirty="0">
+                <a:solidFill>
+                  <a:srgbClr val="1F1F1F"/>
+                </a:solidFill>
+                <a:cs typeface="AdobeClean-Light"/>
+              </a:rPr>
+              <a:t> </a:t>
+            </a:r>
+            <a:r>
+              <a:rPr lang="de-de" sz="1000" b="1" dirty="0" err="1">
+                <a:solidFill>
+                  <a:srgbClr val="1F1F1F"/>
+                </a:solidFill>
+                <a:cs typeface="AdobeClean-Light"/>
+              </a:rPr>
+              <a:t>기술</a:t>
+            </a:r>
+            <a:r>
+              <a:rPr lang="de-de" sz="1000" b="1" dirty="0">
+                <a:solidFill>
+                  <a:srgbClr val="1F1F1F"/>
+                </a:solidFill>
+                <a:cs typeface="AdobeClean-Light"/>
+              </a:rPr>
+              <a:t> </a:t>
+            </a:r>
+            <a:r>
+              <a:rPr lang="de-de" sz="1000" dirty="0" err="1">
+                <a:solidFill>
+                  <a:srgbClr val="1F1F1F"/>
+                </a:solidFill>
+                <a:latin typeface="Adobe Clean" panose="020B0503020404020204" pitchFamily="34" charset="0"/>
+                <a:cs typeface="AdobeClean-Light"/>
+              </a:rPr>
+              <a:t>및</a:t>
+            </a:r>
+            <a:r>
+              <a:rPr lang="de-de" sz="1000" dirty="0">
+                <a:solidFill>
+                  <a:srgbClr val="1F1F1F"/>
+                </a:solidFill>
+                <a:latin typeface="Adobe Clean" panose="020B0503020404020204" pitchFamily="34" charset="0"/>
+                <a:cs typeface="AdobeClean-Light"/>
+              </a:rPr>
+              <a:t>/</a:t>
+            </a:r>
+            <a:r>
+              <a:rPr lang="de-de" sz="1000" dirty="0" err="1">
+                <a:solidFill>
+                  <a:srgbClr val="1F1F1F"/>
+                </a:solidFill>
+                <a:latin typeface="Adobe Clean" panose="020B0503020404020204" pitchFamily="34" charset="0"/>
+                <a:cs typeface="AdobeClean-Light"/>
+              </a:rPr>
+              <a:t>또는</a:t>
+            </a:r>
+            <a:r>
+              <a:rPr lang="de-de" sz="1000" dirty="0">
+                <a:solidFill>
+                  <a:srgbClr val="1F1F1F"/>
+                </a:solidFill>
+                <a:latin typeface="Adobe Clean" panose="020B0503020404020204" pitchFamily="34" charset="0"/>
+                <a:cs typeface="AdobeClean-Light"/>
+              </a:rPr>
+              <a:t> </a:t>
+            </a:r>
+            <a:r>
+              <a:rPr lang="de-de" sz="1000" b="1" dirty="0" err="1">
+                <a:solidFill>
+                  <a:srgbClr val="1F1F1F"/>
+                </a:solidFill>
+                <a:cs typeface="AdobeClean-Light"/>
+              </a:rPr>
+              <a:t>전략</a:t>
+            </a:r>
+            <a:r>
+              <a:rPr lang="de-de" sz="1000" dirty="0" err="1">
                 <a:solidFill>
                   <a:srgbClr val="1F1F1F"/>
                 </a:solidFill>
                 <a:latin typeface="Adobe Clean Light" panose="020B0303020404020204" pitchFamily="34" charset="0"/>
                 <a:cs typeface="AdobeClean-Light"/>
               </a:rPr>
+              <a:t>의</a:t>
+            </a:r>
+            <a:r>
+              <a:rPr lang="de-de" sz="1000" dirty="0">
+                <a:solidFill>
+                  <a:srgbClr val="1F1F1F"/>
+                </a:solidFill>
+                <a:latin typeface="Adobe Clean Light" panose="020B0303020404020204" pitchFamily="34" charset="0"/>
+                <a:cs typeface="AdobeClean-Light"/>
+              </a:rPr>
+              <a:t> </a:t>
+            </a:r>
+            <a:r>
+              <a:rPr lang="de-de" sz="1000" dirty="0" err="1">
+                <a:solidFill>
+                  <a:srgbClr val="1F1F1F"/>
+                </a:solidFill>
+                <a:latin typeface="Adobe Clean Light" panose="020B0303020404020204" pitchFamily="34" charset="0"/>
+                <a:cs typeface="AdobeClean-Light"/>
+              </a:rPr>
+              <a:t>두</a:t>
+            </a:r>
+            <a:r>
+              <a:rPr lang="de-de" sz="1000" dirty="0">
+                <a:solidFill>
+                  <a:srgbClr val="1F1F1F"/>
+                </a:solidFill>
+                <a:latin typeface="Adobe Clean Light" panose="020B0303020404020204" pitchFamily="34" charset="0"/>
+                <a:cs typeface="AdobeClean-Light"/>
+              </a:rPr>
+              <a:t> </a:t>
+            </a:r>
+            <a:r>
+              <a:rPr lang="de-de" sz="1000" dirty="0" err="1">
+                <a:solidFill>
+                  <a:srgbClr val="1F1F1F"/>
+                </a:solidFill>
+                <a:latin typeface="Adobe Clean Light" panose="020B0303020404020204" pitchFamily="34" charset="0"/>
+                <a:cs typeface="AdobeClean-Light"/>
+              </a:rPr>
+              <a:t>트랙에서</a:t>
+            </a:r>
+            <a:r>
+              <a:rPr lang="de-de" sz="1000" dirty="0">
+                <a:solidFill>
+                  <a:srgbClr val="1F1F1F"/>
+                </a:solidFill>
+                <a:latin typeface="Adobe Clean Light" panose="020B0303020404020204" pitchFamily="34" charset="0"/>
+                <a:cs typeface="AdobeClean-Light"/>
+              </a:rPr>
+              <a:t> </a:t>
+            </a:r>
+            <a:r>
+              <a:rPr lang="de-de" sz="1000" dirty="0" err="1">
+                <a:solidFill>
+                  <a:srgbClr val="1F1F1F"/>
+                </a:solidFill>
+                <a:latin typeface="Adobe Clean Light" panose="020B0303020404020204" pitchFamily="34" charset="0"/>
+                <a:cs typeface="AdobeClean-Light"/>
+              </a:rPr>
+              <a:t>활동을</a:t>
+            </a:r>
+            <a:r>
+              <a:rPr lang="de-de" sz="1000" dirty="0">
+                <a:solidFill>
+                  <a:srgbClr val="1F1F1F"/>
+                </a:solidFill>
+                <a:latin typeface="Adobe Clean Light" panose="020B0303020404020204" pitchFamily="34" charset="0"/>
+                <a:cs typeface="AdobeClean-Light"/>
+              </a:rPr>
+              <a:t> </a:t>
+            </a:r>
+            <a:r>
+              <a:rPr lang="de-de" sz="1000" dirty="0" err="1">
+                <a:solidFill>
+                  <a:srgbClr val="1F1F1F"/>
+                </a:solidFill>
+                <a:latin typeface="Adobe Clean Light" panose="020B0303020404020204" pitchFamily="34" charset="0"/>
+                <a:cs typeface="AdobeClean-Light"/>
+              </a:rPr>
+              <a:t>제공받을</a:t>
+            </a:r>
+            <a:r>
+              <a:rPr lang="de-de" sz="1000" dirty="0">
+                <a:solidFill>
+                  <a:srgbClr val="1F1F1F"/>
+                </a:solidFill>
+                <a:latin typeface="Adobe Clean Light" panose="020B0303020404020204" pitchFamily="34" charset="0"/>
+                <a:cs typeface="AdobeClean-Light"/>
+              </a:rPr>
+              <a:t> </a:t>
+            </a:r>
+            <a:r>
+              <a:rPr lang="de-de" sz="1000" dirty="0" err="1">
+                <a:solidFill>
+                  <a:srgbClr val="1F1F1F"/>
+                </a:solidFill>
+                <a:latin typeface="Adobe Clean Light" panose="020B0303020404020204" pitchFamily="34" charset="0"/>
+                <a:cs typeface="AdobeClean-Light"/>
+              </a:rPr>
+              <a:t>수</a:t>
+            </a:r>
+            <a:r>
+              <a:rPr lang="de-de" sz="1000" dirty="0">
+                <a:solidFill>
+                  <a:srgbClr val="1F1F1F"/>
+                </a:solidFill>
+                <a:latin typeface="Adobe Clean Light" panose="020B0303020404020204" pitchFamily="34" charset="0"/>
+                <a:cs typeface="AdobeClean-Light"/>
+              </a:rPr>
+              <a:t> </a:t>
+            </a:r>
+            <a:r>
+              <a:rPr lang="de-de" sz="1000" dirty="0" err="1">
+                <a:solidFill>
+                  <a:srgbClr val="1F1F1F"/>
+                </a:solidFill>
+                <a:latin typeface="Adobe Clean Light" panose="020B0303020404020204" pitchFamily="34" charset="0"/>
+                <a:cs typeface="AdobeClean-Light"/>
+              </a:rPr>
+              <a:t>있습니다</a:t>
+            </a:r>
+            <a:r>
+              <a:rPr lang="de-de" sz="1000" dirty="0">
+                <a:solidFill>
+                  <a:srgbClr val="1F1F1F"/>
+                </a:solidFill>
+                <a:latin typeface="Adobe Clean Light" panose="020B0303020404020204" pitchFamily="34" charset="0"/>
+                <a:cs typeface="AdobeClean-Light"/>
+              </a:rPr>
               <a:t>.</a:t>
             </a:r>
-            <a:endParaRPr lang="en-US" sz="1000" b="1">
+            <a:endParaRPr lang="en-US" sz="1000" b="1" dirty="0">
               <a:solidFill>
                 <a:prstClr val="black"/>
               </a:solidFill>
@@ -15304,8 +13386,8 @@
           <a:p>
             <a:pPr algn="ctr"/>
             <a:r>
-              <a:rPr lang="en-US" sz="1100"/>
-              <a:t>Go-Live</a:t>
+              <a:rPr lang="de-de" sz="1100"/>
+              <a:t>실행</a:t>
             </a:r>
           </a:p>
         </p:txBody>
@@ -15340,8 +13422,8 @@
           <a:p>
             <a:pPr algn="ctr"/>
             <a:r>
-              <a:rPr lang="en-US" sz="1100"/>
-              <a:t>Define</a:t>
+              <a:rPr lang="de-de" sz="1100"/>
+              <a:t>정의</a:t>
             </a:r>
           </a:p>
         </p:txBody>
@@ -15376,8 +13458,8 @@
           <a:p>
             <a:pPr algn="ctr"/>
             <a:r>
-              <a:rPr lang="en-US" sz="1100"/>
-              <a:t>Kickoff</a:t>
+              <a:rPr lang="de-de" sz="1100"/>
+              <a:t>개시</a:t>
             </a:r>
           </a:p>
         </p:txBody>
@@ -15412,8 +13494,8 @@
           <a:p>
             <a:pPr algn="ctr"/>
             <a:r>
-              <a:rPr lang="en-US" sz="1100"/>
-              <a:t>Design</a:t>
+              <a:rPr lang="de-de" sz="1100"/>
+              <a:t>디자인</a:t>
             </a:r>
           </a:p>
         </p:txBody>
@@ -15470,18 +13552,732 @@
           <a:p>
             <a:pPr algn="ctr"/>
             <a:r>
-              <a:rPr lang="en-US">
+              <a:rPr lang="de-de">
                 <a:solidFill>
                   <a:schemeClr val="accent1">
                     <a:lumMod val="50000"/>
                   </a:schemeClr>
                 </a:solidFill>
               </a:rPr>
-              <a:t>2 Activities per Year</a:t>
+              <a:t>연간 2개 활동</a:t>
             </a:r>
           </a:p>
         </p:txBody>
       </p:sp>
+      <p:graphicFrame>
+        <p:nvGraphicFramePr>
+          <p:cNvPr id="35" name="Table 34">
+            <a:extLst>
+              <a:ext uri="{FF2B5EF4-FFF2-40B4-BE49-F238E27FC236}">
+                <a16:creationId xmlns:a16="http://schemas.microsoft.com/office/drawing/2014/main" id="{66FDD42F-1AE3-4848-911E-B472C7DA74F1}"/>
+              </a:ext>
+            </a:extLst>
+          </p:cNvPr>
+          <p:cNvGraphicFramePr>
+            <a:graphicFrameLocks noGrp="1"/>
+          </p:cNvGraphicFramePr>
+          <p:nvPr>
+            <p:extLst>
+              <p:ext uri="{D42A27DB-BD31-4B8C-83A1-F6EECF244321}">
+                <p14:modId xmlns:p14="http://schemas.microsoft.com/office/powerpoint/2010/main" val="3640073973"/>
+              </p:ext>
+            </p:extLst>
+          </p:nvPr>
+        </p:nvGraphicFramePr>
+        <p:xfrm>
+          <a:off x="1524000" y="7626457"/>
+          <a:ext cx="609600" cy="457200"/>
+        </p:xfrm>
+        <a:graphic>
+          <a:graphicData uri="http://schemas.openxmlformats.org/drawingml/2006/table">
+            <a:tbl>
+              <a:tblPr>
+                <a:tableStyleId>{5C22544A-7EE6-4342-B048-85BDC9FD1C3A}</a:tableStyleId>
+              </a:tblPr>
+              <a:tblGrid>
+                <a:gridCol w="609600">
+                  <a:extLst>
+                    <a:ext uri="{9D8B030D-6E8A-4147-A177-3AD203B41FA5}">
+                      <a16:colId xmlns:a16="http://schemas.microsoft.com/office/drawing/2014/main" val="1835503658"/>
+                    </a:ext>
+                  </a:extLst>
+                </a:gridCol>
+              </a:tblGrid>
+              <a:tr h="457200">
+                <a:tc>
+                  <a:txBody>
+                    <a:bodyPr/>
+                    <a:lstStyle/>
+                    <a:p>
+                      <a:pPr algn="ctr" fontAlgn="b"/>
+                      <a:r>
+                        <a:rPr lang="ko-KR" altLang="en-US" sz="1100" u="none" strike="noStrike" dirty="0">
+                          <a:effectLst/>
+                        </a:rPr>
+                        <a:t>권장 사항 실행</a:t>
+                      </a:r>
+                      <a:endParaRPr lang="ko-KR" altLang="en-US" sz="1100" b="0" i="0" u="none" strike="noStrike" dirty="0">
+                        <a:solidFill>
+                          <a:srgbClr val="000000"/>
+                        </a:solidFill>
+                        <a:effectLst/>
+                        <a:latin typeface="Calibri" panose="020F0502020204030204" pitchFamily="34" charset="0"/>
+                      </a:endParaRPr>
+                    </a:p>
+                  </a:txBody>
+                  <a:tcPr marL="9525" marR="9525" marT="9525" marB="0">
+                    <a:solidFill>
+                      <a:schemeClr val="bg1"/>
+                    </a:solidFill>
+                  </a:tcPr>
+                </a:tc>
+                <a:extLst>
+                  <a:ext uri="{0D108BD9-81ED-4DB2-BD59-A6C34878D82A}">
+                    <a16:rowId xmlns:a16="http://schemas.microsoft.com/office/drawing/2014/main" val="2771767287"/>
+                  </a:ext>
+                </a:extLst>
+              </a:tr>
+            </a:tbl>
+          </a:graphicData>
+        </a:graphic>
+      </p:graphicFrame>
+      <p:graphicFrame>
+        <p:nvGraphicFramePr>
+          <p:cNvPr id="36" name="Table 35">
+            <a:extLst>
+              <a:ext uri="{FF2B5EF4-FFF2-40B4-BE49-F238E27FC236}">
+                <a16:creationId xmlns:a16="http://schemas.microsoft.com/office/drawing/2014/main" id="{06330A7B-8241-BB4D-A346-671161C3C45E}"/>
+              </a:ext>
+            </a:extLst>
+          </p:cNvPr>
+          <p:cNvGraphicFramePr>
+            <a:graphicFrameLocks noGrp="1"/>
+          </p:cNvGraphicFramePr>
+          <p:nvPr>
+            <p:extLst>
+              <p:ext uri="{D42A27DB-BD31-4B8C-83A1-F6EECF244321}">
+                <p14:modId xmlns:p14="http://schemas.microsoft.com/office/powerpoint/2010/main" val="3003822955"/>
+              </p:ext>
+            </p:extLst>
+          </p:nvPr>
+        </p:nvGraphicFramePr>
+        <p:xfrm>
+          <a:off x="1524000" y="6407257"/>
+          <a:ext cx="609600" cy="457200"/>
+        </p:xfrm>
+        <a:graphic>
+          <a:graphicData uri="http://schemas.openxmlformats.org/drawingml/2006/table">
+            <a:tbl>
+              <a:tblPr>
+                <a:tableStyleId>{5C22544A-7EE6-4342-B048-85BDC9FD1C3A}</a:tableStyleId>
+              </a:tblPr>
+              <a:tblGrid>
+                <a:gridCol w="609600">
+                  <a:extLst>
+                    <a:ext uri="{9D8B030D-6E8A-4147-A177-3AD203B41FA5}">
+                      <a16:colId xmlns:a16="http://schemas.microsoft.com/office/drawing/2014/main" val="1835503658"/>
+                    </a:ext>
+                  </a:extLst>
+                </a:gridCol>
+              </a:tblGrid>
+              <a:tr h="457200">
+                <a:tc>
+                  <a:txBody>
+                    <a:bodyPr/>
+                    <a:lstStyle/>
+                    <a:p>
+                      <a:pPr algn="ctr" fontAlgn="b"/>
+                      <a:r>
+                        <a:rPr lang="ko-KR" altLang="en-US" sz="800" u="none" strike="noStrike" dirty="0">
+                          <a:effectLst/>
+                          <a:latin typeface="Adobe Clean" panose="020B0503020404020204" pitchFamily="34" charset="0"/>
+                        </a:rPr>
+                        <a:t>선임 </a:t>
+                      </a:r>
+                      <a:r>
+                        <a:rPr lang="en-US" altLang="ko-KR" sz="800" u="none" strike="noStrike" dirty="0">
+                          <a:effectLst/>
+                          <a:latin typeface="Adobe Clean" panose="020B0503020404020204" pitchFamily="34" charset="0"/>
+                        </a:rPr>
+                        <a:t>Adobe </a:t>
+                      </a:r>
+                      <a:r>
+                        <a:rPr lang="ko-KR" altLang="en-US" sz="800" u="none" strike="noStrike" dirty="0">
+                          <a:effectLst/>
+                          <a:latin typeface="Adobe Clean" panose="020B0503020404020204" pitchFamily="34" charset="0"/>
+                        </a:rPr>
+                        <a:t>전문가</a:t>
+                      </a:r>
+                      <a:endParaRPr lang="ko-KR" altLang="en-US" sz="800" b="0" i="0" u="none" strike="noStrike" dirty="0">
+                        <a:solidFill>
+                          <a:srgbClr val="000000"/>
+                        </a:solidFill>
+                        <a:effectLst/>
+                        <a:latin typeface="Adobe Clean" panose="020B0503020404020204" pitchFamily="34" charset="0"/>
+                      </a:endParaRPr>
+                    </a:p>
+                  </a:txBody>
+                  <a:tcPr marL="9525" marR="9525" marT="9525" marB="0">
+                    <a:solidFill>
+                      <a:schemeClr val="bg1"/>
+                    </a:solidFill>
+                  </a:tcPr>
+                </a:tc>
+                <a:extLst>
+                  <a:ext uri="{0D108BD9-81ED-4DB2-BD59-A6C34878D82A}">
+                    <a16:rowId xmlns:a16="http://schemas.microsoft.com/office/drawing/2014/main" val="2771767287"/>
+                  </a:ext>
+                </a:extLst>
+              </a:tr>
+            </a:tbl>
+          </a:graphicData>
+        </a:graphic>
+      </p:graphicFrame>
+      <p:graphicFrame>
+        <p:nvGraphicFramePr>
+          <p:cNvPr id="37" name="Table 36">
+            <a:extLst>
+              <a:ext uri="{FF2B5EF4-FFF2-40B4-BE49-F238E27FC236}">
+                <a16:creationId xmlns:a16="http://schemas.microsoft.com/office/drawing/2014/main" id="{51902A7C-BB6B-DA4A-8997-287BC5E4AA15}"/>
+              </a:ext>
+            </a:extLst>
+          </p:cNvPr>
+          <p:cNvGraphicFramePr>
+            <a:graphicFrameLocks noGrp="1"/>
+          </p:cNvGraphicFramePr>
+          <p:nvPr>
+            <p:extLst>
+              <p:ext uri="{D42A27DB-BD31-4B8C-83A1-F6EECF244321}">
+                <p14:modId xmlns:p14="http://schemas.microsoft.com/office/powerpoint/2010/main" val="1125002939"/>
+              </p:ext>
+            </p:extLst>
+          </p:nvPr>
+        </p:nvGraphicFramePr>
+        <p:xfrm>
+          <a:off x="2514600" y="6712057"/>
+          <a:ext cx="609600" cy="497205"/>
+        </p:xfrm>
+        <a:graphic>
+          <a:graphicData uri="http://schemas.openxmlformats.org/drawingml/2006/table">
+            <a:tbl>
+              <a:tblPr>
+                <a:tableStyleId>{5C22544A-7EE6-4342-B048-85BDC9FD1C3A}</a:tableStyleId>
+              </a:tblPr>
+              <a:tblGrid>
+                <a:gridCol w="609600">
+                  <a:extLst>
+                    <a:ext uri="{9D8B030D-6E8A-4147-A177-3AD203B41FA5}">
+                      <a16:colId xmlns:a16="http://schemas.microsoft.com/office/drawing/2014/main" val="1835503658"/>
+                    </a:ext>
+                  </a:extLst>
+                </a:gridCol>
+              </a:tblGrid>
+              <a:tr h="457200">
+                <a:tc>
+                  <a:txBody>
+                    <a:bodyPr/>
+                    <a:lstStyle/>
+                    <a:p>
+                      <a:pPr algn="ctr" fontAlgn="b"/>
+                      <a:r>
+                        <a:rPr lang="en-US" altLang="ko-KR" sz="800" u="none" strike="noStrike" dirty="0">
+                          <a:effectLst/>
+                          <a:latin typeface="Adobe Clean" panose="020B0503020404020204" pitchFamily="34" charset="0"/>
+                        </a:rPr>
+                        <a:t>Adobe </a:t>
+                      </a:r>
+                      <a:r>
+                        <a:rPr lang="ko-KR" altLang="en-US" sz="800" u="none" strike="noStrike" dirty="0">
+                          <a:effectLst/>
+                          <a:latin typeface="Adobe Clean" panose="020B0503020404020204" pitchFamily="34" charset="0"/>
+                        </a:rPr>
+                        <a:t>엔지니어링으로의 직접 링크</a:t>
+                      </a:r>
+                      <a:endParaRPr lang="ko-KR" altLang="en-US" sz="800" b="0" i="0" u="none" strike="noStrike" dirty="0">
+                        <a:solidFill>
+                          <a:srgbClr val="000000"/>
+                        </a:solidFill>
+                        <a:effectLst/>
+                        <a:latin typeface="Adobe Clean" panose="020B0503020404020204" pitchFamily="34" charset="0"/>
+                      </a:endParaRPr>
+                    </a:p>
+                  </a:txBody>
+                  <a:tcPr marL="9525" marR="9525" marT="9525" marB="0">
+                    <a:solidFill>
+                      <a:schemeClr val="bg1"/>
+                    </a:solidFill>
+                  </a:tcPr>
+                </a:tc>
+                <a:extLst>
+                  <a:ext uri="{0D108BD9-81ED-4DB2-BD59-A6C34878D82A}">
+                    <a16:rowId xmlns:a16="http://schemas.microsoft.com/office/drawing/2014/main" val="2771767287"/>
+                  </a:ext>
+                </a:extLst>
+              </a:tr>
+            </a:tbl>
+          </a:graphicData>
+        </a:graphic>
+      </p:graphicFrame>
+      <p:graphicFrame>
+        <p:nvGraphicFramePr>
+          <p:cNvPr id="38" name="Table 37">
+            <a:extLst>
+              <a:ext uri="{FF2B5EF4-FFF2-40B4-BE49-F238E27FC236}">
+                <a16:creationId xmlns:a16="http://schemas.microsoft.com/office/drawing/2014/main" id="{E37DDC01-6DBD-DE41-8952-FCF0DD787A30}"/>
+              </a:ext>
+            </a:extLst>
+          </p:cNvPr>
+          <p:cNvGraphicFramePr>
+            <a:graphicFrameLocks noGrp="1"/>
+          </p:cNvGraphicFramePr>
+          <p:nvPr>
+            <p:extLst>
+              <p:ext uri="{D42A27DB-BD31-4B8C-83A1-F6EECF244321}">
+                <p14:modId xmlns:p14="http://schemas.microsoft.com/office/powerpoint/2010/main" val="3432475887"/>
+              </p:ext>
+            </p:extLst>
+          </p:nvPr>
+        </p:nvGraphicFramePr>
+        <p:xfrm>
+          <a:off x="2819400" y="7855057"/>
+          <a:ext cx="609600" cy="497205"/>
+        </p:xfrm>
+        <a:graphic>
+          <a:graphicData uri="http://schemas.openxmlformats.org/drawingml/2006/table">
+            <a:tbl>
+              <a:tblPr>
+                <a:tableStyleId>{5C22544A-7EE6-4342-B048-85BDC9FD1C3A}</a:tableStyleId>
+              </a:tblPr>
+              <a:tblGrid>
+                <a:gridCol w="609600">
+                  <a:extLst>
+                    <a:ext uri="{9D8B030D-6E8A-4147-A177-3AD203B41FA5}">
+                      <a16:colId xmlns:a16="http://schemas.microsoft.com/office/drawing/2014/main" val="1835503658"/>
+                    </a:ext>
+                  </a:extLst>
+                </a:gridCol>
+              </a:tblGrid>
+              <a:tr h="457200">
+                <a:tc>
+                  <a:txBody>
+                    <a:bodyPr/>
+                    <a:lstStyle/>
+                    <a:p>
+                      <a:pPr algn="ctr" fontAlgn="b"/>
+                      <a:r>
+                        <a:rPr lang="ko-KR" altLang="en-US" sz="800" u="none" strike="noStrike" dirty="0">
+                          <a:effectLst/>
+                          <a:latin typeface="Adobe Clean" panose="020B0503020404020204" pitchFamily="34" charset="0"/>
+                        </a:rPr>
+                        <a:t>실행 후 요약과 권장되는 다음 단계</a:t>
+                      </a:r>
+                      <a:endParaRPr lang="ko-KR" altLang="en-US" sz="800" b="0" i="0" u="none" strike="noStrike" dirty="0">
+                        <a:solidFill>
+                          <a:srgbClr val="000000"/>
+                        </a:solidFill>
+                        <a:effectLst/>
+                        <a:latin typeface="Adobe Clean" panose="020B0503020404020204" pitchFamily="34" charset="0"/>
+                      </a:endParaRPr>
+                    </a:p>
+                  </a:txBody>
+                  <a:tcPr marL="9525" marR="9525" marT="9525" marB="0">
+                    <a:solidFill>
+                      <a:schemeClr val="bg1"/>
+                    </a:solidFill>
+                  </a:tcPr>
+                </a:tc>
+                <a:extLst>
+                  <a:ext uri="{0D108BD9-81ED-4DB2-BD59-A6C34878D82A}">
+                    <a16:rowId xmlns:a16="http://schemas.microsoft.com/office/drawing/2014/main" val="2771767287"/>
+                  </a:ext>
+                </a:extLst>
+              </a:tr>
+            </a:tbl>
+          </a:graphicData>
+        </a:graphic>
+      </p:graphicFrame>
+      <p:graphicFrame>
+        <p:nvGraphicFramePr>
+          <p:cNvPr id="39" name="Table 38">
+            <a:extLst>
+              <a:ext uri="{FF2B5EF4-FFF2-40B4-BE49-F238E27FC236}">
+                <a16:creationId xmlns:a16="http://schemas.microsoft.com/office/drawing/2014/main" id="{90CB7C64-E28A-AD49-99F1-15150547EB8A}"/>
+              </a:ext>
+            </a:extLst>
+          </p:cNvPr>
+          <p:cNvGraphicFramePr>
+            <a:graphicFrameLocks noGrp="1"/>
+          </p:cNvGraphicFramePr>
+          <p:nvPr>
+            <p:extLst>
+              <p:ext uri="{D42A27DB-BD31-4B8C-83A1-F6EECF244321}">
+                <p14:modId xmlns:p14="http://schemas.microsoft.com/office/powerpoint/2010/main" val="804403527"/>
+              </p:ext>
+            </p:extLst>
+          </p:nvPr>
+        </p:nvGraphicFramePr>
+        <p:xfrm>
+          <a:off x="2057400" y="8769457"/>
+          <a:ext cx="609600" cy="457200"/>
+        </p:xfrm>
+        <a:graphic>
+          <a:graphicData uri="http://schemas.openxmlformats.org/drawingml/2006/table">
+            <a:tbl>
+              <a:tblPr>
+                <a:tableStyleId>{5C22544A-7EE6-4342-B048-85BDC9FD1C3A}</a:tableStyleId>
+              </a:tblPr>
+              <a:tblGrid>
+                <a:gridCol w="609600">
+                  <a:extLst>
+                    <a:ext uri="{9D8B030D-6E8A-4147-A177-3AD203B41FA5}">
+                      <a16:colId xmlns:a16="http://schemas.microsoft.com/office/drawing/2014/main" val="1835503658"/>
+                    </a:ext>
+                  </a:extLst>
+                </a:gridCol>
+              </a:tblGrid>
+              <a:tr h="457200">
+                <a:tc>
+                  <a:txBody>
+                    <a:bodyPr/>
+                    <a:lstStyle/>
+                    <a:p>
+                      <a:pPr algn="ctr" fontAlgn="b"/>
+                      <a:r>
+                        <a:rPr lang="ko-KR" altLang="en-US" sz="800" u="none" strike="noStrike" dirty="0">
+                          <a:effectLst/>
+                          <a:latin typeface="Adobe Clean" panose="020B0503020404020204" pitchFamily="34" charset="0"/>
+                        </a:rPr>
+                        <a:t>실제 운영 준비 </a:t>
+                      </a:r>
+                      <a:r>
+                        <a:rPr lang="en-US" altLang="ko-KR" sz="800" u="none" strike="noStrike" dirty="0">
+                          <a:effectLst/>
+                          <a:latin typeface="Adobe Clean" panose="020B0503020404020204" pitchFamily="34" charset="0"/>
+                        </a:rPr>
+                        <a:t>+ </a:t>
+                      </a:r>
+                      <a:r>
+                        <a:rPr lang="ko-KR" altLang="en-US" sz="800" u="none" strike="noStrike" dirty="0">
+                          <a:effectLst/>
+                          <a:latin typeface="Adobe Clean" panose="020B0503020404020204" pitchFamily="34" charset="0"/>
+                        </a:rPr>
+                        <a:t>성능 최적화</a:t>
+                      </a:r>
+                      <a:endParaRPr lang="ko-KR" altLang="en-US" sz="800" b="0" i="0" u="none" strike="noStrike" dirty="0">
+                        <a:solidFill>
+                          <a:srgbClr val="000000"/>
+                        </a:solidFill>
+                        <a:effectLst/>
+                        <a:latin typeface="Adobe Clean" panose="020B0503020404020204" pitchFamily="34" charset="0"/>
+                      </a:endParaRPr>
+                    </a:p>
+                  </a:txBody>
+                  <a:tcPr marL="9525" marR="9525" marT="9525" marB="0">
+                    <a:solidFill>
+                      <a:schemeClr val="bg1"/>
+                    </a:solidFill>
+                  </a:tcPr>
+                </a:tc>
+                <a:extLst>
+                  <a:ext uri="{0D108BD9-81ED-4DB2-BD59-A6C34878D82A}">
+                    <a16:rowId xmlns:a16="http://schemas.microsoft.com/office/drawing/2014/main" val="2771767287"/>
+                  </a:ext>
+                </a:extLst>
+              </a:tr>
+            </a:tbl>
+          </a:graphicData>
+        </a:graphic>
+      </p:graphicFrame>
+      <p:graphicFrame>
+        <p:nvGraphicFramePr>
+          <p:cNvPr id="40" name="Table 39">
+            <a:extLst>
+              <a:ext uri="{FF2B5EF4-FFF2-40B4-BE49-F238E27FC236}">
+                <a16:creationId xmlns:a16="http://schemas.microsoft.com/office/drawing/2014/main" id="{2A39191F-F385-3340-B57C-3F45C1A63E97}"/>
+              </a:ext>
+            </a:extLst>
+          </p:cNvPr>
+          <p:cNvGraphicFramePr>
+            <a:graphicFrameLocks noGrp="1"/>
+          </p:cNvGraphicFramePr>
+          <p:nvPr>
+            <p:extLst>
+              <p:ext uri="{D42A27DB-BD31-4B8C-83A1-F6EECF244321}">
+                <p14:modId xmlns:p14="http://schemas.microsoft.com/office/powerpoint/2010/main" val="4076505725"/>
+              </p:ext>
+            </p:extLst>
+          </p:nvPr>
+        </p:nvGraphicFramePr>
+        <p:xfrm>
+          <a:off x="990600" y="8769457"/>
+          <a:ext cx="609600" cy="457200"/>
+        </p:xfrm>
+        <a:graphic>
+          <a:graphicData uri="http://schemas.openxmlformats.org/drawingml/2006/table">
+            <a:tbl>
+              <a:tblPr>
+                <a:tableStyleId>{5C22544A-7EE6-4342-B048-85BDC9FD1C3A}</a:tableStyleId>
+              </a:tblPr>
+              <a:tblGrid>
+                <a:gridCol w="609600">
+                  <a:extLst>
+                    <a:ext uri="{9D8B030D-6E8A-4147-A177-3AD203B41FA5}">
+                      <a16:colId xmlns:a16="http://schemas.microsoft.com/office/drawing/2014/main" val="1835503658"/>
+                    </a:ext>
+                  </a:extLst>
+                </a:gridCol>
+              </a:tblGrid>
+              <a:tr h="457200">
+                <a:tc>
+                  <a:txBody>
+                    <a:bodyPr/>
+                    <a:lstStyle/>
+                    <a:p>
+                      <a:pPr algn="ctr" fontAlgn="b"/>
+                      <a:r>
+                        <a:rPr lang="ko-KR" altLang="en-US" sz="800" u="none" strike="noStrike" dirty="0">
+                          <a:effectLst/>
+                          <a:latin typeface="Adobe Clean" panose="020B0503020404020204" pitchFamily="34" charset="0"/>
+                        </a:rPr>
+                        <a:t>아키텍처 검토 </a:t>
+                      </a:r>
+                      <a:r>
+                        <a:rPr lang="en-US" altLang="ko-KR" sz="800" u="none" strike="noStrike" dirty="0">
+                          <a:effectLst/>
+                          <a:latin typeface="Adobe Clean" panose="020B0503020404020204" pitchFamily="34" charset="0"/>
+                        </a:rPr>
+                        <a:t>+ </a:t>
+                      </a:r>
+                      <a:r>
+                        <a:rPr lang="ko-KR" altLang="en-US" sz="800" u="none" strike="noStrike" dirty="0">
+                          <a:effectLst/>
+                          <a:latin typeface="Adobe Clean" panose="020B0503020404020204" pitchFamily="34" charset="0"/>
+                        </a:rPr>
+                        <a:t>가이드</a:t>
+                      </a:r>
+                      <a:endParaRPr lang="ko-KR" altLang="en-US" sz="800" b="0" i="0" u="none" strike="noStrike" dirty="0">
+                        <a:solidFill>
+                          <a:srgbClr val="000000"/>
+                        </a:solidFill>
+                        <a:effectLst/>
+                        <a:latin typeface="Adobe Clean" panose="020B0503020404020204" pitchFamily="34" charset="0"/>
+                      </a:endParaRPr>
+                    </a:p>
+                  </a:txBody>
+                  <a:tcPr marL="9525" marR="9525" marT="9525" marB="0">
+                    <a:solidFill>
+                      <a:schemeClr val="bg1"/>
+                    </a:solidFill>
+                  </a:tcPr>
+                </a:tc>
+                <a:extLst>
+                  <a:ext uri="{0D108BD9-81ED-4DB2-BD59-A6C34878D82A}">
+                    <a16:rowId xmlns:a16="http://schemas.microsoft.com/office/drawing/2014/main" val="2771767287"/>
+                  </a:ext>
+                </a:extLst>
+              </a:tr>
+            </a:tbl>
+          </a:graphicData>
+        </a:graphic>
+      </p:graphicFrame>
+      <p:graphicFrame>
+        <p:nvGraphicFramePr>
+          <p:cNvPr id="41" name="Table 40">
+            <a:extLst>
+              <a:ext uri="{FF2B5EF4-FFF2-40B4-BE49-F238E27FC236}">
+                <a16:creationId xmlns:a16="http://schemas.microsoft.com/office/drawing/2014/main" id="{0018B48A-41C9-6648-9A42-0F1A8BC4493E}"/>
+              </a:ext>
+            </a:extLst>
+          </p:cNvPr>
+          <p:cNvGraphicFramePr>
+            <a:graphicFrameLocks noGrp="1"/>
+          </p:cNvGraphicFramePr>
+          <p:nvPr>
+            <p:extLst>
+              <p:ext uri="{D42A27DB-BD31-4B8C-83A1-F6EECF244321}">
+                <p14:modId xmlns:p14="http://schemas.microsoft.com/office/powerpoint/2010/main" val="930525441"/>
+              </p:ext>
+            </p:extLst>
+          </p:nvPr>
+        </p:nvGraphicFramePr>
+        <p:xfrm>
+          <a:off x="304800" y="7855057"/>
+          <a:ext cx="609600" cy="457200"/>
+        </p:xfrm>
+        <a:graphic>
+          <a:graphicData uri="http://schemas.openxmlformats.org/drawingml/2006/table">
+            <a:tbl>
+              <a:tblPr>
+                <a:tableStyleId>{5C22544A-7EE6-4342-B048-85BDC9FD1C3A}</a:tableStyleId>
+              </a:tblPr>
+              <a:tblGrid>
+                <a:gridCol w="609600">
+                  <a:extLst>
+                    <a:ext uri="{9D8B030D-6E8A-4147-A177-3AD203B41FA5}">
+                      <a16:colId xmlns:a16="http://schemas.microsoft.com/office/drawing/2014/main" val="1835503658"/>
+                    </a:ext>
+                  </a:extLst>
+                </a:gridCol>
+              </a:tblGrid>
+              <a:tr h="457200">
+                <a:tc>
+                  <a:txBody>
+                    <a:bodyPr/>
+                    <a:lstStyle/>
+                    <a:p>
+                      <a:pPr algn="ctr" fontAlgn="b"/>
+                      <a:r>
+                        <a:rPr lang="ko-KR" altLang="en-US" sz="800" u="none" strike="noStrike" dirty="0">
+                          <a:effectLst/>
+                          <a:latin typeface="Adobe Clean" panose="020B0503020404020204" pitchFamily="34" charset="0"/>
+                        </a:rPr>
+                        <a:t>프로젝트 </a:t>
+                      </a:r>
+                      <a:r>
+                        <a:rPr lang="ko-KR" altLang="en-US" sz="800" u="none" strike="noStrike" dirty="0" err="1">
+                          <a:effectLst/>
+                          <a:latin typeface="Adobe Clean" panose="020B0503020404020204" pitchFamily="34" charset="0"/>
+                        </a:rPr>
+                        <a:t>로드맵</a:t>
+                      </a:r>
+                      <a:r>
+                        <a:rPr lang="ko-KR" altLang="en-US" sz="800" u="none" strike="noStrike" dirty="0">
+                          <a:effectLst/>
+                          <a:latin typeface="Adobe Clean" panose="020B0503020404020204" pitchFamily="34" charset="0"/>
+                        </a:rPr>
+                        <a:t> </a:t>
+                      </a:r>
+                      <a:r>
+                        <a:rPr lang="en-US" altLang="ko-KR" sz="800" u="none" strike="noStrike" dirty="0">
+                          <a:effectLst/>
+                          <a:latin typeface="Adobe Clean" panose="020B0503020404020204" pitchFamily="34" charset="0"/>
+                        </a:rPr>
+                        <a:t>+ </a:t>
+                      </a:r>
+                      <a:r>
+                        <a:rPr lang="ko-KR" altLang="en-US" sz="800" u="none" strike="noStrike" dirty="0">
+                          <a:effectLst/>
+                          <a:latin typeface="Adobe Clean" panose="020B0503020404020204" pitchFamily="34" charset="0"/>
+                        </a:rPr>
+                        <a:t>계획 수립</a:t>
+                      </a:r>
+                      <a:endParaRPr lang="ko-KR" altLang="en-US" sz="800" b="0" i="0" u="none" strike="noStrike" dirty="0">
+                        <a:solidFill>
+                          <a:srgbClr val="000000"/>
+                        </a:solidFill>
+                        <a:effectLst/>
+                        <a:latin typeface="Adobe Clean" panose="020B0503020404020204" pitchFamily="34" charset="0"/>
+                      </a:endParaRPr>
+                    </a:p>
+                  </a:txBody>
+                  <a:tcPr marL="9525" marR="9525" marT="9525" marB="0">
+                    <a:solidFill>
+                      <a:schemeClr val="bg1"/>
+                    </a:solidFill>
+                  </a:tcPr>
+                </a:tc>
+                <a:extLst>
+                  <a:ext uri="{0D108BD9-81ED-4DB2-BD59-A6C34878D82A}">
+                    <a16:rowId xmlns:a16="http://schemas.microsoft.com/office/drawing/2014/main" val="2771767287"/>
+                  </a:ext>
+                </a:extLst>
+              </a:tr>
+            </a:tbl>
+          </a:graphicData>
+        </a:graphic>
+      </p:graphicFrame>
+      <p:graphicFrame>
+        <p:nvGraphicFramePr>
+          <p:cNvPr id="42" name="Table 41">
+            <a:extLst>
+              <a:ext uri="{FF2B5EF4-FFF2-40B4-BE49-F238E27FC236}">
+                <a16:creationId xmlns:a16="http://schemas.microsoft.com/office/drawing/2014/main" id="{8D18AF47-732E-9647-AA19-8AA3C6FB1636}"/>
+              </a:ext>
+            </a:extLst>
+          </p:cNvPr>
+          <p:cNvGraphicFramePr>
+            <a:graphicFrameLocks noGrp="1"/>
+          </p:cNvGraphicFramePr>
+          <p:nvPr>
+            <p:extLst>
+              <p:ext uri="{D42A27DB-BD31-4B8C-83A1-F6EECF244321}">
+                <p14:modId xmlns:p14="http://schemas.microsoft.com/office/powerpoint/2010/main" val="357359870"/>
+              </p:ext>
+            </p:extLst>
+          </p:nvPr>
+        </p:nvGraphicFramePr>
+        <p:xfrm>
+          <a:off x="609600" y="6712057"/>
+          <a:ext cx="609600" cy="457200"/>
+        </p:xfrm>
+        <a:graphic>
+          <a:graphicData uri="http://schemas.openxmlformats.org/drawingml/2006/table">
+            <a:tbl>
+              <a:tblPr>
+                <a:tableStyleId>{5C22544A-7EE6-4342-B048-85BDC9FD1C3A}</a:tableStyleId>
+              </a:tblPr>
+              <a:tblGrid>
+                <a:gridCol w="609600">
+                  <a:extLst>
+                    <a:ext uri="{9D8B030D-6E8A-4147-A177-3AD203B41FA5}">
+                      <a16:colId xmlns:a16="http://schemas.microsoft.com/office/drawing/2014/main" val="1835503658"/>
+                    </a:ext>
+                  </a:extLst>
+                </a:gridCol>
+              </a:tblGrid>
+              <a:tr h="457200">
+                <a:tc>
+                  <a:txBody>
+                    <a:bodyPr/>
+                    <a:lstStyle/>
+                    <a:p>
+                      <a:pPr algn="ctr" fontAlgn="b"/>
+                      <a:r>
+                        <a:rPr lang="ko-KR" altLang="en-US" sz="800" u="none" strike="noStrike" dirty="0">
+                          <a:effectLst/>
+                          <a:latin typeface="Adobe Clean" panose="020B0503020404020204" pitchFamily="34" charset="0"/>
+                        </a:rPr>
+                        <a:t>수천 번의 배포를 통한 경험 </a:t>
+                      </a:r>
+                      <a:r>
+                        <a:rPr lang="en-US" altLang="ko-KR" sz="800" u="none" strike="noStrike" dirty="0">
+                          <a:effectLst/>
+                          <a:latin typeface="Adobe Clean" panose="020B0503020404020204" pitchFamily="34" charset="0"/>
+                        </a:rPr>
+                        <a:t>+ </a:t>
+                      </a:r>
+                      <a:r>
+                        <a:rPr lang="ko-KR" altLang="en-US" sz="800" u="none" strike="noStrike" dirty="0">
+                          <a:effectLst/>
+                          <a:latin typeface="Adobe Clean" panose="020B0503020404020204" pitchFamily="34" charset="0"/>
+                        </a:rPr>
+                        <a:t>통합</a:t>
+                      </a:r>
+                      <a:endParaRPr lang="ko-KR" altLang="en-US" sz="800" b="0" i="0" u="none" strike="noStrike" dirty="0">
+                        <a:solidFill>
+                          <a:srgbClr val="000000"/>
+                        </a:solidFill>
+                        <a:effectLst/>
+                        <a:latin typeface="Adobe Clean" panose="020B0503020404020204" pitchFamily="34" charset="0"/>
+                      </a:endParaRPr>
+                    </a:p>
+                  </a:txBody>
+                  <a:tcPr marL="9525" marR="9525" marT="9525" marB="0">
+                    <a:solidFill>
+                      <a:schemeClr val="bg1"/>
+                    </a:solidFill>
+                  </a:tcPr>
+                </a:tc>
+                <a:extLst>
+                  <a:ext uri="{0D108BD9-81ED-4DB2-BD59-A6C34878D82A}">
+                    <a16:rowId xmlns:a16="http://schemas.microsoft.com/office/drawing/2014/main" val="2771767287"/>
+                  </a:ext>
+                </a:extLst>
+              </a:tr>
+            </a:tbl>
+          </a:graphicData>
+        </a:graphic>
+      </p:graphicFrame>
     </p:spTree>
     <p:extLst>
       <p:ext uri="{BB962C8B-B14F-4D97-AF65-F5344CB8AC3E}">
@@ -15539,17 +14335,17 @@
               </a:lnSpc>
             </a:pPr>
             <a:r>
-              <a:rPr sz="500" spc="-5">
+              <a:rPr lang="de-de" sz="500" spc="-5">
                 <a:solidFill>
                   <a:srgbClr val="6C6C6C"/>
                 </a:solidFill>
                 <a:latin typeface="Adobe Clean"/>
                 <a:cs typeface="Adobe Clean"/>
               </a:rPr>
-              <a:t>©2020 Adobe. All Rights Reserved. </a:t>
-            </a:r>
-            <a:r>
-              <a:rPr sz="500">
+              <a:t>© 2020 Adobe.  All Rights Reserved. </a:t>
+            </a:r>
+            <a:r>
+              <a:rPr lang="de-de" sz="500">
                 <a:solidFill>
                   <a:srgbClr val="6C6C6C"/>
                 </a:solidFill>
@@ -15559,7 +14355,7 @@
               <a:t>Adobe</a:t>
             </a:r>
             <a:r>
-              <a:rPr sz="500" spc="5">
+              <a:rPr lang="de-de" sz="500" spc="5">
                 <a:solidFill>
                   <a:srgbClr val="6C6C6C"/>
                 </a:solidFill>
@@ -15569,14 +14365,14 @@
               <a:t> </a:t>
             </a:r>
             <a:r>
-              <a:rPr sz="500" spc="-5">
+              <a:rPr lang="de-de" sz="500" spc="-5">
                 <a:solidFill>
                   <a:srgbClr val="6C6C6C"/>
                 </a:solidFill>
                 <a:latin typeface="Adobe Clean"/>
                 <a:cs typeface="Adobe Clean"/>
               </a:rPr>
-              <a:t>Confidential.</a:t>
+              <a:t>기밀.</a:t>
             </a:r>
             <a:endParaRPr sz="500">
               <a:latin typeface="Adobe Clean"/>
@@ -15607,17 +14403,17 @@
               </a:spcBef>
             </a:pPr>
             <a:r>
-              <a:rPr sz="800" spc="-5">
+              <a:rPr lang="de-de" sz="800" spc="-5">
                 <a:solidFill>
                   <a:srgbClr val="6D6D6D"/>
                 </a:solidFill>
                 <a:latin typeface="Adobe Clean"/>
                 <a:cs typeface="Adobe Clean"/>
               </a:rPr>
-              <a:t>©2020 Adobe. All Rights Reserved. Adobe</a:t>
-            </a:r>
-            <a:r>
-              <a:rPr sz="800" spc="75">
+              <a:t>© 2020 Adobe.  All Rights Reserved. Adobe</a:t>
+            </a:r>
+            <a:r>
+              <a:rPr lang="de-de" sz="800" spc="75">
                 <a:solidFill>
                   <a:srgbClr val="6D6D6D"/>
                 </a:solidFill>
@@ -15627,14 +14423,14 @@
               <a:t> </a:t>
             </a:r>
             <a:r>
-              <a:rPr sz="800" spc="-5">
+              <a:rPr lang="de-de" sz="800" spc="-5">
                 <a:solidFill>
                   <a:srgbClr val="6D6D6D"/>
                 </a:solidFill>
                 <a:latin typeface="Adobe Clean"/>
                 <a:cs typeface="Adobe Clean"/>
               </a:rPr>
-              <a:t>Confidential.</a:t>
+              <a:t>기밀.</a:t>
             </a:r>
             <a:endParaRPr sz="800">
               <a:latin typeface="Adobe Clean"/>
@@ -15701,7 +14497,7 @@
         </p:nvSpPr>
         <p:spPr>
           <a:xfrm>
-            <a:off x="170410" y="575594"/>
+            <a:off x="1070991" y="562540"/>
             <a:ext cx="3476626" cy="332783"/>
           </a:xfrm>
           <a:prstGeom prst="rect">
@@ -15723,14 +14519,14 @@
               </a:spcBef>
             </a:pPr>
             <a:r>
-              <a:rPr lang="en-US" sz="1400" b="1" spc="-15">
+              <a:rPr lang="de-de" sz="1400" b="1" spc="-15">
                 <a:solidFill>
                   <a:srgbClr val="020302"/>
                 </a:solidFill>
                 <a:latin typeface="Adobe Clean"/>
                 <a:cs typeface="Adobe Clean"/>
               </a:rPr>
-              <a:t>Resources</a:t>
+              <a:t>리소스</a:t>
             </a:r>
             <a:endParaRPr sz="1400">
               <a:latin typeface="Adobe Clean"/>
@@ -15769,7 +14565,7 @@
               </a:spcBef>
             </a:pPr>
             <a:r>
-              <a:rPr sz="800" spc="-15">
+              <a:rPr lang="de-de" sz="800" spc="-15">
                 <a:solidFill>
                   <a:srgbClr val="777879"/>
                 </a:solidFill>
@@ -15790,7 +14586,7 @@
               </a:lnSpc>
             </a:pPr>
             <a:r>
-              <a:rPr sz="800" spc="-15">
+              <a:rPr lang="de-de" sz="800" spc="-15">
                 <a:solidFill>
                   <a:srgbClr val="777879"/>
                 </a:solidFill>
@@ -15800,7 +14596,7 @@
               <a:t>345 Park</a:t>
             </a:r>
             <a:r>
-              <a:rPr sz="800" spc="-100">
+              <a:rPr lang="de-de" sz="800" spc="-100">
                 <a:solidFill>
                   <a:srgbClr val="777879"/>
                 </a:solidFill>
@@ -15810,7 +14606,7 @@
               <a:t> </a:t>
             </a:r>
             <a:r>
-              <a:rPr sz="800" spc="-15">
+              <a:rPr lang="de-de" sz="800" spc="-15">
                 <a:solidFill>
                   <a:srgbClr val="777879"/>
                 </a:solidFill>
@@ -15831,7 +14627,7 @@
               </a:lnSpc>
             </a:pPr>
             <a:r>
-              <a:rPr sz="800" spc="-10">
+              <a:rPr lang="de-de" sz="800" spc="-10">
                 <a:solidFill>
                   <a:srgbClr val="777879"/>
                 </a:solidFill>
@@ -15841,7 +14637,7 @@
               <a:t>San </a:t>
             </a:r>
             <a:r>
-              <a:rPr sz="800" spc="-15">
+              <a:rPr lang="de-de" sz="800" spc="-15">
                 <a:solidFill>
                   <a:srgbClr val="777879"/>
                 </a:solidFill>
@@ -15851,7 +14647,7 @@
               <a:t>Jose,</a:t>
             </a:r>
             <a:r>
-              <a:rPr sz="800" spc="-140">
+              <a:rPr lang="de-de" sz="800" spc="-140">
                 <a:solidFill>
                   <a:srgbClr val="777879"/>
                 </a:solidFill>
@@ -15861,7 +14657,7 @@
               <a:t> </a:t>
             </a:r>
             <a:r>
-              <a:rPr sz="800" spc="-20">
+              <a:rPr lang="de-de" sz="800" spc="-20">
                 <a:solidFill>
                   <a:srgbClr val="777879"/>
                 </a:solidFill>
@@ -15885,7 +14681,7 @@
               </a:spcBef>
             </a:pPr>
             <a:r>
-              <a:rPr sz="800" spc="-10">
+              <a:rPr lang="de-de" sz="800" spc="-10">
                 <a:solidFill>
                   <a:srgbClr val="777879"/>
                 </a:solidFill>
@@ -15909,7 +14705,7 @@
               </a:spcBef>
             </a:pPr>
             <a:r>
-              <a:rPr sz="800" u="sng" spc="-25">
+              <a:rPr lang="de-de" sz="800" u="sng" spc="-25">
                 <a:solidFill>
                   <a:srgbClr val="5F5F5F"/>
                 </a:solidFill>
@@ -15922,7 +14718,7 @@
                 <a:cs typeface="Adobe Clean"/>
                 <a:hlinkClick r:id="rId3"/>
               </a:rPr>
-              <a:t>www.adobe.com</a:t>
+              <a:t>www.adobe.com/kr/</a:t>
             </a:r>
             <a:endParaRPr sz="800">
               <a:latin typeface="Adobe Clean"/>
@@ -16102,17 +14898,17 @@
               </a:spcBef>
             </a:pPr>
             <a:r>
-              <a:rPr sz="1100" i="1" spc="-10">
+              <a:rPr lang="de-de" sz="1100" i="1" spc="-10">
                 <a:solidFill>
                   <a:srgbClr val="777879"/>
                 </a:solidFill>
                 <a:latin typeface="AdobeClean-LightIt"/>
                 <a:cs typeface="AdobeClean-LightIt"/>
               </a:rPr>
-              <a:t>To</a:t>
-            </a:r>
-            <a:r>
-              <a:rPr sz="1100" i="1" spc="-50">
+              <a:t>Adobe</a:t>
+            </a:r>
+            <a:r>
+              <a:rPr lang="de-de" sz="1100" i="1" spc="-50">
                 <a:solidFill>
                   <a:srgbClr val="777879"/>
                 </a:solidFill>
@@ -16122,17 +14918,17 @@
               <a:t> </a:t>
             </a:r>
             <a:r>
-              <a:rPr sz="1100" i="1" spc="-15">
+              <a:rPr lang="de-de" sz="1100" i="1" spc="-15">
                 <a:solidFill>
                   <a:srgbClr val="777879"/>
                 </a:solidFill>
                 <a:latin typeface="AdobeClean-LightIt"/>
                 <a:cs typeface="AdobeClean-LightIt"/>
               </a:rPr>
-              <a:t>learn</a:t>
-            </a:r>
-            <a:r>
-              <a:rPr sz="1100" i="1" spc="-40">
+              <a:t>지원</a:t>
+            </a:r>
+            <a:r>
+              <a:rPr lang="de-de" sz="1100" i="1" spc="-40">
                 <a:solidFill>
                   <a:srgbClr val="777879"/>
                 </a:solidFill>
@@ -16142,17 +14938,17 @@
               <a:t> </a:t>
             </a:r>
             <a:r>
-              <a:rPr sz="1100" i="1" spc="-15">
+              <a:rPr lang="de-de" sz="1100" i="1" spc="-15">
                 <a:solidFill>
                   <a:srgbClr val="777879"/>
                 </a:solidFill>
                 <a:latin typeface="AdobeClean-LightIt"/>
                 <a:cs typeface="AdobeClean-LightIt"/>
               </a:rPr>
-              <a:t>more</a:t>
-            </a:r>
-            <a:r>
-              <a:rPr sz="1100" i="1" spc="-45">
+              <a:t>서비스</a:t>
+            </a:r>
+            <a:r>
+              <a:rPr lang="de-de" sz="1100" i="1" spc="-45">
                 <a:solidFill>
                   <a:srgbClr val="777879"/>
                 </a:solidFill>
@@ -16162,17 +14958,17 @@
               <a:t> </a:t>
             </a:r>
             <a:r>
-              <a:rPr sz="1100" i="1" spc="-15">
+              <a:rPr lang="de-de" sz="1100" i="1" spc="-15">
                 <a:solidFill>
                   <a:srgbClr val="777879"/>
                 </a:solidFill>
                 <a:latin typeface="AdobeClean-LightIt"/>
                 <a:cs typeface="AdobeClean-LightIt"/>
               </a:rPr>
-              <a:t>about</a:t>
-            </a:r>
-            <a:r>
-              <a:rPr sz="1100" i="1" spc="-45">
+              <a:t>제공</a:t>
+            </a:r>
+            <a:r>
+              <a:rPr lang="de-de" sz="1100" i="1" spc="-45">
                 <a:solidFill>
                   <a:srgbClr val="777879"/>
                 </a:solidFill>
@@ -16182,17 +14978,17 @@
               <a:t> </a:t>
             </a:r>
             <a:r>
-              <a:rPr sz="1100" i="1" spc="-15">
+              <a:rPr lang="de-de" sz="1100" i="1" spc="-15">
                 <a:solidFill>
                   <a:srgbClr val="777879"/>
                 </a:solidFill>
                 <a:latin typeface="AdobeClean-LightIt"/>
                 <a:cs typeface="AdobeClean-LightIt"/>
               </a:rPr>
-              <a:t>Adobe</a:t>
-            </a:r>
-            <a:r>
-              <a:rPr sz="1100" i="1" spc="-50">
+              <a:t>사항</a:t>
+            </a:r>
+            <a:r>
+              <a:rPr lang="de-de" sz="1100" i="1" spc="-50">
                 <a:solidFill>
                   <a:srgbClr val="777879"/>
                 </a:solidFill>
@@ -16202,27 +14998,27 @@
               <a:t> </a:t>
             </a:r>
             <a:r>
-              <a:rPr sz="1100" i="1" spc="-15">
+              <a:rPr lang="de-de" sz="1100" i="1" spc="-15">
                 <a:solidFill>
                   <a:srgbClr val="777879"/>
                 </a:solidFill>
                 <a:latin typeface="AdobeClean-LightIt"/>
                 <a:cs typeface="AdobeClean-LightIt"/>
               </a:rPr>
-              <a:t>Support</a:t>
-            </a:r>
-            <a:r>
-              <a:rPr lang="en-US" sz="1100" i="1" spc="-15">
+              <a:t>및 </a:t>
+            </a:r>
+            <a:r>
+              <a:rPr lang="de-de" sz="1100" i="1" spc="-75">
                 <a:solidFill>
                   <a:srgbClr val="777879"/>
                 </a:solidFill>
                 <a:latin typeface="AdobeClean-LightIt"/>
                 <a:cs typeface="AdobeClean-LightIt"/>
               </a:rPr>
-              <a:t> Offerings</a:t>
-            </a:r>
-            <a:r>
-              <a:rPr sz="1100" i="1" spc="-75">
+              <a:t>적합한</a:t>
+            </a:r>
+            <a:r>
+              <a:rPr lang="de-de" sz="1100" i="1" spc="-15">
                 <a:solidFill>
                   <a:srgbClr val="777879"/>
                 </a:solidFill>
@@ -16232,17 +15028,17 @@
               <a:t> </a:t>
             </a:r>
             <a:r>
-              <a:rPr sz="1100" i="1" spc="-15">
+              <a:rPr lang="de-de" sz="1100" i="1" spc="-50">
                 <a:solidFill>
                   <a:srgbClr val="777879"/>
                 </a:solidFill>
                 <a:latin typeface="AdobeClean-LightIt"/>
                 <a:cs typeface="AdobeClean-LightIt"/>
               </a:rPr>
-              <a:t>and</a:t>
-            </a:r>
-            <a:r>
-              <a:rPr sz="1100" i="1" spc="-50">
+              <a:t>지원</a:t>
+            </a:r>
+            <a:r>
+              <a:rPr lang="de-de" sz="1100" i="1" spc="-15">
                 <a:solidFill>
                   <a:srgbClr val="777879"/>
                 </a:solidFill>
@@ -16252,17 +15048,17 @@
               <a:t> </a:t>
             </a:r>
             <a:r>
-              <a:rPr sz="1100" i="1" spc="-15">
+              <a:rPr lang="de-de" sz="1100" i="1" spc="-55">
                 <a:solidFill>
                   <a:srgbClr val="777879"/>
                 </a:solidFill>
                 <a:latin typeface="AdobeClean-LightIt"/>
                 <a:cs typeface="AdobeClean-LightIt"/>
               </a:rPr>
-              <a:t>the</a:t>
-            </a:r>
-            <a:r>
-              <a:rPr sz="1100" i="1" spc="-55">
+              <a:t>수준에</a:t>
+            </a:r>
+            <a:r>
+              <a:rPr lang="de-de" sz="1100" i="1" spc="-15">
                 <a:solidFill>
                   <a:srgbClr val="777879"/>
                 </a:solidFill>
@@ -16272,17 +15068,17 @@
               <a:t> </a:t>
             </a:r>
             <a:r>
-              <a:rPr sz="1100" i="1" spc="-15">
+              <a:rPr lang="de-de" sz="1100" i="1" spc="-95">
                 <a:solidFill>
                   <a:srgbClr val="777879"/>
                 </a:solidFill>
                 <a:latin typeface="AdobeClean-LightIt"/>
                 <a:cs typeface="AdobeClean-LightIt"/>
               </a:rPr>
-              <a:t>right</a:t>
-            </a:r>
-            <a:r>
-              <a:rPr sz="1100" i="1" spc="-95">
+              <a:t>대해</a:t>
+            </a:r>
+            <a:r>
+              <a:rPr lang="de-de" sz="1100" i="1" spc="-15">
                 <a:solidFill>
                   <a:srgbClr val="777879"/>
                 </a:solidFill>
@@ -16292,17 +15088,17 @@
               <a:t> </a:t>
             </a:r>
             <a:r>
-              <a:rPr sz="1100" i="1" spc="-15">
+              <a:rPr lang="de-de" sz="1100" i="1" spc="-55">
                 <a:solidFill>
                   <a:srgbClr val="777879"/>
                 </a:solidFill>
                 <a:latin typeface="AdobeClean-LightIt"/>
                 <a:cs typeface="AdobeClean-LightIt"/>
               </a:rPr>
-              <a:t>level</a:t>
-            </a:r>
-            <a:r>
-              <a:rPr sz="1100" i="1" spc="-55">
+              <a:t>자세히</a:t>
+            </a:r>
+            <a:r>
+              <a:rPr lang="de-de" sz="1100" i="1" spc="-15">
                 <a:solidFill>
                   <a:srgbClr val="777879"/>
                 </a:solidFill>
@@ -16312,17 +15108,17 @@
               <a:t> </a:t>
             </a:r>
             <a:r>
-              <a:rPr sz="1100" i="1" spc="-15">
+              <a:rPr lang="de-de" sz="1100" i="1" spc="-85">
                 <a:solidFill>
                   <a:srgbClr val="777879"/>
                 </a:solidFill>
                 <a:latin typeface="AdobeClean-LightIt"/>
                 <a:cs typeface="AdobeClean-LightIt"/>
               </a:rPr>
-              <a:t>for</a:t>
-            </a:r>
-            <a:r>
-              <a:rPr sz="1100" i="1" spc="-85">
+              <a:t>알아보려면</a:t>
+            </a:r>
+            <a:r>
+              <a:rPr lang="de-de" sz="1100" i="1" spc="-15">
                 <a:solidFill>
                   <a:srgbClr val="777879"/>
                 </a:solidFill>
@@ -16332,17 +15128,17 @@
               <a:t> </a:t>
             </a:r>
             <a:r>
-              <a:rPr sz="1100" i="1" spc="-15">
+              <a:rPr lang="de-de" sz="1100" i="1" spc="-65">
                 <a:solidFill>
                   <a:srgbClr val="777879"/>
                 </a:solidFill>
                 <a:latin typeface="AdobeClean-LightIt"/>
                 <a:cs typeface="AdobeClean-LightIt"/>
               </a:rPr>
-              <a:t>you,</a:t>
-            </a:r>
-            <a:r>
-              <a:rPr sz="1100" i="1" spc="-65">
+              <a:t>지정</a:t>
+            </a:r>
+            <a:r>
+              <a:rPr lang="de-de" sz="1100" i="1" spc="-15">
                 <a:solidFill>
                   <a:srgbClr val="777879"/>
                 </a:solidFill>
@@ -16352,17 +15148,17 @@
               <a:t> </a:t>
             </a:r>
             <a:r>
-              <a:rPr sz="1100" i="1" spc="-15">
+              <a:rPr lang="de-de" sz="1100" i="1" spc="-85">
                 <a:solidFill>
                   <a:srgbClr val="777879"/>
                 </a:solidFill>
                 <a:latin typeface="AdobeClean-LightIt"/>
                 <a:cs typeface="AdobeClean-LightIt"/>
               </a:rPr>
-              <a:t>contact</a:t>
-            </a:r>
-            <a:r>
-              <a:rPr sz="1100" i="1" spc="-85">
+              <a:t>계정</a:t>
+            </a:r>
+            <a:r>
+              <a:rPr lang="de-de" sz="1100" i="1" spc="-15">
                 <a:solidFill>
                   <a:srgbClr val="777879"/>
                 </a:solidFill>
@@ -16372,17 +15168,17 @@
               <a:t> </a:t>
             </a:r>
             <a:r>
-              <a:rPr sz="1100" i="1" spc="-15">
+              <a:rPr lang="de-de" sz="1100" i="1" spc="-70">
                 <a:solidFill>
                   <a:srgbClr val="777879"/>
                 </a:solidFill>
                 <a:latin typeface="AdobeClean-LightIt"/>
                 <a:cs typeface="AdobeClean-LightIt"/>
               </a:rPr>
-              <a:t>your</a:t>
-            </a:r>
-            <a:r>
-              <a:rPr sz="1100" i="1" spc="-70">
+              <a:t>관리자(NAM)</a:t>
+            </a:r>
+            <a:r>
+              <a:rPr lang="de-de" sz="1100" i="1" spc="-15">
                 <a:solidFill>
                   <a:srgbClr val="777879"/>
                 </a:solidFill>
@@ -16392,17 +15188,17 @@
               <a:t> </a:t>
             </a:r>
             <a:r>
-              <a:rPr sz="1100" i="1" spc="-15">
+              <a:rPr lang="de-de" sz="1100" i="1" spc="-55">
                 <a:solidFill>
                   <a:srgbClr val="777879"/>
                 </a:solidFill>
                 <a:latin typeface="AdobeClean-LightIt"/>
                 <a:cs typeface="AdobeClean-LightIt"/>
               </a:rPr>
-              <a:t>Named</a:t>
-            </a:r>
-            <a:r>
-              <a:rPr sz="1100" i="1" spc="-55">
+              <a:t>또는</a:t>
+            </a:r>
+            <a:r>
+              <a:rPr lang="de-de" sz="1100" i="1" spc="-25">
                 <a:solidFill>
                   <a:srgbClr val="777879"/>
                 </a:solidFill>
@@ -16412,17 +15208,17 @@
               <a:t> </a:t>
             </a:r>
             <a:r>
-              <a:rPr sz="1100" i="1" spc="-25">
+              <a:rPr lang="de-de" sz="1100" i="1" spc="-120">
                 <a:solidFill>
                   <a:srgbClr val="777879"/>
                 </a:solidFill>
                 <a:latin typeface="AdobeClean-LightIt"/>
                 <a:cs typeface="AdobeClean-LightIt"/>
               </a:rPr>
-              <a:t>Account</a:t>
-            </a:r>
-            <a:r>
-              <a:rPr sz="1100" i="1" spc="-120">
+              <a:t>고객</a:t>
+            </a:r>
+            <a:r>
+              <a:rPr lang="de-de" sz="1100" i="1" spc="-20">
                 <a:solidFill>
                   <a:srgbClr val="777879"/>
                 </a:solidFill>
@@ -16432,74 +15228,54 @@
               <a:t> </a:t>
             </a:r>
             <a:r>
-              <a:rPr sz="1100" i="1" spc="-20">
+              <a:rPr lang="de-de" sz="1100" i="1" spc="-15">
                 <a:solidFill>
                   <a:srgbClr val="777879"/>
                 </a:solidFill>
                 <a:latin typeface="AdobeClean-LightIt"/>
                 <a:cs typeface="AdobeClean-LightIt"/>
               </a:rPr>
-              <a:t>Manager  </a:t>
-            </a:r>
-            <a:r>
-              <a:rPr sz="1100" i="1" spc="-15">
+              <a:t>성공</a:t>
+            </a:r>
+            <a:r>
+              <a:rPr lang="de-de" sz="1100" i="1" spc="-10">
                 <a:solidFill>
                   <a:srgbClr val="777879"/>
                 </a:solidFill>
                 <a:latin typeface="AdobeClean-LightIt"/>
                 <a:cs typeface="AdobeClean-LightIt"/>
               </a:rPr>
-              <a:t>(NAM) </a:t>
-            </a:r>
-            <a:r>
-              <a:rPr sz="1100" i="1" spc="-10">
+              <a:t> </a:t>
+            </a:r>
+            <a:r>
+              <a:rPr lang="de-de" sz="1100" i="1" spc="-15">
                 <a:solidFill>
                   <a:srgbClr val="777879"/>
                 </a:solidFill>
                 <a:latin typeface="AdobeClean-LightIt"/>
                 <a:cs typeface="AdobeClean-LightIt"/>
               </a:rPr>
-              <a:t>or </a:t>
-            </a:r>
-            <a:r>
-              <a:rPr sz="1100" i="1" spc="-15">
+              <a:t>관리자(CSM)에게</a:t>
+            </a:r>
+            <a:r>
+              <a:rPr lang="de-de" sz="1100" i="1" spc="-20">
                 <a:solidFill>
                   <a:srgbClr val="777879"/>
                 </a:solidFill>
                 <a:latin typeface="AdobeClean-LightIt"/>
                 <a:cs typeface="AdobeClean-LightIt"/>
               </a:rPr>
-              <a:t>Customer </a:t>
-            </a:r>
-            <a:r>
-              <a:rPr sz="1100" i="1" spc="-20">
+              <a:t> </a:t>
+            </a:r>
+            <a:r>
+              <a:rPr lang="de-de" sz="1100" i="1" spc="-180">
                 <a:solidFill>
                   <a:srgbClr val="777879"/>
                 </a:solidFill>
                 <a:latin typeface="AdobeClean-LightIt"/>
                 <a:cs typeface="AdobeClean-LightIt"/>
               </a:rPr>
-              <a:t>Success</a:t>
-            </a:r>
-            <a:r>
-              <a:rPr sz="1100" i="1" spc="-180">
-                <a:solidFill>
-                  <a:srgbClr val="777879"/>
-                </a:solidFill>
-                <a:latin typeface="AdobeClean-LightIt"/>
-                <a:cs typeface="AdobeClean-LightIt"/>
-              </a:rPr>
-              <a:t> </a:t>
-            </a:r>
-            <a:r>
-              <a:rPr sz="1100" i="1" spc="-15">
-                <a:solidFill>
-                  <a:srgbClr val="777879"/>
-                </a:solidFill>
-                <a:latin typeface="AdobeClean-LightIt"/>
-                <a:cs typeface="AdobeClean-LightIt"/>
-              </a:rPr>
-              <a:t>Manager(CSM)</a:t>
+              <a:t>문의하십시오.</a:t>
             </a:r>
             <a:endParaRPr sz="1100">
               <a:latin typeface="AdobeClean-LightIt"/>
@@ -16516,54 +15292,34 @@
               </a:spcBef>
             </a:pPr>
             <a:r>
-              <a:rPr sz="800" spc="-5">
+              <a:rPr lang="de-de" sz="800" spc="-5">
                 <a:solidFill>
                   <a:srgbClr val="6D6D6D"/>
                 </a:solidFill>
                 <a:latin typeface="Adobe Clean"/>
                 <a:cs typeface="Adobe Clean"/>
               </a:rPr>
-              <a:t>©202</a:t>
-            </a:r>
-            <a:r>
-              <a:rPr lang="en-US" sz="800" spc="-5">
+              <a:t>©2021 Adobe. All Rights Reserved. Adobe</a:t>
+            </a:r>
+            <a:r>
+              <a:rPr lang="de-de" sz="800" spc="75">
                 <a:solidFill>
                   <a:srgbClr val="6D6D6D"/>
                 </a:solidFill>
                 <a:latin typeface="Adobe Clean"/>
                 <a:cs typeface="Adobe Clean"/>
               </a:rPr>
-              <a:t>1</a:t>
-            </a:r>
-            <a:r>
-              <a:rPr sz="800" spc="-5">
+              <a:t> </a:t>
+            </a:r>
+            <a:r>
+              <a:rPr lang="de-de" sz="800" spc="-5">
                 <a:solidFill>
                   <a:srgbClr val="6D6D6D"/>
                 </a:solidFill>
                 <a:latin typeface="Adobe Clean"/>
                 <a:cs typeface="Adobe Clean"/>
               </a:rPr>
-              <a:t> Adobe. All Rights Reserved. Adobe</a:t>
-            </a:r>
-            <a:r>
-              <a:rPr sz="800" spc="75">
-                <a:solidFill>
-                  <a:srgbClr val="6D6D6D"/>
-                </a:solidFill>
-                <a:latin typeface="Adobe Clean"/>
-                <a:cs typeface="Adobe Clean"/>
-              </a:rPr>
-              <a:t> </a:t>
-            </a:r>
-            <a:r>
-              <a:rPr sz="800" spc="-5">
-                <a:solidFill>
-                  <a:srgbClr val="6D6D6D"/>
-                </a:solidFill>
-                <a:latin typeface="Adobe Clean"/>
-                <a:cs typeface="Adobe Clean"/>
-              </a:rPr>
-              <a:t>Confidential.</a:t>
+              <a:t>기밀.</a:t>
             </a:r>
             <a:endParaRPr sz="800">
               <a:latin typeface="Adobe Clean"/>
@@ -16586,7 +15342,7 @@
         </p:nvSpPr>
         <p:spPr>
           <a:xfrm>
-            <a:off x="190707" y="4913781"/>
+            <a:off x="171129" y="5057379"/>
             <a:ext cx="6476646" cy="755976"/>
           </a:xfrm>
           <a:prstGeom prst="rect">
@@ -16594,47 +15350,155 @@
           </a:prstGeom>
         </p:spPr>
         <p:txBody>
-          <a:bodyPr vert="horz" wrap="square" lIns="0" tIns="116205" rIns="0" bIns="0" rtlCol="0" anchor="t">
+          <a:bodyPr vert="horz" wrap="square" lIns="0" tIns="116205" rIns="0" bIns="0" rtlCol="0">
             <a:spAutoFit/>
           </a:bodyPr>
           <a:lstStyle/>
           <a:p>
-            <a:pPr>
+            <a:pPr lvl="0">
               <a:spcBef>
                 <a:spcPts val="915"/>
               </a:spcBef>
             </a:pPr>
             <a:r>
-              <a:rPr lang="en-US" sz="1400" b="1" spc="-15">
+              <a:rPr lang="en-US" altLang="ko-KR" sz="1400" b="1" spc="-15" dirty="0">
                 <a:solidFill>
                   <a:srgbClr val="020302"/>
                 </a:solidFill>
                 <a:latin typeface="Adobe Clean"/>
                 <a:cs typeface="Adobe Clean"/>
               </a:rPr>
-              <a:t>Regional scope of Adobe Support, Local Hours Of Operation And Language Support</a:t>
-            </a:r>
-            <a:endParaRPr lang="en-US" sz="1400" spc="-15">
-              <a:ea typeface="+mn-lt"/>
-              <a:cs typeface="+mn-lt"/>
+              <a:t>Adobe </a:t>
+            </a:r>
+            <a:r>
+              <a:rPr lang="ko-KR" altLang="en-US" sz="1400" b="1" spc="-15" dirty="0">
+                <a:solidFill>
+                  <a:srgbClr val="020302"/>
+                </a:solidFill>
+                <a:latin typeface="Adobe Clean"/>
+                <a:cs typeface="Adobe Clean"/>
+              </a:rPr>
+              <a:t>지원의 지역적 범위</a:t>
+            </a:r>
+            <a:r>
+              <a:rPr lang="en-US" altLang="ko-KR" sz="1400" b="1" spc="-15" dirty="0">
+                <a:solidFill>
+                  <a:srgbClr val="020302"/>
+                </a:solidFill>
+                <a:latin typeface="Adobe Clean"/>
+                <a:cs typeface="Adobe Clean"/>
+              </a:rPr>
+              <a:t>, </a:t>
+            </a:r>
+            <a:r>
+              <a:rPr lang="ko-KR" altLang="en-US" sz="1400" b="1" spc="-15" dirty="0">
+                <a:solidFill>
+                  <a:srgbClr val="020302"/>
+                </a:solidFill>
+                <a:latin typeface="Adobe Clean"/>
+                <a:cs typeface="Adobe Clean"/>
+              </a:rPr>
+              <a:t>로컬 운영 시간 및 언어 지원</a:t>
+            </a:r>
+            <a:endParaRPr lang="pl-PL" altLang="ko-KR" sz="1400" b="1" spc="-15" dirty="0">
+              <a:solidFill>
+                <a:srgbClr val="020302"/>
+              </a:solidFill>
+              <a:latin typeface="Adobe Clean"/>
+              <a:cs typeface="Adobe Clean"/>
             </a:endParaRPr>
           </a:p>
           <a:p>
-            <a:pPr>
+            <a:pPr lvl="0">
               <a:spcBef>
                 <a:spcPts val="915"/>
               </a:spcBef>
             </a:pPr>
             <a:r>
-              <a:rPr lang="en-US" sz="1000" spc="-15">
+              <a:rPr lang="en-US" altLang="ko-KR" sz="1000" spc="-15" dirty="0">
                 <a:solidFill>
                   <a:srgbClr val="1F1F1F"/>
                 </a:solidFill>
                 <a:latin typeface="AdobeClean-Light"/>
               </a:rPr>
-              <a:t>The regional scope of Adobe Support is established by aligning the customer's billing address (via the Sales Order or other Adobe Support purchasing document) to one of the following regions:</a:t>
-            </a:r>
-            <a:endParaRPr lang="en-US" sz="1000">
+              <a:t>Adobe </a:t>
+            </a:r>
+            <a:r>
+              <a:rPr lang="ko-KR" altLang="en-US" sz="1000" spc="-15" dirty="0">
+                <a:solidFill>
+                  <a:srgbClr val="1F1F1F"/>
+                </a:solidFill>
+                <a:latin typeface="AdobeClean-Light"/>
+              </a:rPr>
+              <a:t>지원의 지역적 범위는 </a:t>
+            </a:r>
+            <a:r>
+              <a:rPr lang="en-US" altLang="ko-KR" sz="1000" spc="-15" dirty="0">
+                <a:solidFill>
+                  <a:srgbClr val="1F1F1F"/>
+                </a:solidFill>
+                <a:latin typeface="AdobeClean-Light"/>
+              </a:rPr>
+              <a:t>(</a:t>
+            </a:r>
+            <a:r>
+              <a:rPr lang="ko-KR" altLang="en-US" sz="1000" spc="-15" dirty="0">
+                <a:solidFill>
+                  <a:srgbClr val="1F1F1F"/>
+                </a:solidFill>
+                <a:latin typeface="AdobeClean-Light"/>
+              </a:rPr>
+              <a:t>판매 주문서 또는 기타 </a:t>
+            </a:r>
+            <a:r>
+              <a:rPr lang="en-US" altLang="ko-KR" sz="1000" spc="-15" dirty="0">
+                <a:solidFill>
+                  <a:srgbClr val="1F1F1F"/>
+                </a:solidFill>
+                <a:latin typeface="AdobeClean-Light"/>
+              </a:rPr>
+              <a:t>Adobe </a:t>
+            </a:r>
+            <a:r>
+              <a:rPr lang="ko-KR" altLang="en-US" sz="1000" spc="-15" dirty="0">
+                <a:solidFill>
+                  <a:srgbClr val="1F1F1F"/>
+                </a:solidFill>
+                <a:latin typeface="AdobeClean-Light"/>
+              </a:rPr>
+              <a:t>지원 구매 문서를 통해</a:t>
+            </a:r>
+            <a:r>
+              <a:rPr lang="en-US" altLang="ko-KR" sz="1000" spc="-15" dirty="0">
+                <a:solidFill>
+                  <a:srgbClr val="1F1F1F"/>
+                </a:solidFill>
+                <a:latin typeface="AdobeClean-Light"/>
+              </a:rPr>
+              <a:t>) </a:t>
+            </a:r>
+            <a:r>
+              <a:rPr lang="ko-KR" altLang="en-US" sz="1000" spc="-15" dirty="0">
+                <a:solidFill>
+                  <a:srgbClr val="1F1F1F"/>
+                </a:solidFill>
+                <a:latin typeface="AdobeClean-Light"/>
+              </a:rPr>
+              <a:t>고객의 청구 주소를 다음 지역 중 하나에 맞춤으로써 설정됩니다</a:t>
+            </a:r>
+            <a:r>
+              <a:rPr lang="en-US" altLang="ko-KR" sz="1000" spc="-15" dirty="0">
+                <a:solidFill>
+                  <a:srgbClr val="1F1F1F"/>
+                </a:solidFill>
+                <a:latin typeface="AdobeClean-Light"/>
+              </a:rPr>
+              <a:t>.</a:t>
+            </a:r>
+            <a:endParaRPr lang="de-de" sz="1000" spc="-15" dirty="0">
+              <a:solidFill>
+                <a:srgbClr val="1F1F1F"/>
+              </a:solidFill>
               <a:latin typeface="AdobeClean-Light"/>
             </a:endParaRPr>
           </a:p>
@@ -16655,14 +15519,14 @@
           <p:nvPr>
             <p:extLst>
               <p:ext uri="{D42A27DB-BD31-4B8C-83A1-F6EECF244321}">
-                <p14:modId xmlns:p14="http://schemas.microsoft.com/office/powerpoint/2010/main" val="1291534283"/>
+                <p14:modId xmlns:p14="http://schemas.microsoft.com/office/powerpoint/2010/main" val="3374423807"/>
               </p:ext>
             </p:extLst>
           </p:nvPr>
         </p:nvGraphicFramePr>
         <p:xfrm>
           <a:off x="171128" y="5907213"/>
-          <a:ext cx="7391400" cy="1391920"/>
+          <a:ext cx="7391400" cy="1503680"/>
         </p:xfrm>
         <a:graphic>
           <a:graphicData uri="http://schemas.openxmlformats.org/drawingml/2006/table">
@@ -16708,13 +15572,13 @@
                     <a:p>
                       <a:pPr algn="ctr"/>
                       <a:r>
-                        <a:rPr lang="en-US" sz="1100">
+                        <a:rPr lang="de-de" sz="1100">
                           <a:solidFill>
                             <a:schemeClr val="tx1"/>
                           </a:solidFill>
-                          <a:latin typeface="Adobe Clean"/>
+                          <a:latin typeface="Adobe Clean" panose="020B0503020404020204" pitchFamily="34" charset="0"/>
                         </a:rPr>
-                        <a:t>Americas</a:t>
+                        <a:t>미주</a:t>
                       </a:r>
                     </a:p>
                   </a:txBody>
@@ -16773,13 +15637,13 @@
                     <a:p>
                       <a:pPr algn="ctr"/>
                       <a:r>
-                        <a:rPr lang="en-US" sz="1100">
+                        <a:rPr lang="de-de" sz="1100">
                           <a:solidFill>
                             <a:schemeClr val="tx1"/>
                           </a:solidFill>
-                          <a:latin typeface="Adobe Clean"/>
+                          <a:latin typeface="Adobe Clean" panose="020B0503020404020204" pitchFamily="34" charset="0"/>
                         </a:rPr>
-                        <a:t>Europe, Middle East &amp; Africa</a:t>
+                        <a:t>유럽, 중동 및 아프리카</a:t>
                       </a:r>
                     </a:p>
                   </a:txBody>
@@ -16838,13 +15702,13 @@
                     <a:p>
                       <a:pPr algn="ctr"/>
                       <a:r>
-                        <a:rPr lang="en-US" sz="1100">
+                        <a:rPr lang="de-de" sz="1100">
                           <a:solidFill>
                             <a:schemeClr val="tx1"/>
                           </a:solidFill>
-                          <a:latin typeface="Adobe Clean"/>
+                          <a:latin typeface="Adobe Clean" panose="020B0503020404020204" pitchFamily="34" charset="0"/>
                         </a:rPr>
-                        <a:t>Asia Pacific</a:t>
+                        <a:t>아시아 태평양</a:t>
                       </a:r>
                     </a:p>
                   </a:txBody>
@@ -16903,16 +15767,16 @@
                     <a:p>
                       <a:pPr algn="ctr"/>
                       <a:r>
-                        <a:rPr lang="en-US" sz="1100">
+                        <a:rPr lang="de-de" sz="1100">
                           <a:solidFill>
                             <a:schemeClr val="tx1"/>
                           </a:solidFill>
                           <a:latin typeface="Adobe Clean"/>
                         </a:rPr>
-                        <a:t>Japan </a:t>
+                        <a:t>일본 </a:t>
                       </a:r>
                       <a:r>
-                        <a:rPr lang="en-US" sz="1100" baseline="30000">
+                        <a:rPr lang="de-de" sz="1100" baseline="30000">
                           <a:solidFill>
                             <a:schemeClr val="tx1"/>
                           </a:solidFill>
@@ -16990,13 +15854,13 @@
                     <a:p>
                       <a:pPr algn="ctr"/>
                       <a:r>
-                        <a:rPr lang="en-US" sz="1100">
+                        <a:rPr lang="de-de" sz="1100">
                           <a:solidFill>
                             <a:schemeClr val="tx1"/>
                           </a:solidFill>
-                          <a:latin typeface="Adobe Clean"/>
+                          <a:latin typeface="Adobe Clean" panose="020B0503020404020204" pitchFamily="34" charset="0"/>
                         </a:rPr>
-                        <a:t>6 am – 5:30 pm</a:t>
+                        <a:t>오전 6시~오후 5시 30분</a:t>
                       </a:r>
                     </a:p>
                   </a:txBody>
@@ -17055,13 +15919,13 @@
                     <a:p>
                       <a:pPr algn="ctr"/>
                       <a:r>
-                        <a:rPr lang="en-US" sz="1100">
+                        <a:rPr lang="de-de" sz="1100">
                           <a:solidFill>
                             <a:schemeClr val="tx1"/>
                           </a:solidFill>
-                          <a:latin typeface="Adobe Clean"/>
+                          <a:latin typeface="Adobe Clean" panose="020B0503020404020204" pitchFamily="34" charset="0"/>
                         </a:rPr>
-                        <a:t>9 am – 5 pm</a:t>
+                        <a:t>오전 9시~오후 5시</a:t>
                       </a:r>
                     </a:p>
                   </a:txBody>
@@ -17120,13 +15984,13 @@
                     <a:p>
                       <a:pPr algn="ctr"/>
                       <a:r>
-                        <a:rPr lang="en-US" sz="1100">
+                        <a:rPr lang="de-de" sz="1100">
                           <a:solidFill>
                             <a:schemeClr val="tx1"/>
                           </a:solidFill>
-                          <a:latin typeface="Adobe Clean"/>
+                          <a:latin typeface="Adobe Clean" panose="020B0503020404020204" pitchFamily="34" charset="0"/>
                         </a:rPr>
-                        <a:t>9 am – 5 pm</a:t>
+                        <a:t>오전 9시~오후 5시</a:t>
                       </a:r>
                     </a:p>
                   </a:txBody>
@@ -17185,13 +16049,13 @@
                     <a:p>
                       <a:pPr algn="ctr"/>
                       <a:r>
-                        <a:rPr lang="en-US" sz="1100">
+                        <a:rPr lang="de-de" sz="1100">
                           <a:solidFill>
                             <a:schemeClr val="tx1"/>
                           </a:solidFill>
-                          <a:latin typeface="Adobe Clean"/>
+                          <a:latin typeface="Adobe Clean" panose="020B0503020404020204" pitchFamily="34" charset="0"/>
                         </a:rPr>
-                        <a:t>9 am – 5:30 pm</a:t>
+                        <a:t>오전 9시~오후 5시 30분</a:t>
                       </a:r>
                     </a:p>
                   </a:txBody>
@@ -17268,9 +16132,10 @@
                         <a:buNone/>
                       </a:pPr>
                       <a:r>
-                        <a:rPr lang="en-US" sz="1100" b="0" i="0" u="none" strike="noStrike" noProof="0"/>
-                        <a:t>Language support is only available in English and Japanese.</a:t>
+                        <a:rPr lang="de-de" sz="1100" b="0" i="0" u="none" strike="noStrike" noProof="0" dirty="0"/>
+                        <a:t>언어 지원은 영어와 일본어로만 제공됩니다.  </a:t>
                       </a:r>
+                      <a:endParaRPr lang="en-US" dirty="0"/>
                     </a:p>
                     <a:p>
                       <a:pPr lvl="0" algn="ctr">
@@ -17285,7 +16150,7 @@
                         </a:spcAft>
                         <a:buNone/>
                       </a:pPr>
-                      <a:endParaRPr lang="en-US" sz="1100" b="0" i="0" u="none" strike="noStrike" noProof="0"/>
+                      <a:endParaRPr lang="en-US" sz="1100" b="0" i="0" u="none" strike="noStrike" noProof="0" dirty="0"/>
                     </a:p>
                     <a:p>
                       <a:pPr lvl="0" algn="ctr">
@@ -17301,18 +16166,36 @@
                         <a:buNone/>
                       </a:pPr>
                       <a:r>
-                        <a:rPr lang="en-US" sz="1100" b="0" i="0" u="none" strike="noStrike" noProof="0"/>
+                        <a:rPr lang="de-de" sz="1100" b="0" i="0" u="none" strike="noStrike" noProof="0" dirty="0"/>
                         <a:t> </a:t>
                       </a:r>
                       <a:r>
-                        <a:rPr lang="en-US" sz="1100" b="0" i="0" u="none" strike="noStrike" baseline="30000" noProof="0"/>
+                        <a:rPr lang="de-de" sz="1100" b="0" i="0" u="none" strike="noStrike" baseline="30000" noProof="0" dirty="0"/>
                         <a:t>1 </a:t>
                       </a:r>
                       <a:r>
-                        <a:rPr lang="en-US" sz="1100" b="0" i="0" u="none" strike="noStrike" noProof="0"/>
-                        <a:t>P2, P3, P4 cases are limited to business hours only in Japan.</a:t>
+                        <a:rPr lang="ko-KR" altLang="en-US" sz="1100" b="0" i="0" u="none" strike="noStrike" noProof="0" dirty="0"/>
+                        <a:t>일본에서 </a:t>
                       </a:r>
-                      <a:endParaRPr lang="en-US" sz="1100" b="1" i="0" u="none" strike="noStrike" noProof="0"/>
+                      <a:r>
+                        <a:rPr lang="en-US" altLang="ko-KR" sz="1100" b="0" i="0" u="none" strike="noStrike" noProof="0" dirty="0"/>
+                        <a:t>P2, P3, P4 </a:t>
+                      </a:r>
+                      <a:r>
+                        <a:rPr lang="ko-KR" altLang="en-US" sz="1100" b="0" i="0" u="none" strike="noStrike" noProof="0" dirty="0"/>
+                        <a:t>사례는 업무 시간으로만 제한됩니다</a:t>
+                      </a:r>
+                      <a:r>
+                        <a:rPr lang="en-US" altLang="ko-KR" sz="1100" b="0" i="0" u="none" strike="noStrike" noProof="0" dirty="0"/>
+                        <a:t>.</a:t>
+                      </a:r>
+                      <a:endParaRPr lang="en-US" dirty="0"/>
+                    </a:p>
+                    <a:p>
+                      <a:r>
+                        <a:rPr lang="de-de" sz="1100" b="0" i="0" u="none" strike="noStrike" noProof="0" dirty="0"/>
+                        <a:t>.</a:t>
+                      </a:r>
                     </a:p>
                   </a:txBody>
                   <a:tcPr anchor="ctr">
@@ -17676,124 +16559,34 @@
               </a:spcBef>
             </a:pPr>
             <a:r>
-              <a:rPr sz="1200" b="1" spc="-15">
+              <a:rPr lang="de-de" sz="1200" b="1" spc="-15">
                 <a:solidFill>
                   <a:srgbClr val="FFFFFF"/>
                 </a:solidFill>
                 <a:latin typeface="Adobe Clean"/>
                 <a:cs typeface="Adobe Clean"/>
               </a:rPr>
-              <a:t>U</a:t>
-            </a:r>
-            <a:r>
-              <a:rPr sz="1200" b="1" spc="-20">
+              <a:t>탁월한</a:t>
+            </a:r>
+            <a:r>
+              <a:rPr lang="de-de" sz="1200" b="1">
                 <a:solidFill>
                   <a:srgbClr val="FFFFFF"/>
                 </a:solidFill>
                 <a:latin typeface="Adobe Clean"/>
                 <a:cs typeface="Adobe Clean"/>
               </a:rPr>
-              <a:t>n</a:t>
-            </a:r>
-            <a:r>
-              <a:rPr sz="1200" b="1" spc="-25">
+              <a:t> </a:t>
+            </a:r>
+            <a:r>
+              <a:rPr lang="de-de" sz="1200" b="1" spc="-25">
                 <a:solidFill>
                   <a:srgbClr val="FFFFFF"/>
                 </a:solidFill>
                 <a:latin typeface="Adobe Clean"/>
                 <a:cs typeface="Adobe Clean"/>
               </a:rPr>
-              <a:t>p</a:t>
-            </a:r>
-            <a:r>
-              <a:rPr sz="1200" b="1" spc="-15">
-                <a:solidFill>
-                  <a:srgbClr val="FFFFFF"/>
-                </a:solidFill>
-                <a:latin typeface="Adobe Clean"/>
-                <a:cs typeface="Adobe Clean"/>
-              </a:rPr>
-              <a:t>a</a:t>
-            </a:r>
-            <a:r>
-              <a:rPr sz="1200" b="1" spc="-25">
-                <a:solidFill>
-                  <a:srgbClr val="FFFFFF"/>
-                </a:solidFill>
-                <a:latin typeface="Adobe Clean"/>
-                <a:cs typeface="Adobe Clean"/>
-              </a:rPr>
-              <a:t>r</a:t>
-            </a:r>
-            <a:r>
-              <a:rPr sz="1200" b="1" spc="-15">
-                <a:solidFill>
-                  <a:srgbClr val="FFFFFF"/>
-                </a:solidFill>
-                <a:latin typeface="Adobe Clean"/>
-                <a:cs typeface="Adobe Clean"/>
-              </a:rPr>
-              <a:t>a</a:t>
-            </a:r>
-            <a:r>
-              <a:rPr sz="1200" b="1" spc="-30">
-                <a:solidFill>
-                  <a:srgbClr val="FFFFFF"/>
-                </a:solidFill>
-                <a:latin typeface="Adobe Clean"/>
-                <a:cs typeface="Adobe Clean"/>
-              </a:rPr>
-              <a:t>ll</a:t>
-            </a:r>
-            <a:r>
-              <a:rPr sz="1200" b="1" spc="-25">
-                <a:solidFill>
-                  <a:srgbClr val="FFFFFF"/>
-                </a:solidFill>
-                <a:latin typeface="Adobe Clean"/>
-                <a:cs typeface="Adobe Clean"/>
-              </a:rPr>
-              <a:t>e</a:t>
-            </a:r>
-            <a:r>
-              <a:rPr sz="1200" b="1" spc="-30">
-                <a:solidFill>
-                  <a:srgbClr val="FFFFFF"/>
-                </a:solidFill>
-                <a:latin typeface="Adobe Clean"/>
-                <a:cs typeface="Adobe Clean"/>
-              </a:rPr>
-              <a:t>l</a:t>
-            </a:r>
-            <a:r>
-              <a:rPr sz="1200" b="1" spc="-25">
-                <a:solidFill>
-                  <a:srgbClr val="FFFFFF"/>
-                </a:solidFill>
-                <a:latin typeface="Adobe Clean"/>
-                <a:cs typeface="Adobe Clean"/>
-              </a:rPr>
-              <a:t>e</a:t>
-            </a:r>
-            <a:r>
-              <a:rPr sz="1200" b="1">
-                <a:solidFill>
-                  <a:srgbClr val="FFFFFF"/>
-                </a:solidFill>
-                <a:latin typeface="Adobe Clean"/>
-                <a:cs typeface="Adobe Clean"/>
-              </a:rPr>
-              <a:t>d  </a:t>
-            </a:r>
-            <a:r>
-              <a:rPr sz="1200" b="1" spc="-25">
-                <a:solidFill>
-                  <a:srgbClr val="FFFFFF"/>
-                </a:solidFill>
-                <a:latin typeface="Adobe Clean"/>
-                <a:cs typeface="Adobe Clean"/>
-              </a:rPr>
-              <a:t>Expertise</a:t>
+              <a:t>전문성</a:t>
             </a:r>
             <a:endParaRPr sz="1200">
               <a:latin typeface="Adobe Clean"/>
@@ -17838,14 +16631,14 @@
               </a:spcBef>
             </a:pPr>
             <a:r>
-              <a:rPr lang="en-US" sz="1200" b="1" spc="-15">
+              <a:rPr lang="de-de" sz="1200" b="1" spc="-15">
                 <a:solidFill>
                   <a:srgbClr val="FFFFFF"/>
                 </a:solidFill>
                 <a:latin typeface="Adobe Clean"/>
                 <a:cs typeface="Adobe Clean"/>
               </a:rPr>
-              <a:t>Accelerated Support</a:t>
+              <a:t>신속한 지원</a:t>
             </a:r>
             <a:endParaRPr sz="1200">
               <a:latin typeface="Adobe Clean"/>
@@ -17890,104 +16683,34 @@
               </a:spcBef>
             </a:pPr>
             <a:r>
-              <a:rPr sz="1200" b="1" spc="-50">
+              <a:rPr lang="de-de" sz="1200" b="1" spc="-50">
                 <a:solidFill>
                   <a:srgbClr val="FFFFFF"/>
                 </a:solidFill>
                 <a:latin typeface="Adobe Clean"/>
                 <a:cs typeface="Adobe Clean"/>
               </a:rPr>
-              <a:t>S</a:t>
-            </a:r>
-            <a:r>
-              <a:rPr sz="1200" b="1" spc="-20">
+              <a:t>전략적</a:t>
+            </a:r>
+            <a:r>
+              <a:rPr lang="de-de" sz="1200" b="1">
                 <a:solidFill>
                   <a:srgbClr val="FFFFFF"/>
                 </a:solidFill>
                 <a:latin typeface="Adobe Clean"/>
                 <a:cs typeface="Adobe Clean"/>
               </a:rPr>
-              <a:t>t</a:t>
-            </a:r>
-            <a:r>
-              <a:rPr sz="1200" b="1" spc="-75">
+              <a:t> </a:t>
+            </a:r>
+            <a:r>
+              <a:rPr lang="de-de" sz="1200" b="1" spc="-45">
                 <a:solidFill>
                   <a:srgbClr val="FFFFFF"/>
                 </a:solidFill>
                 <a:latin typeface="Adobe Clean"/>
                 <a:cs typeface="Adobe Clean"/>
               </a:rPr>
-              <a:t>r</a:t>
-            </a:r>
-            <a:r>
-              <a:rPr sz="1200" b="1" spc="-90">
-                <a:solidFill>
-                  <a:srgbClr val="FFFFFF"/>
-                </a:solidFill>
-                <a:latin typeface="Adobe Clean"/>
-                <a:cs typeface="Adobe Clean"/>
-              </a:rPr>
-              <a:t>a</a:t>
-            </a:r>
-            <a:r>
-              <a:rPr sz="1200" b="1" spc="-55">
-                <a:solidFill>
-                  <a:srgbClr val="FFFFFF"/>
-                </a:solidFill>
-                <a:latin typeface="Adobe Clean"/>
-                <a:cs typeface="Adobe Clean"/>
-              </a:rPr>
-              <a:t>t</a:t>
-            </a:r>
-            <a:r>
-              <a:rPr sz="1200" b="1" spc="-100">
-                <a:solidFill>
-                  <a:srgbClr val="FFFFFF"/>
-                </a:solidFill>
-                <a:latin typeface="Adobe Clean"/>
-                <a:cs typeface="Adobe Clean"/>
-              </a:rPr>
-              <a:t>e</a:t>
-            </a:r>
-            <a:r>
-              <a:rPr sz="1200" b="1" spc="-80">
-                <a:solidFill>
-                  <a:srgbClr val="FFFFFF"/>
-                </a:solidFill>
-                <a:latin typeface="Adobe Clean"/>
-                <a:cs typeface="Adobe Clean"/>
-              </a:rPr>
-              <a:t>g</a:t>
-            </a:r>
-            <a:r>
-              <a:rPr sz="1200" b="1" spc="-35">
-                <a:solidFill>
-                  <a:srgbClr val="FFFFFF"/>
-                </a:solidFill>
-                <a:latin typeface="Adobe Clean"/>
-                <a:cs typeface="Adobe Clean"/>
-              </a:rPr>
-              <a:t>i</a:t>
-            </a:r>
-            <a:r>
-              <a:rPr sz="1200" b="1">
-                <a:solidFill>
-                  <a:srgbClr val="FFFFFF"/>
-                </a:solidFill>
-                <a:latin typeface="Adobe Clean"/>
-                <a:cs typeface="Adobe Clean"/>
-              </a:rPr>
-              <a:t>c  </a:t>
-            </a:r>
-            <a:r>
-              <a:rPr sz="1200" b="1" spc="-45">
-                <a:solidFill>
-                  <a:srgbClr val="FFFFFF"/>
-                </a:solidFill>
-                <a:latin typeface="Adobe Clean"/>
-                <a:cs typeface="Adobe Clean"/>
-              </a:rPr>
-              <a:t>Advice</a:t>
+              <a:t>조언</a:t>
             </a:r>
             <a:endParaRPr sz="1200">
               <a:latin typeface="Adobe Clean"/>
@@ -18018,7 +16741,7 @@
         </p:nvGraphicFramePr>
         <p:xfrm>
           <a:off x="194237" y="1272353"/>
-          <a:ext cx="7368291" cy="3235960"/>
+          <a:ext cx="7368291" cy="2931160"/>
         </p:xfrm>
         <a:graphic>
           <a:graphicData uri="http://schemas.openxmlformats.org/drawingml/2006/table">
@@ -18049,7 +16772,7 @@
                     <a:lstStyle/>
                     <a:p>
                       <a:r>
-                        <a:rPr lang="en-US" sz="1100" b="0">
+                        <a:rPr lang="de-de" sz="1100" b="0">
                           <a:solidFill>
                             <a:schemeClr val="tx1"/>
                           </a:solidFill>
@@ -18141,7 +16864,7 @@
                         <a:defRPr/>
                       </a:pPr>
                       <a:r>
-                        <a:rPr lang="en-US" sz="1000" b="0" kern="1200">
+                        <a:rPr lang="de-de" sz="1000" b="0" kern="1200">
                           <a:solidFill>
                             <a:srgbClr val="000000"/>
                           </a:solidFill>
@@ -18149,7 +16872,7 @@
                           <a:ea typeface="+mn-ea"/>
                           <a:cs typeface="+mn-cs"/>
                         </a:rPr>
-                        <a:t>Experience League is how Adobe helps businesses achieve the value they expect from their Adobe investment. It’s the unified place where customers can learn, connect, and grow along a personalized path to success that includes self-help tutorials, product documentation, instructor-led training, community and technical support. </a:t>
+                        <a:t>Experience League를 통해 Adobe는 기업이 Adobe 투자에서 기대하는 가치를 달성하도록 지원합니다. 고객이 자기 주도 튜토리얼, 제품 설명서, 강의식 교육, 커뮤니티 및 기술 지원을 포함하는 개인 맞춤형 성공 경로를 따라가며 배우고, 교류하고, 성장할 수 있는 통합된 공간입니다. </a:t>
                       </a:r>
                     </a:p>
                   </a:txBody>
@@ -18231,7 +16954,7 @@
                         <a:defRPr/>
                       </a:pPr>
                       <a:r>
-                        <a:rPr lang="en-US" sz="1100">
+                        <a:rPr lang="de-de" sz="1100">
                           <a:solidFill>
                             <a:schemeClr val="dk1"/>
                           </a:solidFill>
@@ -18241,10 +16964,10 @@
                           <a:cs typeface="+mn-cs"/>
                           <a:hlinkClick r:id="rId8"/>
                         </a:rPr>
-                        <a:t>Training</a:t>
+                        <a:t>교육</a:t>
                       </a:r>
                       <a:r>
-                        <a:rPr lang="en-US" sz="1100">
+                        <a:rPr lang="de-de" sz="1100">
                           <a:solidFill>
                             <a:schemeClr val="dk1"/>
                           </a:solidFill>
@@ -18337,7 +17060,7 @@
                         <a:defRPr/>
                       </a:pPr>
                       <a:r>
-                        <a:rPr lang="en-US" sz="1000" kern="1200">
+                        <a:rPr lang="de-de" sz="1000" kern="1200">
                           <a:solidFill>
                             <a:srgbClr val="000000"/>
                           </a:solidFill>
@@ -18345,7 +17068,7 @@
                           <a:ea typeface="+mn-ea"/>
                           <a:cs typeface="+mn-cs"/>
                         </a:rPr>
-                        <a:t>Adobe Digital Learning Services courses are accessible from Experience League. Learning courses integrate both on-demand and instructor-led lessons.  Here you can accrue skills that have recognized market value and position them to drive success in your organizations.</a:t>
+                        <a:t>Adobe 디지털 학습 서비스 과정은 Experience League에서 액세스할 수 있습니다. 학습 과정은 주문형 수업과 강의식 수업을 모두 통합합니다. 여기에서 시장 가치를 인정받은 기술을 습득하고 조직에 포지셔닝하여 성공으로 이끌 수 있습니다.</a:t>
                       </a:r>
                     </a:p>
                   </a:txBody>
@@ -18427,7 +17150,7 @@
                         <a:defRPr/>
                       </a:pPr>
                       <a:r>
-                        <a:rPr lang="en-US" sz="1100">
+                        <a:rPr lang="de-de" sz="1100">
                           <a:solidFill>
                             <a:schemeClr val="tx1"/>
                           </a:solidFill>
@@ -18437,7 +17160,7 @@
                           <a:cs typeface="+mn-cs"/>
                           <a:hlinkClick r:id="rId9"/>
                         </a:rPr>
-                        <a:t>Production Issues &amp; System Outages</a:t>
+                        <a:t>생산 문제 및 시스템 중단</a:t>
                       </a:r>
                       <a:endParaRPr lang="en-US" sz="1100">
                         <a:solidFill>
@@ -18521,7 +17244,7 @@
                         <a:defRPr/>
                       </a:pPr>
                       <a:r>
-                        <a:rPr lang="en-US" sz="1000" kern="1200">
+                        <a:rPr lang="de-de" sz="1000" kern="1200">
                           <a:solidFill>
                             <a:srgbClr val="000000"/>
                           </a:solidFill>
@@ -18529,7 +17252,7 @@
                           <a:ea typeface="+mn-ea"/>
                           <a:cs typeface="+mn-cs"/>
                         </a:rPr>
-                        <a:t>Status.adobe.com conveys the health information of all Adobe products and services that are deployed in multi-tenant environments. Customers can choose their subscription preferences to get email notifications whenever Adobe creates, updates or resolves a product event. This can include scheduled maintenance or service issues of varying levels of severity. </a:t>
+                        <a:t>Status.adobe.com은 다중 테넌트 환경에 배포된 모든 Adobe 제품 및 서비스의 상태 정보를 전달합니다. 고객은 구독 기본 설정을 선택하여 Adobe가 제품 이벤트를 생성 업데이트 또는 해결할 때마다 이메일 알림을 받을 수 있습니다. 여기에는 예정된 유지 관리 또는 다양한 심각도 수준의 서비스 문제가 포함될 수 있습니다. </a:t>
                       </a:r>
                     </a:p>
                   </a:txBody>
@@ -18611,7 +17334,7 @@
                         <a:defRPr/>
                       </a:pPr>
                       <a:r>
-                        <a:rPr lang="en-US" sz="1100">
+                        <a:rPr lang="de-de" sz="1100">
                           <a:solidFill>
                             <a:schemeClr val="tx1"/>
                           </a:solidFill>
@@ -18621,7 +17344,7 @@
                           <a:cs typeface="+mn-cs"/>
                           <a:hlinkClick r:id="rId10"/>
                         </a:rPr>
-                        <a:t>Terms and Conditions</a:t>
+                        <a:t>약관</a:t>
                       </a:r>
                       <a:endParaRPr lang="en-US" sz="1100">
                         <a:solidFill>
@@ -18688,7 +17411,7 @@
                     <a:lstStyle/>
                     <a:p>
                       <a:r>
-                        <a:rPr lang="en-US" sz="1000" kern="1200">
+                        <a:rPr lang="de-de" sz="1000" kern="1200">
                           <a:solidFill>
                             <a:srgbClr val="000000"/>
                           </a:solidFill>
@@ -18696,7 +17419,7 @@
                           <a:ea typeface="+mn-ea"/>
                           <a:cs typeface="+mn-cs"/>
                         </a:rPr>
-                        <a:t>Terms and conditions detailing Support Services offerings</a:t>
+                        <a:t>지원 서비스 제공 사항을 자세히 설명하는 약관입니다.</a:t>
                       </a:r>
                     </a:p>
                   </a:txBody>
@@ -18760,7 +17483,7 @@
       </p:graphicFrame>
       <p:pic>
         <p:nvPicPr>
-          <p:cNvPr id="8" name="Graphic 7" descr="Target outline">
+          <p:cNvPr id="8" name="Graphic 7" descr="타겟 개요">
             <a:extLst>
               <a:ext uri="{FF2B5EF4-FFF2-40B4-BE49-F238E27FC236}">
                 <a16:creationId xmlns:a16="http://schemas.microsoft.com/office/drawing/2014/main" id="{1EAA263E-04A7-0D46-952E-EA3033B45116}"/>
@@ -18799,7 +17522,7 @@
       </p:pic>
       <p:pic>
         <p:nvPicPr>
-          <p:cNvPr id="10" name="Graphic 9" descr="Rocket outline">
+          <p:cNvPr id="10" name="Graphic 9" descr="로켓 개요">
             <a:extLst>
               <a:ext uri="{FF2B5EF4-FFF2-40B4-BE49-F238E27FC236}">
                 <a16:creationId xmlns:a16="http://schemas.microsoft.com/office/drawing/2014/main" id="{A068EBC3-B418-4E4A-A520-101CA4B39F23}"/>
@@ -18838,7 +17561,7 @@
       </p:pic>
       <p:pic>
         <p:nvPicPr>
-          <p:cNvPr id="12" name="Graphic 11" descr="Medal outline">
+          <p:cNvPr id="12" name="Graphic 11" descr="메달 개요">
             <a:extLst>
               <a:ext uri="{FF2B5EF4-FFF2-40B4-BE49-F238E27FC236}">
                 <a16:creationId xmlns:a16="http://schemas.microsoft.com/office/drawing/2014/main" id="{C7BEFC2D-0CA6-0448-B9FA-6E1581CA6D36}"/>
@@ -19467,15 +18190,6 @@
 </file>
 
 <file path=customXml/item1.xml><?xml version="1.0" encoding="utf-8"?>
-<?mso-contentType ?>
-<FormTemplates xmlns="http://schemas.microsoft.com/sharepoint/v3/contenttype/forms">
-  <Display>DocumentLibraryForm</Display>
-  <Edit>DocumentLibraryForm</Edit>
-  <New>DocumentLibraryForm</New>
-</FormTemplates>
-</file>
-
-<file path=customXml/item2.xml><?xml version="1.0" encoding="utf-8"?>
 <ct:contentTypeSchema xmlns:ct="http://schemas.microsoft.com/office/2006/metadata/contentType" xmlns:ma="http://schemas.microsoft.com/office/2006/metadata/properties/metaAttributes" ct:_="" ma:_="" ma:contentTypeName="Document" ma:contentTypeID="0x010100E783BF6876BCC646A459363AF21A7736" ma:contentTypeVersion="10" ma:contentTypeDescription="Create a new document." ma:contentTypeScope="" ma:versionID="c4ffda7f4f415767600769e454c2ea87">
   <xsd:schema xmlns:xsd="http://www.w3.org/2001/XMLSchema" xmlns:xs="http://www.w3.org/2001/XMLSchema" xmlns:p="http://schemas.microsoft.com/office/2006/metadata/properties" xmlns:ns2="8a053bff-88be-49e4-9a87-e748e18b8b62" xmlns:ns3="6c8368ec-3776-49b5-a5bb-90648cf9530f" targetNamespace="http://schemas.microsoft.com/office/2006/metadata/properties" ma:root="true" ma:fieldsID="df3ec33bccc23e23bce7bc897fad43d1" ns2:_="" ns3:_="">
     <xsd:import namespace="8a053bff-88be-49e4-9a87-e748e18b8b62"/>
@@ -19680,21 +18394,22 @@
 </ct:contentTypeSchema>
 </file>
 
-<file path=customXml/item3.xml><?xml version="1.0" encoding="utf-8"?>
+<file path=customXml/item2.xml><?xml version="1.0" encoding="utf-8"?>
 <p:properties xmlns:p="http://schemas.microsoft.com/office/2006/metadata/properties" xmlns:xsi="http://www.w3.org/2001/XMLSchema-instance" xmlns:pc="http://schemas.microsoft.com/office/infopath/2007/PartnerControls">
   <documentManagement/>
 </p:properties>
 </file>
 
-<file path=customXml/itemProps1.xml><?xml version="1.0" encoding="utf-8"?>
-<ds:datastoreItem xmlns:ds="http://schemas.openxmlformats.org/officeDocument/2006/customXml" ds:itemID="{941989CE-20BB-4A6A-A33F-71A1AE469C3E}">
-  <ds:schemaRefs>
-    <ds:schemaRef ds:uri="http://schemas.microsoft.com/sharepoint/v3/contenttype/forms"/>
-  </ds:schemaRefs>
-</ds:datastoreItem>
+<file path=customXml/item3.xml><?xml version="1.0" encoding="utf-8"?>
+<?mso-contentType ?>
+<FormTemplates xmlns="http://schemas.microsoft.com/sharepoint/v3/contenttype/forms">
+  <Display>DocumentLibraryForm</Display>
+  <Edit>DocumentLibraryForm</Edit>
+  <New>DocumentLibraryForm</New>
+</FormTemplates>
 </file>
 
-<file path=customXml/itemProps2.xml><?xml version="1.0" encoding="utf-8"?>
+<file path=customXml/itemProps1.xml><?xml version="1.0" encoding="utf-8"?>
 <ds:datastoreItem xmlns:ds="http://schemas.openxmlformats.org/officeDocument/2006/customXml" ds:itemID="{FB2EBF8D-136B-48EC-8FC0-F70C0583664B}">
   <ds:schemaRefs>
     <ds:schemaRef ds:uri="6c8368ec-3776-49b5-a5bb-90648cf9530f"/>
@@ -19713,11 +18428,19 @@
 </ds:datastoreItem>
 </file>
 
-<file path=customXml/itemProps3.xml><?xml version="1.0" encoding="utf-8"?>
+<file path=customXml/itemProps2.xml><?xml version="1.0" encoding="utf-8"?>
 <ds:datastoreItem xmlns:ds="http://schemas.openxmlformats.org/officeDocument/2006/customXml" ds:itemID="{ED4099BE-EDEC-4FF1-8378-446617236015}">
   <ds:schemaRefs>
     <ds:schemaRef ds:uri="http://schemas.microsoft.com/office/2006/metadata/properties"/>
     <ds:schemaRef ds:uri="http://schemas.microsoft.com/office/infopath/2007/PartnerControls"/>
   </ds:schemaRefs>
 </ds:datastoreItem>
+</file>
+
+<file path=customXml/itemProps3.xml><?xml version="1.0" encoding="utf-8"?>
+<ds:datastoreItem xmlns:ds="http://schemas.openxmlformats.org/officeDocument/2006/customXml" ds:itemID="{941989CE-20BB-4A6A-A33F-71A1AE469C3E}">
+  <ds:schemaRefs>
+    <ds:schemaRef ds:uri="http://schemas.microsoft.com/sharepoint/v3/contenttype/forms"/>
+  </ds:schemaRefs>
+</ds:datastoreItem>
 </file>
--- a/help/data-sheets/assets/EnterpriseSupportDatasheet.pptx
+++ b/help/data-sheets/assets/EnterpriseSupportDatasheet.pptx
@@ -261,7 +261,7 @@
           <a:p>
             <a:fld id="{CCB2A597-803A-C244-97E2-A01066125D19}" type="datetimeFigureOut">
               <a:rPr lang="en-US" smtClean="0"/>
-              <a:t>11/18/21</a:t>
+              <a:t>12/17/21</a:t>
             </a:fld>
             <a:endParaRPr lang="en-US"/>
           </a:p>
@@ -1042,7 +1042,7 @@
           <a:p>
             <a:fld id="{1D8BD707-D9CF-40AE-B4C6-C98DA3205C09}" type="datetimeFigureOut">
               <a:rPr lang="en-US"/>
-              <a:t>11/18/21</a:t>
+              <a:t>12/17/21</a:t>
             </a:fld>
             <a:endParaRPr lang="en-US"/>
           </a:p>
@@ -1282,7 +1282,7 @@
           <a:p>
             <a:fld id="{1D8BD707-D9CF-40AE-B4C6-C98DA3205C09}" type="datetimeFigureOut">
               <a:rPr lang="en-US"/>
-              <a:t>11/18/21</a:t>
+              <a:t>12/17/21</a:t>
             </a:fld>
             <a:endParaRPr lang="en-US"/>
           </a:p>
@@ -1535,7 +1535,7 @@
           <a:p>
             <a:fld id="{1D8BD707-D9CF-40AE-B4C6-C98DA3205C09}" type="datetimeFigureOut">
               <a:rPr lang="en-US"/>
-              <a:t>11/18/21</a:t>
+              <a:t>12/17/21</a:t>
             </a:fld>
             <a:endParaRPr lang="en-US"/>
           </a:p>
@@ -1722,7 +1722,7 @@
           <a:p>
             <a:fld id="{1D8BD707-D9CF-40AE-B4C6-C98DA3205C09}" type="datetimeFigureOut">
               <a:rPr lang="en-US"/>
-              <a:t>11/18/21</a:t>
+              <a:t>12/17/21</a:t>
             </a:fld>
             <a:endParaRPr lang="en-US"/>
           </a:p>
@@ -1880,7 +1880,7 @@
           <a:p>
             <a:fld id="{1D8BD707-D9CF-40AE-B4C6-C98DA3205C09}" type="datetimeFigureOut">
               <a:rPr lang="en-US"/>
-              <a:t>11/18/21</a:t>
+              <a:t>12/17/21</a:t>
             </a:fld>
             <a:endParaRPr lang="en-US"/>
           </a:p>
@@ -2138,7 +2138,7 @@
           <a:p>
             <a:fld id="{1D8BD707-D9CF-40AE-B4C6-C98DA3205C09}" type="datetimeFigureOut">
               <a:rPr lang="en-US"/>
-              <a:t>11/18/21</a:t>
+              <a:t>12/17/21</a:t>
             </a:fld>
             <a:endParaRPr lang="en-US"/>
           </a:p>
@@ -2588,7 +2588,7 @@
           <p:nvPr>
             <p:extLst>
               <p:ext uri="{D42A27DB-BD31-4B8C-83A1-F6EECF244321}">
-                <p14:modId xmlns:p14="http://schemas.microsoft.com/office/powerpoint/2010/main" val="2070803598"/>
+                <p14:modId xmlns:p14="http://schemas.microsoft.com/office/powerpoint/2010/main" val="1019453254"/>
               </p:ext>
             </p:extLst>
           </p:nvPr>
@@ -2873,7 +2873,7 @@
                         </a:spcBef>
                       </a:pPr>
                       <a:r>
-                        <a:rPr lang="de-de" sz="900" b="1" spc="-15">
+                        <a:rPr lang="de-de" sz="900" b="1" spc="-15" dirty="0" err="1">
                           <a:solidFill>
                             <a:srgbClr val="020302"/>
                           </a:solidFill>
@@ -2883,7 +2883,7 @@
                         <a:t>우</a:t>
                       </a:r>
                       <a:r>
-                        <a:rPr lang="de-de" sz="900" b="1" spc="-20">
+                        <a:rPr lang="de-de" sz="900" b="1" spc="-20" dirty="0" err="1">
                           <a:solidFill>
                             <a:srgbClr val="020302"/>
                           </a:solidFill>
@@ -2893,7 +2893,7 @@
                         <a:t>선</a:t>
                       </a:r>
                       <a:r>
-                        <a:rPr lang="de-de" sz="900" b="1" spc="-25">
+                        <a:rPr lang="de-de" sz="900" b="1" spc="-25" dirty="0">
                           <a:solidFill>
                             <a:srgbClr val="020302"/>
                           </a:solidFill>
@@ -2903,7 +2903,7 @@
                         <a:t> </a:t>
                       </a:r>
                       <a:r>
-                        <a:rPr lang="de-de" sz="900" b="1" spc="-15">
+                        <a:rPr lang="de-de" sz="900" b="1" spc="-15" dirty="0" err="1">
                           <a:solidFill>
                             <a:srgbClr val="020302"/>
                           </a:solidFill>
@@ -2913,7 +2913,7 @@
                         <a:t>순</a:t>
                       </a:r>
                       <a:r>
-                        <a:rPr lang="de-de" sz="900" b="1" spc="-20">
+                        <a:rPr lang="de-de" sz="900" b="1" spc="-20" dirty="0" err="1">
                           <a:solidFill>
                             <a:srgbClr val="020302"/>
                           </a:solidFill>
@@ -2923,7 +2923,7 @@
                         <a:t>위</a:t>
                       </a:r>
                       <a:r>
-                        <a:rPr lang="de-de" sz="900" b="1" spc="-40">
+                        <a:rPr lang="de-de" sz="900" b="1" spc="-40" dirty="0">
                           <a:solidFill>
                             <a:srgbClr val="020302"/>
                           </a:solidFill>
@@ -2933,7 +2933,7 @@
                         <a:t> </a:t>
                       </a:r>
                       <a:r>
-                        <a:rPr lang="de-de" sz="900" b="1">
+                        <a:rPr lang="de-de" sz="900" b="1" dirty="0">
                           <a:solidFill>
                             <a:srgbClr val="020302"/>
                           </a:solidFill>
@@ -2942,18 +2942,18 @@
                         </a:rPr>
                         <a:t>1</a:t>
                       </a:r>
-                      <a:endParaRPr sz="900">
+                      <a:endParaRPr sz="900" dirty="0">
                         <a:latin typeface="Adobe Clean"/>
                         <a:cs typeface="Adobe Clean"/>
                       </a:endParaRPr>
                     </a:p>
                     <a:p>
-                      <a:pPr marL="50800" marR="387985" lvl="0" indent="0" defTabSz="914400" eaLnBrk="1" fontAlgn="auto" latinLnBrk="0" hangingPunct="1">
+                      <a:pPr marL="50165" marR="203200" lvl="0" indent="0" defTabSz="914400" eaLnBrk="1" fontAlgn="auto" latinLnBrk="0" hangingPunct="1">
                         <a:lnSpc>
                           <a:spcPts val="1000"/>
                         </a:lnSpc>
                         <a:spcBef>
-                          <a:spcPts val="420"/>
+                          <a:spcPts val="415"/>
                         </a:spcBef>
                         <a:spcAft>
                           <a:spcPts val="0"/>
@@ -2966,17 +2966,7 @@
                         <a:defRPr/>
                       </a:pPr>
                       <a:r>
-                        <a:rPr lang="de-de" sz="900" b="0" i="0" spc="-130">
-                          <a:solidFill>
-                            <a:srgbClr val="020302"/>
-                          </a:solidFill>
-                          <a:latin typeface="Adobe Clean Light" panose="020B0303020404020204" pitchFamily="34" charset="0"/>
-                          <a:cs typeface="Adobe Clean"/>
-                        </a:rPr>
-                        <a:t> </a:t>
-                      </a:r>
-                      <a:r>
-                        <a:rPr lang="de-de" sz="900" b="0" i="0" u="none" strike="noStrike">
+                        <a:rPr lang="ko-KR" altLang="en-US" sz="900" b="0" i="0" u="none" strike="noStrike" dirty="0">
                           <a:solidFill>
                             <a:schemeClr val="tx1"/>
                           </a:solidFill>
@@ -2985,11 +2975,28 @@
                           <a:ea typeface="+mn-ea"/>
                           <a:cs typeface="+mn-cs"/>
                         </a:rPr>
-                        <a:t>고객의 생산 비즈니스 기능이 다운되었거나 심각한 데이터 손실 또는 서비스 저하가 발생했으며 기능 및 사용성을 복원하기 위해 즉각적인 주의가 필요합니다.</a:t>
+                        <a:t>고객의 생산 비즈니스 기능이 다운되었거나 심각한 데이터 손실 또는 서비스 저하가 발생했으며 기능 및 사용성을 복원하기 위해 즉각적인 주의가 필요합니다</a:t>
                       </a:r>
-                      <a:endParaRPr lang="en-US" sz="900" b="0" i="0">
+                      <a:r>
+                        <a:rPr lang="en-US" altLang="ko-KR" sz="900" b="0" i="0" u="none" strike="noStrike" dirty="0">
+                          <a:solidFill>
+                            <a:schemeClr val="tx1"/>
+                          </a:solidFill>
+                          <a:effectLst/>
+                          <a:latin typeface="Adobe Clean Light" panose="020B0303020404020204" pitchFamily="34" charset="0"/>
+                          <a:ea typeface="+mn-ea"/>
+                          <a:cs typeface="+mn-cs"/>
+                        </a:rPr>
+                        <a:t>.</a:t>
+                      </a:r>
+                      <a:endParaRPr lang="en-US" sz="900" b="0" i="0" u="none" strike="noStrike" dirty="0">
+                        <a:solidFill>
+                          <a:schemeClr val="tx1"/>
+                        </a:solidFill>
+                        <a:effectLst/>
                         <a:latin typeface="Adobe Clean Light" panose="020B0303020404020204" pitchFamily="34" charset="0"/>
-                        <a:cs typeface="AdobeClean-Light"/>
+                        <a:ea typeface="+mn-ea"/>
+                        <a:cs typeface="+mn-cs"/>
                       </a:endParaRPr>
                     </a:p>
                   </a:txBody>
@@ -3271,7 +3278,7 @@
                         </a:spcBef>
                       </a:pPr>
                       <a:r>
-                        <a:rPr lang="de-de" sz="900" b="1" spc="-15">
+                        <a:rPr lang="de-de" sz="900" b="1" spc="-15" dirty="0" err="1">
                           <a:solidFill>
                             <a:srgbClr val="020302"/>
                           </a:solidFill>
@@ -3281,7 +3288,7 @@
                         <a:t>우</a:t>
                       </a:r>
                       <a:r>
-                        <a:rPr lang="de-de" sz="900" b="1" spc="-20">
+                        <a:rPr lang="de-de" sz="900" b="1" spc="-20" dirty="0" err="1">
                           <a:solidFill>
                             <a:srgbClr val="020302"/>
                           </a:solidFill>
@@ -3291,7 +3298,7 @@
                         <a:t>선</a:t>
                       </a:r>
                       <a:r>
-                        <a:rPr lang="de-de" sz="900" b="1" spc="-25">
+                        <a:rPr lang="de-de" sz="900" b="1" spc="-25" dirty="0">
                           <a:solidFill>
                             <a:srgbClr val="020302"/>
                           </a:solidFill>
@@ -3301,7 +3308,7 @@
                         <a:t> </a:t>
                       </a:r>
                       <a:r>
-                        <a:rPr lang="de-de" sz="900" b="1" spc="-15">
+                        <a:rPr lang="de-de" sz="900" b="1" spc="-15" dirty="0" err="1">
                           <a:solidFill>
                             <a:srgbClr val="020302"/>
                           </a:solidFill>
@@ -3311,7 +3318,7 @@
                         <a:t>순</a:t>
                       </a:r>
                       <a:r>
-                        <a:rPr lang="de-de" sz="900" b="1" spc="-20">
+                        <a:rPr lang="de-de" sz="900" b="1" spc="-20" dirty="0" err="1">
                           <a:solidFill>
                             <a:srgbClr val="020302"/>
                           </a:solidFill>
@@ -3321,7 +3328,7 @@
                         <a:t>위</a:t>
                       </a:r>
                       <a:r>
-                        <a:rPr lang="de-de" sz="900" b="1" spc="-40">
+                        <a:rPr lang="de-de" sz="900" b="1" spc="-40" dirty="0">
                           <a:solidFill>
                             <a:srgbClr val="020302"/>
                           </a:solidFill>
@@ -3331,7 +3338,7 @@
                         <a:t> </a:t>
                       </a:r>
                       <a:r>
-                        <a:rPr lang="de-de" sz="900" b="1">
+                        <a:rPr lang="de-de" sz="900" b="1" dirty="0">
                           <a:solidFill>
                             <a:srgbClr val="020302"/>
                           </a:solidFill>
@@ -3340,22 +3347,31 @@
                         </a:rPr>
                         <a:t>2</a:t>
                       </a:r>
-                      <a:endParaRPr sz="900">
+                      <a:endParaRPr sz="900" dirty="0">
                         <a:latin typeface="Adobe Clean"/>
                         <a:cs typeface="Adobe Clean"/>
                       </a:endParaRPr>
                     </a:p>
                     <a:p>
-                      <a:pPr marL="50165" marR="203200">
+                      <a:pPr marL="50165" marR="203200" lvl="0" indent="0" defTabSz="914400" eaLnBrk="1" fontAlgn="auto" latinLnBrk="0" hangingPunct="1">
                         <a:lnSpc>
                           <a:spcPts val="1000"/>
                         </a:lnSpc>
                         <a:spcBef>
                           <a:spcPts val="415"/>
                         </a:spcBef>
+                        <a:spcAft>
+                          <a:spcPts val="0"/>
+                        </a:spcAft>
+                        <a:buClrTx/>
+                        <a:buSzTx/>
+                        <a:buFontTx/>
+                        <a:buNone/>
+                        <a:tabLst/>
+                        <a:defRPr/>
                       </a:pPr>
                       <a:r>
-                        <a:rPr lang="de-de" sz="900" b="0" i="0" u="none" strike="noStrike">
+                        <a:rPr lang="ko-KR" altLang="en-US" sz="900" b="0" i="0" u="none" strike="noStrike" dirty="0">
                           <a:solidFill>
                             <a:schemeClr val="tx1"/>
                           </a:solidFill>
@@ -3364,11 +3380,28 @@
                           <a:ea typeface="+mn-ea"/>
                           <a:cs typeface="+mn-cs"/>
                         </a:rPr>
-                        <a:t>고객의 비즈니스 기능에 심각한 서비스 저하가 있거나 데이터 손실 가능성이 있거나 서비스를 사용할 수 없거나 주요 기능이 영향을 받습니다.</a:t>
+                        <a:t>고객의 비즈니스 기능에 심각한 서비스 저하 또는 잠재적인 데이터 손실이 있거나 주요 기능이 영향을 받습니다</a:t>
                       </a:r>
-                      <a:endParaRPr lang="en-US" sz="900" b="0" i="0">
+                      <a:r>
+                        <a:rPr lang="en-US" altLang="ko-KR" sz="900" b="0" i="0" u="none" strike="noStrike" dirty="0">
+                          <a:solidFill>
+                            <a:schemeClr val="tx1"/>
+                          </a:solidFill>
+                          <a:effectLst/>
+                          <a:latin typeface="Adobe Clean Light" panose="020B0303020404020204" pitchFamily="34" charset="0"/>
+                          <a:ea typeface="+mn-ea"/>
+                          <a:cs typeface="+mn-cs"/>
+                        </a:rPr>
+                        <a:t>. </a:t>
+                      </a:r>
+                      <a:endParaRPr lang="en-US" sz="900" b="0" i="0" u="none" strike="noStrike" dirty="0">
+                        <a:solidFill>
+                          <a:schemeClr val="tx1"/>
+                        </a:solidFill>
+                        <a:effectLst/>
                         <a:latin typeface="Adobe Clean Light" panose="020B0303020404020204" pitchFamily="34" charset="0"/>
-                        <a:cs typeface="AdobeClean-Light"/>
+                        <a:ea typeface="+mn-ea"/>
+                        <a:cs typeface="+mn-cs"/>
                       </a:endParaRPr>
                     </a:p>
                   </a:txBody>
@@ -3645,7 +3678,7 @@
                         </a:spcBef>
                       </a:pPr>
                       <a:r>
-                        <a:rPr lang="de-de" sz="900" b="1" spc="-15">
+                        <a:rPr lang="de-de" sz="900" b="1" spc="-15" dirty="0" err="1">
                           <a:solidFill>
                             <a:srgbClr val="020302"/>
                           </a:solidFill>
@@ -3655,7 +3688,7 @@
                         <a:t>우</a:t>
                       </a:r>
                       <a:r>
-                        <a:rPr lang="de-de" sz="900" b="1" spc="-20">
+                        <a:rPr lang="de-de" sz="900" b="1" spc="-20" dirty="0" err="1">
                           <a:solidFill>
                             <a:srgbClr val="020302"/>
                           </a:solidFill>
@@ -3665,7 +3698,7 @@
                         <a:t>선</a:t>
                       </a:r>
                       <a:r>
-                        <a:rPr lang="de-de" sz="900" b="1" spc="-25">
+                        <a:rPr lang="de-de" sz="900" b="1" spc="-25" dirty="0">
                           <a:solidFill>
                             <a:srgbClr val="020302"/>
                           </a:solidFill>
@@ -3675,7 +3708,7 @@
                         <a:t> </a:t>
                       </a:r>
                       <a:r>
-                        <a:rPr lang="de-de" sz="900" b="1" spc="-15">
+                        <a:rPr lang="de-de" sz="900" b="1" spc="-15" dirty="0" err="1">
                           <a:solidFill>
                             <a:srgbClr val="020302"/>
                           </a:solidFill>
@@ -3685,7 +3718,7 @@
                         <a:t>순</a:t>
                       </a:r>
                       <a:r>
-                        <a:rPr lang="de-de" sz="900" b="1" spc="-20">
+                        <a:rPr lang="de-de" sz="900" b="1" spc="-20" dirty="0" err="1">
                           <a:solidFill>
                             <a:srgbClr val="020302"/>
                           </a:solidFill>
@@ -3695,7 +3728,7 @@
                         <a:t>위</a:t>
                       </a:r>
                       <a:r>
-                        <a:rPr lang="de-de" sz="900" b="1" spc="-40">
+                        <a:rPr lang="de-de" sz="900" b="1" spc="-40" dirty="0">
                           <a:solidFill>
                             <a:srgbClr val="020302"/>
                           </a:solidFill>
@@ -3705,7 +3738,7 @@
                         <a:t> </a:t>
                       </a:r>
                       <a:r>
-                        <a:rPr lang="de-de" sz="900" b="1">
+                        <a:rPr lang="de-de" sz="900" b="1" dirty="0">
                           <a:solidFill>
                             <a:srgbClr val="020302"/>
                           </a:solidFill>
@@ -3714,22 +3747,31 @@
                         </a:rPr>
                         <a:t>3</a:t>
                       </a:r>
-                      <a:endParaRPr sz="900">
+                      <a:endParaRPr sz="900" dirty="0">
                         <a:latin typeface="Adobe Clean"/>
                         <a:cs typeface="Adobe Clean"/>
                       </a:endParaRPr>
                     </a:p>
                     <a:p>
-                      <a:pPr marL="49530" marR="212090" indent="-2540">
+                      <a:pPr marL="50165" marR="203200" lvl="0" indent="0" defTabSz="914400" eaLnBrk="1" fontAlgn="auto" latinLnBrk="0" hangingPunct="1">
                         <a:lnSpc>
                           <a:spcPts val="1000"/>
                         </a:lnSpc>
                         <a:spcBef>
                           <a:spcPts val="415"/>
                         </a:spcBef>
+                        <a:spcAft>
+                          <a:spcPts val="0"/>
+                        </a:spcAft>
+                        <a:buClrTx/>
+                        <a:buSzTx/>
+                        <a:buFontTx/>
+                        <a:buNone/>
+                        <a:tabLst/>
+                        <a:defRPr/>
                       </a:pPr>
                       <a:r>
-                        <a:rPr lang="de-de" sz="900" b="0" i="0" u="none" strike="noStrike">
+                        <a:rPr lang="ko-KR" altLang="en-US" sz="900" b="0" i="0" u="none" strike="noStrike" dirty="0">
                           <a:solidFill>
                             <a:schemeClr val="tx1"/>
                           </a:solidFill>
@@ -3738,11 +3780,52 @@
                           <a:ea typeface="+mn-ea"/>
                           <a:cs typeface="+mn-cs"/>
                         </a:rPr>
-                        <a:t>고객의 비즈니스 기능에 서비스 저하가 경미하거나 전혀 없고 비즈니스 기능을 계속할 수 있게 하는 솔루션/해결 방법이 있습니다.  </a:t>
+                        <a:t>고객의 비즈니스 기능에 약간의 서비스 저하가 있지만 비즈니스 기능을 계속할 수 있게 하는 솔루션</a:t>
                       </a:r>
-                      <a:endParaRPr lang="en-US" sz="900" b="0" i="0">
+                      <a:r>
+                        <a:rPr lang="en-US" altLang="ko-KR" sz="900" b="0" i="0" u="none" strike="noStrike" dirty="0">
+                          <a:solidFill>
+                            <a:schemeClr val="tx1"/>
+                          </a:solidFill>
+                          <a:effectLst/>
+                          <a:latin typeface="Adobe Clean Light" panose="020B0303020404020204" pitchFamily="34" charset="0"/>
+                          <a:ea typeface="+mn-ea"/>
+                          <a:cs typeface="+mn-cs"/>
+                        </a:rPr>
+                        <a:t>/</a:t>
+                      </a:r>
+                      <a:r>
+                        <a:rPr lang="ko-KR" altLang="en-US" sz="900" b="0" i="0" u="none" strike="noStrike" dirty="0">
+                          <a:solidFill>
+                            <a:schemeClr val="tx1"/>
+                          </a:solidFill>
+                          <a:effectLst/>
+                          <a:latin typeface="Adobe Clean Light" panose="020B0303020404020204" pitchFamily="34" charset="0"/>
+                          <a:ea typeface="+mn-ea"/>
+                          <a:cs typeface="+mn-cs"/>
+                        </a:rPr>
+                        <a:t>해결 방법이 있습니다</a:t>
+                      </a:r>
+                      <a:r>
+                        <a:rPr lang="en-US" altLang="ko-KR" sz="900" b="0" i="0" u="none" strike="noStrike" dirty="0">
+                          <a:solidFill>
+                            <a:schemeClr val="tx1"/>
+                          </a:solidFill>
+                          <a:effectLst/>
+                          <a:latin typeface="Adobe Clean Light" panose="020B0303020404020204" pitchFamily="34" charset="0"/>
+                          <a:ea typeface="+mn-ea"/>
+                          <a:cs typeface="+mn-cs"/>
+                        </a:rPr>
+                        <a:t>. </a:t>
+                      </a:r>
+                      <a:endParaRPr lang="en-US" sz="900" b="0" i="0" u="none" strike="noStrike" dirty="0">
+                        <a:solidFill>
+                          <a:schemeClr val="tx1"/>
+                        </a:solidFill>
+                        <a:effectLst/>
                         <a:latin typeface="Adobe Clean Light" panose="020B0303020404020204" pitchFamily="34" charset="0"/>
-                        <a:cs typeface="AdobeClean-Light"/>
+                        <a:ea typeface="+mn-ea"/>
+                        <a:cs typeface="+mn-cs"/>
                       </a:endParaRPr>
                     </a:p>
                   </a:txBody>
@@ -4051,7 +4134,7 @@
                         </a:spcBef>
                       </a:pPr>
                       <a:r>
-                        <a:rPr lang="de-de" sz="900" b="1" spc="-15">
+                        <a:rPr lang="de-de" sz="900" b="1" spc="-15" dirty="0" err="1">
                           <a:solidFill>
                             <a:srgbClr val="020302"/>
                           </a:solidFill>
@@ -4061,7 +4144,7 @@
                         <a:t>우</a:t>
                       </a:r>
                       <a:r>
-                        <a:rPr lang="de-de" sz="900" b="1" spc="-20">
+                        <a:rPr lang="de-de" sz="900" b="1" spc="-20" dirty="0" err="1">
                           <a:solidFill>
                             <a:srgbClr val="020302"/>
                           </a:solidFill>
@@ -4071,7 +4154,7 @@
                         <a:t>선</a:t>
                       </a:r>
                       <a:r>
-                        <a:rPr lang="de-de" sz="900" b="1" spc="-25">
+                        <a:rPr lang="de-de" sz="900" b="1" spc="-25" dirty="0">
                           <a:solidFill>
                             <a:srgbClr val="020302"/>
                           </a:solidFill>
@@ -4081,7 +4164,7 @@
                         <a:t> </a:t>
                       </a:r>
                       <a:r>
-                        <a:rPr lang="de-de" sz="900" b="1" spc="-15">
+                        <a:rPr lang="de-de" sz="900" b="1" spc="-15" dirty="0" err="1">
                           <a:solidFill>
                             <a:srgbClr val="020302"/>
                           </a:solidFill>
@@ -4091,7 +4174,7 @@
                         <a:t>순</a:t>
                       </a:r>
                       <a:r>
-                        <a:rPr lang="de-de" sz="900" b="1" spc="-20">
+                        <a:rPr lang="de-de" sz="900" b="1" spc="-20" dirty="0" err="1">
                           <a:solidFill>
                             <a:srgbClr val="020302"/>
                           </a:solidFill>
@@ -4101,7 +4184,7 @@
                         <a:t>위</a:t>
                       </a:r>
                       <a:r>
-                        <a:rPr lang="de-de" sz="900" b="1" spc="-40">
+                        <a:rPr lang="de-de" sz="900" b="1" spc="-40" dirty="0">
                           <a:solidFill>
                             <a:srgbClr val="020302"/>
                           </a:solidFill>
@@ -4111,7 +4194,7 @@
                         <a:t> </a:t>
                       </a:r>
                       <a:r>
-                        <a:rPr lang="de-de" sz="900" b="1">
+                        <a:rPr lang="de-de" sz="900" b="1" dirty="0">
                           <a:solidFill>
                             <a:srgbClr val="020302"/>
                           </a:solidFill>
@@ -4120,32 +4203,31 @@
                         </a:rPr>
                         <a:t>4</a:t>
                       </a:r>
-                      <a:endParaRPr sz="900">
+                      <a:endParaRPr sz="900" dirty="0">
                         <a:latin typeface="Adobe Clean"/>
                         <a:cs typeface="Adobe Clean"/>
                       </a:endParaRPr>
                     </a:p>
                     <a:p>
-                      <a:pPr marL="49530">
+                      <a:pPr marL="50165" marR="203200" lvl="0" indent="0" defTabSz="914400" eaLnBrk="1" fontAlgn="auto" latinLnBrk="0" hangingPunct="1">
                         <a:lnSpc>
-                          <a:spcPct val="100000"/>
+                          <a:spcPts val="1000"/>
                         </a:lnSpc>
                         <a:spcBef>
-                          <a:spcPts val="145"/>
+                          <a:spcPts val="415"/>
                         </a:spcBef>
+                        <a:spcAft>
+                          <a:spcPts val="0"/>
+                        </a:spcAft>
+                        <a:buClrTx/>
+                        <a:buSzTx/>
+                        <a:buFontTx/>
+                        <a:buNone/>
+                        <a:tabLst/>
+                        <a:defRPr/>
                       </a:pPr>
                       <a:r>
-                        <a:rPr lang="de-de" sz="900" b="1" spc="-90">
-                          <a:solidFill>
-                            <a:srgbClr val="020302"/>
-                          </a:solidFill>
-                          <a:latin typeface="Adobe Clean"/>
-                          <a:cs typeface="Adobe Clean"/>
-                        </a:rPr>
-                        <a:t> </a:t>
-                      </a:r>
-                      <a:r>
-                        <a:rPr lang="de-de" sz="900" b="0" i="0" u="none" strike="noStrike">
+                        <a:rPr lang="ko-KR" altLang="en-US" sz="900" b="0" i="0" u="none" strike="noStrike" dirty="0">
                           <a:solidFill>
                             <a:schemeClr val="tx1"/>
                           </a:solidFill>
@@ -4154,11 +4236,28 @@
                           <a:ea typeface="+mn-ea"/>
                           <a:cs typeface="+mn-cs"/>
                         </a:rPr>
-                        <a:t>현재 제품 기능에 관한 일반적인 질문 또는 개선 요청입니다.</a:t>
+                        <a:t>현재 제품 기능에 관한 일반적인 질문 또는 개선 요청입니다</a:t>
                       </a:r>
-                      <a:endParaRPr lang="en-US" sz="900" b="0" i="0">
+                      <a:r>
+                        <a:rPr lang="en-US" altLang="ko-KR" sz="900" b="0" i="0" u="none" strike="noStrike" dirty="0">
+                          <a:solidFill>
+                            <a:schemeClr val="tx1"/>
+                          </a:solidFill>
+                          <a:effectLst/>
+                          <a:latin typeface="Adobe Clean Light" panose="020B0303020404020204" pitchFamily="34" charset="0"/>
+                          <a:ea typeface="+mn-ea"/>
+                          <a:cs typeface="+mn-cs"/>
+                        </a:rPr>
+                        <a:t>.</a:t>
+                      </a:r>
+                      <a:endParaRPr lang="en-US" sz="900" b="0" i="0" u="none" strike="noStrike" dirty="0">
+                        <a:solidFill>
+                          <a:schemeClr val="tx1"/>
+                        </a:solidFill>
+                        <a:effectLst/>
                         <a:latin typeface="Adobe Clean Light" panose="020B0303020404020204" pitchFamily="34" charset="0"/>
-                        <a:cs typeface="AdobeClean-Light"/>
+                        <a:ea typeface="+mn-ea"/>
+                        <a:cs typeface="+mn-cs"/>
                       </a:endParaRPr>
                     </a:p>
                   </a:txBody>
